--- a/images_pvis/mt_gen.pptx
+++ b/images_pvis/mt_gen.pptx
@@ -4720,8 +4720,8 @@
         </p:nvSpPr>
         <p:spPr>
           <a:xfrm>
-            <a:off x="10972800" y="3179962"/>
-            <a:ext cx="1578367" cy="1620638"/>
+            <a:off x="11023600" y="2925804"/>
+            <a:ext cx="1850633" cy="1900196"/>
           </a:xfrm>
           <a:prstGeom prst="ellipse">
             <a:avLst/>
@@ -4803,7 +4803,7 @@
         <p:spPr>
           <a:xfrm flipH="1" flipV="1">
             <a:off x="6776122" y="2149405"/>
-            <a:ext cx="4985862" cy="1030557"/>
+            <a:ext cx="5172795" cy="776399"/>
           </a:xfrm>
           <a:prstGeom prst="line">
             <a:avLst/>
@@ -4843,8 +4843,8 @@
         </p:nvCxnSpPr>
         <p:spPr>
           <a:xfrm flipH="1">
-            <a:off x="6776122" y="4800600"/>
-            <a:ext cx="4985862" cy="1443697"/>
+            <a:off x="6776122" y="4826000"/>
+            <a:ext cx="5172795" cy="1418297"/>
           </a:xfrm>
           <a:prstGeom prst="line">
             <a:avLst/>

--- a/images_pvis/mt_gen.pptx
+++ b/images_pvis/mt_gen.pptx
@@ -3537,481 +3537,6 @@
           <a:chExt cx="0" cy="0"/>
         </a:xfrm>
       </p:grpSpPr>
-      <p:sp>
-        <p:nvSpPr>
-          <p:cNvPr id="90" name="Rectangle 89"/>
-          <p:cNvSpPr>
-            <a:spLocks noChangeAspect="1"/>
-          </p:cNvSpPr>
-          <p:nvPr/>
-        </p:nvSpPr>
-        <p:spPr>
-          <a:xfrm rot="18120000">
-            <a:off x="10814504" y="2001563"/>
-            <a:ext cx="4017858" cy="1211714"/>
-          </a:xfrm>
-          <a:prstGeom prst="rect">
-            <a:avLst/>
-          </a:prstGeom>
-          <a:solidFill>
-            <a:srgbClr val="4A452A">
-              <a:alpha val="81176"/>
-            </a:srgbClr>
-          </a:solidFill>
-          <a:ln w="76200">
-            <a:noFill/>
-            <a:prstDash val="solid"/>
-          </a:ln>
-        </p:spPr>
-        <p:style>
-          <a:lnRef idx="2">
-            <a:schemeClr val="accent1">
-              <a:shade val="50000"/>
-            </a:schemeClr>
-          </a:lnRef>
-          <a:fillRef idx="1">
-            <a:schemeClr val="accent1"/>
-          </a:fillRef>
-          <a:effectRef idx="0">
-            <a:schemeClr val="accent1"/>
-          </a:effectRef>
-          <a:fontRef idx="minor">
-            <a:schemeClr val="lt1"/>
-          </a:fontRef>
-        </p:style>
-        <p:txBody>
-          <a:bodyPr rtlCol="0" anchor="ctr"/>
-          <a:lstStyle/>
-          <a:p>
-            <a:pPr algn="ctr"/>
-            <a:endParaRPr lang="en-US"/>
-          </a:p>
-        </p:txBody>
-      </p:sp>
-      <p:sp>
-        <p:nvSpPr>
-          <p:cNvPr id="70" name="Rectangle 69"/>
-          <p:cNvSpPr>
-            <a:spLocks noChangeAspect="1"/>
-          </p:cNvSpPr>
-          <p:nvPr/>
-        </p:nvSpPr>
-        <p:spPr>
-          <a:xfrm rot="18900000">
-            <a:off x="15621863" y="2771528"/>
-            <a:ext cx="4269846" cy="1357607"/>
-          </a:xfrm>
-          <a:prstGeom prst="rect">
-            <a:avLst/>
-          </a:prstGeom>
-          <a:solidFill>
-            <a:srgbClr val="66C2A4"/>
-          </a:solidFill>
-          <a:ln w="127000">
-            <a:noFill/>
-            <a:prstDash val="dash"/>
-          </a:ln>
-        </p:spPr>
-        <p:style>
-          <a:lnRef idx="2">
-            <a:schemeClr val="accent1">
-              <a:shade val="50000"/>
-            </a:schemeClr>
-          </a:lnRef>
-          <a:fillRef idx="1">
-            <a:schemeClr val="accent1"/>
-          </a:fillRef>
-          <a:effectRef idx="0">
-            <a:schemeClr val="accent1"/>
-          </a:effectRef>
-          <a:fontRef idx="minor">
-            <a:schemeClr val="lt1"/>
-          </a:fontRef>
-        </p:style>
-        <p:txBody>
-          <a:bodyPr rtlCol="0" anchor="ctr"/>
-          <a:lstStyle/>
-          <a:p>
-            <a:pPr algn="ctr"/>
-            <a:endParaRPr lang="en-US" dirty="0"/>
-          </a:p>
-        </p:txBody>
-      </p:sp>
-      <p:sp>
-        <p:nvSpPr>
-          <p:cNvPr id="71" name="Right Arrow 70"/>
-          <p:cNvSpPr/>
-          <p:nvPr/>
-        </p:nvSpPr>
-        <p:spPr>
-          <a:xfrm rot="18898208">
-            <a:off x="15903834" y="3751603"/>
-            <a:ext cx="2666271" cy="591810"/>
-          </a:xfrm>
-          <a:prstGeom prst="rightArrow">
-            <a:avLst>
-              <a:gd name="adj1" fmla="val 34998"/>
-              <a:gd name="adj2" fmla="val 140083"/>
-            </a:avLst>
-          </a:prstGeom>
-          <a:solidFill>
-            <a:srgbClr val="238B45"/>
-          </a:solidFill>
-          <a:ln>
-            <a:noFill/>
-            <a:bevel/>
-          </a:ln>
-        </p:spPr>
-        <p:style>
-          <a:lnRef idx="2">
-            <a:schemeClr val="accent1">
-              <a:shade val="50000"/>
-            </a:schemeClr>
-          </a:lnRef>
-          <a:fillRef idx="1">
-            <a:schemeClr val="accent1"/>
-          </a:fillRef>
-          <a:effectRef idx="0">
-            <a:schemeClr val="accent1"/>
-          </a:effectRef>
-          <a:fontRef idx="minor">
-            <a:schemeClr val="lt1"/>
-          </a:fontRef>
-        </p:style>
-        <p:txBody>
-          <a:bodyPr rtlCol="0" anchor="ctr"/>
-          <a:lstStyle/>
-          <a:p>
-            <a:pPr algn="ctr"/>
-            <a:endParaRPr lang="en-US"/>
-          </a:p>
-        </p:txBody>
-      </p:sp>
-      <p:sp>
-        <p:nvSpPr>
-          <p:cNvPr id="72" name="Left Brace 71"/>
-          <p:cNvSpPr/>
-          <p:nvPr/>
-        </p:nvSpPr>
-        <p:spPr>
-          <a:xfrm rot="13514772">
-            <a:off x="18390073" y="2262233"/>
-            <a:ext cx="388066" cy="4238957"/>
-          </a:xfrm>
-          <a:prstGeom prst="leftBrace">
-            <a:avLst>
-              <a:gd name="adj1" fmla="val 88229"/>
-              <a:gd name="adj2" fmla="val 52127"/>
-            </a:avLst>
-          </a:prstGeom>
-          <a:ln w="127000" cap="sq">
-            <a:solidFill>
-              <a:schemeClr val="accent1">
-                <a:lumMod val="50000"/>
-              </a:schemeClr>
-            </a:solidFill>
-            <a:bevel/>
-            <a:headEnd w="lg" len="lg"/>
-          </a:ln>
-        </p:spPr>
-        <p:style>
-          <a:lnRef idx="1">
-            <a:schemeClr val="accent1"/>
-          </a:lnRef>
-          <a:fillRef idx="0">
-            <a:schemeClr val="accent1"/>
-          </a:fillRef>
-          <a:effectRef idx="0">
-            <a:schemeClr val="accent1"/>
-          </a:effectRef>
-          <a:fontRef idx="minor">
-            <a:schemeClr val="tx1"/>
-          </a:fontRef>
-        </p:style>
-        <p:txBody>
-          <a:bodyPr rtlCol="0" anchor="ctr"/>
-          <a:lstStyle/>
-          <a:p>
-            <a:pPr algn="ctr"/>
-            <a:endParaRPr lang="en-US" b="1">
-              <a:solidFill>
-                <a:schemeClr val="accent1">
-                  <a:lumMod val="50000"/>
-                </a:schemeClr>
-              </a:solidFill>
-            </a:endParaRPr>
-          </a:p>
-        </p:txBody>
-      </p:sp>
-      <p:sp>
-        <p:nvSpPr>
-          <p:cNvPr id="73" name="TextBox 72"/>
-          <p:cNvSpPr txBox="1"/>
-          <p:nvPr/>
-        </p:nvSpPr>
-        <p:spPr>
-          <a:xfrm>
-            <a:off x="19196098" y="3701781"/>
-            <a:ext cx="702891" cy="1938992"/>
-          </a:xfrm>
-          <a:prstGeom prst="rect">
-            <a:avLst/>
-          </a:prstGeom>
-          <a:noFill/>
-        </p:spPr>
-        <p:txBody>
-          <a:bodyPr wrap="square" rtlCol="0">
-            <a:spAutoFit/>
-          </a:bodyPr>
-          <a:lstStyle/>
-          <a:p>
-            <a:endParaRPr lang="en-US" sz="6000" b="1" dirty="0" smtClean="0">
-              <a:solidFill>
-                <a:schemeClr val="accent1">
-                  <a:lumMod val="50000"/>
-                </a:schemeClr>
-              </a:solidFill>
-            </a:endParaRPr>
-          </a:p>
-          <a:p>
-            <a:r>
-              <a:rPr lang="en-US" sz="6000" b="1" dirty="0" smtClean="0">
-                <a:solidFill>
-                  <a:schemeClr val="accent1">
-                    <a:lumMod val="50000"/>
-                  </a:schemeClr>
-                </a:solidFill>
-              </a:rPr>
-              <a:t>L</a:t>
-            </a:r>
-          </a:p>
-        </p:txBody>
-      </p:sp>
-      <p:sp>
-        <p:nvSpPr>
-          <p:cNvPr id="74" name="Left Brace 73"/>
-          <p:cNvSpPr/>
-          <p:nvPr/>
-        </p:nvSpPr>
-        <p:spPr>
-          <a:xfrm rot="8037431">
-            <a:off x="19290296" y="1053884"/>
-            <a:ext cx="356242" cy="1140064"/>
-          </a:xfrm>
-          <a:prstGeom prst="leftBrace">
-            <a:avLst>
-              <a:gd name="adj1" fmla="val 36860"/>
-              <a:gd name="adj2" fmla="val 52127"/>
-            </a:avLst>
-          </a:prstGeom>
-          <a:ln w="127000" cap="sq">
-            <a:solidFill>
-              <a:schemeClr val="accent1">
-                <a:lumMod val="50000"/>
-              </a:schemeClr>
-            </a:solidFill>
-            <a:bevel/>
-            <a:headEnd w="lg" len="lg"/>
-          </a:ln>
-        </p:spPr>
-        <p:style>
-          <a:lnRef idx="1">
-            <a:schemeClr val="accent1"/>
-          </a:lnRef>
-          <a:fillRef idx="0">
-            <a:schemeClr val="accent1"/>
-          </a:fillRef>
-          <a:effectRef idx="0">
-            <a:schemeClr val="accent1"/>
-          </a:effectRef>
-          <a:fontRef idx="minor">
-            <a:schemeClr val="tx1"/>
-          </a:fontRef>
-        </p:style>
-        <p:txBody>
-          <a:bodyPr rtlCol="0" anchor="ctr"/>
-          <a:lstStyle/>
-          <a:p>
-            <a:pPr algn="ctr"/>
-            <a:endParaRPr lang="en-US" b="1">
-              <a:solidFill>
-                <a:schemeClr val="accent1">
-                  <a:lumMod val="50000"/>
-                </a:schemeClr>
-              </a:solidFill>
-            </a:endParaRPr>
-          </a:p>
-        </p:txBody>
-      </p:sp>
-      <p:sp>
-        <p:nvSpPr>
-          <p:cNvPr id="75" name="TextBox 74"/>
-          <p:cNvSpPr txBox="1"/>
-          <p:nvPr/>
-        </p:nvSpPr>
-        <p:spPr>
-          <a:xfrm>
-            <a:off x="19125056" y="334955"/>
-            <a:ext cx="1372744" cy="1015663"/>
-          </a:xfrm>
-          <a:prstGeom prst="rect">
-            <a:avLst/>
-          </a:prstGeom>
-          <a:noFill/>
-        </p:spPr>
-        <p:txBody>
-          <a:bodyPr wrap="square" rtlCol="0">
-            <a:spAutoFit/>
-          </a:bodyPr>
-          <a:lstStyle/>
-          <a:p>
-            <a:r>
-              <a:rPr lang="en-US" sz="6000" b="1" dirty="0" smtClean="0">
-                <a:solidFill>
-                  <a:schemeClr val="accent1">
-                    <a:lumMod val="50000"/>
-                  </a:schemeClr>
-                </a:solidFill>
-              </a:rPr>
-              <a:t>2R</a:t>
-            </a:r>
-          </a:p>
-        </p:txBody>
-      </p:sp>
-      <p:sp>
-        <p:nvSpPr>
-          <p:cNvPr id="76" name="TextBox 75"/>
-          <p:cNvSpPr txBox="1"/>
-          <p:nvPr/>
-        </p:nvSpPr>
-        <p:spPr>
-          <a:xfrm>
-            <a:off x="17796060" y="2170693"/>
-            <a:ext cx="1424814" cy="1015663"/>
-          </a:xfrm>
-          <a:prstGeom prst="rect">
-            <a:avLst/>
-          </a:prstGeom>
-          <a:noFill/>
-        </p:spPr>
-        <p:txBody>
-          <a:bodyPr wrap="square" rtlCol="0">
-            <a:spAutoFit/>
-          </a:bodyPr>
-          <a:lstStyle/>
-          <a:p>
-            <a:r>
-              <a:rPr lang="en-US" sz="6000" b="1" dirty="0" smtClean="0">
-                <a:solidFill>
-                  <a:srgbClr val="238B45"/>
-                </a:solidFill>
-              </a:rPr>
-              <a:t>N</a:t>
-            </a:r>
-            <a:r>
-              <a:rPr lang="en-US" sz="6000" b="1" baseline="-25000" dirty="0" smtClean="0">
-                <a:solidFill>
-                  <a:srgbClr val="238B45"/>
-                </a:solidFill>
-              </a:rPr>
-              <a:t>P</a:t>
-            </a:r>
-          </a:p>
-        </p:txBody>
-      </p:sp>
-      <p:sp>
-        <p:nvSpPr>
-          <p:cNvPr id="77" name="Oval 76"/>
-          <p:cNvSpPr>
-            <a:spLocks noChangeAspect="1"/>
-          </p:cNvSpPr>
-          <p:nvPr/>
-        </p:nvSpPr>
-        <p:spPr>
-          <a:xfrm>
-            <a:off x="16025197" y="4697107"/>
-            <a:ext cx="562664" cy="577291"/>
-          </a:xfrm>
-          <a:prstGeom prst="ellipse">
-            <a:avLst/>
-          </a:prstGeom>
-          <a:solidFill>
-            <a:srgbClr val="238B45"/>
-          </a:solidFill>
-          <a:ln>
-            <a:noFill/>
-          </a:ln>
-        </p:spPr>
-        <p:style>
-          <a:lnRef idx="2">
-            <a:schemeClr val="accent1">
-              <a:shade val="50000"/>
-            </a:schemeClr>
-          </a:lnRef>
-          <a:fillRef idx="1">
-            <a:schemeClr val="accent1"/>
-          </a:fillRef>
-          <a:effectRef idx="0">
-            <a:schemeClr val="accent1"/>
-          </a:effectRef>
-          <a:fontRef idx="minor">
-            <a:schemeClr val="lt1"/>
-          </a:fontRef>
-        </p:style>
-        <p:txBody>
-          <a:bodyPr rtlCol="0" anchor="ctr"/>
-          <a:lstStyle/>
-          <a:p>
-            <a:pPr algn="ctr"/>
-            <a:endParaRPr lang="en-US"/>
-          </a:p>
-        </p:txBody>
-      </p:sp>
-      <p:sp>
-        <p:nvSpPr>
-          <p:cNvPr id="78" name="TextBox 77"/>
-          <p:cNvSpPr txBox="1"/>
-          <p:nvPr/>
-        </p:nvSpPr>
-        <p:spPr>
-          <a:xfrm>
-            <a:off x="15154190" y="4335090"/>
-            <a:ext cx="938491" cy="1015663"/>
-          </a:xfrm>
-          <a:prstGeom prst="rect">
-            <a:avLst/>
-          </a:prstGeom>
-          <a:noFill/>
-        </p:spPr>
-        <p:txBody>
-          <a:bodyPr wrap="square" rtlCol="0">
-            <a:spAutoFit/>
-          </a:bodyPr>
-          <a:lstStyle/>
-          <a:p>
-            <a:r>
-              <a:rPr lang="en-US" sz="6000" b="1" dirty="0" smtClean="0">
-                <a:solidFill>
-                  <a:schemeClr val="accent1">
-                    <a:lumMod val="50000"/>
-                  </a:schemeClr>
-                </a:solidFill>
-              </a:rPr>
-              <a:t>C</a:t>
-            </a:r>
-            <a:r>
-              <a:rPr lang="en-US" sz="6000" b="1" baseline="-25000" dirty="0" smtClean="0">
-                <a:solidFill>
-                  <a:schemeClr val="accent1">
-                    <a:lumMod val="50000"/>
-                  </a:schemeClr>
-                </a:solidFill>
-              </a:rPr>
-              <a:t>P</a:t>
-            </a:r>
-          </a:p>
-        </p:txBody>
-      </p:sp>
       <p:pic>
         <p:nvPicPr>
           <p:cNvPr id="85" name="Picture 84"/>
@@ -4099,6 +3624,481 @@
           </a:prstGeom>
         </p:spPr>
       </p:pic>
+      <p:sp>
+        <p:nvSpPr>
+          <p:cNvPr id="90" name="Rectangle 89"/>
+          <p:cNvSpPr>
+            <a:spLocks noChangeAspect="1"/>
+          </p:cNvSpPr>
+          <p:nvPr/>
+        </p:nvSpPr>
+        <p:spPr>
+          <a:xfrm rot="18120000">
+            <a:off x="10814504" y="2001563"/>
+            <a:ext cx="4017858" cy="1211714"/>
+          </a:xfrm>
+          <a:prstGeom prst="rect">
+            <a:avLst/>
+          </a:prstGeom>
+          <a:solidFill>
+            <a:srgbClr val="4A452A">
+              <a:alpha val="81176"/>
+            </a:srgbClr>
+          </a:solidFill>
+          <a:ln w="76200">
+            <a:noFill/>
+            <a:prstDash val="solid"/>
+          </a:ln>
+        </p:spPr>
+        <p:style>
+          <a:lnRef idx="2">
+            <a:schemeClr val="accent1">
+              <a:shade val="50000"/>
+            </a:schemeClr>
+          </a:lnRef>
+          <a:fillRef idx="1">
+            <a:schemeClr val="accent1"/>
+          </a:fillRef>
+          <a:effectRef idx="0">
+            <a:schemeClr val="accent1"/>
+          </a:effectRef>
+          <a:fontRef idx="minor">
+            <a:schemeClr val="lt1"/>
+          </a:fontRef>
+        </p:style>
+        <p:txBody>
+          <a:bodyPr rtlCol="0" anchor="ctr"/>
+          <a:lstStyle/>
+          <a:p>
+            <a:pPr algn="ctr"/>
+            <a:endParaRPr lang="en-US"/>
+          </a:p>
+        </p:txBody>
+      </p:sp>
+      <p:sp>
+        <p:nvSpPr>
+          <p:cNvPr id="70" name="Rectangle 69"/>
+          <p:cNvSpPr>
+            <a:spLocks noChangeAspect="1"/>
+          </p:cNvSpPr>
+          <p:nvPr/>
+        </p:nvSpPr>
+        <p:spPr>
+          <a:xfrm rot="18900000">
+            <a:off x="15621863" y="2771528"/>
+            <a:ext cx="4269846" cy="1357607"/>
+          </a:xfrm>
+          <a:prstGeom prst="rect">
+            <a:avLst/>
+          </a:prstGeom>
+          <a:solidFill>
+            <a:srgbClr val="66C2A4"/>
+          </a:solidFill>
+          <a:ln w="127000">
+            <a:noFill/>
+            <a:prstDash val="dash"/>
+          </a:ln>
+        </p:spPr>
+        <p:style>
+          <a:lnRef idx="2">
+            <a:schemeClr val="accent1">
+              <a:shade val="50000"/>
+            </a:schemeClr>
+          </a:lnRef>
+          <a:fillRef idx="1">
+            <a:schemeClr val="accent1"/>
+          </a:fillRef>
+          <a:effectRef idx="0">
+            <a:schemeClr val="accent1"/>
+          </a:effectRef>
+          <a:fontRef idx="minor">
+            <a:schemeClr val="lt1"/>
+          </a:fontRef>
+        </p:style>
+        <p:txBody>
+          <a:bodyPr rtlCol="0" anchor="ctr"/>
+          <a:lstStyle/>
+          <a:p>
+            <a:pPr algn="ctr"/>
+            <a:endParaRPr lang="en-US" dirty="0"/>
+          </a:p>
+        </p:txBody>
+      </p:sp>
+      <p:sp>
+        <p:nvSpPr>
+          <p:cNvPr id="71" name="Right Arrow 70"/>
+          <p:cNvSpPr/>
+          <p:nvPr/>
+        </p:nvSpPr>
+        <p:spPr>
+          <a:xfrm rot="18898208">
+            <a:off x="15903834" y="3751603"/>
+            <a:ext cx="2666271" cy="591810"/>
+          </a:xfrm>
+          <a:prstGeom prst="rightArrow">
+            <a:avLst>
+              <a:gd name="adj1" fmla="val 34998"/>
+              <a:gd name="adj2" fmla="val 140083"/>
+            </a:avLst>
+          </a:prstGeom>
+          <a:solidFill>
+            <a:srgbClr val="238B45"/>
+          </a:solidFill>
+          <a:ln>
+            <a:noFill/>
+            <a:bevel/>
+          </a:ln>
+        </p:spPr>
+        <p:style>
+          <a:lnRef idx="2">
+            <a:schemeClr val="accent1">
+              <a:shade val="50000"/>
+            </a:schemeClr>
+          </a:lnRef>
+          <a:fillRef idx="1">
+            <a:schemeClr val="accent1"/>
+          </a:fillRef>
+          <a:effectRef idx="0">
+            <a:schemeClr val="accent1"/>
+          </a:effectRef>
+          <a:fontRef idx="minor">
+            <a:schemeClr val="lt1"/>
+          </a:fontRef>
+        </p:style>
+        <p:txBody>
+          <a:bodyPr rtlCol="0" anchor="ctr"/>
+          <a:lstStyle/>
+          <a:p>
+            <a:pPr algn="ctr"/>
+            <a:endParaRPr lang="en-US"/>
+          </a:p>
+        </p:txBody>
+      </p:sp>
+      <p:sp>
+        <p:nvSpPr>
+          <p:cNvPr id="72" name="Left Brace 71"/>
+          <p:cNvSpPr/>
+          <p:nvPr/>
+        </p:nvSpPr>
+        <p:spPr>
+          <a:xfrm rot="13514772">
+            <a:off x="18390073" y="2262233"/>
+            <a:ext cx="388066" cy="4238957"/>
+          </a:xfrm>
+          <a:prstGeom prst="leftBrace">
+            <a:avLst>
+              <a:gd name="adj1" fmla="val 88229"/>
+              <a:gd name="adj2" fmla="val 52127"/>
+            </a:avLst>
+          </a:prstGeom>
+          <a:ln w="127000" cap="sq">
+            <a:solidFill>
+              <a:schemeClr val="accent1">
+                <a:lumMod val="50000"/>
+              </a:schemeClr>
+            </a:solidFill>
+            <a:bevel/>
+            <a:headEnd w="lg" len="lg"/>
+          </a:ln>
+        </p:spPr>
+        <p:style>
+          <a:lnRef idx="1">
+            <a:schemeClr val="accent1"/>
+          </a:lnRef>
+          <a:fillRef idx="0">
+            <a:schemeClr val="accent1"/>
+          </a:fillRef>
+          <a:effectRef idx="0">
+            <a:schemeClr val="accent1"/>
+          </a:effectRef>
+          <a:fontRef idx="minor">
+            <a:schemeClr val="tx1"/>
+          </a:fontRef>
+        </p:style>
+        <p:txBody>
+          <a:bodyPr rtlCol="0" anchor="ctr"/>
+          <a:lstStyle/>
+          <a:p>
+            <a:pPr algn="ctr"/>
+            <a:endParaRPr lang="en-US" b="1">
+              <a:solidFill>
+                <a:schemeClr val="accent1">
+                  <a:lumMod val="50000"/>
+                </a:schemeClr>
+              </a:solidFill>
+            </a:endParaRPr>
+          </a:p>
+        </p:txBody>
+      </p:sp>
+      <p:sp>
+        <p:nvSpPr>
+          <p:cNvPr id="73" name="TextBox 72"/>
+          <p:cNvSpPr txBox="1"/>
+          <p:nvPr/>
+        </p:nvSpPr>
+        <p:spPr>
+          <a:xfrm>
+            <a:off x="19196098" y="3701781"/>
+            <a:ext cx="702891" cy="1938992"/>
+          </a:xfrm>
+          <a:prstGeom prst="rect">
+            <a:avLst/>
+          </a:prstGeom>
+          <a:noFill/>
+        </p:spPr>
+        <p:txBody>
+          <a:bodyPr wrap="square" rtlCol="0">
+            <a:spAutoFit/>
+          </a:bodyPr>
+          <a:lstStyle/>
+          <a:p>
+            <a:endParaRPr lang="en-US" sz="6000" b="1" dirty="0" smtClean="0">
+              <a:solidFill>
+                <a:schemeClr val="accent1">
+                  <a:lumMod val="50000"/>
+                </a:schemeClr>
+              </a:solidFill>
+            </a:endParaRPr>
+          </a:p>
+          <a:p>
+            <a:r>
+              <a:rPr lang="en-US" sz="6000" b="1" dirty="0" smtClean="0">
+                <a:solidFill>
+                  <a:schemeClr val="accent1">
+                    <a:lumMod val="50000"/>
+                  </a:schemeClr>
+                </a:solidFill>
+              </a:rPr>
+              <a:t>L</a:t>
+            </a:r>
+          </a:p>
+        </p:txBody>
+      </p:sp>
+      <p:sp>
+        <p:nvSpPr>
+          <p:cNvPr id="74" name="Left Brace 73"/>
+          <p:cNvSpPr/>
+          <p:nvPr/>
+        </p:nvSpPr>
+        <p:spPr>
+          <a:xfrm rot="8037431">
+            <a:off x="19290296" y="1053884"/>
+            <a:ext cx="356242" cy="1140064"/>
+          </a:xfrm>
+          <a:prstGeom prst="leftBrace">
+            <a:avLst>
+              <a:gd name="adj1" fmla="val 36860"/>
+              <a:gd name="adj2" fmla="val 52127"/>
+            </a:avLst>
+          </a:prstGeom>
+          <a:ln w="127000" cap="sq">
+            <a:solidFill>
+              <a:schemeClr val="accent1">
+                <a:lumMod val="50000"/>
+              </a:schemeClr>
+            </a:solidFill>
+            <a:bevel/>
+            <a:headEnd w="lg" len="lg"/>
+          </a:ln>
+        </p:spPr>
+        <p:style>
+          <a:lnRef idx="1">
+            <a:schemeClr val="accent1"/>
+          </a:lnRef>
+          <a:fillRef idx="0">
+            <a:schemeClr val="accent1"/>
+          </a:fillRef>
+          <a:effectRef idx="0">
+            <a:schemeClr val="accent1"/>
+          </a:effectRef>
+          <a:fontRef idx="minor">
+            <a:schemeClr val="tx1"/>
+          </a:fontRef>
+        </p:style>
+        <p:txBody>
+          <a:bodyPr rtlCol="0" anchor="ctr"/>
+          <a:lstStyle/>
+          <a:p>
+            <a:pPr algn="ctr"/>
+            <a:endParaRPr lang="en-US" b="1">
+              <a:solidFill>
+                <a:schemeClr val="accent1">
+                  <a:lumMod val="50000"/>
+                </a:schemeClr>
+              </a:solidFill>
+            </a:endParaRPr>
+          </a:p>
+        </p:txBody>
+      </p:sp>
+      <p:sp>
+        <p:nvSpPr>
+          <p:cNvPr id="75" name="TextBox 74"/>
+          <p:cNvSpPr txBox="1"/>
+          <p:nvPr/>
+        </p:nvSpPr>
+        <p:spPr>
+          <a:xfrm>
+            <a:off x="19125056" y="334955"/>
+            <a:ext cx="1372744" cy="1015663"/>
+          </a:xfrm>
+          <a:prstGeom prst="rect">
+            <a:avLst/>
+          </a:prstGeom>
+          <a:noFill/>
+        </p:spPr>
+        <p:txBody>
+          <a:bodyPr wrap="square" rtlCol="0">
+            <a:spAutoFit/>
+          </a:bodyPr>
+          <a:lstStyle/>
+          <a:p>
+            <a:r>
+              <a:rPr lang="en-US" sz="6000" b="1" dirty="0" smtClean="0">
+                <a:solidFill>
+                  <a:schemeClr val="accent1">
+                    <a:lumMod val="50000"/>
+                  </a:schemeClr>
+                </a:solidFill>
+              </a:rPr>
+              <a:t>2R</a:t>
+            </a:r>
+          </a:p>
+        </p:txBody>
+      </p:sp>
+      <p:sp>
+        <p:nvSpPr>
+          <p:cNvPr id="76" name="TextBox 75"/>
+          <p:cNvSpPr txBox="1"/>
+          <p:nvPr/>
+        </p:nvSpPr>
+        <p:spPr>
+          <a:xfrm>
+            <a:off x="17796060" y="2170693"/>
+            <a:ext cx="1424814" cy="1015663"/>
+          </a:xfrm>
+          <a:prstGeom prst="rect">
+            <a:avLst/>
+          </a:prstGeom>
+          <a:noFill/>
+        </p:spPr>
+        <p:txBody>
+          <a:bodyPr wrap="square" rtlCol="0">
+            <a:spAutoFit/>
+          </a:bodyPr>
+          <a:lstStyle/>
+          <a:p>
+            <a:r>
+              <a:rPr lang="en-US" sz="6000" b="1" dirty="0" smtClean="0">
+                <a:solidFill>
+                  <a:srgbClr val="238B45"/>
+                </a:solidFill>
+              </a:rPr>
+              <a:t>N</a:t>
+            </a:r>
+            <a:r>
+              <a:rPr lang="en-US" sz="6000" b="1" baseline="-25000" dirty="0" smtClean="0">
+                <a:solidFill>
+                  <a:srgbClr val="238B45"/>
+                </a:solidFill>
+              </a:rPr>
+              <a:t>P</a:t>
+            </a:r>
+          </a:p>
+        </p:txBody>
+      </p:sp>
+      <p:sp>
+        <p:nvSpPr>
+          <p:cNvPr id="77" name="Oval 76"/>
+          <p:cNvSpPr>
+            <a:spLocks noChangeAspect="1"/>
+          </p:cNvSpPr>
+          <p:nvPr/>
+        </p:nvSpPr>
+        <p:spPr>
+          <a:xfrm>
+            <a:off x="16025197" y="4697107"/>
+            <a:ext cx="562664" cy="577291"/>
+          </a:xfrm>
+          <a:prstGeom prst="ellipse">
+            <a:avLst/>
+          </a:prstGeom>
+          <a:solidFill>
+            <a:srgbClr val="238B45"/>
+          </a:solidFill>
+          <a:ln>
+            <a:noFill/>
+          </a:ln>
+        </p:spPr>
+        <p:style>
+          <a:lnRef idx="2">
+            <a:schemeClr val="accent1">
+              <a:shade val="50000"/>
+            </a:schemeClr>
+          </a:lnRef>
+          <a:fillRef idx="1">
+            <a:schemeClr val="accent1"/>
+          </a:fillRef>
+          <a:effectRef idx="0">
+            <a:schemeClr val="accent1"/>
+          </a:effectRef>
+          <a:fontRef idx="minor">
+            <a:schemeClr val="lt1"/>
+          </a:fontRef>
+        </p:style>
+        <p:txBody>
+          <a:bodyPr rtlCol="0" anchor="ctr"/>
+          <a:lstStyle/>
+          <a:p>
+            <a:pPr algn="ctr"/>
+            <a:endParaRPr lang="en-US"/>
+          </a:p>
+        </p:txBody>
+      </p:sp>
+      <p:sp>
+        <p:nvSpPr>
+          <p:cNvPr id="78" name="TextBox 77"/>
+          <p:cNvSpPr txBox="1"/>
+          <p:nvPr/>
+        </p:nvSpPr>
+        <p:spPr>
+          <a:xfrm>
+            <a:off x="15154190" y="4335090"/>
+            <a:ext cx="938491" cy="1015663"/>
+          </a:xfrm>
+          <a:prstGeom prst="rect">
+            <a:avLst/>
+          </a:prstGeom>
+          <a:noFill/>
+        </p:spPr>
+        <p:txBody>
+          <a:bodyPr wrap="square" rtlCol="0">
+            <a:spAutoFit/>
+          </a:bodyPr>
+          <a:lstStyle/>
+          <a:p>
+            <a:r>
+              <a:rPr lang="en-US" sz="6000" b="1" dirty="0" smtClean="0">
+                <a:solidFill>
+                  <a:schemeClr val="accent1">
+                    <a:lumMod val="50000"/>
+                  </a:schemeClr>
+                </a:solidFill>
+              </a:rPr>
+              <a:t>C</a:t>
+            </a:r>
+            <a:r>
+              <a:rPr lang="en-US" sz="6000" b="1" baseline="-25000" dirty="0" smtClean="0">
+                <a:solidFill>
+                  <a:schemeClr val="accent1">
+                    <a:lumMod val="50000"/>
+                  </a:schemeClr>
+                </a:solidFill>
+              </a:rPr>
+              <a:t>P</a:t>
+            </a:r>
+          </a:p>
+        </p:txBody>
+      </p:sp>
       <p:sp>
         <p:nvSpPr>
           <p:cNvPr id="88" name="Rectangle 87"/>
@@ -7885,6 +7885,13 @@
   <p:clrMapOvr>
     <a:masterClrMapping/>
   </p:clrMapOvr>
+  <p:timing>
+    <p:tnLst>
+      <p:par>
+        <p:cTn id="1" dur="indefinite" restart="never" nodeType="tmRoot"/>
+      </p:par>
+    </p:tnLst>
+  </p:timing>
 </p:sld>
 </file>
 

--- a/images_pvis/mt_gen.pptx
+++ b/images_pvis/mt_gen.pptx
@@ -4796,7 +4796,6 @@
           <p:cNvPr id="98" name="Straight Connector 97"/>
           <p:cNvCxnSpPr>
             <a:stCxn id="96" idx="0"/>
-            <a:endCxn id="192" idx="7"/>
           </p:cNvCxnSpPr>
           <p:nvPr/>
         </p:nvCxnSpPr>
@@ -4837,7 +4836,6 @@
           <p:cNvPr id="99" name="Straight Connector 98"/>
           <p:cNvCxnSpPr>
             <a:stCxn id="96" idx="4"/>
-            <a:endCxn id="192" idx="5"/>
           </p:cNvCxnSpPr>
           <p:nvPr/>
         </p:nvCxnSpPr>
@@ -5118,7 +5116,7 @@
           <a:p>
             <a:pPr algn="ctr"/>
             <a:r>
-              <a:rPr lang="en-US" sz="5400" b="1" dirty="0" smtClean="0">
+              <a:rPr lang="en-US" sz="5400" dirty="0" smtClean="0">
                 <a:solidFill>
                   <a:schemeClr val="accent1">
                     <a:lumMod val="50000"/>
@@ -5127,7 +5125,7 @@
               </a:rPr>
               <a:t>Unreliable Hessian</a:t>
             </a:r>
-            <a:endParaRPr lang="en-US" sz="5400" b="1" dirty="0">
+            <a:endParaRPr lang="en-US" sz="5400" dirty="0">
               <a:solidFill>
                 <a:schemeClr val="accent1">
                   <a:lumMod val="50000"/>
@@ -5165,7 +5163,7 @@
           <a:p>
             <a:pPr algn="ctr"/>
             <a:r>
-              <a:rPr lang="en-US" sz="5400" b="1" dirty="0" smtClean="0">
+              <a:rPr lang="en-US" sz="5400" dirty="0" smtClean="0">
                 <a:solidFill>
                   <a:schemeClr val="accent1">
                     <a:lumMod val="50000"/>
@@ -5174,7 +5172,7 @@
               </a:rPr>
               <a:t>Possible candidates</a:t>
             </a:r>
-            <a:endParaRPr lang="en-US" sz="5400" b="1" dirty="0">
+            <a:endParaRPr lang="en-US" sz="5400" dirty="0">
               <a:solidFill>
                 <a:schemeClr val="accent1">
                   <a:lumMod val="50000"/>
@@ -5184,2697 +5182,2780 @@
           </a:p>
         </p:txBody>
       </p:sp>
+      <p:sp>
+        <p:nvSpPr>
+          <p:cNvPr id="186" name="Rectangle 187"/>
+          <p:cNvSpPr>
+            <a:spLocks noChangeAspect="1"/>
+          </p:cNvSpPr>
+          <p:nvPr/>
+        </p:nvSpPr>
+        <p:spPr>
+          <a:xfrm rot="18120000">
+            <a:off x="3627164" y="2283977"/>
+            <a:ext cx="4034765" cy="2918931"/>
+          </a:xfrm>
+          <a:custGeom>
+            <a:avLst/>
+            <a:gdLst/>
+            <a:ahLst/>
+            <a:cxnLst/>
+            <a:rect l="l" t="t" r="r" b="b"/>
+            <a:pathLst>
+              <a:path w="4162725" h="3011503">
+                <a:moveTo>
+                  <a:pt x="4002565" y="0"/>
+                </a:moveTo>
+                <a:cubicBezTo>
+                  <a:pt x="4356816" y="1056482"/>
+                  <a:pt x="4113135" y="2217289"/>
+                  <a:pt x="3373275" y="3011503"/>
+                </a:cubicBezTo>
+                <a:lnTo>
+                  <a:pt x="0" y="3011503"/>
+                </a:lnTo>
+                <a:lnTo>
+                  <a:pt x="1" y="0"/>
+                </a:lnTo>
+                <a:close/>
+              </a:path>
+            </a:pathLst>
+          </a:custGeom>
+          <a:solidFill>
+            <a:srgbClr val="4A452A">
+              <a:alpha val="81176"/>
+            </a:srgbClr>
+          </a:solidFill>
+          <a:ln w="76200">
+            <a:noFill/>
+            <a:prstDash val="solid"/>
+          </a:ln>
+        </p:spPr>
+        <p:style>
+          <a:lnRef idx="2">
+            <a:schemeClr val="accent1">
+              <a:shade val="50000"/>
+            </a:schemeClr>
+          </a:lnRef>
+          <a:fillRef idx="1">
+            <a:schemeClr val="accent1"/>
+          </a:fillRef>
+          <a:effectRef idx="0">
+            <a:schemeClr val="accent1"/>
+          </a:effectRef>
+          <a:fontRef idx="minor">
+            <a:schemeClr val="lt1"/>
+          </a:fontRef>
+        </p:style>
+        <p:txBody>
+          <a:bodyPr rtlCol="0" anchor="ctr"/>
+          <a:lstStyle/>
+          <a:p>
+            <a:pPr algn="ctr"/>
+            <a:endParaRPr lang="en-US"/>
+          </a:p>
+        </p:txBody>
+      </p:sp>
+      <p:sp>
+        <p:nvSpPr>
+          <p:cNvPr id="187" name="Rectangle 189"/>
+          <p:cNvSpPr>
+            <a:spLocks noChangeAspect="1"/>
+          </p:cNvSpPr>
+          <p:nvPr/>
+        </p:nvSpPr>
+        <p:spPr>
+          <a:xfrm rot="18900000">
+            <a:off x="2566564" y="3958292"/>
+            <a:ext cx="3798901" cy="2997104"/>
+          </a:xfrm>
+          <a:custGeom>
+            <a:avLst/>
+            <a:gdLst/>
+            <a:ahLst/>
+            <a:cxnLst/>
+            <a:rect l="l" t="t" r="r" b="b"/>
+            <a:pathLst>
+              <a:path w="3919381" h="3092156">
+                <a:moveTo>
+                  <a:pt x="3919381" y="0"/>
+                </a:moveTo>
+                <a:lnTo>
+                  <a:pt x="3919381" y="3092156"/>
+                </a:lnTo>
+                <a:lnTo>
+                  <a:pt x="1140006" y="3092156"/>
+                </a:lnTo>
+                <a:cubicBezTo>
+                  <a:pt x="1062812" y="3028706"/>
+                  <a:pt x="988068" y="2960803"/>
+                  <a:pt x="915922" y="2888658"/>
+                </a:cubicBezTo>
+                <a:cubicBezTo>
+                  <a:pt x="124755" y="2097490"/>
+                  <a:pt x="-156247" y="993750"/>
+                  <a:pt x="82211" y="0"/>
+                </a:cubicBezTo>
+                <a:close/>
+              </a:path>
+            </a:pathLst>
+          </a:custGeom>
+          <a:solidFill>
+            <a:srgbClr val="66C2A4">
+              <a:alpha val="83922"/>
+            </a:srgbClr>
+          </a:solidFill>
+          <a:ln w="76200">
+            <a:noFill/>
+            <a:prstDash val="solid"/>
+          </a:ln>
+        </p:spPr>
+        <p:style>
+          <a:lnRef idx="2">
+            <a:schemeClr val="accent1">
+              <a:shade val="50000"/>
+            </a:schemeClr>
+          </a:lnRef>
+          <a:fillRef idx="1">
+            <a:schemeClr val="accent1"/>
+          </a:fillRef>
+          <a:effectRef idx="0">
+            <a:schemeClr val="accent1"/>
+          </a:effectRef>
+          <a:fontRef idx="minor">
+            <a:schemeClr val="lt1"/>
+          </a:fontRef>
+        </p:style>
+        <p:txBody>
+          <a:bodyPr rtlCol="0" anchor="ctr"/>
+          <a:lstStyle/>
+          <a:p>
+            <a:pPr algn="ctr"/>
+            <a:endParaRPr lang="en-US">
+              <a:solidFill>
+                <a:schemeClr val="bg2">
+                  <a:lumMod val="25000"/>
+                </a:schemeClr>
+              </a:solidFill>
+            </a:endParaRPr>
+          </a:p>
+        </p:txBody>
+      </p:sp>
+      <p:sp>
+        <p:nvSpPr>
+          <p:cNvPr id="188" name="Freeform 187"/>
+          <p:cNvSpPr/>
+          <p:nvPr/>
+        </p:nvSpPr>
+        <p:spPr>
+          <a:xfrm>
+            <a:off x="1631567" y="1313036"/>
+            <a:ext cx="6045200" cy="4034942"/>
+          </a:xfrm>
+          <a:custGeom>
+            <a:avLst/>
+            <a:gdLst>
+              <a:gd name="connsiteX0" fmla="*/ 7200900 w 22917150"/>
+              <a:gd name="connsiteY0" fmla="*/ 0 h 22688550"/>
+              <a:gd name="connsiteX1" fmla="*/ 3486150 w 22917150"/>
+              <a:gd name="connsiteY1" fmla="*/ 4057650 h 22688550"/>
+              <a:gd name="connsiteX2" fmla="*/ 0 w 22917150"/>
+              <a:gd name="connsiteY2" fmla="*/ 14058900 h 22688550"/>
+              <a:gd name="connsiteX3" fmla="*/ 800100 w 22917150"/>
+              <a:gd name="connsiteY3" fmla="*/ 19602450 h 22688550"/>
+              <a:gd name="connsiteX4" fmla="*/ 3028950 w 22917150"/>
+              <a:gd name="connsiteY4" fmla="*/ 22688550 h 22688550"/>
+              <a:gd name="connsiteX5" fmla="*/ 12115800 w 22917150"/>
+              <a:gd name="connsiteY5" fmla="*/ 19088100 h 22688550"/>
+              <a:gd name="connsiteX6" fmla="*/ 18230850 w 22917150"/>
+              <a:gd name="connsiteY6" fmla="*/ 22117050 h 22688550"/>
+              <a:gd name="connsiteX7" fmla="*/ 22917150 w 22917150"/>
+              <a:gd name="connsiteY7" fmla="*/ 15773400 h 22688550"/>
+              <a:gd name="connsiteX8" fmla="*/ 7258050 w 22917150"/>
+              <a:gd name="connsiteY8" fmla="*/ 0 h 22688550"/>
+              <a:gd name="connsiteX0" fmla="*/ 7200900 w 23331238"/>
+              <a:gd name="connsiteY0" fmla="*/ 0 h 22688550"/>
+              <a:gd name="connsiteX1" fmla="*/ 3486150 w 23331238"/>
+              <a:gd name="connsiteY1" fmla="*/ 4057650 h 22688550"/>
+              <a:gd name="connsiteX2" fmla="*/ 0 w 23331238"/>
+              <a:gd name="connsiteY2" fmla="*/ 14058900 h 22688550"/>
+              <a:gd name="connsiteX3" fmla="*/ 800100 w 23331238"/>
+              <a:gd name="connsiteY3" fmla="*/ 19602450 h 22688550"/>
+              <a:gd name="connsiteX4" fmla="*/ 3028950 w 23331238"/>
+              <a:gd name="connsiteY4" fmla="*/ 22688550 h 22688550"/>
+              <a:gd name="connsiteX5" fmla="*/ 12115800 w 23331238"/>
+              <a:gd name="connsiteY5" fmla="*/ 19088100 h 22688550"/>
+              <a:gd name="connsiteX6" fmla="*/ 18230850 w 23331238"/>
+              <a:gd name="connsiteY6" fmla="*/ 22117050 h 22688550"/>
+              <a:gd name="connsiteX7" fmla="*/ 22917150 w 23331238"/>
+              <a:gd name="connsiteY7" fmla="*/ 15773400 h 22688550"/>
+              <a:gd name="connsiteX8" fmla="*/ 7258050 w 23331238"/>
+              <a:gd name="connsiteY8" fmla="*/ 0 h 22688550"/>
+              <a:gd name="connsiteX0" fmla="*/ 7200900 w 23331238"/>
+              <a:gd name="connsiteY0" fmla="*/ 0 h 22688550"/>
+              <a:gd name="connsiteX1" fmla="*/ 3486150 w 23331238"/>
+              <a:gd name="connsiteY1" fmla="*/ 4057650 h 22688550"/>
+              <a:gd name="connsiteX2" fmla="*/ 0 w 23331238"/>
+              <a:gd name="connsiteY2" fmla="*/ 14058900 h 22688550"/>
+              <a:gd name="connsiteX3" fmla="*/ 800100 w 23331238"/>
+              <a:gd name="connsiteY3" fmla="*/ 19602450 h 22688550"/>
+              <a:gd name="connsiteX4" fmla="*/ 3028950 w 23331238"/>
+              <a:gd name="connsiteY4" fmla="*/ 22688550 h 22688550"/>
+              <a:gd name="connsiteX5" fmla="*/ 12115800 w 23331238"/>
+              <a:gd name="connsiteY5" fmla="*/ 19088100 h 22688550"/>
+              <a:gd name="connsiteX6" fmla="*/ 18230850 w 23331238"/>
+              <a:gd name="connsiteY6" fmla="*/ 22117050 h 22688550"/>
+              <a:gd name="connsiteX7" fmla="*/ 22917150 w 23331238"/>
+              <a:gd name="connsiteY7" fmla="*/ 15773400 h 22688550"/>
+              <a:gd name="connsiteX8" fmla="*/ 7258050 w 23331238"/>
+              <a:gd name="connsiteY8" fmla="*/ 0 h 22688550"/>
+              <a:gd name="connsiteX0" fmla="*/ 7200900 w 23331238"/>
+              <a:gd name="connsiteY0" fmla="*/ 0 h 22688550"/>
+              <a:gd name="connsiteX1" fmla="*/ 3486150 w 23331238"/>
+              <a:gd name="connsiteY1" fmla="*/ 4057650 h 22688550"/>
+              <a:gd name="connsiteX2" fmla="*/ 0 w 23331238"/>
+              <a:gd name="connsiteY2" fmla="*/ 14058900 h 22688550"/>
+              <a:gd name="connsiteX3" fmla="*/ 800100 w 23331238"/>
+              <a:gd name="connsiteY3" fmla="*/ 19602450 h 22688550"/>
+              <a:gd name="connsiteX4" fmla="*/ 3028950 w 23331238"/>
+              <a:gd name="connsiteY4" fmla="*/ 22688550 h 22688550"/>
+              <a:gd name="connsiteX5" fmla="*/ 12115800 w 23331238"/>
+              <a:gd name="connsiteY5" fmla="*/ 19088100 h 22688550"/>
+              <a:gd name="connsiteX6" fmla="*/ 18230850 w 23331238"/>
+              <a:gd name="connsiteY6" fmla="*/ 22117050 h 22688550"/>
+              <a:gd name="connsiteX7" fmla="*/ 22917150 w 23331238"/>
+              <a:gd name="connsiteY7" fmla="*/ 15773400 h 22688550"/>
+              <a:gd name="connsiteX8" fmla="*/ 7258050 w 23331238"/>
+              <a:gd name="connsiteY8" fmla="*/ 0 h 22688550"/>
+              <a:gd name="connsiteX0" fmla="*/ 7220286 w 23350624"/>
+              <a:gd name="connsiteY0" fmla="*/ 0 h 22688550"/>
+              <a:gd name="connsiteX1" fmla="*/ 3505536 w 23350624"/>
+              <a:gd name="connsiteY1" fmla="*/ 4057650 h 22688550"/>
+              <a:gd name="connsiteX2" fmla="*/ 19386 w 23350624"/>
+              <a:gd name="connsiteY2" fmla="*/ 14058900 h 22688550"/>
+              <a:gd name="connsiteX3" fmla="*/ 819486 w 23350624"/>
+              <a:gd name="connsiteY3" fmla="*/ 19602450 h 22688550"/>
+              <a:gd name="connsiteX4" fmla="*/ 3048336 w 23350624"/>
+              <a:gd name="connsiteY4" fmla="*/ 22688550 h 22688550"/>
+              <a:gd name="connsiteX5" fmla="*/ 12135186 w 23350624"/>
+              <a:gd name="connsiteY5" fmla="*/ 19088100 h 22688550"/>
+              <a:gd name="connsiteX6" fmla="*/ 18250236 w 23350624"/>
+              <a:gd name="connsiteY6" fmla="*/ 22117050 h 22688550"/>
+              <a:gd name="connsiteX7" fmla="*/ 22936536 w 23350624"/>
+              <a:gd name="connsiteY7" fmla="*/ 15773400 h 22688550"/>
+              <a:gd name="connsiteX8" fmla="*/ 7277436 w 23350624"/>
+              <a:gd name="connsiteY8" fmla="*/ 0 h 22688550"/>
+              <a:gd name="connsiteX0" fmla="*/ 7220286 w 23350624"/>
+              <a:gd name="connsiteY0" fmla="*/ 0 h 22692482"/>
+              <a:gd name="connsiteX1" fmla="*/ 3505536 w 23350624"/>
+              <a:gd name="connsiteY1" fmla="*/ 4057650 h 22692482"/>
+              <a:gd name="connsiteX2" fmla="*/ 19386 w 23350624"/>
+              <a:gd name="connsiteY2" fmla="*/ 14058900 h 22692482"/>
+              <a:gd name="connsiteX3" fmla="*/ 819486 w 23350624"/>
+              <a:gd name="connsiteY3" fmla="*/ 19602450 h 22692482"/>
+              <a:gd name="connsiteX4" fmla="*/ 3048336 w 23350624"/>
+              <a:gd name="connsiteY4" fmla="*/ 22688550 h 22692482"/>
+              <a:gd name="connsiteX5" fmla="*/ 12135186 w 23350624"/>
+              <a:gd name="connsiteY5" fmla="*/ 19088100 h 22692482"/>
+              <a:gd name="connsiteX6" fmla="*/ 18250236 w 23350624"/>
+              <a:gd name="connsiteY6" fmla="*/ 22117050 h 22692482"/>
+              <a:gd name="connsiteX7" fmla="*/ 22936536 w 23350624"/>
+              <a:gd name="connsiteY7" fmla="*/ 15773400 h 22692482"/>
+              <a:gd name="connsiteX8" fmla="*/ 7277436 w 23350624"/>
+              <a:gd name="connsiteY8" fmla="*/ 0 h 22692482"/>
+              <a:gd name="connsiteX0" fmla="*/ 7220286 w 23350624"/>
+              <a:gd name="connsiteY0" fmla="*/ 0 h 22692482"/>
+              <a:gd name="connsiteX1" fmla="*/ 3505536 w 23350624"/>
+              <a:gd name="connsiteY1" fmla="*/ 4057650 h 22692482"/>
+              <a:gd name="connsiteX2" fmla="*/ 19386 w 23350624"/>
+              <a:gd name="connsiteY2" fmla="*/ 14058900 h 22692482"/>
+              <a:gd name="connsiteX3" fmla="*/ 819486 w 23350624"/>
+              <a:gd name="connsiteY3" fmla="*/ 19602450 h 22692482"/>
+              <a:gd name="connsiteX4" fmla="*/ 3048336 w 23350624"/>
+              <a:gd name="connsiteY4" fmla="*/ 22688550 h 22692482"/>
+              <a:gd name="connsiteX5" fmla="*/ 12135186 w 23350624"/>
+              <a:gd name="connsiteY5" fmla="*/ 19088100 h 22692482"/>
+              <a:gd name="connsiteX6" fmla="*/ 18250236 w 23350624"/>
+              <a:gd name="connsiteY6" fmla="*/ 22117050 h 22692482"/>
+              <a:gd name="connsiteX7" fmla="*/ 22936536 w 23350624"/>
+              <a:gd name="connsiteY7" fmla="*/ 15773400 h 22692482"/>
+              <a:gd name="connsiteX8" fmla="*/ 7277436 w 23350624"/>
+              <a:gd name="connsiteY8" fmla="*/ 0 h 22692482"/>
+              <a:gd name="connsiteX0" fmla="*/ 7220286 w 23350624"/>
+              <a:gd name="connsiteY0" fmla="*/ 0 h 22692482"/>
+              <a:gd name="connsiteX1" fmla="*/ 3505536 w 23350624"/>
+              <a:gd name="connsiteY1" fmla="*/ 4057650 h 22692482"/>
+              <a:gd name="connsiteX2" fmla="*/ 19386 w 23350624"/>
+              <a:gd name="connsiteY2" fmla="*/ 14058900 h 22692482"/>
+              <a:gd name="connsiteX3" fmla="*/ 819486 w 23350624"/>
+              <a:gd name="connsiteY3" fmla="*/ 19602450 h 22692482"/>
+              <a:gd name="connsiteX4" fmla="*/ 3048336 w 23350624"/>
+              <a:gd name="connsiteY4" fmla="*/ 22688550 h 22692482"/>
+              <a:gd name="connsiteX5" fmla="*/ 11623613 w 23350624"/>
+              <a:gd name="connsiteY5" fmla="*/ 19088098 h 22692482"/>
+              <a:gd name="connsiteX6" fmla="*/ 18250236 w 23350624"/>
+              <a:gd name="connsiteY6" fmla="*/ 22117050 h 22692482"/>
+              <a:gd name="connsiteX7" fmla="*/ 22936536 w 23350624"/>
+              <a:gd name="connsiteY7" fmla="*/ 15773400 h 22692482"/>
+              <a:gd name="connsiteX8" fmla="*/ 7277436 w 23350624"/>
+              <a:gd name="connsiteY8" fmla="*/ 0 h 22692482"/>
+              <a:gd name="connsiteX0" fmla="*/ 7450798 w 23581136"/>
+              <a:gd name="connsiteY0" fmla="*/ 0 h 22693040"/>
+              <a:gd name="connsiteX1" fmla="*/ 3736048 w 23581136"/>
+              <a:gd name="connsiteY1" fmla="*/ 4057650 h 22693040"/>
+              <a:gd name="connsiteX2" fmla="*/ 249898 w 23581136"/>
+              <a:gd name="connsiteY2" fmla="*/ 14058900 h 22693040"/>
+              <a:gd name="connsiteX3" fmla="*/ 282641 w 23581136"/>
+              <a:gd name="connsiteY3" fmla="*/ 19777501 h 22693040"/>
+              <a:gd name="connsiteX4" fmla="*/ 3278848 w 23581136"/>
+              <a:gd name="connsiteY4" fmla="*/ 22688550 h 22693040"/>
+              <a:gd name="connsiteX5" fmla="*/ 11854125 w 23581136"/>
+              <a:gd name="connsiteY5" fmla="*/ 19088098 h 22693040"/>
+              <a:gd name="connsiteX6" fmla="*/ 18480748 w 23581136"/>
+              <a:gd name="connsiteY6" fmla="*/ 22117050 h 22693040"/>
+              <a:gd name="connsiteX7" fmla="*/ 23167048 w 23581136"/>
+              <a:gd name="connsiteY7" fmla="*/ 15773400 h 22693040"/>
+              <a:gd name="connsiteX8" fmla="*/ 7507948 w 23581136"/>
+              <a:gd name="connsiteY8" fmla="*/ 0 h 22693040"/>
+              <a:gd name="connsiteX0" fmla="*/ 7450798 w 23581136"/>
+              <a:gd name="connsiteY0" fmla="*/ 0 h 22693040"/>
+              <a:gd name="connsiteX1" fmla="*/ 3736048 w 23581136"/>
+              <a:gd name="connsiteY1" fmla="*/ 4057650 h 22693040"/>
+              <a:gd name="connsiteX2" fmla="*/ 249898 w 23581136"/>
+              <a:gd name="connsiteY2" fmla="*/ 14058900 h 22693040"/>
+              <a:gd name="connsiteX3" fmla="*/ 282641 w 23581136"/>
+              <a:gd name="connsiteY3" fmla="*/ 19777501 h 22693040"/>
+              <a:gd name="connsiteX4" fmla="*/ 3278848 w 23581136"/>
+              <a:gd name="connsiteY4" fmla="*/ 22688550 h 22693040"/>
+              <a:gd name="connsiteX5" fmla="*/ 11854125 w 23581136"/>
+              <a:gd name="connsiteY5" fmla="*/ 19088098 h 22693040"/>
+              <a:gd name="connsiteX6" fmla="*/ 18480748 w 23581136"/>
+              <a:gd name="connsiteY6" fmla="*/ 22117050 h 22693040"/>
+              <a:gd name="connsiteX7" fmla="*/ 23167048 w 23581136"/>
+              <a:gd name="connsiteY7" fmla="*/ 15773400 h 22693040"/>
+              <a:gd name="connsiteX8" fmla="*/ 7507948 w 23581136"/>
+              <a:gd name="connsiteY8" fmla="*/ 0 h 22693040"/>
+              <a:gd name="connsiteX0" fmla="*/ 7450798 w 23581136"/>
+              <a:gd name="connsiteY0" fmla="*/ 0 h 22693040"/>
+              <a:gd name="connsiteX1" fmla="*/ 3736048 w 23581136"/>
+              <a:gd name="connsiteY1" fmla="*/ 4057650 h 22693040"/>
+              <a:gd name="connsiteX2" fmla="*/ 249898 w 23581136"/>
+              <a:gd name="connsiteY2" fmla="*/ 14058900 h 22693040"/>
+              <a:gd name="connsiteX3" fmla="*/ 282641 w 23581136"/>
+              <a:gd name="connsiteY3" fmla="*/ 19777501 h 22693040"/>
+              <a:gd name="connsiteX4" fmla="*/ 3278848 w 23581136"/>
+              <a:gd name="connsiteY4" fmla="*/ 22688550 h 22693040"/>
+              <a:gd name="connsiteX5" fmla="*/ 11854125 w 23581136"/>
+              <a:gd name="connsiteY5" fmla="*/ 19088098 h 22693040"/>
+              <a:gd name="connsiteX6" fmla="*/ 18480748 w 23581136"/>
+              <a:gd name="connsiteY6" fmla="*/ 22117050 h 22693040"/>
+              <a:gd name="connsiteX7" fmla="*/ 23167048 w 23581136"/>
+              <a:gd name="connsiteY7" fmla="*/ 15773400 h 22693040"/>
+              <a:gd name="connsiteX8" fmla="*/ 7507948 w 23581136"/>
+              <a:gd name="connsiteY8" fmla="*/ 0 h 22693040"/>
+              <a:gd name="connsiteX0" fmla="*/ 7450798 w 23581136"/>
+              <a:gd name="connsiteY0" fmla="*/ 0 h 22693040"/>
+              <a:gd name="connsiteX1" fmla="*/ 3736048 w 23581136"/>
+              <a:gd name="connsiteY1" fmla="*/ 4057650 h 22693040"/>
+              <a:gd name="connsiteX2" fmla="*/ 249898 w 23581136"/>
+              <a:gd name="connsiteY2" fmla="*/ 14058900 h 22693040"/>
+              <a:gd name="connsiteX3" fmla="*/ 282641 w 23581136"/>
+              <a:gd name="connsiteY3" fmla="*/ 19777501 h 22693040"/>
+              <a:gd name="connsiteX4" fmla="*/ 3278848 w 23581136"/>
+              <a:gd name="connsiteY4" fmla="*/ 22688550 h 22693040"/>
+              <a:gd name="connsiteX5" fmla="*/ 11854125 w 23581136"/>
+              <a:gd name="connsiteY5" fmla="*/ 19088098 h 22693040"/>
+              <a:gd name="connsiteX6" fmla="*/ 18480748 w 23581136"/>
+              <a:gd name="connsiteY6" fmla="*/ 22117050 h 22693040"/>
+              <a:gd name="connsiteX7" fmla="*/ 23167048 w 23581136"/>
+              <a:gd name="connsiteY7" fmla="*/ 15773400 h 22693040"/>
+              <a:gd name="connsiteX8" fmla="*/ 7507948 w 23581136"/>
+              <a:gd name="connsiteY8" fmla="*/ 0 h 22693040"/>
+              <a:gd name="connsiteX0" fmla="*/ 7450798 w 23581136"/>
+              <a:gd name="connsiteY0" fmla="*/ 78621 h 22771661"/>
+              <a:gd name="connsiteX1" fmla="*/ 3736048 w 23581136"/>
+              <a:gd name="connsiteY1" fmla="*/ 4136271 h 22771661"/>
+              <a:gd name="connsiteX2" fmla="*/ 249898 w 23581136"/>
+              <a:gd name="connsiteY2" fmla="*/ 14137521 h 22771661"/>
+              <a:gd name="connsiteX3" fmla="*/ 282641 w 23581136"/>
+              <a:gd name="connsiteY3" fmla="*/ 19856122 h 22771661"/>
+              <a:gd name="connsiteX4" fmla="*/ 3278848 w 23581136"/>
+              <a:gd name="connsiteY4" fmla="*/ 22767171 h 22771661"/>
+              <a:gd name="connsiteX5" fmla="*/ 11854125 w 23581136"/>
+              <a:gd name="connsiteY5" fmla="*/ 19166719 h 22771661"/>
+              <a:gd name="connsiteX6" fmla="*/ 18480748 w 23581136"/>
+              <a:gd name="connsiteY6" fmla="*/ 22195671 h 22771661"/>
+              <a:gd name="connsiteX7" fmla="*/ 23167048 w 23581136"/>
+              <a:gd name="connsiteY7" fmla="*/ 15852021 h 22771661"/>
+              <a:gd name="connsiteX8" fmla="*/ 7507948 w 23581136"/>
+              <a:gd name="connsiteY8" fmla="*/ 78621 h 22771661"/>
+              <a:gd name="connsiteX0" fmla="*/ 7252715 w 23383055"/>
+              <a:gd name="connsiteY0" fmla="*/ 78621 h 22772211"/>
+              <a:gd name="connsiteX1" fmla="*/ 3537965 w 23383055"/>
+              <a:gd name="connsiteY1" fmla="*/ 4136271 h 22772211"/>
+              <a:gd name="connsiteX2" fmla="*/ 51815 w 23383055"/>
+              <a:gd name="connsiteY2" fmla="*/ 14137521 h 22772211"/>
+              <a:gd name="connsiteX3" fmla="*/ 1361030 w 23383055"/>
+              <a:gd name="connsiteY3" fmla="*/ 19994053 h 22772211"/>
+              <a:gd name="connsiteX4" fmla="*/ 3080765 w 23383055"/>
+              <a:gd name="connsiteY4" fmla="*/ 22767171 h 22772211"/>
+              <a:gd name="connsiteX5" fmla="*/ 11656042 w 23383055"/>
+              <a:gd name="connsiteY5" fmla="*/ 19166719 h 22772211"/>
+              <a:gd name="connsiteX6" fmla="*/ 18282665 w 23383055"/>
+              <a:gd name="connsiteY6" fmla="*/ 22195671 h 22772211"/>
+              <a:gd name="connsiteX7" fmla="*/ 22968965 w 23383055"/>
+              <a:gd name="connsiteY7" fmla="*/ 15852021 h 22772211"/>
+              <a:gd name="connsiteX8" fmla="*/ 7309865 w 23383055"/>
+              <a:gd name="connsiteY8" fmla="*/ 78621 h 22772211"/>
+              <a:gd name="connsiteX0" fmla="*/ 5957966 w 22088306"/>
+              <a:gd name="connsiteY0" fmla="*/ 78621 h 22770882"/>
+              <a:gd name="connsiteX1" fmla="*/ 2243216 w 22088306"/>
+              <a:gd name="connsiteY1" fmla="*/ 4136271 h 22770882"/>
+              <a:gd name="connsiteX2" fmla="*/ 537409 w 22088306"/>
+              <a:gd name="connsiteY2" fmla="*/ 14091544 h 22770882"/>
+              <a:gd name="connsiteX3" fmla="*/ 66281 w 22088306"/>
+              <a:gd name="connsiteY3" fmla="*/ 19994053 h 22770882"/>
+              <a:gd name="connsiteX4" fmla="*/ 1786016 w 22088306"/>
+              <a:gd name="connsiteY4" fmla="*/ 22767171 h 22770882"/>
+              <a:gd name="connsiteX5" fmla="*/ 10361293 w 22088306"/>
+              <a:gd name="connsiteY5" fmla="*/ 19166719 h 22770882"/>
+              <a:gd name="connsiteX6" fmla="*/ 16987916 w 22088306"/>
+              <a:gd name="connsiteY6" fmla="*/ 22195671 h 22770882"/>
+              <a:gd name="connsiteX7" fmla="*/ 21674216 w 22088306"/>
+              <a:gd name="connsiteY7" fmla="*/ 15852021 h 22770882"/>
+              <a:gd name="connsiteX8" fmla="*/ 6015116 w 22088306"/>
+              <a:gd name="connsiteY8" fmla="*/ 78621 h 22770882"/>
+              <a:gd name="connsiteX0" fmla="*/ 5955964 w 22086304"/>
+              <a:gd name="connsiteY0" fmla="*/ 78621 h 22770882"/>
+              <a:gd name="connsiteX1" fmla="*/ 2241214 w 22086304"/>
+              <a:gd name="connsiteY1" fmla="*/ 4136271 h 22770882"/>
+              <a:gd name="connsiteX2" fmla="*/ 2133031 w 22086304"/>
+              <a:gd name="connsiteY2" fmla="*/ 10643870 h 22770882"/>
+              <a:gd name="connsiteX3" fmla="*/ 535407 w 22086304"/>
+              <a:gd name="connsiteY3" fmla="*/ 14091544 h 22770882"/>
+              <a:gd name="connsiteX4" fmla="*/ 64279 w 22086304"/>
+              <a:gd name="connsiteY4" fmla="*/ 19994053 h 22770882"/>
+              <a:gd name="connsiteX5" fmla="*/ 1784014 w 22086304"/>
+              <a:gd name="connsiteY5" fmla="*/ 22767171 h 22770882"/>
+              <a:gd name="connsiteX6" fmla="*/ 10359291 w 22086304"/>
+              <a:gd name="connsiteY6" fmla="*/ 19166719 h 22770882"/>
+              <a:gd name="connsiteX7" fmla="*/ 16985914 w 22086304"/>
+              <a:gd name="connsiteY7" fmla="*/ 22195671 h 22770882"/>
+              <a:gd name="connsiteX8" fmla="*/ 21672214 w 22086304"/>
+              <a:gd name="connsiteY8" fmla="*/ 15852021 h 22770882"/>
+              <a:gd name="connsiteX9" fmla="*/ 6013114 w 22086304"/>
+              <a:gd name="connsiteY9" fmla="*/ 78621 h 22770882"/>
+              <a:gd name="connsiteX0" fmla="*/ 5955964 w 22086304"/>
+              <a:gd name="connsiteY0" fmla="*/ 78621 h 22770882"/>
+              <a:gd name="connsiteX1" fmla="*/ 5633941 w 22086304"/>
+              <a:gd name="connsiteY1" fmla="*/ 8182298 h 22770882"/>
+              <a:gd name="connsiteX2" fmla="*/ 2133031 w 22086304"/>
+              <a:gd name="connsiteY2" fmla="*/ 10643870 h 22770882"/>
+              <a:gd name="connsiteX3" fmla="*/ 535407 w 22086304"/>
+              <a:gd name="connsiteY3" fmla="*/ 14091544 h 22770882"/>
+              <a:gd name="connsiteX4" fmla="*/ 64279 w 22086304"/>
+              <a:gd name="connsiteY4" fmla="*/ 19994053 h 22770882"/>
+              <a:gd name="connsiteX5" fmla="*/ 1784014 w 22086304"/>
+              <a:gd name="connsiteY5" fmla="*/ 22767171 h 22770882"/>
+              <a:gd name="connsiteX6" fmla="*/ 10359291 w 22086304"/>
+              <a:gd name="connsiteY6" fmla="*/ 19166719 h 22770882"/>
+              <a:gd name="connsiteX7" fmla="*/ 16985914 w 22086304"/>
+              <a:gd name="connsiteY7" fmla="*/ 22195671 h 22770882"/>
+              <a:gd name="connsiteX8" fmla="*/ 21672214 w 22086304"/>
+              <a:gd name="connsiteY8" fmla="*/ 15852021 h 22770882"/>
+              <a:gd name="connsiteX9" fmla="*/ 6013114 w 22086304"/>
+              <a:gd name="connsiteY9" fmla="*/ 78621 h 22770882"/>
+              <a:gd name="connsiteX0" fmla="*/ 5955964 w 22086304"/>
+              <a:gd name="connsiteY0" fmla="*/ 78621 h 22770882"/>
+              <a:gd name="connsiteX1" fmla="*/ 5633941 w 22086304"/>
+              <a:gd name="connsiteY1" fmla="*/ 8182298 h 22770882"/>
+              <a:gd name="connsiteX2" fmla="*/ 2133031 w 22086304"/>
+              <a:gd name="connsiteY2" fmla="*/ 10643870 h 22770882"/>
+              <a:gd name="connsiteX3" fmla="*/ 535407 w 22086304"/>
+              <a:gd name="connsiteY3" fmla="*/ 14091544 h 22770882"/>
+              <a:gd name="connsiteX4" fmla="*/ 64279 w 22086304"/>
+              <a:gd name="connsiteY4" fmla="*/ 19994053 h 22770882"/>
+              <a:gd name="connsiteX5" fmla="*/ 1784014 w 22086304"/>
+              <a:gd name="connsiteY5" fmla="*/ 22767171 h 22770882"/>
+              <a:gd name="connsiteX6" fmla="*/ 10359291 w 22086304"/>
+              <a:gd name="connsiteY6" fmla="*/ 19166719 h 22770882"/>
+              <a:gd name="connsiteX7" fmla="*/ 16985914 w 22086304"/>
+              <a:gd name="connsiteY7" fmla="*/ 22195671 h 22770882"/>
+              <a:gd name="connsiteX8" fmla="*/ 21672214 w 22086304"/>
+              <a:gd name="connsiteY8" fmla="*/ 15852021 h 22770882"/>
+              <a:gd name="connsiteX9" fmla="*/ 6013114 w 22086304"/>
+              <a:gd name="connsiteY9" fmla="*/ 78621 h 22770882"/>
+              <a:gd name="connsiteX0" fmla="*/ 5955964 w 22086304"/>
+              <a:gd name="connsiteY0" fmla="*/ 78621 h 22770882"/>
+              <a:gd name="connsiteX1" fmla="*/ 5633941 w 22086304"/>
+              <a:gd name="connsiteY1" fmla="*/ 8182298 h 22770882"/>
+              <a:gd name="connsiteX2" fmla="*/ 2133031 w 22086304"/>
+              <a:gd name="connsiteY2" fmla="*/ 10643870 h 22770882"/>
+              <a:gd name="connsiteX3" fmla="*/ 535407 w 22086304"/>
+              <a:gd name="connsiteY3" fmla="*/ 14091544 h 22770882"/>
+              <a:gd name="connsiteX4" fmla="*/ 64279 w 22086304"/>
+              <a:gd name="connsiteY4" fmla="*/ 19994053 h 22770882"/>
+              <a:gd name="connsiteX5" fmla="*/ 1784014 w 22086304"/>
+              <a:gd name="connsiteY5" fmla="*/ 22767171 h 22770882"/>
+              <a:gd name="connsiteX6" fmla="*/ 10359291 w 22086304"/>
+              <a:gd name="connsiteY6" fmla="*/ 19166719 h 22770882"/>
+              <a:gd name="connsiteX7" fmla="*/ 16985914 w 22086304"/>
+              <a:gd name="connsiteY7" fmla="*/ 22195671 h 22770882"/>
+              <a:gd name="connsiteX8" fmla="*/ 21672214 w 22086304"/>
+              <a:gd name="connsiteY8" fmla="*/ 15852021 h 22770882"/>
+              <a:gd name="connsiteX9" fmla="*/ 6013114 w 22086304"/>
+              <a:gd name="connsiteY9" fmla="*/ 78621 h 22770882"/>
+              <a:gd name="connsiteX0" fmla="*/ 5955964 w 21897790"/>
+              <a:gd name="connsiteY0" fmla="*/ -1 h 22692260"/>
+              <a:gd name="connsiteX1" fmla="*/ 5633941 w 21897790"/>
+              <a:gd name="connsiteY1" fmla="*/ 8103676 h 22692260"/>
+              <a:gd name="connsiteX2" fmla="*/ 2133031 w 21897790"/>
+              <a:gd name="connsiteY2" fmla="*/ 10565248 h 22692260"/>
+              <a:gd name="connsiteX3" fmla="*/ 535407 w 21897790"/>
+              <a:gd name="connsiteY3" fmla="*/ 14012922 h 22692260"/>
+              <a:gd name="connsiteX4" fmla="*/ 64279 w 21897790"/>
+              <a:gd name="connsiteY4" fmla="*/ 19915431 h 22692260"/>
+              <a:gd name="connsiteX5" fmla="*/ 1784014 w 21897790"/>
+              <a:gd name="connsiteY5" fmla="*/ 22688549 h 22692260"/>
+              <a:gd name="connsiteX6" fmla="*/ 10359291 w 21897790"/>
+              <a:gd name="connsiteY6" fmla="*/ 19088097 h 22692260"/>
+              <a:gd name="connsiteX7" fmla="*/ 16985914 w 21897790"/>
+              <a:gd name="connsiteY7" fmla="*/ 22117049 h 22692260"/>
+              <a:gd name="connsiteX8" fmla="*/ 21672214 w 21897790"/>
+              <a:gd name="connsiteY8" fmla="*/ 15773399 h 22692260"/>
+              <a:gd name="connsiteX9" fmla="*/ 9607390 w 21897790"/>
+              <a:gd name="connsiteY9" fmla="*/ 7724234 h 22692260"/>
+              <a:gd name="connsiteX0" fmla="*/ 5633941 w 21897790"/>
+              <a:gd name="connsiteY0" fmla="*/ 523156 h 15111740"/>
+              <a:gd name="connsiteX1" fmla="*/ 2133031 w 21897790"/>
+              <a:gd name="connsiteY1" fmla="*/ 2984728 h 15111740"/>
+              <a:gd name="connsiteX2" fmla="*/ 535407 w 21897790"/>
+              <a:gd name="connsiteY2" fmla="*/ 6432402 h 15111740"/>
+              <a:gd name="connsiteX3" fmla="*/ 64279 w 21897790"/>
+              <a:gd name="connsiteY3" fmla="*/ 12334911 h 15111740"/>
+              <a:gd name="connsiteX4" fmla="*/ 1784014 w 21897790"/>
+              <a:gd name="connsiteY4" fmla="*/ 15108029 h 15111740"/>
+              <a:gd name="connsiteX5" fmla="*/ 10359291 w 21897790"/>
+              <a:gd name="connsiteY5" fmla="*/ 11507577 h 15111740"/>
+              <a:gd name="connsiteX6" fmla="*/ 16985914 w 21897790"/>
+              <a:gd name="connsiteY6" fmla="*/ 14536529 h 15111740"/>
+              <a:gd name="connsiteX7" fmla="*/ 21672214 w 21897790"/>
+              <a:gd name="connsiteY7" fmla="*/ 8192879 h 15111740"/>
+              <a:gd name="connsiteX8" fmla="*/ 9607390 w 21897790"/>
+              <a:gd name="connsiteY8" fmla="*/ 143714 h 15111740"/>
+              <a:gd name="connsiteX0" fmla="*/ 2133031 w 21897790"/>
+              <a:gd name="connsiteY0" fmla="*/ 2984728 h 15111740"/>
+              <a:gd name="connsiteX1" fmla="*/ 535407 w 21897790"/>
+              <a:gd name="connsiteY1" fmla="*/ 6432402 h 15111740"/>
+              <a:gd name="connsiteX2" fmla="*/ 64279 w 21897790"/>
+              <a:gd name="connsiteY2" fmla="*/ 12334911 h 15111740"/>
+              <a:gd name="connsiteX3" fmla="*/ 1784014 w 21897790"/>
+              <a:gd name="connsiteY3" fmla="*/ 15108029 h 15111740"/>
+              <a:gd name="connsiteX4" fmla="*/ 10359291 w 21897790"/>
+              <a:gd name="connsiteY4" fmla="*/ 11507577 h 15111740"/>
+              <a:gd name="connsiteX5" fmla="*/ 16985914 w 21897790"/>
+              <a:gd name="connsiteY5" fmla="*/ 14536529 h 15111740"/>
+              <a:gd name="connsiteX6" fmla="*/ 21672214 w 21897790"/>
+              <a:gd name="connsiteY6" fmla="*/ 8192879 h 15111740"/>
+              <a:gd name="connsiteX7" fmla="*/ 9607390 w 21897790"/>
+              <a:gd name="connsiteY7" fmla="*/ 143714 h 15111740"/>
+              <a:gd name="connsiteX0" fmla="*/ 2127122 w 21891881"/>
+              <a:gd name="connsiteY0" fmla="*/ 2984728 h 15111631"/>
+              <a:gd name="connsiteX1" fmla="*/ 563089 w 21891881"/>
+              <a:gd name="connsiteY1" fmla="*/ 6708268 h 15111631"/>
+              <a:gd name="connsiteX2" fmla="*/ 58370 w 21891881"/>
+              <a:gd name="connsiteY2" fmla="*/ 12334911 h 15111631"/>
+              <a:gd name="connsiteX3" fmla="*/ 1778105 w 21891881"/>
+              <a:gd name="connsiteY3" fmla="*/ 15108029 h 15111631"/>
+              <a:gd name="connsiteX4" fmla="*/ 10353382 w 21891881"/>
+              <a:gd name="connsiteY4" fmla="*/ 11507577 h 15111631"/>
+              <a:gd name="connsiteX5" fmla="*/ 16980005 w 21891881"/>
+              <a:gd name="connsiteY5" fmla="*/ 14536529 h 15111631"/>
+              <a:gd name="connsiteX6" fmla="*/ 21666305 w 21891881"/>
+              <a:gd name="connsiteY6" fmla="*/ 8192879 h 15111631"/>
+              <a:gd name="connsiteX7" fmla="*/ 9601481 w 21891881"/>
+              <a:gd name="connsiteY7" fmla="*/ 143714 h 15111631"/>
+              <a:gd name="connsiteX0" fmla="*/ 2332042 w 21895253"/>
+              <a:gd name="connsiteY0" fmla="*/ 3122660 h 15111631"/>
+              <a:gd name="connsiteX1" fmla="*/ 566461 w 21895253"/>
+              <a:gd name="connsiteY1" fmla="*/ 6708268 h 15111631"/>
+              <a:gd name="connsiteX2" fmla="*/ 61742 w 21895253"/>
+              <a:gd name="connsiteY2" fmla="*/ 12334911 h 15111631"/>
+              <a:gd name="connsiteX3" fmla="*/ 1781477 w 21895253"/>
+              <a:gd name="connsiteY3" fmla="*/ 15108029 h 15111631"/>
+              <a:gd name="connsiteX4" fmla="*/ 10356754 w 21895253"/>
+              <a:gd name="connsiteY4" fmla="*/ 11507577 h 15111631"/>
+              <a:gd name="connsiteX5" fmla="*/ 16983377 w 21895253"/>
+              <a:gd name="connsiteY5" fmla="*/ 14536529 h 15111631"/>
+              <a:gd name="connsiteX6" fmla="*/ 21669677 w 21895253"/>
+              <a:gd name="connsiteY6" fmla="*/ 8192879 h 15111631"/>
+              <a:gd name="connsiteX7" fmla="*/ 9604853 w 21895253"/>
+              <a:gd name="connsiteY7" fmla="*/ 143714 h 15111631"/>
+              <a:gd name="connsiteX0" fmla="*/ 2332042 w 21759811"/>
+              <a:gd name="connsiteY0" fmla="*/ 1453409 h 13442380"/>
+              <a:gd name="connsiteX1" fmla="*/ 566461 w 21759811"/>
+              <a:gd name="connsiteY1" fmla="*/ 5039017 h 13442380"/>
+              <a:gd name="connsiteX2" fmla="*/ 61742 w 21759811"/>
+              <a:gd name="connsiteY2" fmla="*/ 10665660 h 13442380"/>
+              <a:gd name="connsiteX3" fmla="*/ 1781477 w 21759811"/>
+              <a:gd name="connsiteY3" fmla="*/ 13438778 h 13442380"/>
+              <a:gd name="connsiteX4" fmla="*/ 10356754 w 21759811"/>
+              <a:gd name="connsiteY4" fmla="*/ 9838326 h 13442380"/>
+              <a:gd name="connsiteX5" fmla="*/ 16983377 w 21759811"/>
+              <a:gd name="connsiteY5" fmla="*/ 12867278 h 13442380"/>
+              <a:gd name="connsiteX6" fmla="*/ 21669677 w 21759811"/>
+              <a:gd name="connsiteY6" fmla="*/ 6523628 h 13442380"/>
+              <a:gd name="connsiteX7" fmla="*/ 12762441 w 21759811"/>
+              <a:gd name="connsiteY7" fmla="*/ 175634 h 13442380"/>
+              <a:gd name="connsiteX0" fmla="*/ 566461 w 21759811"/>
+              <a:gd name="connsiteY0" fmla="*/ 5039017 h 13442380"/>
+              <a:gd name="connsiteX1" fmla="*/ 61742 w 21759811"/>
+              <a:gd name="connsiteY1" fmla="*/ 10665660 h 13442380"/>
+              <a:gd name="connsiteX2" fmla="*/ 1781477 w 21759811"/>
+              <a:gd name="connsiteY2" fmla="*/ 13438778 h 13442380"/>
+              <a:gd name="connsiteX3" fmla="*/ 10356754 w 21759811"/>
+              <a:gd name="connsiteY3" fmla="*/ 9838326 h 13442380"/>
+              <a:gd name="connsiteX4" fmla="*/ 16983377 w 21759811"/>
+              <a:gd name="connsiteY4" fmla="*/ 12867278 h 13442380"/>
+              <a:gd name="connsiteX5" fmla="*/ 21669677 w 21759811"/>
+              <a:gd name="connsiteY5" fmla="*/ 6523628 h 13442380"/>
+              <a:gd name="connsiteX6" fmla="*/ 12762441 w 21759811"/>
+              <a:gd name="connsiteY6" fmla="*/ 175634 h 13442380"/>
+              <a:gd name="connsiteX0" fmla="*/ 539863 w 21733213"/>
+              <a:gd name="connsiteY0" fmla="*/ 5039017 h 13442344"/>
+              <a:gd name="connsiteX1" fmla="*/ 592287 w 21733213"/>
+              <a:gd name="connsiteY1" fmla="*/ 5131613 h 13442344"/>
+              <a:gd name="connsiteX2" fmla="*/ 35144 w 21733213"/>
+              <a:gd name="connsiteY2" fmla="*/ 10665660 h 13442344"/>
+              <a:gd name="connsiteX3" fmla="*/ 1754879 w 21733213"/>
+              <a:gd name="connsiteY3" fmla="*/ 13438778 h 13442344"/>
+              <a:gd name="connsiteX4" fmla="*/ 10330156 w 21733213"/>
+              <a:gd name="connsiteY4" fmla="*/ 9838326 h 13442344"/>
+              <a:gd name="connsiteX5" fmla="*/ 16956779 w 21733213"/>
+              <a:gd name="connsiteY5" fmla="*/ 12867278 h 13442344"/>
+              <a:gd name="connsiteX6" fmla="*/ 21643079 w 21733213"/>
+              <a:gd name="connsiteY6" fmla="*/ 6523628 h 13442344"/>
+              <a:gd name="connsiteX7" fmla="*/ 12735843 w 21733213"/>
+              <a:gd name="connsiteY7" fmla="*/ 175634 h 13442344"/>
+              <a:gd name="connsiteX0" fmla="*/ 612185 w 21805535"/>
+              <a:gd name="connsiteY0" fmla="*/ 5039017 h 13441812"/>
+              <a:gd name="connsiteX1" fmla="*/ 227921 w 21805535"/>
+              <a:gd name="connsiteY1" fmla="*/ 6786806 h 13441812"/>
+              <a:gd name="connsiteX2" fmla="*/ 107466 w 21805535"/>
+              <a:gd name="connsiteY2" fmla="*/ 10665660 h 13441812"/>
+              <a:gd name="connsiteX3" fmla="*/ 1827201 w 21805535"/>
+              <a:gd name="connsiteY3" fmla="*/ 13438778 h 13441812"/>
+              <a:gd name="connsiteX4" fmla="*/ 10402478 w 21805535"/>
+              <a:gd name="connsiteY4" fmla="*/ 9838326 h 13441812"/>
+              <a:gd name="connsiteX5" fmla="*/ 17029101 w 21805535"/>
+              <a:gd name="connsiteY5" fmla="*/ 12867278 h 13441812"/>
+              <a:gd name="connsiteX6" fmla="*/ 21715401 w 21805535"/>
+              <a:gd name="connsiteY6" fmla="*/ 6523628 h 13441812"/>
+              <a:gd name="connsiteX7" fmla="*/ 12808165 w 21805535"/>
+              <a:gd name="connsiteY7" fmla="*/ 175634 h 13441812"/>
+              <a:gd name="connsiteX0" fmla="*/ 0 w 22268273"/>
+              <a:gd name="connsiteY0" fmla="*/ 7291919 h 13441812"/>
+              <a:gd name="connsiteX1" fmla="*/ 690659 w 22268273"/>
+              <a:gd name="connsiteY1" fmla="*/ 6786806 h 13441812"/>
+              <a:gd name="connsiteX2" fmla="*/ 570204 w 22268273"/>
+              <a:gd name="connsiteY2" fmla="*/ 10665660 h 13441812"/>
+              <a:gd name="connsiteX3" fmla="*/ 2289939 w 22268273"/>
+              <a:gd name="connsiteY3" fmla="*/ 13438778 h 13441812"/>
+              <a:gd name="connsiteX4" fmla="*/ 10865216 w 22268273"/>
+              <a:gd name="connsiteY4" fmla="*/ 9838326 h 13441812"/>
+              <a:gd name="connsiteX5" fmla="*/ 17491839 w 22268273"/>
+              <a:gd name="connsiteY5" fmla="*/ 12867278 h 13441812"/>
+              <a:gd name="connsiteX6" fmla="*/ 22178139 w 22268273"/>
+              <a:gd name="connsiteY6" fmla="*/ 6523628 h 13441812"/>
+              <a:gd name="connsiteX7" fmla="*/ 13270903 w 22268273"/>
+              <a:gd name="connsiteY7" fmla="*/ 175634 h 13441812"/>
+              <a:gd name="connsiteX0" fmla="*/ 5079837 w 21805535"/>
+              <a:gd name="connsiteY0" fmla="*/ 0 h 14149994"/>
+              <a:gd name="connsiteX1" fmla="*/ 227921 w 21805535"/>
+              <a:gd name="connsiteY1" fmla="*/ 7494988 h 14149994"/>
+              <a:gd name="connsiteX2" fmla="*/ 107466 w 21805535"/>
+              <a:gd name="connsiteY2" fmla="*/ 11373842 h 14149994"/>
+              <a:gd name="connsiteX3" fmla="*/ 1827201 w 21805535"/>
+              <a:gd name="connsiteY3" fmla="*/ 14146960 h 14149994"/>
+              <a:gd name="connsiteX4" fmla="*/ 10402478 w 21805535"/>
+              <a:gd name="connsiteY4" fmla="*/ 10546508 h 14149994"/>
+              <a:gd name="connsiteX5" fmla="*/ 17029101 w 21805535"/>
+              <a:gd name="connsiteY5" fmla="*/ 13575460 h 14149994"/>
+              <a:gd name="connsiteX6" fmla="*/ 21715401 w 21805535"/>
+              <a:gd name="connsiteY6" fmla="*/ 7231810 h 14149994"/>
+              <a:gd name="connsiteX7" fmla="*/ 12808165 w 21805535"/>
+              <a:gd name="connsiteY7" fmla="*/ 883816 h 14149994"/>
+              <a:gd name="connsiteX0" fmla="*/ 5247794 w 21805535"/>
+              <a:gd name="connsiteY0" fmla="*/ 0 h 14379882"/>
+              <a:gd name="connsiteX1" fmla="*/ 227921 w 21805535"/>
+              <a:gd name="connsiteY1" fmla="*/ 7724876 h 14379882"/>
+              <a:gd name="connsiteX2" fmla="*/ 107466 w 21805535"/>
+              <a:gd name="connsiteY2" fmla="*/ 11603730 h 14379882"/>
+              <a:gd name="connsiteX3" fmla="*/ 1827201 w 21805535"/>
+              <a:gd name="connsiteY3" fmla="*/ 14376848 h 14379882"/>
+              <a:gd name="connsiteX4" fmla="*/ 10402478 w 21805535"/>
+              <a:gd name="connsiteY4" fmla="*/ 10776396 h 14379882"/>
+              <a:gd name="connsiteX5" fmla="*/ 17029101 w 21805535"/>
+              <a:gd name="connsiteY5" fmla="*/ 13805348 h 14379882"/>
+              <a:gd name="connsiteX6" fmla="*/ 21715401 w 21805535"/>
+              <a:gd name="connsiteY6" fmla="*/ 7461698 h 14379882"/>
+              <a:gd name="connsiteX7" fmla="*/ 12808165 w 21805535"/>
+              <a:gd name="connsiteY7" fmla="*/ 1113704 h 14379882"/>
+              <a:gd name="connsiteX0" fmla="*/ 5247794 w 21805535"/>
+              <a:gd name="connsiteY0" fmla="*/ 0 h 14379882"/>
+              <a:gd name="connsiteX1" fmla="*/ 227921 w 21805535"/>
+              <a:gd name="connsiteY1" fmla="*/ 7724876 h 14379882"/>
+              <a:gd name="connsiteX2" fmla="*/ 107466 w 21805535"/>
+              <a:gd name="connsiteY2" fmla="*/ 11603730 h 14379882"/>
+              <a:gd name="connsiteX3" fmla="*/ 1827201 w 21805535"/>
+              <a:gd name="connsiteY3" fmla="*/ 14376848 h 14379882"/>
+              <a:gd name="connsiteX4" fmla="*/ 10402478 w 21805535"/>
+              <a:gd name="connsiteY4" fmla="*/ 10776396 h 14379882"/>
+              <a:gd name="connsiteX5" fmla="*/ 17029101 w 21805535"/>
+              <a:gd name="connsiteY5" fmla="*/ 13805348 h 14379882"/>
+              <a:gd name="connsiteX6" fmla="*/ 21715401 w 21805535"/>
+              <a:gd name="connsiteY6" fmla="*/ 7461698 h 14379882"/>
+              <a:gd name="connsiteX7" fmla="*/ 12808165 w 21805535"/>
+              <a:gd name="connsiteY7" fmla="*/ 1113704 h 14379882"/>
+              <a:gd name="connsiteX0" fmla="*/ 5247794 w 21805535"/>
+              <a:gd name="connsiteY0" fmla="*/ 0 h 14379882"/>
+              <a:gd name="connsiteX1" fmla="*/ 227921 w 21805535"/>
+              <a:gd name="connsiteY1" fmla="*/ 7724876 h 14379882"/>
+              <a:gd name="connsiteX2" fmla="*/ 107466 w 21805535"/>
+              <a:gd name="connsiteY2" fmla="*/ 11603730 h 14379882"/>
+              <a:gd name="connsiteX3" fmla="*/ 1827201 w 21805535"/>
+              <a:gd name="connsiteY3" fmla="*/ 14376848 h 14379882"/>
+              <a:gd name="connsiteX4" fmla="*/ 10402478 w 21805535"/>
+              <a:gd name="connsiteY4" fmla="*/ 10776396 h 14379882"/>
+              <a:gd name="connsiteX5" fmla="*/ 17029101 w 21805535"/>
+              <a:gd name="connsiteY5" fmla="*/ 13805348 h 14379882"/>
+              <a:gd name="connsiteX6" fmla="*/ 21715401 w 21805535"/>
+              <a:gd name="connsiteY6" fmla="*/ 7461698 h 14379882"/>
+              <a:gd name="connsiteX7" fmla="*/ 12808165 w 21805535"/>
+              <a:gd name="connsiteY7" fmla="*/ 1113704 h 14379882"/>
+              <a:gd name="connsiteX0" fmla="*/ 5318836 w 21876577"/>
+              <a:gd name="connsiteY0" fmla="*/ 0 h 14379882"/>
+              <a:gd name="connsiteX1" fmla="*/ 2348037 w 21876577"/>
+              <a:gd name="connsiteY1" fmla="*/ 4138627 h 14379882"/>
+              <a:gd name="connsiteX2" fmla="*/ 298963 w 21876577"/>
+              <a:gd name="connsiteY2" fmla="*/ 7724876 h 14379882"/>
+              <a:gd name="connsiteX3" fmla="*/ 178508 w 21876577"/>
+              <a:gd name="connsiteY3" fmla="*/ 11603730 h 14379882"/>
+              <a:gd name="connsiteX4" fmla="*/ 1898243 w 21876577"/>
+              <a:gd name="connsiteY4" fmla="*/ 14376848 h 14379882"/>
+              <a:gd name="connsiteX5" fmla="*/ 10473520 w 21876577"/>
+              <a:gd name="connsiteY5" fmla="*/ 10776396 h 14379882"/>
+              <a:gd name="connsiteX6" fmla="*/ 17100143 w 21876577"/>
+              <a:gd name="connsiteY6" fmla="*/ 13805348 h 14379882"/>
+              <a:gd name="connsiteX7" fmla="*/ 21786443 w 21876577"/>
+              <a:gd name="connsiteY7" fmla="*/ 7461698 h 14379882"/>
+              <a:gd name="connsiteX8" fmla="*/ 12879207 w 21876577"/>
+              <a:gd name="connsiteY8" fmla="*/ 1113704 h 14379882"/>
+              <a:gd name="connsiteX0" fmla="*/ 5318836 w 21876577"/>
+              <a:gd name="connsiteY0" fmla="*/ 0 h 14379882"/>
+              <a:gd name="connsiteX1" fmla="*/ 1944940 w 21876577"/>
+              <a:gd name="connsiteY1" fmla="*/ 3219076 h 14379882"/>
+              <a:gd name="connsiteX2" fmla="*/ 298963 w 21876577"/>
+              <a:gd name="connsiteY2" fmla="*/ 7724876 h 14379882"/>
+              <a:gd name="connsiteX3" fmla="*/ 178508 w 21876577"/>
+              <a:gd name="connsiteY3" fmla="*/ 11603730 h 14379882"/>
+              <a:gd name="connsiteX4" fmla="*/ 1898243 w 21876577"/>
+              <a:gd name="connsiteY4" fmla="*/ 14376848 h 14379882"/>
+              <a:gd name="connsiteX5" fmla="*/ 10473520 w 21876577"/>
+              <a:gd name="connsiteY5" fmla="*/ 10776396 h 14379882"/>
+              <a:gd name="connsiteX6" fmla="*/ 17100143 w 21876577"/>
+              <a:gd name="connsiteY6" fmla="*/ 13805348 h 14379882"/>
+              <a:gd name="connsiteX7" fmla="*/ 21786443 w 21876577"/>
+              <a:gd name="connsiteY7" fmla="*/ 7461698 h 14379882"/>
+              <a:gd name="connsiteX8" fmla="*/ 12879207 w 21876577"/>
+              <a:gd name="connsiteY8" fmla="*/ 1113704 h 14379882"/>
+              <a:gd name="connsiteX0" fmla="*/ 5318836 w 21879032"/>
+              <a:gd name="connsiteY0" fmla="*/ 7805 h 14387687"/>
+              <a:gd name="connsiteX1" fmla="*/ 1944940 w 21879032"/>
+              <a:gd name="connsiteY1" fmla="*/ 3226881 h 14387687"/>
+              <a:gd name="connsiteX2" fmla="*/ 298963 w 21879032"/>
+              <a:gd name="connsiteY2" fmla="*/ 7732681 h 14387687"/>
+              <a:gd name="connsiteX3" fmla="*/ 178508 w 21879032"/>
+              <a:gd name="connsiteY3" fmla="*/ 11611535 h 14387687"/>
+              <a:gd name="connsiteX4" fmla="*/ 1898243 w 21879032"/>
+              <a:gd name="connsiteY4" fmla="*/ 14384653 h 14387687"/>
+              <a:gd name="connsiteX5" fmla="*/ 10473520 w 21879032"/>
+              <a:gd name="connsiteY5" fmla="*/ 10784201 h 14387687"/>
+              <a:gd name="connsiteX6" fmla="*/ 17100143 w 21879032"/>
+              <a:gd name="connsiteY6" fmla="*/ 13813153 h 14387687"/>
+              <a:gd name="connsiteX7" fmla="*/ 21786443 w 21879032"/>
+              <a:gd name="connsiteY7" fmla="*/ 7469503 h 14387687"/>
+              <a:gd name="connsiteX8" fmla="*/ 12812024 w 21879032"/>
+              <a:gd name="connsiteY8" fmla="*/ 155980 h 14387687"/>
+              <a:gd name="connsiteX0" fmla="*/ 5318836 w 22150490"/>
+              <a:gd name="connsiteY0" fmla="*/ 776453 h 15156335"/>
+              <a:gd name="connsiteX1" fmla="*/ 1944940 w 22150490"/>
+              <a:gd name="connsiteY1" fmla="*/ 3995529 h 15156335"/>
+              <a:gd name="connsiteX2" fmla="*/ 298963 w 22150490"/>
+              <a:gd name="connsiteY2" fmla="*/ 8501329 h 15156335"/>
+              <a:gd name="connsiteX3" fmla="*/ 178508 w 22150490"/>
+              <a:gd name="connsiteY3" fmla="*/ 12380183 h 15156335"/>
+              <a:gd name="connsiteX4" fmla="*/ 1898243 w 22150490"/>
+              <a:gd name="connsiteY4" fmla="*/ 15153301 h 15156335"/>
+              <a:gd name="connsiteX5" fmla="*/ 10473520 w 22150490"/>
+              <a:gd name="connsiteY5" fmla="*/ 11552849 h 15156335"/>
+              <a:gd name="connsiteX6" fmla="*/ 17100143 w 22150490"/>
+              <a:gd name="connsiteY6" fmla="*/ 14581801 h 15156335"/>
+              <a:gd name="connsiteX7" fmla="*/ 21786443 w 22150490"/>
+              <a:gd name="connsiteY7" fmla="*/ 8238151 h 15156335"/>
+              <a:gd name="connsiteX8" fmla="*/ 7034310 w 22150490"/>
+              <a:gd name="connsiteY8" fmla="*/ 143009 h 15156335"/>
+              <a:gd name="connsiteX0" fmla="*/ 5318836 w 17736045"/>
+              <a:gd name="connsiteY0" fmla="*/ 911243 h 15291125"/>
+              <a:gd name="connsiteX1" fmla="*/ 1944940 w 17736045"/>
+              <a:gd name="connsiteY1" fmla="*/ 4130319 h 15291125"/>
+              <a:gd name="connsiteX2" fmla="*/ 298963 w 17736045"/>
+              <a:gd name="connsiteY2" fmla="*/ 8636119 h 15291125"/>
+              <a:gd name="connsiteX3" fmla="*/ 178508 w 17736045"/>
+              <a:gd name="connsiteY3" fmla="*/ 12514973 h 15291125"/>
+              <a:gd name="connsiteX4" fmla="*/ 1898243 w 17736045"/>
+              <a:gd name="connsiteY4" fmla="*/ 15288091 h 15291125"/>
+              <a:gd name="connsiteX5" fmla="*/ 10473520 w 17736045"/>
+              <a:gd name="connsiteY5" fmla="*/ 11687639 h 15291125"/>
+              <a:gd name="connsiteX6" fmla="*/ 17100143 w 17736045"/>
+              <a:gd name="connsiteY6" fmla="*/ 14716591 h 15291125"/>
+              <a:gd name="connsiteX7" fmla="*/ 14799440 w 17736045"/>
+              <a:gd name="connsiteY7" fmla="*/ 4510825 h 15291125"/>
+              <a:gd name="connsiteX8" fmla="*/ 7034310 w 17736045"/>
+              <a:gd name="connsiteY8" fmla="*/ 277799 h 15291125"/>
+              <a:gd name="connsiteX0" fmla="*/ 5318836 w 17572918"/>
+              <a:gd name="connsiteY0" fmla="*/ 878233 h 15258115"/>
+              <a:gd name="connsiteX1" fmla="*/ 1944940 w 17572918"/>
+              <a:gd name="connsiteY1" fmla="*/ 4097309 h 15258115"/>
+              <a:gd name="connsiteX2" fmla="*/ 298963 w 17572918"/>
+              <a:gd name="connsiteY2" fmla="*/ 8603109 h 15258115"/>
+              <a:gd name="connsiteX3" fmla="*/ 178508 w 17572918"/>
+              <a:gd name="connsiteY3" fmla="*/ 12481963 h 15258115"/>
+              <a:gd name="connsiteX4" fmla="*/ 1898243 w 17572918"/>
+              <a:gd name="connsiteY4" fmla="*/ 15255081 h 15258115"/>
+              <a:gd name="connsiteX5" fmla="*/ 10473520 w 17572918"/>
+              <a:gd name="connsiteY5" fmla="*/ 11654629 h 15258115"/>
+              <a:gd name="connsiteX6" fmla="*/ 17100143 w 17572918"/>
+              <a:gd name="connsiteY6" fmla="*/ 14683581 h 15258115"/>
+              <a:gd name="connsiteX7" fmla="*/ 16490001 w 17572918"/>
+              <a:gd name="connsiteY7" fmla="*/ 11131880 h 15258115"/>
+              <a:gd name="connsiteX8" fmla="*/ 14799440 w 17572918"/>
+              <a:gd name="connsiteY8" fmla="*/ 4477815 h 15258115"/>
+              <a:gd name="connsiteX9" fmla="*/ 7034310 w 17572918"/>
+              <a:gd name="connsiteY9" fmla="*/ 244789 h 15258115"/>
+              <a:gd name="connsiteX0" fmla="*/ 5318836 w 17572918"/>
+              <a:gd name="connsiteY0" fmla="*/ 633444 h 15013326"/>
+              <a:gd name="connsiteX1" fmla="*/ 1944940 w 17572918"/>
+              <a:gd name="connsiteY1" fmla="*/ 3852520 h 15013326"/>
+              <a:gd name="connsiteX2" fmla="*/ 298963 w 17572918"/>
+              <a:gd name="connsiteY2" fmla="*/ 8358320 h 15013326"/>
+              <a:gd name="connsiteX3" fmla="*/ 178508 w 17572918"/>
+              <a:gd name="connsiteY3" fmla="*/ 12237174 h 15013326"/>
+              <a:gd name="connsiteX4" fmla="*/ 1898243 w 17572918"/>
+              <a:gd name="connsiteY4" fmla="*/ 15010292 h 15013326"/>
+              <a:gd name="connsiteX5" fmla="*/ 10473520 w 17572918"/>
+              <a:gd name="connsiteY5" fmla="*/ 11409840 h 15013326"/>
+              <a:gd name="connsiteX6" fmla="*/ 17100143 w 17572918"/>
+              <a:gd name="connsiteY6" fmla="*/ 14438792 h 15013326"/>
+              <a:gd name="connsiteX7" fmla="*/ 16490001 w 17572918"/>
+              <a:gd name="connsiteY7" fmla="*/ 10887091 h 15013326"/>
+              <a:gd name="connsiteX8" fmla="*/ 14799440 w 17572918"/>
+              <a:gd name="connsiteY8" fmla="*/ 4233026 h 15013326"/>
+              <a:gd name="connsiteX9" fmla="*/ 11552070 w 17572918"/>
+              <a:gd name="connsiteY9" fmla="*/ 772022 h 15013326"/>
+              <a:gd name="connsiteX10" fmla="*/ 7034310 w 17572918"/>
+              <a:gd name="connsiteY10" fmla="*/ 0 h 15013326"/>
+              <a:gd name="connsiteX0" fmla="*/ 5318836 w 17572918"/>
+              <a:gd name="connsiteY0" fmla="*/ 691021 h 15070903"/>
+              <a:gd name="connsiteX1" fmla="*/ 1944940 w 17572918"/>
+              <a:gd name="connsiteY1" fmla="*/ 3910097 h 15070903"/>
+              <a:gd name="connsiteX2" fmla="*/ 298963 w 17572918"/>
+              <a:gd name="connsiteY2" fmla="*/ 8415897 h 15070903"/>
+              <a:gd name="connsiteX3" fmla="*/ 178508 w 17572918"/>
+              <a:gd name="connsiteY3" fmla="*/ 12294751 h 15070903"/>
+              <a:gd name="connsiteX4" fmla="*/ 1898243 w 17572918"/>
+              <a:gd name="connsiteY4" fmla="*/ 15067869 h 15070903"/>
+              <a:gd name="connsiteX5" fmla="*/ 10473520 w 17572918"/>
+              <a:gd name="connsiteY5" fmla="*/ 11467417 h 15070903"/>
+              <a:gd name="connsiteX6" fmla="*/ 17100143 w 17572918"/>
+              <a:gd name="connsiteY6" fmla="*/ 14496369 h 15070903"/>
+              <a:gd name="connsiteX7" fmla="*/ 16490001 w 17572918"/>
+              <a:gd name="connsiteY7" fmla="*/ 10944668 h 15070903"/>
+              <a:gd name="connsiteX8" fmla="*/ 14799440 w 17572918"/>
+              <a:gd name="connsiteY8" fmla="*/ 4290603 h 15070903"/>
+              <a:gd name="connsiteX9" fmla="*/ 11552070 w 17572918"/>
+              <a:gd name="connsiteY9" fmla="*/ 829599 h 15070903"/>
+              <a:gd name="connsiteX10" fmla="*/ 8797579 w 17572918"/>
+              <a:gd name="connsiteY10" fmla="*/ 47980 h 15070903"/>
+              <a:gd name="connsiteX11" fmla="*/ 7034310 w 17572918"/>
+              <a:gd name="connsiteY11" fmla="*/ 57577 h 15070903"/>
+              <a:gd name="connsiteX0" fmla="*/ 5318836 w 17572918"/>
+              <a:gd name="connsiteY0" fmla="*/ 691021 h 15070903"/>
+              <a:gd name="connsiteX1" fmla="*/ 3893239 w 17572918"/>
+              <a:gd name="connsiteY1" fmla="*/ 1749150 h 15070903"/>
+              <a:gd name="connsiteX2" fmla="*/ 1944940 w 17572918"/>
+              <a:gd name="connsiteY2" fmla="*/ 3910097 h 15070903"/>
+              <a:gd name="connsiteX3" fmla="*/ 298963 w 17572918"/>
+              <a:gd name="connsiteY3" fmla="*/ 8415897 h 15070903"/>
+              <a:gd name="connsiteX4" fmla="*/ 178508 w 17572918"/>
+              <a:gd name="connsiteY4" fmla="*/ 12294751 h 15070903"/>
+              <a:gd name="connsiteX5" fmla="*/ 1898243 w 17572918"/>
+              <a:gd name="connsiteY5" fmla="*/ 15067869 h 15070903"/>
+              <a:gd name="connsiteX6" fmla="*/ 10473520 w 17572918"/>
+              <a:gd name="connsiteY6" fmla="*/ 11467417 h 15070903"/>
+              <a:gd name="connsiteX7" fmla="*/ 17100143 w 17572918"/>
+              <a:gd name="connsiteY7" fmla="*/ 14496369 h 15070903"/>
+              <a:gd name="connsiteX8" fmla="*/ 16490001 w 17572918"/>
+              <a:gd name="connsiteY8" fmla="*/ 10944668 h 15070903"/>
+              <a:gd name="connsiteX9" fmla="*/ 14799440 w 17572918"/>
+              <a:gd name="connsiteY9" fmla="*/ 4290603 h 15070903"/>
+              <a:gd name="connsiteX10" fmla="*/ 11552070 w 17572918"/>
+              <a:gd name="connsiteY10" fmla="*/ 829599 h 15070903"/>
+              <a:gd name="connsiteX11" fmla="*/ 8797579 w 17572918"/>
+              <a:gd name="connsiteY11" fmla="*/ 47980 h 15070903"/>
+              <a:gd name="connsiteX12" fmla="*/ 7034310 w 17572918"/>
+              <a:gd name="connsiteY12" fmla="*/ 57577 h 15070903"/>
+              <a:gd name="connsiteX0" fmla="*/ 5318836 w 17102324"/>
+              <a:gd name="connsiteY0" fmla="*/ 691021 h 15070903"/>
+              <a:gd name="connsiteX1" fmla="*/ 3893239 w 17102324"/>
+              <a:gd name="connsiteY1" fmla="*/ 1749150 h 15070903"/>
+              <a:gd name="connsiteX2" fmla="*/ 1944940 w 17102324"/>
+              <a:gd name="connsiteY2" fmla="*/ 3910097 h 15070903"/>
+              <a:gd name="connsiteX3" fmla="*/ 298963 w 17102324"/>
+              <a:gd name="connsiteY3" fmla="*/ 8415897 h 15070903"/>
+              <a:gd name="connsiteX4" fmla="*/ 178508 w 17102324"/>
+              <a:gd name="connsiteY4" fmla="*/ 12294751 h 15070903"/>
+              <a:gd name="connsiteX5" fmla="*/ 1898243 w 17102324"/>
+              <a:gd name="connsiteY5" fmla="*/ 15067869 h 15070903"/>
+              <a:gd name="connsiteX6" fmla="*/ 10473520 w 17102324"/>
+              <a:gd name="connsiteY6" fmla="*/ 11467417 h 15070903"/>
+              <a:gd name="connsiteX7" fmla="*/ 17100143 w 17102324"/>
+              <a:gd name="connsiteY7" fmla="*/ 14496369 h 15070903"/>
+              <a:gd name="connsiteX8" fmla="*/ 16490001 w 17102324"/>
+              <a:gd name="connsiteY8" fmla="*/ 10944668 h 15070903"/>
+              <a:gd name="connsiteX9" fmla="*/ 14799440 w 17102324"/>
+              <a:gd name="connsiteY9" fmla="*/ 4290603 h 15070903"/>
+              <a:gd name="connsiteX10" fmla="*/ 11552070 w 17102324"/>
+              <a:gd name="connsiteY10" fmla="*/ 829599 h 15070903"/>
+              <a:gd name="connsiteX11" fmla="*/ 8797579 w 17102324"/>
+              <a:gd name="connsiteY11" fmla="*/ 47980 h 15070903"/>
+              <a:gd name="connsiteX12" fmla="*/ 7034310 w 17102324"/>
+              <a:gd name="connsiteY12" fmla="*/ 57577 h 15070903"/>
+              <a:gd name="connsiteX0" fmla="*/ 5318836 w 16610512"/>
+              <a:gd name="connsiteY0" fmla="*/ 691021 h 15070903"/>
+              <a:gd name="connsiteX1" fmla="*/ 3893239 w 16610512"/>
+              <a:gd name="connsiteY1" fmla="*/ 1749150 h 15070903"/>
+              <a:gd name="connsiteX2" fmla="*/ 1944940 w 16610512"/>
+              <a:gd name="connsiteY2" fmla="*/ 3910097 h 15070903"/>
+              <a:gd name="connsiteX3" fmla="*/ 298963 w 16610512"/>
+              <a:gd name="connsiteY3" fmla="*/ 8415897 h 15070903"/>
+              <a:gd name="connsiteX4" fmla="*/ 178508 w 16610512"/>
+              <a:gd name="connsiteY4" fmla="*/ 12294751 h 15070903"/>
+              <a:gd name="connsiteX5" fmla="*/ 1898243 w 16610512"/>
+              <a:gd name="connsiteY5" fmla="*/ 15067869 h 15070903"/>
+              <a:gd name="connsiteX6" fmla="*/ 10473520 w 16610512"/>
+              <a:gd name="connsiteY6" fmla="*/ 11467417 h 15070903"/>
+              <a:gd name="connsiteX7" fmla="*/ 16193178 w 16610512"/>
+              <a:gd name="connsiteY7" fmla="*/ 13668775 h 15070903"/>
+              <a:gd name="connsiteX8" fmla="*/ 16490001 w 16610512"/>
+              <a:gd name="connsiteY8" fmla="*/ 10944668 h 15070903"/>
+              <a:gd name="connsiteX9" fmla="*/ 14799440 w 16610512"/>
+              <a:gd name="connsiteY9" fmla="*/ 4290603 h 15070903"/>
+              <a:gd name="connsiteX10" fmla="*/ 11552070 w 16610512"/>
+              <a:gd name="connsiteY10" fmla="*/ 829599 h 15070903"/>
+              <a:gd name="connsiteX11" fmla="*/ 8797579 w 16610512"/>
+              <a:gd name="connsiteY11" fmla="*/ 47980 h 15070903"/>
+              <a:gd name="connsiteX12" fmla="*/ 7034310 w 16610512"/>
+              <a:gd name="connsiteY12" fmla="*/ 57577 h 15070903"/>
+              <a:gd name="connsiteX0" fmla="*/ 5318836 w 16496587"/>
+              <a:gd name="connsiteY0" fmla="*/ 691021 h 15070903"/>
+              <a:gd name="connsiteX1" fmla="*/ 3893239 w 16496587"/>
+              <a:gd name="connsiteY1" fmla="*/ 1749150 h 15070903"/>
+              <a:gd name="connsiteX2" fmla="*/ 1944940 w 16496587"/>
+              <a:gd name="connsiteY2" fmla="*/ 3910097 h 15070903"/>
+              <a:gd name="connsiteX3" fmla="*/ 298963 w 16496587"/>
+              <a:gd name="connsiteY3" fmla="*/ 8415897 h 15070903"/>
+              <a:gd name="connsiteX4" fmla="*/ 178508 w 16496587"/>
+              <a:gd name="connsiteY4" fmla="*/ 12294751 h 15070903"/>
+              <a:gd name="connsiteX5" fmla="*/ 1898243 w 16496587"/>
+              <a:gd name="connsiteY5" fmla="*/ 15067869 h 15070903"/>
+              <a:gd name="connsiteX6" fmla="*/ 10473520 w 16496587"/>
+              <a:gd name="connsiteY6" fmla="*/ 11467417 h 15070903"/>
+              <a:gd name="connsiteX7" fmla="*/ 16193178 w 16496587"/>
+              <a:gd name="connsiteY7" fmla="*/ 13668775 h 15070903"/>
+              <a:gd name="connsiteX8" fmla="*/ 16355636 w 16496587"/>
+              <a:gd name="connsiteY8" fmla="*/ 8231990 h 15070903"/>
+              <a:gd name="connsiteX9" fmla="*/ 14799440 w 16496587"/>
+              <a:gd name="connsiteY9" fmla="*/ 4290603 h 15070903"/>
+              <a:gd name="connsiteX10" fmla="*/ 11552070 w 16496587"/>
+              <a:gd name="connsiteY10" fmla="*/ 829599 h 15070903"/>
+              <a:gd name="connsiteX11" fmla="*/ 8797579 w 16496587"/>
+              <a:gd name="connsiteY11" fmla="*/ 47980 h 15070903"/>
+              <a:gd name="connsiteX12" fmla="*/ 7034310 w 16496587"/>
+              <a:gd name="connsiteY12" fmla="*/ 57577 h 15070903"/>
+            </a:gdLst>
+            <a:ahLst/>
+            <a:cxnLst>
+              <a:cxn ang="0">
+                <a:pos x="connsiteX0" y="connsiteY0"/>
+              </a:cxn>
+              <a:cxn ang="0">
+                <a:pos x="connsiteX1" y="connsiteY1"/>
+              </a:cxn>
+              <a:cxn ang="0">
+                <a:pos x="connsiteX2" y="connsiteY2"/>
+              </a:cxn>
+              <a:cxn ang="0">
+                <a:pos x="connsiteX3" y="connsiteY3"/>
+              </a:cxn>
+              <a:cxn ang="0">
+                <a:pos x="connsiteX4" y="connsiteY4"/>
+              </a:cxn>
+              <a:cxn ang="0">
+                <a:pos x="connsiteX5" y="connsiteY5"/>
+              </a:cxn>
+              <a:cxn ang="0">
+                <a:pos x="connsiteX6" y="connsiteY6"/>
+              </a:cxn>
+              <a:cxn ang="0">
+                <a:pos x="connsiteX7" y="connsiteY7"/>
+              </a:cxn>
+              <a:cxn ang="0">
+                <a:pos x="connsiteX8" y="connsiteY8"/>
+              </a:cxn>
+              <a:cxn ang="0">
+                <a:pos x="connsiteX9" y="connsiteY9"/>
+              </a:cxn>
+              <a:cxn ang="0">
+                <a:pos x="connsiteX10" y="connsiteY10"/>
+              </a:cxn>
+              <a:cxn ang="0">
+                <a:pos x="connsiteX11" y="connsiteY11"/>
+              </a:cxn>
+              <a:cxn ang="0">
+                <a:pos x="connsiteX12" y="connsiteY12"/>
+              </a:cxn>
+            </a:cxnLst>
+            <a:rect l="l" t="t" r="r" b="b"/>
+            <a:pathLst>
+              <a:path w="16496587" h="15070903">
+                <a:moveTo>
+                  <a:pt x="5318836" y="691021"/>
+                </a:moveTo>
+                <a:cubicBezTo>
+                  <a:pt x="5103631" y="890365"/>
+                  <a:pt x="4455555" y="1212637"/>
+                  <a:pt x="3893239" y="1749150"/>
+                </a:cubicBezTo>
+                <a:cubicBezTo>
+                  <a:pt x="3330923" y="2285663"/>
+                  <a:pt x="2566380" y="2821961"/>
+                  <a:pt x="1944940" y="3910097"/>
+                </a:cubicBezTo>
+                <a:cubicBezTo>
+                  <a:pt x="1323500" y="4998233"/>
+                  <a:pt x="660551" y="7171713"/>
+                  <a:pt x="298963" y="8415897"/>
+                </a:cubicBezTo>
+                <a:cubicBezTo>
+                  <a:pt x="-62625" y="9660081"/>
+                  <a:pt x="-88039" y="11186089"/>
+                  <a:pt x="178508" y="12294751"/>
+                </a:cubicBezTo>
+                <a:cubicBezTo>
+                  <a:pt x="445055" y="13403413"/>
+                  <a:pt x="12293" y="15153594"/>
+                  <a:pt x="1898243" y="15067869"/>
+                </a:cubicBezTo>
+                <a:cubicBezTo>
+                  <a:pt x="4756669" y="13867718"/>
+                  <a:pt x="8091031" y="11700599"/>
+                  <a:pt x="10473520" y="11467417"/>
+                </a:cubicBezTo>
+                <a:cubicBezTo>
+                  <a:pt x="12856009" y="11234235"/>
+                  <a:pt x="14392953" y="14221225"/>
+                  <a:pt x="16193178" y="13668775"/>
+                </a:cubicBezTo>
+                <a:cubicBezTo>
+                  <a:pt x="16221777" y="12432212"/>
+                  <a:pt x="16739086" y="9932951"/>
+                  <a:pt x="16355636" y="8231990"/>
+                </a:cubicBezTo>
+                <a:cubicBezTo>
+                  <a:pt x="15972186" y="6531029"/>
+                  <a:pt x="15600034" y="5524335"/>
+                  <a:pt x="14799440" y="4290603"/>
+                </a:cubicBezTo>
+                <a:cubicBezTo>
+                  <a:pt x="13998846" y="3056871"/>
+                  <a:pt x="12541183" y="1498388"/>
+                  <a:pt x="11552070" y="829599"/>
+                </a:cubicBezTo>
+                <a:cubicBezTo>
+                  <a:pt x="10562957" y="160810"/>
+                  <a:pt x="9550539" y="176650"/>
+                  <a:pt x="8797579" y="47980"/>
+                </a:cubicBezTo>
+                <a:cubicBezTo>
+                  <a:pt x="8044619" y="-80690"/>
+                  <a:pt x="7339385" y="94292"/>
+                  <a:pt x="7034310" y="57577"/>
+                </a:cubicBezTo>
+              </a:path>
+            </a:pathLst>
+          </a:custGeom>
+          <a:solidFill>
+            <a:srgbClr val="95B3D7">
+              <a:alpha val="60784"/>
+            </a:srgbClr>
+          </a:solidFill>
+          <a:ln w="57150">
+            <a:noFill/>
+          </a:ln>
+        </p:spPr>
+        <p:style>
+          <a:lnRef idx="2">
+            <a:schemeClr val="accent1">
+              <a:shade val="50000"/>
+            </a:schemeClr>
+          </a:lnRef>
+          <a:fillRef idx="1">
+            <a:schemeClr val="accent1"/>
+          </a:fillRef>
+          <a:effectRef idx="0">
+            <a:schemeClr val="accent1"/>
+          </a:effectRef>
+          <a:fontRef idx="minor">
+            <a:schemeClr val="lt1"/>
+          </a:fontRef>
+        </p:style>
+        <p:txBody>
+          <a:bodyPr rtlCol="0" anchor="ctr"/>
+          <a:lstStyle/>
+          <a:p>
+            <a:pPr algn="ctr"/>
+            <a:endParaRPr lang="en-US"/>
+          </a:p>
+        </p:txBody>
+      </p:sp>
+      <p:cxnSp>
+        <p:nvCxnSpPr>
+          <p:cNvPr id="189" name="Straight Connector 188"/>
+          <p:cNvCxnSpPr/>
+          <p:nvPr/>
+        </p:nvCxnSpPr>
+        <p:spPr>
+          <a:xfrm flipH="1" flipV="1">
+            <a:off x="6029669" y="1773113"/>
+            <a:ext cx="16494" cy="14203"/>
+          </a:xfrm>
+          <a:prstGeom prst="line">
+            <a:avLst/>
+          </a:prstGeom>
+        </p:spPr>
+        <p:style>
+          <a:lnRef idx="1">
+            <a:schemeClr val="accent1"/>
+          </a:lnRef>
+          <a:fillRef idx="0">
+            <a:schemeClr val="accent1"/>
+          </a:fillRef>
+          <a:effectRef idx="0">
+            <a:schemeClr val="accent1"/>
+          </a:effectRef>
+          <a:fontRef idx="minor">
+            <a:schemeClr val="tx1"/>
+          </a:fontRef>
+        </p:style>
+      </p:cxnSp>
+      <p:sp>
+        <p:nvSpPr>
+          <p:cNvPr id="190" name="Oval 189"/>
+          <p:cNvSpPr>
+            <a:spLocks noChangeAspect="1"/>
+          </p:cNvSpPr>
+          <p:nvPr/>
+        </p:nvSpPr>
+        <p:spPr>
+          <a:xfrm>
+            <a:off x="4264302" y="3648418"/>
+            <a:ext cx="814651" cy="835827"/>
+          </a:xfrm>
+          <a:prstGeom prst="ellipse">
+            <a:avLst/>
+          </a:prstGeom>
+          <a:solidFill>
+            <a:srgbClr val="7030A0"/>
+          </a:solidFill>
+          <a:ln>
+            <a:noFill/>
+          </a:ln>
+        </p:spPr>
+        <p:style>
+          <a:lnRef idx="2">
+            <a:schemeClr val="accent1">
+              <a:shade val="50000"/>
+            </a:schemeClr>
+          </a:lnRef>
+          <a:fillRef idx="1">
+            <a:schemeClr val="accent1"/>
+          </a:fillRef>
+          <a:effectRef idx="0">
+            <a:schemeClr val="accent1"/>
+          </a:effectRef>
+          <a:fontRef idx="minor">
+            <a:schemeClr val="lt1"/>
+          </a:fontRef>
+        </p:style>
+        <p:txBody>
+          <a:bodyPr rtlCol="0" anchor="ctr"/>
+          <a:lstStyle/>
+          <a:p>
+            <a:pPr algn="ctr"/>
+            <a:endParaRPr lang="en-US"/>
+          </a:p>
+        </p:txBody>
+      </p:sp>
+      <p:sp>
+        <p:nvSpPr>
+          <p:cNvPr id="191" name="Oval 190"/>
+          <p:cNvSpPr>
+            <a:spLocks noChangeAspect="1"/>
+          </p:cNvSpPr>
+          <p:nvPr/>
+        </p:nvSpPr>
+        <p:spPr>
+          <a:xfrm>
+            <a:off x="4058606" y="4813672"/>
+            <a:ext cx="1242156" cy="1274448"/>
+          </a:xfrm>
+          <a:prstGeom prst="ellipse">
+            <a:avLst/>
+          </a:prstGeom>
+          <a:solidFill>
+            <a:schemeClr val="accent2"/>
+          </a:solidFill>
+          <a:ln>
+            <a:noFill/>
+          </a:ln>
+        </p:spPr>
+        <p:style>
+          <a:lnRef idx="2">
+            <a:schemeClr val="accent1">
+              <a:shade val="50000"/>
+            </a:schemeClr>
+          </a:lnRef>
+          <a:fillRef idx="1">
+            <a:schemeClr val="accent1"/>
+          </a:fillRef>
+          <a:effectRef idx="0">
+            <a:schemeClr val="accent1"/>
+          </a:effectRef>
+          <a:fontRef idx="minor">
+            <a:schemeClr val="lt1"/>
+          </a:fontRef>
+        </p:style>
+        <p:txBody>
+          <a:bodyPr rtlCol="0" anchor="ctr"/>
+          <a:lstStyle/>
+          <a:p>
+            <a:pPr algn="ctr"/>
+            <a:endParaRPr lang="en-US"/>
+          </a:p>
+        </p:txBody>
+      </p:sp>
       <p:grpSp>
         <p:nvGrpSpPr>
-          <p:cNvPr id="212" name="Group 211"/>
+          <p:cNvPr id="193" name="Group 192"/>
           <p:cNvGrpSpPr/>
           <p:nvPr/>
         </p:nvGrpSpPr>
         <p:grpSpPr>
           <a:xfrm>
-            <a:off x="1631567" y="1301325"/>
-            <a:ext cx="6045200" cy="5791052"/>
-            <a:chOff x="279400" y="1206565"/>
-            <a:chExt cx="6236920" cy="5974712"/>
+            <a:off x="2676654" y="2089077"/>
+            <a:ext cx="3988313" cy="4192708"/>
+            <a:chOff x="8128001" y="2024889"/>
+            <a:chExt cx="4114800" cy="4325677"/>
           </a:xfrm>
         </p:grpSpPr>
-        <p:sp>
-          <p:nvSpPr>
-            <p:cNvPr id="186" name="Rectangle 187"/>
-            <p:cNvSpPr>
-              <a:spLocks noChangeAspect="1"/>
-            </p:cNvSpPr>
-            <p:nvPr/>
-          </p:nvSpPr>
-          <p:spPr>
-            <a:xfrm rot="18120000">
-              <a:off x="2338286" y="2220381"/>
-              <a:ext cx="4162725" cy="3011503"/>
-            </a:xfrm>
-            <a:custGeom>
-              <a:avLst/>
-              <a:gdLst/>
-              <a:ahLst/>
-              <a:cxnLst/>
-              <a:rect l="l" t="t" r="r" b="b"/>
-              <a:pathLst>
-                <a:path w="4162725" h="3011503">
-                  <a:moveTo>
-                    <a:pt x="4002565" y="0"/>
-                  </a:moveTo>
-                  <a:cubicBezTo>
-                    <a:pt x="4356816" y="1056482"/>
-                    <a:pt x="4113135" y="2217289"/>
-                    <a:pt x="3373275" y="3011503"/>
-                  </a:cubicBezTo>
-                  <a:lnTo>
-                    <a:pt x="0" y="3011503"/>
-                  </a:lnTo>
-                  <a:lnTo>
-                    <a:pt x="1" y="0"/>
-                  </a:lnTo>
-                  <a:close/>
-                </a:path>
-              </a:pathLst>
-            </a:custGeom>
-            <a:solidFill>
-              <a:srgbClr val="4A452A">
-                <a:alpha val="81176"/>
-              </a:srgbClr>
-            </a:solidFill>
-            <a:ln w="76200">
-              <a:noFill/>
-              <a:prstDash val="solid"/>
-            </a:ln>
-          </p:spPr>
-          <p:style>
-            <a:lnRef idx="2">
-              <a:schemeClr val="accent1">
-                <a:shade val="50000"/>
-              </a:schemeClr>
-            </a:lnRef>
-            <a:fillRef idx="1">
-              <a:schemeClr val="accent1"/>
-            </a:fillRef>
-            <a:effectRef idx="0">
-              <a:schemeClr val="accent1"/>
-            </a:effectRef>
-            <a:fontRef idx="minor">
-              <a:schemeClr val="lt1"/>
-            </a:fontRef>
-          </p:style>
-          <p:txBody>
-            <a:bodyPr rtlCol="0" anchor="ctr"/>
-            <a:lstStyle/>
-            <a:p>
-              <a:pPr algn="ctr"/>
-              <a:endParaRPr lang="en-US"/>
-            </a:p>
-          </p:txBody>
-        </p:sp>
-        <p:sp>
-          <p:nvSpPr>
-            <p:cNvPr id="187" name="Rectangle 189"/>
-            <p:cNvSpPr>
-              <a:spLocks noChangeAspect="1"/>
-            </p:cNvSpPr>
-            <p:nvPr/>
-          </p:nvSpPr>
-          <p:spPr>
-            <a:xfrm rot="18900000">
-              <a:off x="1244050" y="3947796"/>
-              <a:ext cx="3919381" cy="3092156"/>
-            </a:xfrm>
-            <a:custGeom>
-              <a:avLst/>
-              <a:gdLst/>
-              <a:ahLst/>
-              <a:cxnLst/>
-              <a:rect l="l" t="t" r="r" b="b"/>
-              <a:pathLst>
-                <a:path w="3919381" h="3092156">
-                  <a:moveTo>
-                    <a:pt x="3919381" y="0"/>
-                  </a:moveTo>
-                  <a:lnTo>
-                    <a:pt x="3919381" y="3092156"/>
-                  </a:lnTo>
-                  <a:lnTo>
-                    <a:pt x="1140006" y="3092156"/>
-                  </a:lnTo>
-                  <a:cubicBezTo>
-                    <a:pt x="1062812" y="3028706"/>
-                    <a:pt x="988068" y="2960803"/>
-                    <a:pt x="915922" y="2888658"/>
-                  </a:cubicBezTo>
-                  <a:cubicBezTo>
-                    <a:pt x="124755" y="2097490"/>
-                    <a:pt x="-156247" y="993750"/>
-                    <a:pt x="82211" y="0"/>
-                  </a:cubicBezTo>
-                  <a:close/>
-                </a:path>
-              </a:pathLst>
-            </a:custGeom>
-            <a:solidFill>
-              <a:srgbClr val="66C2A4">
-                <a:alpha val="83922"/>
-              </a:srgbClr>
-            </a:solidFill>
-            <a:ln w="76200">
-              <a:noFill/>
-              <a:prstDash val="solid"/>
-            </a:ln>
-          </p:spPr>
-          <p:style>
-            <a:lnRef idx="2">
-              <a:schemeClr val="accent1">
-                <a:shade val="50000"/>
-              </a:schemeClr>
-            </a:lnRef>
-            <a:fillRef idx="1">
-              <a:schemeClr val="accent1"/>
-            </a:fillRef>
-            <a:effectRef idx="0">
-              <a:schemeClr val="accent1"/>
-            </a:effectRef>
-            <a:fontRef idx="minor">
-              <a:schemeClr val="lt1"/>
-            </a:fontRef>
-          </p:style>
-          <p:txBody>
-            <a:bodyPr rtlCol="0" anchor="ctr"/>
-            <a:lstStyle/>
-            <a:p>
-              <a:pPr algn="ctr"/>
-              <a:endParaRPr lang="en-US">
-                <a:solidFill>
-                  <a:schemeClr val="bg2">
-                    <a:lumMod val="25000"/>
-                  </a:schemeClr>
-                </a:solidFill>
-              </a:endParaRPr>
-            </a:p>
-          </p:txBody>
-        </p:sp>
-        <p:sp>
-          <p:nvSpPr>
-            <p:cNvPr id="188" name="Freeform 187"/>
-            <p:cNvSpPr/>
-            <p:nvPr/>
-          </p:nvSpPr>
-          <p:spPr>
-            <a:xfrm>
-              <a:off x="279400" y="1218647"/>
-              <a:ext cx="6236920" cy="4162908"/>
-            </a:xfrm>
-            <a:custGeom>
-              <a:avLst/>
-              <a:gdLst>
-                <a:gd name="connsiteX0" fmla="*/ 7200900 w 22917150"/>
-                <a:gd name="connsiteY0" fmla="*/ 0 h 22688550"/>
-                <a:gd name="connsiteX1" fmla="*/ 3486150 w 22917150"/>
-                <a:gd name="connsiteY1" fmla="*/ 4057650 h 22688550"/>
-                <a:gd name="connsiteX2" fmla="*/ 0 w 22917150"/>
-                <a:gd name="connsiteY2" fmla="*/ 14058900 h 22688550"/>
-                <a:gd name="connsiteX3" fmla="*/ 800100 w 22917150"/>
-                <a:gd name="connsiteY3" fmla="*/ 19602450 h 22688550"/>
-                <a:gd name="connsiteX4" fmla="*/ 3028950 w 22917150"/>
-                <a:gd name="connsiteY4" fmla="*/ 22688550 h 22688550"/>
-                <a:gd name="connsiteX5" fmla="*/ 12115800 w 22917150"/>
-                <a:gd name="connsiteY5" fmla="*/ 19088100 h 22688550"/>
-                <a:gd name="connsiteX6" fmla="*/ 18230850 w 22917150"/>
-                <a:gd name="connsiteY6" fmla="*/ 22117050 h 22688550"/>
-                <a:gd name="connsiteX7" fmla="*/ 22917150 w 22917150"/>
-                <a:gd name="connsiteY7" fmla="*/ 15773400 h 22688550"/>
-                <a:gd name="connsiteX8" fmla="*/ 7258050 w 22917150"/>
-                <a:gd name="connsiteY8" fmla="*/ 0 h 22688550"/>
-                <a:gd name="connsiteX0" fmla="*/ 7200900 w 23331238"/>
-                <a:gd name="connsiteY0" fmla="*/ 0 h 22688550"/>
-                <a:gd name="connsiteX1" fmla="*/ 3486150 w 23331238"/>
-                <a:gd name="connsiteY1" fmla="*/ 4057650 h 22688550"/>
-                <a:gd name="connsiteX2" fmla="*/ 0 w 23331238"/>
-                <a:gd name="connsiteY2" fmla="*/ 14058900 h 22688550"/>
-                <a:gd name="connsiteX3" fmla="*/ 800100 w 23331238"/>
-                <a:gd name="connsiteY3" fmla="*/ 19602450 h 22688550"/>
-                <a:gd name="connsiteX4" fmla="*/ 3028950 w 23331238"/>
-                <a:gd name="connsiteY4" fmla="*/ 22688550 h 22688550"/>
-                <a:gd name="connsiteX5" fmla="*/ 12115800 w 23331238"/>
-                <a:gd name="connsiteY5" fmla="*/ 19088100 h 22688550"/>
-                <a:gd name="connsiteX6" fmla="*/ 18230850 w 23331238"/>
-                <a:gd name="connsiteY6" fmla="*/ 22117050 h 22688550"/>
-                <a:gd name="connsiteX7" fmla="*/ 22917150 w 23331238"/>
-                <a:gd name="connsiteY7" fmla="*/ 15773400 h 22688550"/>
-                <a:gd name="connsiteX8" fmla="*/ 7258050 w 23331238"/>
-                <a:gd name="connsiteY8" fmla="*/ 0 h 22688550"/>
-                <a:gd name="connsiteX0" fmla="*/ 7200900 w 23331238"/>
-                <a:gd name="connsiteY0" fmla="*/ 0 h 22688550"/>
-                <a:gd name="connsiteX1" fmla="*/ 3486150 w 23331238"/>
-                <a:gd name="connsiteY1" fmla="*/ 4057650 h 22688550"/>
-                <a:gd name="connsiteX2" fmla="*/ 0 w 23331238"/>
-                <a:gd name="connsiteY2" fmla="*/ 14058900 h 22688550"/>
-                <a:gd name="connsiteX3" fmla="*/ 800100 w 23331238"/>
-                <a:gd name="connsiteY3" fmla="*/ 19602450 h 22688550"/>
-                <a:gd name="connsiteX4" fmla="*/ 3028950 w 23331238"/>
-                <a:gd name="connsiteY4" fmla="*/ 22688550 h 22688550"/>
-                <a:gd name="connsiteX5" fmla="*/ 12115800 w 23331238"/>
-                <a:gd name="connsiteY5" fmla="*/ 19088100 h 22688550"/>
-                <a:gd name="connsiteX6" fmla="*/ 18230850 w 23331238"/>
-                <a:gd name="connsiteY6" fmla="*/ 22117050 h 22688550"/>
-                <a:gd name="connsiteX7" fmla="*/ 22917150 w 23331238"/>
-                <a:gd name="connsiteY7" fmla="*/ 15773400 h 22688550"/>
-                <a:gd name="connsiteX8" fmla="*/ 7258050 w 23331238"/>
-                <a:gd name="connsiteY8" fmla="*/ 0 h 22688550"/>
-                <a:gd name="connsiteX0" fmla="*/ 7200900 w 23331238"/>
-                <a:gd name="connsiteY0" fmla="*/ 0 h 22688550"/>
-                <a:gd name="connsiteX1" fmla="*/ 3486150 w 23331238"/>
-                <a:gd name="connsiteY1" fmla="*/ 4057650 h 22688550"/>
-                <a:gd name="connsiteX2" fmla="*/ 0 w 23331238"/>
-                <a:gd name="connsiteY2" fmla="*/ 14058900 h 22688550"/>
-                <a:gd name="connsiteX3" fmla="*/ 800100 w 23331238"/>
-                <a:gd name="connsiteY3" fmla="*/ 19602450 h 22688550"/>
-                <a:gd name="connsiteX4" fmla="*/ 3028950 w 23331238"/>
-                <a:gd name="connsiteY4" fmla="*/ 22688550 h 22688550"/>
-                <a:gd name="connsiteX5" fmla="*/ 12115800 w 23331238"/>
-                <a:gd name="connsiteY5" fmla="*/ 19088100 h 22688550"/>
-                <a:gd name="connsiteX6" fmla="*/ 18230850 w 23331238"/>
-                <a:gd name="connsiteY6" fmla="*/ 22117050 h 22688550"/>
-                <a:gd name="connsiteX7" fmla="*/ 22917150 w 23331238"/>
-                <a:gd name="connsiteY7" fmla="*/ 15773400 h 22688550"/>
-                <a:gd name="connsiteX8" fmla="*/ 7258050 w 23331238"/>
-                <a:gd name="connsiteY8" fmla="*/ 0 h 22688550"/>
-                <a:gd name="connsiteX0" fmla="*/ 7220286 w 23350624"/>
-                <a:gd name="connsiteY0" fmla="*/ 0 h 22688550"/>
-                <a:gd name="connsiteX1" fmla="*/ 3505536 w 23350624"/>
-                <a:gd name="connsiteY1" fmla="*/ 4057650 h 22688550"/>
-                <a:gd name="connsiteX2" fmla="*/ 19386 w 23350624"/>
-                <a:gd name="connsiteY2" fmla="*/ 14058900 h 22688550"/>
-                <a:gd name="connsiteX3" fmla="*/ 819486 w 23350624"/>
-                <a:gd name="connsiteY3" fmla="*/ 19602450 h 22688550"/>
-                <a:gd name="connsiteX4" fmla="*/ 3048336 w 23350624"/>
-                <a:gd name="connsiteY4" fmla="*/ 22688550 h 22688550"/>
-                <a:gd name="connsiteX5" fmla="*/ 12135186 w 23350624"/>
-                <a:gd name="connsiteY5" fmla="*/ 19088100 h 22688550"/>
-                <a:gd name="connsiteX6" fmla="*/ 18250236 w 23350624"/>
-                <a:gd name="connsiteY6" fmla="*/ 22117050 h 22688550"/>
-                <a:gd name="connsiteX7" fmla="*/ 22936536 w 23350624"/>
-                <a:gd name="connsiteY7" fmla="*/ 15773400 h 22688550"/>
-                <a:gd name="connsiteX8" fmla="*/ 7277436 w 23350624"/>
-                <a:gd name="connsiteY8" fmla="*/ 0 h 22688550"/>
-                <a:gd name="connsiteX0" fmla="*/ 7220286 w 23350624"/>
-                <a:gd name="connsiteY0" fmla="*/ 0 h 22692482"/>
-                <a:gd name="connsiteX1" fmla="*/ 3505536 w 23350624"/>
-                <a:gd name="connsiteY1" fmla="*/ 4057650 h 22692482"/>
-                <a:gd name="connsiteX2" fmla="*/ 19386 w 23350624"/>
-                <a:gd name="connsiteY2" fmla="*/ 14058900 h 22692482"/>
-                <a:gd name="connsiteX3" fmla="*/ 819486 w 23350624"/>
-                <a:gd name="connsiteY3" fmla="*/ 19602450 h 22692482"/>
-                <a:gd name="connsiteX4" fmla="*/ 3048336 w 23350624"/>
-                <a:gd name="connsiteY4" fmla="*/ 22688550 h 22692482"/>
-                <a:gd name="connsiteX5" fmla="*/ 12135186 w 23350624"/>
-                <a:gd name="connsiteY5" fmla="*/ 19088100 h 22692482"/>
-                <a:gd name="connsiteX6" fmla="*/ 18250236 w 23350624"/>
-                <a:gd name="connsiteY6" fmla="*/ 22117050 h 22692482"/>
-                <a:gd name="connsiteX7" fmla="*/ 22936536 w 23350624"/>
-                <a:gd name="connsiteY7" fmla="*/ 15773400 h 22692482"/>
-                <a:gd name="connsiteX8" fmla="*/ 7277436 w 23350624"/>
-                <a:gd name="connsiteY8" fmla="*/ 0 h 22692482"/>
-                <a:gd name="connsiteX0" fmla="*/ 7220286 w 23350624"/>
-                <a:gd name="connsiteY0" fmla="*/ 0 h 22692482"/>
-                <a:gd name="connsiteX1" fmla="*/ 3505536 w 23350624"/>
-                <a:gd name="connsiteY1" fmla="*/ 4057650 h 22692482"/>
-                <a:gd name="connsiteX2" fmla="*/ 19386 w 23350624"/>
-                <a:gd name="connsiteY2" fmla="*/ 14058900 h 22692482"/>
-                <a:gd name="connsiteX3" fmla="*/ 819486 w 23350624"/>
-                <a:gd name="connsiteY3" fmla="*/ 19602450 h 22692482"/>
-                <a:gd name="connsiteX4" fmla="*/ 3048336 w 23350624"/>
-                <a:gd name="connsiteY4" fmla="*/ 22688550 h 22692482"/>
-                <a:gd name="connsiteX5" fmla="*/ 12135186 w 23350624"/>
-                <a:gd name="connsiteY5" fmla="*/ 19088100 h 22692482"/>
-                <a:gd name="connsiteX6" fmla="*/ 18250236 w 23350624"/>
-                <a:gd name="connsiteY6" fmla="*/ 22117050 h 22692482"/>
-                <a:gd name="connsiteX7" fmla="*/ 22936536 w 23350624"/>
-                <a:gd name="connsiteY7" fmla="*/ 15773400 h 22692482"/>
-                <a:gd name="connsiteX8" fmla="*/ 7277436 w 23350624"/>
-                <a:gd name="connsiteY8" fmla="*/ 0 h 22692482"/>
-                <a:gd name="connsiteX0" fmla="*/ 7220286 w 23350624"/>
-                <a:gd name="connsiteY0" fmla="*/ 0 h 22692482"/>
-                <a:gd name="connsiteX1" fmla="*/ 3505536 w 23350624"/>
-                <a:gd name="connsiteY1" fmla="*/ 4057650 h 22692482"/>
-                <a:gd name="connsiteX2" fmla="*/ 19386 w 23350624"/>
-                <a:gd name="connsiteY2" fmla="*/ 14058900 h 22692482"/>
-                <a:gd name="connsiteX3" fmla="*/ 819486 w 23350624"/>
-                <a:gd name="connsiteY3" fmla="*/ 19602450 h 22692482"/>
-                <a:gd name="connsiteX4" fmla="*/ 3048336 w 23350624"/>
-                <a:gd name="connsiteY4" fmla="*/ 22688550 h 22692482"/>
-                <a:gd name="connsiteX5" fmla="*/ 11623613 w 23350624"/>
-                <a:gd name="connsiteY5" fmla="*/ 19088098 h 22692482"/>
-                <a:gd name="connsiteX6" fmla="*/ 18250236 w 23350624"/>
-                <a:gd name="connsiteY6" fmla="*/ 22117050 h 22692482"/>
-                <a:gd name="connsiteX7" fmla="*/ 22936536 w 23350624"/>
-                <a:gd name="connsiteY7" fmla="*/ 15773400 h 22692482"/>
-                <a:gd name="connsiteX8" fmla="*/ 7277436 w 23350624"/>
-                <a:gd name="connsiteY8" fmla="*/ 0 h 22692482"/>
-                <a:gd name="connsiteX0" fmla="*/ 7450798 w 23581136"/>
-                <a:gd name="connsiteY0" fmla="*/ 0 h 22693040"/>
-                <a:gd name="connsiteX1" fmla="*/ 3736048 w 23581136"/>
-                <a:gd name="connsiteY1" fmla="*/ 4057650 h 22693040"/>
-                <a:gd name="connsiteX2" fmla="*/ 249898 w 23581136"/>
-                <a:gd name="connsiteY2" fmla="*/ 14058900 h 22693040"/>
-                <a:gd name="connsiteX3" fmla="*/ 282641 w 23581136"/>
-                <a:gd name="connsiteY3" fmla="*/ 19777501 h 22693040"/>
-                <a:gd name="connsiteX4" fmla="*/ 3278848 w 23581136"/>
-                <a:gd name="connsiteY4" fmla="*/ 22688550 h 22693040"/>
-                <a:gd name="connsiteX5" fmla="*/ 11854125 w 23581136"/>
-                <a:gd name="connsiteY5" fmla="*/ 19088098 h 22693040"/>
-                <a:gd name="connsiteX6" fmla="*/ 18480748 w 23581136"/>
-                <a:gd name="connsiteY6" fmla="*/ 22117050 h 22693040"/>
-                <a:gd name="connsiteX7" fmla="*/ 23167048 w 23581136"/>
-                <a:gd name="connsiteY7" fmla="*/ 15773400 h 22693040"/>
-                <a:gd name="connsiteX8" fmla="*/ 7507948 w 23581136"/>
-                <a:gd name="connsiteY8" fmla="*/ 0 h 22693040"/>
-                <a:gd name="connsiteX0" fmla="*/ 7450798 w 23581136"/>
-                <a:gd name="connsiteY0" fmla="*/ 0 h 22693040"/>
-                <a:gd name="connsiteX1" fmla="*/ 3736048 w 23581136"/>
-                <a:gd name="connsiteY1" fmla="*/ 4057650 h 22693040"/>
-                <a:gd name="connsiteX2" fmla="*/ 249898 w 23581136"/>
-                <a:gd name="connsiteY2" fmla="*/ 14058900 h 22693040"/>
-                <a:gd name="connsiteX3" fmla="*/ 282641 w 23581136"/>
-                <a:gd name="connsiteY3" fmla="*/ 19777501 h 22693040"/>
-                <a:gd name="connsiteX4" fmla="*/ 3278848 w 23581136"/>
-                <a:gd name="connsiteY4" fmla="*/ 22688550 h 22693040"/>
-                <a:gd name="connsiteX5" fmla="*/ 11854125 w 23581136"/>
-                <a:gd name="connsiteY5" fmla="*/ 19088098 h 22693040"/>
-                <a:gd name="connsiteX6" fmla="*/ 18480748 w 23581136"/>
-                <a:gd name="connsiteY6" fmla="*/ 22117050 h 22693040"/>
-                <a:gd name="connsiteX7" fmla="*/ 23167048 w 23581136"/>
-                <a:gd name="connsiteY7" fmla="*/ 15773400 h 22693040"/>
-                <a:gd name="connsiteX8" fmla="*/ 7507948 w 23581136"/>
-                <a:gd name="connsiteY8" fmla="*/ 0 h 22693040"/>
-                <a:gd name="connsiteX0" fmla="*/ 7450798 w 23581136"/>
-                <a:gd name="connsiteY0" fmla="*/ 0 h 22693040"/>
-                <a:gd name="connsiteX1" fmla="*/ 3736048 w 23581136"/>
-                <a:gd name="connsiteY1" fmla="*/ 4057650 h 22693040"/>
-                <a:gd name="connsiteX2" fmla="*/ 249898 w 23581136"/>
-                <a:gd name="connsiteY2" fmla="*/ 14058900 h 22693040"/>
-                <a:gd name="connsiteX3" fmla="*/ 282641 w 23581136"/>
-                <a:gd name="connsiteY3" fmla="*/ 19777501 h 22693040"/>
-                <a:gd name="connsiteX4" fmla="*/ 3278848 w 23581136"/>
-                <a:gd name="connsiteY4" fmla="*/ 22688550 h 22693040"/>
-                <a:gd name="connsiteX5" fmla="*/ 11854125 w 23581136"/>
-                <a:gd name="connsiteY5" fmla="*/ 19088098 h 22693040"/>
-                <a:gd name="connsiteX6" fmla="*/ 18480748 w 23581136"/>
-                <a:gd name="connsiteY6" fmla="*/ 22117050 h 22693040"/>
-                <a:gd name="connsiteX7" fmla="*/ 23167048 w 23581136"/>
-                <a:gd name="connsiteY7" fmla="*/ 15773400 h 22693040"/>
-                <a:gd name="connsiteX8" fmla="*/ 7507948 w 23581136"/>
-                <a:gd name="connsiteY8" fmla="*/ 0 h 22693040"/>
-                <a:gd name="connsiteX0" fmla="*/ 7450798 w 23581136"/>
-                <a:gd name="connsiteY0" fmla="*/ 0 h 22693040"/>
-                <a:gd name="connsiteX1" fmla="*/ 3736048 w 23581136"/>
-                <a:gd name="connsiteY1" fmla="*/ 4057650 h 22693040"/>
-                <a:gd name="connsiteX2" fmla="*/ 249898 w 23581136"/>
-                <a:gd name="connsiteY2" fmla="*/ 14058900 h 22693040"/>
-                <a:gd name="connsiteX3" fmla="*/ 282641 w 23581136"/>
-                <a:gd name="connsiteY3" fmla="*/ 19777501 h 22693040"/>
-                <a:gd name="connsiteX4" fmla="*/ 3278848 w 23581136"/>
-                <a:gd name="connsiteY4" fmla="*/ 22688550 h 22693040"/>
-                <a:gd name="connsiteX5" fmla="*/ 11854125 w 23581136"/>
-                <a:gd name="connsiteY5" fmla="*/ 19088098 h 22693040"/>
-                <a:gd name="connsiteX6" fmla="*/ 18480748 w 23581136"/>
-                <a:gd name="connsiteY6" fmla="*/ 22117050 h 22693040"/>
-                <a:gd name="connsiteX7" fmla="*/ 23167048 w 23581136"/>
-                <a:gd name="connsiteY7" fmla="*/ 15773400 h 22693040"/>
-                <a:gd name="connsiteX8" fmla="*/ 7507948 w 23581136"/>
-                <a:gd name="connsiteY8" fmla="*/ 0 h 22693040"/>
-                <a:gd name="connsiteX0" fmla="*/ 7450798 w 23581136"/>
-                <a:gd name="connsiteY0" fmla="*/ 78621 h 22771661"/>
-                <a:gd name="connsiteX1" fmla="*/ 3736048 w 23581136"/>
-                <a:gd name="connsiteY1" fmla="*/ 4136271 h 22771661"/>
-                <a:gd name="connsiteX2" fmla="*/ 249898 w 23581136"/>
-                <a:gd name="connsiteY2" fmla="*/ 14137521 h 22771661"/>
-                <a:gd name="connsiteX3" fmla="*/ 282641 w 23581136"/>
-                <a:gd name="connsiteY3" fmla="*/ 19856122 h 22771661"/>
-                <a:gd name="connsiteX4" fmla="*/ 3278848 w 23581136"/>
-                <a:gd name="connsiteY4" fmla="*/ 22767171 h 22771661"/>
-                <a:gd name="connsiteX5" fmla="*/ 11854125 w 23581136"/>
-                <a:gd name="connsiteY5" fmla="*/ 19166719 h 22771661"/>
-                <a:gd name="connsiteX6" fmla="*/ 18480748 w 23581136"/>
-                <a:gd name="connsiteY6" fmla="*/ 22195671 h 22771661"/>
-                <a:gd name="connsiteX7" fmla="*/ 23167048 w 23581136"/>
-                <a:gd name="connsiteY7" fmla="*/ 15852021 h 22771661"/>
-                <a:gd name="connsiteX8" fmla="*/ 7507948 w 23581136"/>
-                <a:gd name="connsiteY8" fmla="*/ 78621 h 22771661"/>
-                <a:gd name="connsiteX0" fmla="*/ 7252715 w 23383055"/>
-                <a:gd name="connsiteY0" fmla="*/ 78621 h 22772211"/>
-                <a:gd name="connsiteX1" fmla="*/ 3537965 w 23383055"/>
-                <a:gd name="connsiteY1" fmla="*/ 4136271 h 22772211"/>
-                <a:gd name="connsiteX2" fmla="*/ 51815 w 23383055"/>
-                <a:gd name="connsiteY2" fmla="*/ 14137521 h 22772211"/>
-                <a:gd name="connsiteX3" fmla="*/ 1361030 w 23383055"/>
-                <a:gd name="connsiteY3" fmla="*/ 19994053 h 22772211"/>
-                <a:gd name="connsiteX4" fmla="*/ 3080765 w 23383055"/>
-                <a:gd name="connsiteY4" fmla="*/ 22767171 h 22772211"/>
-                <a:gd name="connsiteX5" fmla="*/ 11656042 w 23383055"/>
-                <a:gd name="connsiteY5" fmla="*/ 19166719 h 22772211"/>
-                <a:gd name="connsiteX6" fmla="*/ 18282665 w 23383055"/>
-                <a:gd name="connsiteY6" fmla="*/ 22195671 h 22772211"/>
-                <a:gd name="connsiteX7" fmla="*/ 22968965 w 23383055"/>
-                <a:gd name="connsiteY7" fmla="*/ 15852021 h 22772211"/>
-                <a:gd name="connsiteX8" fmla="*/ 7309865 w 23383055"/>
-                <a:gd name="connsiteY8" fmla="*/ 78621 h 22772211"/>
-                <a:gd name="connsiteX0" fmla="*/ 5957966 w 22088306"/>
-                <a:gd name="connsiteY0" fmla="*/ 78621 h 22770882"/>
-                <a:gd name="connsiteX1" fmla="*/ 2243216 w 22088306"/>
-                <a:gd name="connsiteY1" fmla="*/ 4136271 h 22770882"/>
-                <a:gd name="connsiteX2" fmla="*/ 537409 w 22088306"/>
-                <a:gd name="connsiteY2" fmla="*/ 14091544 h 22770882"/>
-                <a:gd name="connsiteX3" fmla="*/ 66281 w 22088306"/>
-                <a:gd name="connsiteY3" fmla="*/ 19994053 h 22770882"/>
-                <a:gd name="connsiteX4" fmla="*/ 1786016 w 22088306"/>
-                <a:gd name="connsiteY4" fmla="*/ 22767171 h 22770882"/>
-                <a:gd name="connsiteX5" fmla="*/ 10361293 w 22088306"/>
-                <a:gd name="connsiteY5" fmla="*/ 19166719 h 22770882"/>
-                <a:gd name="connsiteX6" fmla="*/ 16987916 w 22088306"/>
-                <a:gd name="connsiteY6" fmla="*/ 22195671 h 22770882"/>
-                <a:gd name="connsiteX7" fmla="*/ 21674216 w 22088306"/>
-                <a:gd name="connsiteY7" fmla="*/ 15852021 h 22770882"/>
-                <a:gd name="connsiteX8" fmla="*/ 6015116 w 22088306"/>
-                <a:gd name="connsiteY8" fmla="*/ 78621 h 22770882"/>
-                <a:gd name="connsiteX0" fmla="*/ 5955964 w 22086304"/>
-                <a:gd name="connsiteY0" fmla="*/ 78621 h 22770882"/>
-                <a:gd name="connsiteX1" fmla="*/ 2241214 w 22086304"/>
-                <a:gd name="connsiteY1" fmla="*/ 4136271 h 22770882"/>
-                <a:gd name="connsiteX2" fmla="*/ 2133031 w 22086304"/>
-                <a:gd name="connsiteY2" fmla="*/ 10643870 h 22770882"/>
-                <a:gd name="connsiteX3" fmla="*/ 535407 w 22086304"/>
-                <a:gd name="connsiteY3" fmla="*/ 14091544 h 22770882"/>
-                <a:gd name="connsiteX4" fmla="*/ 64279 w 22086304"/>
-                <a:gd name="connsiteY4" fmla="*/ 19994053 h 22770882"/>
-                <a:gd name="connsiteX5" fmla="*/ 1784014 w 22086304"/>
-                <a:gd name="connsiteY5" fmla="*/ 22767171 h 22770882"/>
-                <a:gd name="connsiteX6" fmla="*/ 10359291 w 22086304"/>
-                <a:gd name="connsiteY6" fmla="*/ 19166719 h 22770882"/>
-                <a:gd name="connsiteX7" fmla="*/ 16985914 w 22086304"/>
-                <a:gd name="connsiteY7" fmla="*/ 22195671 h 22770882"/>
-                <a:gd name="connsiteX8" fmla="*/ 21672214 w 22086304"/>
-                <a:gd name="connsiteY8" fmla="*/ 15852021 h 22770882"/>
-                <a:gd name="connsiteX9" fmla="*/ 6013114 w 22086304"/>
-                <a:gd name="connsiteY9" fmla="*/ 78621 h 22770882"/>
-                <a:gd name="connsiteX0" fmla="*/ 5955964 w 22086304"/>
-                <a:gd name="connsiteY0" fmla="*/ 78621 h 22770882"/>
-                <a:gd name="connsiteX1" fmla="*/ 5633941 w 22086304"/>
-                <a:gd name="connsiteY1" fmla="*/ 8182298 h 22770882"/>
-                <a:gd name="connsiteX2" fmla="*/ 2133031 w 22086304"/>
-                <a:gd name="connsiteY2" fmla="*/ 10643870 h 22770882"/>
-                <a:gd name="connsiteX3" fmla="*/ 535407 w 22086304"/>
-                <a:gd name="connsiteY3" fmla="*/ 14091544 h 22770882"/>
-                <a:gd name="connsiteX4" fmla="*/ 64279 w 22086304"/>
-                <a:gd name="connsiteY4" fmla="*/ 19994053 h 22770882"/>
-                <a:gd name="connsiteX5" fmla="*/ 1784014 w 22086304"/>
-                <a:gd name="connsiteY5" fmla="*/ 22767171 h 22770882"/>
-                <a:gd name="connsiteX6" fmla="*/ 10359291 w 22086304"/>
-                <a:gd name="connsiteY6" fmla="*/ 19166719 h 22770882"/>
-                <a:gd name="connsiteX7" fmla="*/ 16985914 w 22086304"/>
-                <a:gd name="connsiteY7" fmla="*/ 22195671 h 22770882"/>
-                <a:gd name="connsiteX8" fmla="*/ 21672214 w 22086304"/>
-                <a:gd name="connsiteY8" fmla="*/ 15852021 h 22770882"/>
-                <a:gd name="connsiteX9" fmla="*/ 6013114 w 22086304"/>
-                <a:gd name="connsiteY9" fmla="*/ 78621 h 22770882"/>
-                <a:gd name="connsiteX0" fmla="*/ 5955964 w 22086304"/>
-                <a:gd name="connsiteY0" fmla="*/ 78621 h 22770882"/>
-                <a:gd name="connsiteX1" fmla="*/ 5633941 w 22086304"/>
-                <a:gd name="connsiteY1" fmla="*/ 8182298 h 22770882"/>
-                <a:gd name="connsiteX2" fmla="*/ 2133031 w 22086304"/>
-                <a:gd name="connsiteY2" fmla="*/ 10643870 h 22770882"/>
-                <a:gd name="connsiteX3" fmla="*/ 535407 w 22086304"/>
-                <a:gd name="connsiteY3" fmla="*/ 14091544 h 22770882"/>
-                <a:gd name="connsiteX4" fmla="*/ 64279 w 22086304"/>
-                <a:gd name="connsiteY4" fmla="*/ 19994053 h 22770882"/>
-                <a:gd name="connsiteX5" fmla="*/ 1784014 w 22086304"/>
-                <a:gd name="connsiteY5" fmla="*/ 22767171 h 22770882"/>
-                <a:gd name="connsiteX6" fmla="*/ 10359291 w 22086304"/>
-                <a:gd name="connsiteY6" fmla="*/ 19166719 h 22770882"/>
-                <a:gd name="connsiteX7" fmla="*/ 16985914 w 22086304"/>
-                <a:gd name="connsiteY7" fmla="*/ 22195671 h 22770882"/>
-                <a:gd name="connsiteX8" fmla="*/ 21672214 w 22086304"/>
-                <a:gd name="connsiteY8" fmla="*/ 15852021 h 22770882"/>
-                <a:gd name="connsiteX9" fmla="*/ 6013114 w 22086304"/>
-                <a:gd name="connsiteY9" fmla="*/ 78621 h 22770882"/>
-                <a:gd name="connsiteX0" fmla="*/ 5955964 w 22086304"/>
-                <a:gd name="connsiteY0" fmla="*/ 78621 h 22770882"/>
-                <a:gd name="connsiteX1" fmla="*/ 5633941 w 22086304"/>
-                <a:gd name="connsiteY1" fmla="*/ 8182298 h 22770882"/>
-                <a:gd name="connsiteX2" fmla="*/ 2133031 w 22086304"/>
-                <a:gd name="connsiteY2" fmla="*/ 10643870 h 22770882"/>
-                <a:gd name="connsiteX3" fmla="*/ 535407 w 22086304"/>
-                <a:gd name="connsiteY3" fmla="*/ 14091544 h 22770882"/>
-                <a:gd name="connsiteX4" fmla="*/ 64279 w 22086304"/>
-                <a:gd name="connsiteY4" fmla="*/ 19994053 h 22770882"/>
-                <a:gd name="connsiteX5" fmla="*/ 1784014 w 22086304"/>
-                <a:gd name="connsiteY5" fmla="*/ 22767171 h 22770882"/>
-                <a:gd name="connsiteX6" fmla="*/ 10359291 w 22086304"/>
-                <a:gd name="connsiteY6" fmla="*/ 19166719 h 22770882"/>
-                <a:gd name="connsiteX7" fmla="*/ 16985914 w 22086304"/>
-                <a:gd name="connsiteY7" fmla="*/ 22195671 h 22770882"/>
-                <a:gd name="connsiteX8" fmla="*/ 21672214 w 22086304"/>
-                <a:gd name="connsiteY8" fmla="*/ 15852021 h 22770882"/>
-                <a:gd name="connsiteX9" fmla="*/ 6013114 w 22086304"/>
-                <a:gd name="connsiteY9" fmla="*/ 78621 h 22770882"/>
-                <a:gd name="connsiteX0" fmla="*/ 5955964 w 21897790"/>
-                <a:gd name="connsiteY0" fmla="*/ -1 h 22692260"/>
-                <a:gd name="connsiteX1" fmla="*/ 5633941 w 21897790"/>
-                <a:gd name="connsiteY1" fmla="*/ 8103676 h 22692260"/>
-                <a:gd name="connsiteX2" fmla="*/ 2133031 w 21897790"/>
-                <a:gd name="connsiteY2" fmla="*/ 10565248 h 22692260"/>
-                <a:gd name="connsiteX3" fmla="*/ 535407 w 21897790"/>
-                <a:gd name="connsiteY3" fmla="*/ 14012922 h 22692260"/>
-                <a:gd name="connsiteX4" fmla="*/ 64279 w 21897790"/>
-                <a:gd name="connsiteY4" fmla="*/ 19915431 h 22692260"/>
-                <a:gd name="connsiteX5" fmla="*/ 1784014 w 21897790"/>
-                <a:gd name="connsiteY5" fmla="*/ 22688549 h 22692260"/>
-                <a:gd name="connsiteX6" fmla="*/ 10359291 w 21897790"/>
-                <a:gd name="connsiteY6" fmla="*/ 19088097 h 22692260"/>
-                <a:gd name="connsiteX7" fmla="*/ 16985914 w 21897790"/>
-                <a:gd name="connsiteY7" fmla="*/ 22117049 h 22692260"/>
-                <a:gd name="connsiteX8" fmla="*/ 21672214 w 21897790"/>
-                <a:gd name="connsiteY8" fmla="*/ 15773399 h 22692260"/>
-                <a:gd name="connsiteX9" fmla="*/ 9607390 w 21897790"/>
-                <a:gd name="connsiteY9" fmla="*/ 7724234 h 22692260"/>
-                <a:gd name="connsiteX0" fmla="*/ 5633941 w 21897790"/>
-                <a:gd name="connsiteY0" fmla="*/ 523156 h 15111740"/>
-                <a:gd name="connsiteX1" fmla="*/ 2133031 w 21897790"/>
-                <a:gd name="connsiteY1" fmla="*/ 2984728 h 15111740"/>
-                <a:gd name="connsiteX2" fmla="*/ 535407 w 21897790"/>
-                <a:gd name="connsiteY2" fmla="*/ 6432402 h 15111740"/>
-                <a:gd name="connsiteX3" fmla="*/ 64279 w 21897790"/>
-                <a:gd name="connsiteY3" fmla="*/ 12334911 h 15111740"/>
-                <a:gd name="connsiteX4" fmla="*/ 1784014 w 21897790"/>
-                <a:gd name="connsiteY4" fmla="*/ 15108029 h 15111740"/>
-                <a:gd name="connsiteX5" fmla="*/ 10359291 w 21897790"/>
-                <a:gd name="connsiteY5" fmla="*/ 11507577 h 15111740"/>
-                <a:gd name="connsiteX6" fmla="*/ 16985914 w 21897790"/>
-                <a:gd name="connsiteY6" fmla="*/ 14536529 h 15111740"/>
-                <a:gd name="connsiteX7" fmla="*/ 21672214 w 21897790"/>
-                <a:gd name="connsiteY7" fmla="*/ 8192879 h 15111740"/>
-                <a:gd name="connsiteX8" fmla="*/ 9607390 w 21897790"/>
-                <a:gd name="connsiteY8" fmla="*/ 143714 h 15111740"/>
-                <a:gd name="connsiteX0" fmla="*/ 2133031 w 21897790"/>
-                <a:gd name="connsiteY0" fmla="*/ 2984728 h 15111740"/>
-                <a:gd name="connsiteX1" fmla="*/ 535407 w 21897790"/>
-                <a:gd name="connsiteY1" fmla="*/ 6432402 h 15111740"/>
-                <a:gd name="connsiteX2" fmla="*/ 64279 w 21897790"/>
-                <a:gd name="connsiteY2" fmla="*/ 12334911 h 15111740"/>
-                <a:gd name="connsiteX3" fmla="*/ 1784014 w 21897790"/>
-                <a:gd name="connsiteY3" fmla="*/ 15108029 h 15111740"/>
-                <a:gd name="connsiteX4" fmla="*/ 10359291 w 21897790"/>
-                <a:gd name="connsiteY4" fmla="*/ 11507577 h 15111740"/>
-                <a:gd name="connsiteX5" fmla="*/ 16985914 w 21897790"/>
-                <a:gd name="connsiteY5" fmla="*/ 14536529 h 15111740"/>
-                <a:gd name="connsiteX6" fmla="*/ 21672214 w 21897790"/>
-                <a:gd name="connsiteY6" fmla="*/ 8192879 h 15111740"/>
-                <a:gd name="connsiteX7" fmla="*/ 9607390 w 21897790"/>
-                <a:gd name="connsiteY7" fmla="*/ 143714 h 15111740"/>
-                <a:gd name="connsiteX0" fmla="*/ 2127122 w 21891881"/>
-                <a:gd name="connsiteY0" fmla="*/ 2984728 h 15111631"/>
-                <a:gd name="connsiteX1" fmla="*/ 563089 w 21891881"/>
-                <a:gd name="connsiteY1" fmla="*/ 6708268 h 15111631"/>
-                <a:gd name="connsiteX2" fmla="*/ 58370 w 21891881"/>
-                <a:gd name="connsiteY2" fmla="*/ 12334911 h 15111631"/>
-                <a:gd name="connsiteX3" fmla="*/ 1778105 w 21891881"/>
-                <a:gd name="connsiteY3" fmla="*/ 15108029 h 15111631"/>
-                <a:gd name="connsiteX4" fmla="*/ 10353382 w 21891881"/>
-                <a:gd name="connsiteY4" fmla="*/ 11507577 h 15111631"/>
-                <a:gd name="connsiteX5" fmla="*/ 16980005 w 21891881"/>
-                <a:gd name="connsiteY5" fmla="*/ 14536529 h 15111631"/>
-                <a:gd name="connsiteX6" fmla="*/ 21666305 w 21891881"/>
-                <a:gd name="connsiteY6" fmla="*/ 8192879 h 15111631"/>
-                <a:gd name="connsiteX7" fmla="*/ 9601481 w 21891881"/>
-                <a:gd name="connsiteY7" fmla="*/ 143714 h 15111631"/>
-                <a:gd name="connsiteX0" fmla="*/ 2332042 w 21895253"/>
-                <a:gd name="connsiteY0" fmla="*/ 3122660 h 15111631"/>
-                <a:gd name="connsiteX1" fmla="*/ 566461 w 21895253"/>
-                <a:gd name="connsiteY1" fmla="*/ 6708268 h 15111631"/>
-                <a:gd name="connsiteX2" fmla="*/ 61742 w 21895253"/>
-                <a:gd name="connsiteY2" fmla="*/ 12334911 h 15111631"/>
-                <a:gd name="connsiteX3" fmla="*/ 1781477 w 21895253"/>
-                <a:gd name="connsiteY3" fmla="*/ 15108029 h 15111631"/>
-                <a:gd name="connsiteX4" fmla="*/ 10356754 w 21895253"/>
-                <a:gd name="connsiteY4" fmla="*/ 11507577 h 15111631"/>
-                <a:gd name="connsiteX5" fmla="*/ 16983377 w 21895253"/>
-                <a:gd name="connsiteY5" fmla="*/ 14536529 h 15111631"/>
-                <a:gd name="connsiteX6" fmla="*/ 21669677 w 21895253"/>
-                <a:gd name="connsiteY6" fmla="*/ 8192879 h 15111631"/>
-                <a:gd name="connsiteX7" fmla="*/ 9604853 w 21895253"/>
-                <a:gd name="connsiteY7" fmla="*/ 143714 h 15111631"/>
-                <a:gd name="connsiteX0" fmla="*/ 2332042 w 21759811"/>
-                <a:gd name="connsiteY0" fmla="*/ 1453409 h 13442380"/>
-                <a:gd name="connsiteX1" fmla="*/ 566461 w 21759811"/>
-                <a:gd name="connsiteY1" fmla="*/ 5039017 h 13442380"/>
-                <a:gd name="connsiteX2" fmla="*/ 61742 w 21759811"/>
-                <a:gd name="connsiteY2" fmla="*/ 10665660 h 13442380"/>
-                <a:gd name="connsiteX3" fmla="*/ 1781477 w 21759811"/>
-                <a:gd name="connsiteY3" fmla="*/ 13438778 h 13442380"/>
-                <a:gd name="connsiteX4" fmla="*/ 10356754 w 21759811"/>
-                <a:gd name="connsiteY4" fmla="*/ 9838326 h 13442380"/>
-                <a:gd name="connsiteX5" fmla="*/ 16983377 w 21759811"/>
-                <a:gd name="connsiteY5" fmla="*/ 12867278 h 13442380"/>
-                <a:gd name="connsiteX6" fmla="*/ 21669677 w 21759811"/>
-                <a:gd name="connsiteY6" fmla="*/ 6523628 h 13442380"/>
-                <a:gd name="connsiteX7" fmla="*/ 12762441 w 21759811"/>
-                <a:gd name="connsiteY7" fmla="*/ 175634 h 13442380"/>
-                <a:gd name="connsiteX0" fmla="*/ 566461 w 21759811"/>
-                <a:gd name="connsiteY0" fmla="*/ 5039017 h 13442380"/>
-                <a:gd name="connsiteX1" fmla="*/ 61742 w 21759811"/>
-                <a:gd name="connsiteY1" fmla="*/ 10665660 h 13442380"/>
-                <a:gd name="connsiteX2" fmla="*/ 1781477 w 21759811"/>
-                <a:gd name="connsiteY2" fmla="*/ 13438778 h 13442380"/>
-                <a:gd name="connsiteX3" fmla="*/ 10356754 w 21759811"/>
-                <a:gd name="connsiteY3" fmla="*/ 9838326 h 13442380"/>
-                <a:gd name="connsiteX4" fmla="*/ 16983377 w 21759811"/>
-                <a:gd name="connsiteY4" fmla="*/ 12867278 h 13442380"/>
-                <a:gd name="connsiteX5" fmla="*/ 21669677 w 21759811"/>
-                <a:gd name="connsiteY5" fmla="*/ 6523628 h 13442380"/>
-                <a:gd name="connsiteX6" fmla="*/ 12762441 w 21759811"/>
-                <a:gd name="connsiteY6" fmla="*/ 175634 h 13442380"/>
-                <a:gd name="connsiteX0" fmla="*/ 539863 w 21733213"/>
-                <a:gd name="connsiteY0" fmla="*/ 5039017 h 13442344"/>
-                <a:gd name="connsiteX1" fmla="*/ 592287 w 21733213"/>
-                <a:gd name="connsiteY1" fmla="*/ 5131613 h 13442344"/>
-                <a:gd name="connsiteX2" fmla="*/ 35144 w 21733213"/>
-                <a:gd name="connsiteY2" fmla="*/ 10665660 h 13442344"/>
-                <a:gd name="connsiteX3" fmla="*/ 1754879 w 21733213"/>
-                <a:gd name="connsiteY3" fmla="*/ 13438778 h 13442344"/>
-                <a:gd name="connsiteX4" fmla="*/ 10330156 w 21733213"/>
-                <a:gd name="connsiteY4" fmla="*/ 9838326 h 13442344"/>
-                <a:gd name="connsiteX5" fmla="*/ 16956779 w 21733213"/>
-                <a:gd name="connsiteY5" fmla="*/ 12867278 h 13442344"/>
-                <a:gd name="connsiteX6" fmla="*/ 21643079 w 21733213"/>
-                <a:gd name="connsiteY6" fmla="*/ 6523628 h 13442344"/>
-                <a:gd name="connsiteX7" fmla="*/ 12735843 w 21733213"/>
-                <a:gd name="connsiteY7" fmla="*/ 175634 h 13442344"/>
-                <a:gd name="connsiteX0" fmla="*/ 612185 w 21805535"/>
-                <a:gd name="connsiteY0" fmla="*/ 5039017 h 13441812"/>
-                <a:gd name="connsiteX1" fmla="*/ 227921 w 21805535"/>
-                <a:gd name="connsiteY1" fmla="*/ 6786806 h 13441812"/>
-                <a:gd name="connsiteX2" fmla="*/ 107466 w 21805535"/>
-                <a:gd name="connsiteY2" fmla="*/ 10665660 h 13441812"/>
-                <a:gd name="connsiteX3" fmla="*/ 1827201 w 21805535"/>
-                <a:gd name="connsiteY3" fmla="*/ 13438778 h 13441812"/>
-                <a:gd name="connsiteX4" fmla="*/ 10402478 w 21805535"/>
-                <a:gd name="connsiteY4" fmla="*/ 9838326 h 13441812"/>
-                <a:gd name="connsiteX5" fmla="*/ 17029101 w 21805535"/>
-                <a:gd name="connsiteY5" fmla="*/ 12867278 h 13441812"/>
-                <a:gd name="connsiteX6" fmla="*/ 21715401 w 21805535"/>
-                <a:gd name="connsiteY6" fmla="*/ 6523628 h 13441812"/>
-                <a:gd name="connsiteX7" fmla="*/ 12808165 w 21805535"/>
-                <a:gd name="connsiteY7" fmla="*/ 175634 h 13441812"/>
-                <a:gd name="connsiteX0" fmla="*/ 0 w 22268273"/>
-                <a:gd name="connsiteY0" fmla="*/ 7291919 h 13441812"/>
-                <a:gd name="connsiteX1" fmla="*/ 690659 w 22268273"/>
-                <a:gd name="connsiteY1" fmla="*/ 6786806 h 13441812"/>
-                <a:gd name="connsiteX2" fmla="*/ 570204 w 22268273"/>
-                <a:gd name="connsiteY2" fmla="*/ 10665660 h 13441812"/>
-                <a:gd name="connsiteX3" fmla="*/ 2289939 w 22268273"/>
-                <a:gd name="connsiteY3" fmla="*/ 13438778 h 13441812"/>
-                <a:gd name="connsiteX4" fmla="*/ 10865216 w 22268273"/>
-                <a:gd name="connsiteY4" fmla="*/ 9838326 h 13441812"/>
-                <a:gd name="connsiteX5" fmla="*/ 17491839 w 22268273"/>
-                <a:gd name="connsiteY5" fmla="*/ 12867278 h 13441812"/>
-                <a:gd name="connsiteX6" fmla="*/ 22178139 w 22268273"/>
-                <a:gd name="connsiteY6" fmla="*/ 6523628 h 13441812"/>
-                <a:gd name="connsiteX7" fmla="*/ 13270903 w 22268273"/>
-                <a:gd name="connsiteY7" fmla="*/ 175634 h 13441812"/>
-                <a:gd name="connsiteX0" fmla="*/ 5079837 w 21805535"/>
-                <a:gd name="connsiteY0" fmla="*/ 0 h 14149994"/>
-                <a:gd name="connsiteX1" fmla="*/ 227921 w 21805535"/>
-                <a:gd name="connsiteY1" fmla="*/ 7494988 h 14149994"/>
-                <a:gd name="connsiteX2" fmla="*/ 107466 w 21805535"/>
-                <a:gd name="connsiteY2" fmla="*/ 11373842 h 14149994"/>
-                <a:gd name="connsiteX3" fmla="*/ 1827201 w 21805535"/>
-                <a:gd name="connsiteY3" fmla="*/ 14146960 h 14149994"/>
-                <a:gd name="connsiteX4" fmla="*/ 10402478 w 21805535"/>
-                <a:gd name="connsiteY4" fmla="*/ 10546508 h 14149994"/>
-                <a:gd name="connsiteX5" fmla="*/ 17029101 w 21805535"/>
-                <a:gd name="connsiteY5" fmla="*/ 13575460 h 14149994"/>
-                <a:gd name="connsiteX6" fmla="*/ 21715401 w 21805535"/>
-                <a:gd name="connsiteY6" fmla="*/ 7231810 h 14149994"/>
-                <a:gd name="connsiteX7" fmla="*/ 12808165 w 21805535"/>
-                <a:gd name="connsiteY7" fmla="*/ 883816 h 14149994"/>
-                <a:gd name="connsiteX0" fmla="*/ 5247794 w 21805535"/>
-                <a:gd name="connsiteY0" fmla="*/ 0 h 14379882"/>
-                <a:gd name="connsiteX1" fmla="*/ 227921 w 21805535"/>
-                <a:gd name="connsiteY1" fmla="*/ 7724876 h 14379882"/>
-                <a:gd name="connsiteX2" fmla="*/ 107466 w 21805535"/>
-                <a:gd name="connsiteY2" fmla="*/ 11603730 h 14379882"/>
-                <a:gd name="connsiteX3" fmla="*/ 1827201 w 21805535"/>
-                <a:gd name="connsiteY3" fmla="*/ 14376848 h 14379882"/>
-                <a:gd name="connsiteX4" fmla="*/ 10402478 w 21805535"/>
-                <a:gd name="connsiteY4" fmla="*/ 10776396 h 14379882"/>
-                <a:gd name="connsiteX5" fmla="*/ 17029101 w 21805535"/>
-                <a:gd name="connsiteY5" fmla="*/ 13805348 h 14379882"/>
-                <a:gd name="connsiteX6" fmla="*/ 21715401 w 21805535"/>
-                <a:gd name="connsiteY6" fmla="*/ 7461698 h 14379882"/>
-                <a:gd name="connsiteX7" fmla="*/ 12808165 w 21805535"/>
-                <a:gd name="connsiteY7" fmla="*/ 1113704 h 14379882"/>
-                <a:gd name="connsiteX0" fmla="*/ 5247794 w 21805535"/>
-                <a:gd name="connsiteY0" fmla="*/ 0 h 14379882"/>
-                <a:gd name="connsiteX1" fmla="*/ 227921 w 21805535"/>
-                <a:gd name="connsiteY1" fmla="*/ 7724876 h 14379882"/>
-                <a:gd name="connsiteX2" fmla="*/ 107466 w 21805535"/>
-                <a:gd name="connsiteY2" fmla="*/ 11603730 h 14379882"/>
-                <a:gd name="connsiteX3" fmla="*/ 1827201 w 21805535"/>
-                <a:gd name="connsiteY3" fmla="*/ 14376848 h 14379882"/>
-                <a:gd name="connsiteX4" fmla="*/ 10402478 w 21805535"/>
-                <a:gd name="connsiteY4" fmla="*/ 10776396 h 14379882"/>
-                <a:gd name="connsiteX5" fmla="*/ 17029101 w 21805535"/>
-                <a:gd name="connsiteY5" fmla="*/ 13805348 h 14379882"/>
-                <a:gd name="connsiteX6" fmla="*/ 21715401 w 21805535"/>
-                <a:gd name="connsiteY6" fmla="*/ 7461698 h 14379882"/>
-                <a:gd name="connsiteX7" fmla="*/ 12808165 w 21805535"/>
-                <a:gd name="connsiteY7" fmla="*/ 1113704 h 14379882"/>
-                <a:gd name="connsiteX0" fmla="*/ 5247794 w 21805535"/>
-                <a:gd name="connsiteY0" fmla="*/ 0 h 14379882"/>
-                <a:gd name="connsiteX1" fmla="*/ 227921 w 21805535"/>
-                <a:gd name="connsiteY1" fmla="*/ 7724876 h 14379882"/>
-                <a:gd name="connsiteX2" fmla="*/ 107466 w 21805535"/>
-                <a:gd name="connsiteY2" fmla="*/ 11603730 h 14379882"/>
-                <a:gd name="connsiteX3" fmla="*/ 1827201 w 21805535"/>
-                <a:gd name="connsiteY3" fmla="*/ 14376848 h 14379882"/>
-                <a:gd name="connsiteX4" fmla="*/ 10402478 w 21805535"/>
-                <a:gd name="connsiteY4" fmla="*/ 10776396 h 14379882"/>
-                <a:gd name="connsiteX5" fmla="*/ 17029101 w 21805535"/>
-                <a:gd name="connsiteY5" fmla="*/ 13805348 h 14379882"/>
-                <a:gd name="connsiteX6" fmla="*/ 21715401 w 21805535"/>
-                <a:gd name="connsiteY6" fmla="*/ 7461698 h 14379882"/>
-                <a:gd name="connsiteX7" fmla="*/ 12808165 w 21805535"/>
-                <a:gd name="connsiteY7" fmla="*/ 1113704 h 14379882"/>
-                <a:gd name="connsiteX0" fmla="*/ 5318836 w 21876577"/>
-                <a:gd name="connsiteY0" fmla="*/ 0 h 14379882"/>
-                <a:gd name="connsiteX1" fmla="*/ 2348037 w 21876577"/>
-                <a:gd name="connsiteY1" fmla="*/ 4138627 h 14379882"/>
-                <a:gd name="connsiteX2" fmla="*/ 298963 w 21876577"/>
-                <a:gd name="connsiteY2" fmla="*/ 7724876 h 14379882"/>
-                <a:gd name="connsiteX3" fmla="*/ 178508 w 21876577"/>
-                <a:gd name="connsiteY3" fmla="*/ 11603730 h 14379882"/>
-                <a:gd name="connsiteX4" fmla="*/ 1898243 w 21876577"/>
-                <a:gd name="connsiteY4" fmla="*/ 14376848 h 14379882"/>
-                <a:gd name="connsiteX5" fmla="*/ 10473520 w 21876577"/>
-                <a:gd name="connsiteY5" fmla="*/ 10776396 h 14379882"/>
-                <a:gd name="connsiteX6" fmla="*/ 17100143 w 21876577"/>
-                <a:gd name="connsiteY6" fmla="*/ 13805348 h 14379882"/>
-                <a:gd name="connsiteX7" fmla="*/ 21786443 w 21876577"/>
-                <a:gd name="connsiteY7" fmla="*/ 7461698 h 14379882"/>
-                <a:gd name="connsiteX8" fmla="*/ 12879207 w 21876577"/>
-                <a:gd name="connsiteY8" fmla="*/ 1113704 h 14379882"/>
-                <a:gd name="connsiteX0" fmla="*/ 5318836 w 21876577"/>
-                <a:gd name="connsiteY0" fmla="*/ 0 h 14379882"/>
-                <a:gd name="connsiteX1" fmla="*/ 1944940 w 21876577"/>
-                <a:gd name="connsiteY1" fmla="*/ 3219076 h 14379882"/>
-                <a:gd name="connsiteX2" fmla="*/ 298963 w 21876577"/>
-                <a:gd name="connsiteY2" fmla="*/ 7724876 h 14379882"/>
-                <a:gd name="connsiteX3" fmla="*/ 178508 w 21876577"/>
-                <a:gd name="connsiteY3" fmla="*/ 11603730 h 14379882"/>
-                <a:gd name="connsiteX4" fmla="*/ 1898243 w 21876577"/>
-                <a:gd name="connsiteY4" fmla="*/ 14376848 h 14379882"/>
-                <a:gd name="connsiteX5" fmla="*/ 10473520 w 21876577"/>
-                <a:gd name="connsiteY5" fmla="*/ 10776396 h 14379882"/>
-                <a:gd name="connsiteX6" fmla="*/ 17100143 w 21876577"/>
-                <a:gd name="connsiteY6" fmla="*/ 13805348 h 14379882"/>
-                <a:gd name="connsiteX7" fmla="*/ 21786443 w 21876577"/>
-                <a:gd name="connsiteY7" fmla="*/ 7461698 h 14379882"/>
-                <a:gd name="connsiteX8" fmla="*/ 12879207 w 21876577"/>
-                <a:gd name="connsiteY8" fmla="*/ 1113704 h 14379882"/>
-                <a:gd name="connsiteX0" fmla="*/ 5318836 w 21879032"/>
-                <a:gd name="connsiteY0" fmla="*/ 7805 h 14387687"/>
-                <a:gd name="connsiteX1" fmla="*/ 1944940 w 21879032"/>
-                <a:gd name="connsiteY1" fmla="*/ 3226881 h 14387687"/>
-                <a:gd name="connsiteX2" fmla="*/ 298963 w 21879032"/>
-                <a:gd name="connsiteY2" fmla="*/ 7732681 h 14387687"/>
-                <a:gd name="connsiteX3" fmla="*/ 178508 w 21879032"/>
-                <a:gd name="connsiteY3" fmla="*/ 11611535 h 14387687"/>
-                <a:gd name="connsiteX4" fmla="*/ 1898243 w 21879032"/>
-                <a:gd name="connsiteY4" fmla="*/ 14384653 h 14387687"/>
-                <a:gd name="connsiteX5" fmla="*/ 10473520 w 21879032"/>
-                <a:gd name="connsiteY5" fmla="*/ 10784201 h 14387687"/>
-                <a:gd name="connsiteX6" fmla="*/ 17100143 w 21879032"/>
-                <a:gd name="connsiteY6" fmla="*/ 13813153 h 14387687"/>
-                <a:gd name="connsiteX7" fmla="*/ 21786443 w 21879032"/>
-                <a:gd name="connsiteY7" fmla="*/ 7469503 h 14387687"/>
-                <a:gd name="connsiteX8" fmla="*/ 12812024 w 21879032"/>
-                <a:gd name="connsiteY8" fmla="*/ 155980 h 14387687"/>
-                <a:gd name="connsiteX0" fmla="*/ 5318836 w 22150490"/>
-                <a:gd name="connsiteY0" fmla="*/ 776453 h 15156335"/>
-                <a:gd name="connsiteX1" fmla="*/ 1944940 w 22150490"/>
-                <a:gd name="connsiteY1" fmla="*/ 3995529 h 15156335"/>
-                <a:gd name="connsiteX2" fmla="*/ 298963 w 22150490"/>
-                <a:gd name="connsiteY2" fmla="*/ 8501329 h 15156335"/>
-                <a:gd name="connsiteX3" fmla="*/ 178508 w 22150490"/>
-                <a:gd name="connsiteY3" fmla="*/ 12380183 h 15156335"/>
-                <a:gd name="connsiteX4" fmla="*/ 1898243 w 22150490"/>
-                <a:gd name="connsiteY4" fmla="*/ 15153301 h 15156335"/>
-                <a:gd name="connsiteX5" fmla="*/ 10473520 w 22150490"/>
-                <a:gd name="connsiteY5" fmla="*/ 11552849 h 15156335"/>
-                <a:gd name="connsiteX6" fmla="*/ 17100143 w 22150490"/>
-                <a:gd name="connsiteY6" fmla="*/ 14581801 h 15156335"/>
-                <a:gd name="connsiteX7" fmla="*/ 21786443 w 22150490"/>
-                <a:gd name="connsiteY7" fmla="*/ 8238151 h 15156335"/>
-                <a:gd name="connsiteX8" fmla="*/ 7034310 w 22150490"/>
-                <a:gd name="connsiteY8" fmla="*/ 143009 h 15156335"/>
-                <a:gd name="connsiteX0" fmla="*/ 5318836 w 17736045"/>
-                <a:gd name="connsiteY0" fmla="*/ 911243 h 15291125"/>
-                <a:gd name="connsiteX1" fmla="*/ 1944940 w 17736045"/>
-                <a:gd name="connsiteY1" fmla="*/ 4130319 h 15291125"/>
-                <a:gd name="connsiteX2" fmla="*/ 298963 w 17736045"/>
-                <a:gd name="connsiteY2" fmla="*/ 8636119 h 15291125"/>
-                <a:gd name="connsiteX3" fmla="*/ 178508 w 17736045"/>
-                <a:gd name="connsiteY3" fmla="*/ 12514973 h 15291125"/>
-                <a:gd name="connsiteX4" fmla="*/ 1898243 w 17736045"/>
-                <a:gd name="connsiteY4" fmla="*/ 15288091 h 15291125"/>
-                <a:gd name="connsiteX5" fmla="*/ 10473520 w 17736045"/>
-                <a:gd name="connsiteY5" fmla="*/ 11687639 h 15291125"/>
-                <a:gd name="connsiteX6" fmla="*/ 17100143 w 17736045"/>
-                <a:gd name="connsiteY6" fmla="*/ 14716591 h 15291125"/>
-                <a:gd name="connsiteX7" fmla="*/ 14799440 w 17736045"/>
-                <a:gd name="connsiteY7" fmla="*/ 4510825 h 15291125"/>
-                <a:gd name="connsiteX8" fmla="*/ 7034310 w 17736045"/>
-                <a:gd name="connsiteY8" fmla="*/ 277799 h 15291125"/>
-                <a:gd name="connsiteX0" fmla="*/ 5318836 w 17572918"/>
-                <a:gd name="connsiteY0" fmla="*/ 878233 h 15258115"/>
-                <a:gd name="connsiteX1" fmla="*/ 1944940 w 17572918"/>
-                <a:gd name="connsiteY1" fmla="*/ 4097309 h 15258115"/>
-                <a:gd name="connsiteX2" fmla="*/ 298963 w 17572918"/>
-                <a:gd name="connsiteY2" fmla="*/ 8603109 h 15258115"/>
-                <a:gd name="connsiteX3" fmla="*/ 178508 w 17572918"/>
-                <a:gd name="connsiteY3" fmla="*/ 12481963 h 15258115"/>
-                <a:gd name="connsiteX4" fmla="*/ 1898243 w 17572918"/>
-                <a:gd name="connsiteY4" fmla="*/ 15255081 h 15258115"/>
-                <a:gd name="connsiteX5" fmla="*/ 10473520 w 17572918"/>
-                <a:gd name="connsiteY5" fmla="*/ 11654629 h 15258115"/>
-                <a:gd name="connsiteX6" fmla="*/ 17100143 w 17572918"/>
-                <a:gd name="connsiteY6" fmla="*/ 14683581 h 15258115"/>
-                <a:gd name="connsiteX7" fmla="*/ 16490001 w 17572918"/>
-                <a:gd name="connsiteY7" fmla="*/ 11131880 h 15258115"/>
-                <a:gd name="connsiteX8" fmla="*/ 14799440 w 17572918"/>
-                <a:gd name="connsiteY8" fmla="*/ 4477815 h 15258115"/>
-                <a:gd name="connsiteX9" fmla="*/ 7034310 w 17572918"/>
-                <a:gd name="connsiteY9" fmla="*/ 244789 h 15258115"/>
-                <a:gd name="connsiteX0" fmla="*/ 5318836 w 17572918"/>
-                <a:gd name="connsiteY0" fmla="*/ 633444 h 15013326"/>
-                <a:gd name="connsiteX1" fmla="*/ 1944940 w 17572918"/>
-                <a:gd name="connsiteY1" fmla="*/ 3852520 h 15013326"/>
-                <a:gd name="connsiteX2" fmla="*/ 298963 w 17572918"/>
-                <a:gd name="connsiteY2" fmla="*/ 8358320 h 15013326"/>
-                <a:gd name="connsiteX3" fmla="*/ 178508 w 17572918"/>
-                <a:gd name="connsiteY3" fmla="*/ 12237174 h 15013326"/>
-                <a:gd name="connsiteX4" fmla="*/ 1898243 w 17572918"/>
-                <a:gd name="connsiteY4" fmla="*/ 15010292 h 15013326"/>
-                <a:gd name="connsiteX5" fmla="*/ 10473520 w 17572918"/>
-                <a:gd name="connsiteY5" fmla="*/ 11409840 h 15013326"/>
-                <a:gd name="connsiteX6" fmla="*/ 17100143 w 17572918"/>
-                <a:gd name="connsiteY6" fmla="*/ 14438792 h 15013326"/>
-                <a:gd name="connsiteX7" fmla="*/ 16490001 w 17572918"/>
-                <a:gd name="connsiteY7" fmla="*/ 10887091 h 15013326"/>
-                <a:gd name="connsiteX8" fmla="*/ 14799440 w 17572918"/>
-                <a:gd name="connsiteY8" fmla="*/ 4233026 h 15013326"/>
-                <a:gd name="connsiteX9" fmla="*/ 11552070 w 17572918"/>
-                <a:gd name="connsiteY9" fmla="*/ 772022 h 15013326"/>
-                <a:gd name="connsiteX10" fmla="*/ 7034310 w 17572918"/>
-                <a:gd name="connsiteY10" fmla="*/ 0 h 15013326"/>
-                <a:gd name="connsiteX0" fmla="*/ 5318836 w 17572918"/>
-                <a:gd name="connsiteY0" fmla="*/ 691021 h 15070903"/>
-                <a:gd name="connsiteX1" fmla="*/ 1944940 w 17572918"/>
-                <a:gd name="connsiteY1" fmla="*/ 3910097 h 15070903"/>
-                <a:gd name="connsiteX2" fmla="*/ 298963 w 17572918"/>
-                <a:gd name="connsiteY2" fmla="*/ 8415897 h 15070903"/>
-                <a:gd name="connsiteX3" fmla="*/ 178508 w 17572918"/>
-                <a:gd name="connsiteY3" fmla="*/ 12294751 h 15070903"/>
-                <a:gd name="connsiteX4" fmla="*/ 1898243 w 17572918"/>
-                <a:gd name="connsiteY4" fmla="*/ 15067869 h 15070903"/>
-                <a:gd name="connsiteX5" fmla="*/ 10473520 w 17572918"/>
-                <a:gd name="connsiteY5" fmla="*/ 11467417 h 15070903"/>
-                <a:gd name="connsiteX6" fmla="*/ 17100143 w 17572918"/>
-                <a:gd name="connsiteY6" fmla="*/ 14496369 h 15070903"/>
-                <a:gd name="connsiteX7" fmla="*/ 16490001 w 17572918"/>
-                <a:gd name="connsiteY7" fmla="*/ 10944668 h 15070903"/>
-                <a:gd name="connsiteX8" fmla="*/ 14799440 w 17572918"/>
-                <a:gd name="connsiteY8" fmla="*/ 4290603 h 15070903"/>
-                <a:gd name="connsiteX9" fmla="*/ 11552070 w 17572918"/>
-                <a:gd name="connsiteY9" fmla="*/ 829599 h 15070903"/>
-                <a:gd name="connsiteX10" fmla="*/ 8797579 w 17572918"/>
-                <a:gd name="connsiteY10" fmla="*/ 47980 h 15070903"/>
-                <a:gd name="connsiteX11" fmla="*/ 7034310 w 17572918"/>
-                <a:gd name="connsiteY11" fmla="*/ 57577 h 15070903"/>
-                <a:gd name="connsiteX0" fmla="*/ 5318836 w 17572918"/>
-                <a:gd name="connsiteY0" fmla="*/ 691021 h 15070903"/>
-                <a:gd name="connsiteX1" fmla="*/ 3893239 w 17572918"/>
-                <a:gd name="connsiteY1" fmla="*/ 1749150 h 15070903"/>
-                <a:gd name="connsiteX2" fmla="*/ 1944940 w 17572918"/>
-                <a:gd name="connsiteY2" fmla="*/ 3910097 h 15070903"/>
-                <a:gd name="connsiteX3" fmla="*/ 298963 w 17572918"/>
-                <a:gd name="connsiteY3" fmla="*/ 8415897 h 15070903"/>
-                <a:gd name="connsiteX4" fmla="*/ 178508 w 17572918"/>
-                <a:gd name="connsiteY4" fmla="*/ 12294751 h 15070903"/>
-                <a:gd name="connsiteX5" fmla="*/ 1898243 w 17572918"/>
-                <a:gd name="connsiteY5" fmla="*/ 15067869 h 15070903"/>
-                <a:gd name="connsiteX6" fmla="*/ 10473520 w 17572918"/>
-                <a:gd name="connsiteY6" fmla="*/ 11467417 h 15070903"/>
-                <a:gd name="connsiteX7" fmla="*/ 17100143 w 17572918"/>
-                <a:gd name="connsiteY7" fmla="*/ 14496369 h 15070903"/>
-                <a:gd name="connsiteX8" fmla="*/ 16490001 w 17572918"/>
-                <a:gd name="connsiteY8" fmla="*/ 10944668 h 15070903"/>
-                <a:gd name="connsiteX9" fmla="*/ 14799440 w 17572918"/>
-                <a:gd name="connsiteY9" fmla="*/ 4290603 h 15070903"/>
-                <a:gd name="connsiteX10" fmla="*/ 11552070 w 17572918"/>
-                <a:gd name="connsiteY10" fmla="*/ 829599 h 15070903"/>
-                <a:gd name="connsiteX11" fmla="*/ 8797579 w 17572918"/>
-                <a:gd name="connsiteY11" fmla="*/ 47980 h 15070903"/>
-                <a:gd name="connsiteX12" fmla="*/ 7034310 w 17572918"/>
-                <a:gd name="connsiteY12" fmla="*/ 57577 h 15070903"/>
-                <a:gd name="connsiteX0" fmla="*/ 5318836 w 17102324"/>
-                <a:gd name="connsiteY0" fmla="*/ 691021 h 15070903"/>
-                <a:gd name="connsiteX1" fmla="*/ 3893239 w 17102324"/>
-                <a:gd name="connsiteY1" fmla="*/ 1749150 h 15070903"/>
-                <a:gd name="connsiteX2" fmla="*/ 1944940 w 17102324"/>
-                <a:gd name="connsiteY2" fmla="*/ 3910097 h 15070903"/>
-                <a:gd name="connsiteX3" fmla="*/ 298963 w 17102324"/>
-                <a:gd name="connsiteY3" fmla="*/ 8415897 h 15070903"/>
-                <a:gd name="connsiteX4" fmla="*/ 178508 w 17102324"/>
-                <a:gd name="connsiteY4" fmla="*/ 12294751 h 15070903"/>
-                <a:gd name="connsiteX5" fmla="*/ 1898243 w 17102324"/>
-                <a:gd name="connsiteY5" fmla="*/ 15067869 h 15070903"/>
-                <a:gd name="connsiteX6" fmla="*/ 10473520 w 17102324"/>
-                <a:gd name="connsiteY6" fmla="*/ 11467417 h 15070903"/>
-                <a:gd name="connsiteX7" fmla="*/ 17100143 w 17102324"/>
-                <a:gd name="connsiteY7" fmla="*/ 14496369 h 15070903"/>
-                <a:gd name="connsiteX8" fmla="*/ 16490001 w 17102324"/>
-                <a:gd name="connsiteY8" fmla="*/ 10944668 h 15070903"/>
-                <a:gd name="connsiteX9" fmla="*/ 14799440 w 17102324"/>
-                <a:gd name="connsiteY9" fmla="*/ 4290603 h 15070903"/>
-                <a:gd name="connsiteX10" fmla="*/ 11552070 w 17102324"/>
-                <a:gd name="connsiteY10" fmla="*/ 829599 h 15070903"/>
-                <a:gd name="connsiteX11" fmla="*/ 8797579 w 17102324"/>
-                <a:gd name="connsiteY11" fmla="*/ 47980 h 15070903"/>
-                <a:gd name="connsiteX12" fmla="*/ 7034310 w 17102324"/>
-                <a:gd name="connsiteY12" fmla="*/ 57577 h 15070903"/>
-                <a:gd name="connsiteX0" fmla="*/ 5318836 w 16610512"/>
-                <a:gd name="connsiteY0" fmla="*/ 691021 h 15070903"/>
-                <a:gd name="connsiteX1" fmla="*/ 3893239 w 16610512"/>
-                <a:gd name="connsiteY1" fmla="*/ 1749150 h 15070903"/>
-                <a:gd name="connsiteX2" fmla="*/ 1944940 w 16610512"/>
-                <a:gd name="connsiteY2" fmla="*/ 3910097 h 15070903"/>
-                <a:gd name="connsiteX3" fmla="*/ 298963 w 16610512"/>
-                <a:gd name="connsiteY3" fmla="*/ 8415897 h 15070903"/>
-                <a:gd name="connsiteX4" fmla="*/ 178508 w 16610512"/>
-                <a:gd name="connsiteY4" fmla="*/ 12294751 h 15070903"/>
-                <a:gd name="connsiteX5" fmla="*/ 1898243 w 16610512"/>
-                <a:gd name="connsiteY5" fmla="*/ 15067869 h 15070903"/>
-                <a:gd name="connsiteX6" fmla="*/ 10473520 w 16610512"/>
-                <a:gd name="connsiteY6" fmla="*/ 11467417 h 15070903"/>
-                <a:gd name="connsiteX7" fmla="*/ 16193178 w 16610512"/>
-                <a:gd name="connsiteY7" fmla="*/ 13668775 h 15070903"/>
-                <a:gd name="connsiteX8" fmla="*/ 16490001 w 16610512"/>
-                <a:gd name="connsiteY8" fmla="*/ 10944668 h 15070903"/>
-                <a:gd name="connsiteX9" fmla="*/ 14799440 w 16610512"/>
-                <a:gd name="connsiteY9" fmla="*/ 4290603 h 15070903"/>
-                <a:gd name="connsiteX10" fmla="*/ 11552070 w 16610512"/>
-                <a:gd name="connsiteY10" fmla="*/ 829599 h 15070903"/>
-                <a:gd name="connsiteX11" fmla="*/ 8797579 w 16610512"/>
-                <a:gd name="connsiteY11" fmla="*/ 47980 h 15070903"/>
-                <a:gd name="connsiteX12" fmla="*/ 7034310 w 16610512"/>
-                <a:gd name="connsiteY12" fmla="*/ 57577 h 15070903"/>
-                <a:gd name="connsiteX0" fmla="*/ 5318836 w 16496587"/>
-                <a:gd name="connsiteY0" fmla="*/ 691021 h 15070903"/>
-                <a:gd name="connsiteX1" fmla="*/ 3893239 w 16496587"/>
-                <a:gd name="connsiteY1" fmla="*/ 1749150 h 15070903"/>
-                <a:gd name="connsiteX2" fmla="*/ 1944940 w 16496587"/>
-                <a:gd name="connsiteY2" fmla="*/ 3910097 h 15070903"/>
-                <a:gd name="connsiteX3" fmla="*/ 298963 w 16496587"/>
-                <a:gd name="connsiteY3" fmla="*/ 8415897 h 15070903"/>
-                <a:gd name="connsiteX4" fmla="*/ 178508 w 16496587"/>
-                <a:gd name="connsiteY4" fmla="*/ 12294751 h 15070903"/>
-                <a:gd name="connsiteX5" fmla="*/ 1898243 w 16496587"/>
-                <a:gd name="connsiteY5" fmla="*/ 15067869 h 15070903"/>
-                <a:gd name="connsiteX6" fmla="*/ 10473520 w 16496587"/>
-                <a:gd name="connsiteY6" fmla="*/ 11467417 h 15070903"/>
-                <a:gd name="connsiteX7" fmla="*/ 16193178 w 16496587"/>
-                <a:gd name="connsiteY7" fmla="*/ 13668775 h 15070903"/>
-                <a:gd name="connsiteX8" fmla="*/ 16355636 w 16496587"/>
-                <a:gd name="connsiteY8" fmla="*/ 8231990 h 15070903"/>
-                <a:gd name="connsiteX9" fmla="*/ 14799440 w 16496587"/>
-                <a:gd name="connsiteY9" fmla="*/ 4290603 h 15070903"/>
-                <a:gd name="connsiteX10" fmla="*/ 11552070 w 16496587"/>
-                <a:gd name="connsiteY10" fmla="*/ 829599 h 15070903"/>
-                <a:gd name="connsiteX11" fmla="*/ 8797579 w 16496587"/>
-                <a:gd name="connsiteY11" fmla="*/ 47980 h 15070903"/>
-                <a:gd name="connsiteX12" fmla="*/ 7034310 w 16496587"/>
-                <a:gd name="connsiteY12" fmla="*/ 57577 h 15070903"/>
-              </a:gdLst>
-              <a:ahLst/>
-              <a:cxnLst>
-                <a:cxn ang="0">
-                  <a:pos x="connsiteX0" y="connsiteY0"/>
-                </a:cxn>
-                <a:cxn ang="0">
-                  <a:pos x="connsiteX1" y="connsiteY1"/>
-                </a:cxn>
-                <a:cxn ang="0">
-                  <a:pos x="connsiteX2" y="connsiteY2"/>
-                </a:cxn>
-                <a:cxn ang="0">
-                  <a:pos x="connsiteX3" y="connsiteY3"/>
-                </a:cxn>
-                <a:cxn ang="0">
-                  <a:pos x="connsiteX4" y="connsiteY4"/>
-                </a:cxn>
-                <a:cxn ang="0">
-                  <a:pos x="connsiteX5" y="connsiteY5"/>
-                </a:cxn>
-                <a:cxn ang="0">
-                  <a:pos x="connsiteX6" y="connsiteY6"/>
-                </a:cxn>
-                <a:cxn ang="0">
-                  <a:pos x="connsiteX7" y="connsiteY7"/>
-                </a:cxn>
-                <a:cxn ang="0">
-                  <a:pos x="connsiteX8" y="connsiteY8"/>
-                </a:cxn>
-                <a:cxn ang="0">
-                  <a:pos x="connsiteX9" y="connsiteY9"/>
-                </a:cxn>
-                <a:cxn ang="0">
-                  <a:pos x="connsiteX10" y="connsiteY10"/>
-                </a:cxn>
-                <a:cxn ang="0">
-                  <a:pos x="connsiteX11" y="connsiteY11"/>
-                </a:cxn>
-                <a:cxn ang="0">
-                  <a:pos x="connsiteX12" y="connsiteY12"/>
-                </a:cxn>
-              </a:cxnLst>
-              <a:rect l="l" t="t" r="r" b="b"/>
-              <a:pathLst>
-                <a:path w="16496587" h="15070903">
-                  <a:moveTo>
-                    <a:pt x="5318836" y="691021"/>
-                  </a:moveTo>
-                  <a:cubicBezTo>
-                    <a:pt x="5103631" y="890365"/>
-                    <a:pt x="4455555" y="1212637"/>
-                    <a:pt x="3893239" y="1749150"/>
-                  </a:cubicBezTo>
-                  <a:cubicBezTo>
-                    <a:pt x="3330923" y="2285663"/>
-                    <a:pt x="2566380" y="2821961"/>
-                    <a:pt x="1944940" y="3910097"/>
-                  </a:cubicBezTo>
-                  <a:cubicBezTo>
-                    <a:pt x="1323500" y="4998233"/>
-                    <a:pt x="660551" y="7171713"/>
-                    <a:pt x="298963" y="8415897"/>
-                  </a:cubicBezTo>
-                  <a:cubicBezTo>
-                    <a:pt x="-62625" y="9660081"/>
-                    <a:pt x="-88039" y="11186089"/>
-                    <a:pt x="178508" y="12294751"/>
-                  </a:cubicBezTo>
-                  <a:cubicBezTo>
-                    <a:pt x="445055" y="13403413"/>
-                    <a:pt x="12293" y="15153594"/>
-                    <a:pt x="1898243" y="15067869"/>
-                  </a:cubicBezTo>
-                  <a:cubicBezTo>
-                    <a:pt x="4756669" y="13867718"/>
-                    <a:pt x="8091031" y="11700599"/>
-                    <a:pt x="10473520" y="11467417"/>
-                  </a:cubicBezTo>
-                  <a:cubicBezTo>
-                    <a:pt x="12856009" y="11234235"/>
-                    <a:pt x="14392953" y="14221225"/>
-                    <a:pt x="16193178" y="13668775"/>
-                  </a:cubicBezTo>
-                  <a:cubicBezTo>
-                    <a:pt x="16221777" y="12432212"/>
-                    <a:pt x="16739086" y="9932951"/>
-                    <a:pt x="16355636" y="8231990"/>
-                  </a:cubicBezTo>
-                  <a:cubicBezTo>
-                    <a:pt x="15972186" y="6531029"/>
-                    <a:pt x="15600034" y="5524335"/>
-                    <a:pt x="14799440" y="4290603"/>
-                  </a:cubicBezTo>
-                  <a:cubicBezTo>
-                    <a:pt x="13998846" y="3056871"/>
-                    <a:pt x="12541183" y="1498388"/>
-                    <a:pt x="11552070" y="829599"/>
-                  </a:cubicBezTo>
-                  <a:cubicBezTo>
-                    <a:pt x="10562957" y="160810"/>
-                    <a:pt x="9550539" y="176650"/>
-                    <a:pt x="8797579" y="47980"/>
-                  </a:cubicBezTo>
-                  <a:cubicBezTo>
-                    <a:pt x="8044619" y="-80690"/>
-                    <a:pt x="7339385" y="94292"/>
-                    <a:pt x="7034310" y="57577"/>
-                  </a:cubicBezTo>
-                </a:path>
-              </a:pathLst>
-            </a:custGeom>
-            <a:solidFill>
-              <a:srgbClr val="95B3D7">
-                <a:alpha val="60784"/>
-              </a:srgbClr>
-            </a:solidFill>
-            <a:ln w="57150">
-              <a:noFill/>
-            </a:ln>
-          </p:spPr>
-          <p:style>
-            <a:lnRef idx="2">
-              <a:schemeClr val="accent1">
-                <a:shade val="50000"/>
-              </a:schemeClr>
-            </a:lnRef>
-            <a:fillRef idx="1">
-              <a:schemeClr val="accent1"/>
-            </a:fillRef>
-            <a:effectRef idx="0">
-              <a:schemeClr val="accent1"/>
-            </a:effectRef>
-            <a:fontRef idx="minor">
-              <a:schemeClr val="lt1"/>
-            </a:fontRef>
-          </p:style>
-          <p:txBody>
-            <a:bodyPr rtlCol="0" anchor="ctr"/>
-            <a:lstStyle/>
-            <a:p>
-              <a:pPr algn="ctr"/>
-              <a:endParaRPr lang="en-US"/>
-            </a:p>
-          </p:txBody>
-        </p:sp>
-        <p:cxnSp>
-          <p:nvCxnSpPr>
-            <p:cNvPr id="189" name="Straight Connector 188"/>
-            <p:cNvCxnSpPr/>
-            <p:nvPr/>
-          </p:nvCxnSpPr>
-          <p:spPr>
-            <a:xfrm flipH="1" flipV="1">
-              <a:off x="4816985" y="1693316"/>
-              <a:ext cx="17017" cy="14653"/>
-            </a:xfrm>
-            <a:prstGeom prst="line">
-              <a:avLst/>
-            </a:prstGeom>
-          </p:spPr>
-          <p:style>
-            <a:lnRef idx="1">
-              <a:schemeClr val="accent1"/>
-            </a:lnRef>
-            <a:fillRef idx="0">
-              <a:schemeClr val="accent1"/>
-            </a:fillRef>
-            <a:effectRef idx="0">
-              <a:schemeClr val="accent1"/>
-            </a:effectRef>
-            <a:fontRef idx="minor">
-              <a:schemeClr val="tx1"/>
-            </a:fontRef>
-          </p:style>
-        </p:cxnSp>
-        <p:sp>
-          <p:nvSpPr>
-            <p:cNvPr id="190" name="Oval 189"/>
-            <p:cNvSpPr>
-              <a:spLocks noChangeAspect="1"/>
-            </p:cNvSpPr>
-            <p:nvPr/>
-          </p:nvSpPr>
-          <p:spPr>
-            <a:xfrm>
-              <a:off x="2995631" y="3628095"/>
-              <a:ext cx="840487" cy="862335"/>
-            </a:xfrm>
-            <a:prstGeom prst="ellipse">
-              <a:avLst/>
-            </a:prstGeom>
-            <a:solidFill>
-              <a:srgbClr val="7030A0"/>
-            </a:solidFill>
-            <a:ln>
-              <a:noFill/>
-            </a:ln>
-          </p:spPr>
-          <p:style>
-            <a:lnRef idx="2">
-              <a:schemeClr val="accent1">
-                <a:shade val="50000"/>
-              </a:schemeClr>
-            </a:lnRef>
-            <a:fillRef idx="1">
-              <a:schemeClr val="accent1"/>
-            </a:fillRef>
-            <a:effectRef idx="0">
-              <a:schemeClr val="accent1"/>
-            </a:effectRef>
-            <a:fontRef idx="minor">
-              <a:schemeClr val="lt1"/>
-            </a:fontRef>
-          </p:style>
-          <p:txBody>
-            <a:bodyPr rtlCol="0" anchor="ctr"/>
-            <a:lstStyle/>
-            <a:p>
-              <a:pPr algn="ctr"/>
-              <a:endParaRPr lang="en-US"/>
-            </a:p>
-          </p:txBody>
-        </p:sp>
-        <p:sp>
-          <p:nvSpPr>
-            <p:cNvPr id="191" name="Oval 190"/>
-            <p:cNvSpPr>
-              <a:spLocks noChangeAspect="1"/>
-            </p:cNvSpPr>
-            <p:nvPr/>
-          </p:nvSpPr>
-          <p:spPr>
-            <a:xfrm>
-              <a:off x="2783411" y="4830304"/>
-              <a:ext cx="1281550" cy="1314866"/>
-            </a:xfrm>
-            <a:prstGeom prst="ellipse">
-              <a:avLst/>
-            </a:prstGeom>
-            <a:solidFill>
-              <a:schemeClr val="accent2"/>
-            </a:solidFill>
-            <a:ln>
-              <a:noFill/>
-            </a:ln>
-          </p:spPr>
-          <p:style>
-            <a:lnRef idx="2">
-              <a:schemeClr val="accent1">
-                <a:shade val="50000"/>
-              </a:schemeClr>
-            </a:lnRef>
-            <a:fillRef idx="1">
-              <a:schemeClr val="accent1"/>
-            </a:fillRef>
-            <a:effectRef idx="0">
-              <a:schemeClr val="accent1"/>
-            </a:effectRef>
-            <a:fontRef idx="minor">
-              <a:schemeClr val="lt1"/>
-            </a:fontRef>
-          </p:style>
-          <p:txBody>
-            <a:bodyPr rtlCol="0" anchor="ctr"/>
-            <a:lstStyle/>
-            <a:p>
-              <a:pPr algn="ctr"/>
-              <a:endParaRPr lang="en-US"/>
-            </a:p>
-          </p:txBody>
-        </p:sp>
-        <p:sp>
-          <p:nvSpPr>
-            <p:cNvPr id="192" name="Oval 191"/>
-            <p:cNvSpPr/>
-            <p:nvPr/>
-          </p:nvSpPr>
-          <p:spPr>
-            <a:xfrm>
-              <a:off x="343243" y="1206565"/>
-              <a:ext cx="6143575" cy="5974712"/>
-            </a:xfrm>
-            <a:prstGeom prst="ellipse">
-              <a:avLst/>
-            </a:prstGeom>
-            <a:noFill/>
-            <a:ln w="76200">
-              <a:solidFill>
-                <a:schemeClr val="accent1">
-                  <a:lumMod val="50000"/>
-                </a:schemeClr>
-              </a:solidFill>
-              <a:prstDash val="sysDash"/>
-            </a:ln>
-          </p:spPr>
-          <p:style>
-            <a:lnRef idx="2">
-              <a:schemeClr val="accent1">
-                <a:shade val="50000"/>
-              </a:schemeClr>
-            </a:lnRef>
-            <a:fillRef idx="1">
-              <a:schemeClr val="accent1"/>
-            </a:fillRef>
-            <a:effectRef idx="0">
-              <a:schemeClr val="accent1"/>
-            </a:effectRef>
-            <a:fontRef idx="minor">
-              <a:schemeClr val="lt1"/>
-            </a:fontRef>
-          </p:style>
-          <p:txBody>
-            <a:bodyPr rtlCol="0" anchor="ctr"/>
-            <a:lstStyle/>
-            <a:p>
-              <a:pPr algn="ctr"/>
-              <a:endParaRPr lang="en-US"/>
-            </a:p>
-          </p:txBody>
-        </p:sp>
         <p:grpSp>
           <p:nvGrpSpPr>
-            <p:cNvPr id="193" name="Group 192"/>
+            <p:cNvPr id="194" name="Group 193"/>
             <p:cNvGrpSpPr/>
             <p:nvPr/>
           </p:nvGrpSpPr>
           <p:grpSpPr>
             <a:xfrm>
-              <a:off x="1357631" y="2019300"/>
-              <a:ext cx="4114800" cy="4325677"/>
-              <a:chOff x="8128001" y="2024889"/>
-              <a:chExt cx="4114800" cy="4325677"/>
+              <a:off x="8752016" y="2024889"/>
+              <a:ext cx="2866771" cy="4325677"/>
+              <a:chOff x="8610600" y="2024889"/>
+              <a:chExt cx="2866771" cy="4325677"/>
             </a:xfrm>
           </p:grpSpPr>
-          <p:grpSp>
-            <p:nvGrpSpPr>
-              <p:cNvPr id="194" name="Group 193"/>
-              <p:cNvGrpSpPr/>
+          <p:cxnSp>
+            <p:nvCxnSpPr>
+              <p:cNvPr id="199" name="Straight Connector 198"/>
+              <p:cNvCxnSpPr/>
               <p:nvPr/>
-            </p:nvGrpSpPr>
-            <p:grpSpPr>
+            </p:nvCxnSpPr>
+            <p:spPr>
               <a:xfrm>
-                <a:off x="8752016" y="2024889"/>
-                <a:ext cx="2866771" cy="4325677"/>
-                <a:chOff x="8610600" y="2024889"/>
-                <a:chExt cx="2866771" cy="4325677"/>
+                <a:off x="8610600" y="2024889"/>
+                <a:ext cx="0" cy="4325677"/>
               </a:xfrm>
-            </p:grpSpPr>
-            <p:cxnSp>
-              <p:nvCxnSpPr>
-                <p:cNvPr id="199" name="Straight Connector 198"/>
-                <p:cNvCxnSpPr/>
-                <p:nvPr/>
-              </p:nvCxnSpPr>
-              <p:spPr>
-                <a:xfrm>
-                  <a:off x="8610600" y="2024889"/>
-                  <a:ext cx="0" cy="4325677"/>
-                </a:xfrm>
-                <a:prstGeom prst="line">
-                  <a:avLst/>
-                </a:prstGeom>
-                <a:ln w="76200">
-                  <a:solidFill>
-                    <a:srgbClr val="000000">
-                      <a:alpha val="10196"/>
-                    </a:srgbClr>
-                  </a:solidFill>
-                </a:ln>
-              </p:spPr>
-              <p:style>
-                <a:lnRef idx="1">
-                  <a:schemeClr val="accent1"/>
-                </a:lnRef>
-                <a:fillRef idx="0">
-                  <a:schemeClr val="accent1"/>
-                </a:fillRef>
-                <a:effectRef idx="0">
-                  <a:schemeClr val="accent1"/>
-                </a:effectRef>
-                <a:fontRef idx="minor">
-                  <a:schemeClr val="tx1"/>
-                </a:fontRef>
-              </p:style>
-            </p:cxnSp>
-            <p:cxnSp>
-              <p:nvCxnSpPr>
-                <p:cNvPr id="200" name="Straight Connector 199"/>
-                <p:cNvCxnSpPr/>
-                <p:nvPr/>
-              </p:nvCxnSpPr>
-              <p:spPr>
-                <a:xfrm>
-                  <a:off x="11477371" y="2024889"/>
-                  <a:ext cx="0" cy="4325677"/>
-                </a:xfrm>
-                <a:prstGeom prst="line">
-                  <a:avLst/>
-                </a:prstGeom>
-                <a:ln w="76200">
-                  <a:solidFill>
-                    <a:srgbClr val="000000">
-                      <a:alpha val="10196"/>
-                    </a:srgbClr>
-                  </a:solidFill>
-                </a:ln>
-              </p:spPr>
-              <p:style>
-                <a:lnRef idx="1">
-                  <a:schemeClr val="accent1"/>
-                </a:lnRef>
-                <a:fillRef idx="0">
-                  <a:schemeClr val="accent1"/>
-                </a:fillRef>
-                <a:effectRef idx="0">
-                  <a:schemeClr val="accent1"/>
-                </a:effectRef>
-                <a:fontRef idx="minor">
-                  <a:schemeClr val="tx1"/>
-                </a:fontRef>
-              </p:style>
-            </p:cxnSp>
-            <p:cxnSp>
-              <p:nvCxnSpPr>
-                <p:cNvPr id="201" name="Straight Connector 200"/>
-                <p:cNvCxnSpPr/>
-                <p:nvPr/>
-              </p:nvCxnSpPr>
-              <p:spPr>
-                <a:xfrm>
-                  <a:off x="10043986" y="2024889"/>
-                  <a:ext cx="0" cy="4325677"/>
-                </a:xfrm>
-                <a:prstGeom prst="line">
-                  <a:avLst/>
-                </a:prstGeom>
-                <a:ln w="76200">
-                  <a:solidFill>
-                    <a:srgbClr val="000000">
-                      <a:alpha val="10196"/>
-                    </a:srgbClr>
-                  </a:solidFill>
-                </a:ln>
-              </p:spPr>
-              <p:style>
-                <a:lnRef idx="1">
-                  <a:schemeClr val="accent1"/>
-                </a:lnRef>
-                <a:fillRef idx="0">
-                  <a:schemeClr val="accent1"/>
-                </a:fillRef>
-                <a:effectRef idx="0">
-                  <a:schemeClr val="accent1"/>
-                </a:effectRef>
-                <a:fontRef idx="minor">
-                  <a:schemeClr val="tx1"/>
-                </a:fontRef>
-              </p:style>
-            </p:cxnSp>
-          </p:grpSp>
-          <p:grpSp>
-            <p:nvGrpSpPr>
-              <p:cNvPr id="195" name="Group 194"/>
-              <p:cNvGrpSpPr/>
+              <a:prstGeom prst="line">
+                <a:avLst/>
+              </a:prstGeom>
+              <a:ln w="76200">
+                <a:solidFill>
+                  <a:srgbClr val="000000">
+                    <a:alpha val="10196"/>
+                  </a:srgbClr>
+                </a:solidFill>
+              </a:ln>
+            </p:spPr>
+            <p:style>
+              <a:lnRef idx="1">
+                <a:schemeClr val="accent1"/>
+              </a:lnRef>
+              <a:fillRef idx="0">
+                <a:schemeClr val="accent1"/>
+              </a:fillRef>
+              <a:effectRef idx="0">
+                <a:schemeClr val="accent1"/>
+              </a:effectRef>
+              <a:fontRef idx="minor">
+                <a:schemeClr val="tx1"/>
+              </a:fontRef>
+            </p:style>
+          </p:cxnSp>
+          <p:cxnSp>
+            <p:nvCxnSpPr>
+              <p:cNvPr id="200" name="Straight Connector 199"/>
+              <p:cNvCxnSpPr/>
               <p:nvPr/>
-            </p:nvGrpSpPr>
-            <p:grpSpPr>
+            </p:nvCxnSpPr>
+            <p:spPr>
               <a:xfrm>
+                <a:off x="11477371" y="2024889"/>
+                <a:ext cx="0" cy="4325677"/>
+              </a:xfrm>
+              <a:prstGeom prst="line">
+                <a:avLst/>
+              </a:prstGeom>
+              <a:ln w="76200">
+                <a:solidFill>
+                  <a:srgbClr val="000000">
+                    <a:alpha val="10196"/>
+                  </a:srgbClr>
+                </a:solidFill>
+              </a:ln>
+            </p:spPr>
+            <p:style>
+              <a:lnRef idx="1">
+                <a:schemeClr val="accent1"/>
+              </a:lnRef>
+              <a:fillRef idx="0">
+                <a:schemeClr val="accent1"/>
+              </a:fillRef>
+              <a:effectRef idx="0">
+                <a:schemeClr val="accent1"/>
+              </a:effectRef>
+              <a:fontRef idx="minor">
+                <a:schemeClr val="tx1"/>
+              </a:fontRef>
+            </p:style>
+          </p:cxnSp>
+          <p:cxnSp>
+            <p:nvCxnSpPr>
+              <p:cNvPr id="201" name="Straight Connector 200"/>
+              <p:cNvCxnSpPr/>
+              <p:nvPr/>
+            </p:nvCxnSpPr>
+            <p:spPr>
+              <a:xfrm>
+                <a:off x="10043986" y="2024889"/>
+                <a:ext cx="0" cy="4325677"/>
+              </a:xfrm>
+              <a:prstGeom prst="line">
+                <a:avLst/>
+              </a:prstGeom>
+              <a:ln w="76200">
+                <a:solidFill>
+                  <a:srgbClr val="000000">
+                    <a:alpha val="10196"/>
+                  </a:srgbClr>
+                </a:solidFill>
+              </a:ln>
+            </p:spPr>
+            <p:style>
+              <a:lnRef idx="1">
+                <a:schemeClr val="accent1"/>
+              </a:lnRef>
+              <a:fillRef idx="0">
+                <a:schemeClr val="accent1"/>
+              </a:fillRef>
+              <a:effectRef idx="0">
+                <a:schemeClr val="accent1"/>
+              </a:effectRef>
+              <a:fontRef idx="minor">
+                <a:schemeClr val="tx1"/>
+              </a:fontRef>
+            </p:style>
+          </p:cxnSp>
+        </p:grpSp>
+        <p:grpSp>
+          <p:nvGrpSpPr>
+            <p:cNvPr id="195" name="Group 194"/>
+            <p:cNvGrpSpPr/>
+            <p:nvPr/>
+          </p:nvGrpSpPr>
+          <p:grpSpPr>
+            <a:xfrm>
+              <a:off x="8128001" y="2641600"/>
+              <a:ext cx="4114800" cy="2864974"/>
+              <a:chOff x="8128001" y="2641600"/>
+              <a:chExt cx="4114800" cy="2864974"/>
+            </a:xfrm>
+          </p:grpSpPr>
+          <p:cxnSp>
+            <p:nvCxnSpPr>
+              <p:cNvPr id="196" name="Straight Connector 195"/>
+              <p:cNvCxnSpPr/>
+              <p:nvPr/>
+            </p:nvCxnSpPr>
+            <p:spPr>
+              <a:xfrm flipH="1">
                 <a:off x="8128001" y="2641600"/>
-                <a:ext cx="4114800" cy="2864974"/>
-                <a:chOff x="8128001" y="2641600"/>
-                <a:chExt cx="4114800" cy="2864974"/>
+                <a:ext cx="4114800" cy="0"/>
               </a:xfrm>
-            </p:grpSpPr>
-            <p:cxnSp>
-              <p:nvCxnSpPr>
-                <p:cNvPr id="196" name="Straight Connector 195"/>
-                <p:cNvCxnSpPr/>
-                <p:nvPr/>
-              </p:nvCxnSpPr>
-              <p:spPr>
-                <a:xfrm flipH="1">
-                  <a:off x="8128001" y="2641600"/>
-                  <a:ext cx="4114800" cy="0"/>
-                </a:xfrm>
-                <a:prstGeom prst="line">
-                  <a:avLst/>
-                </a:prstGeom>
-                <a:ln w="76200">
-                  <a:solidFill>
-                    <a:srgbClr val="000000">
-                      <a:alpha val="10196"/>
-                    </a:srgbClr>
-                  </a:solidFill>
-                </a:ln>
-              </p:spPr>
-              <p:style>
-                <a:lnRef idx="1">
-                  <a:schemeClr val="accent1"/>
-                </a:lnRef>
-                <a:fillRef idx="0">
-                  <a:schemeClr val="accent1"/>
-                </a:fillRef>
-                <a:effectRef idx="0">
-                  <a:schemeClr val="accent1"/>
-                </a:effectRef>
-                <a:fontRef idx="minor">
-                  <a:schemeClr val="tx1"/>
-                </a:fontRef>
-              </p:style>
-            </p:cxnSp>
-            <p:cxnSp>
-              <p:nvCxnSpPr>
-                <p:cNvPr id="197" name="Straight Connector 196"/>
-                <p:cNvCxnSpPr/>
-                <p:nvPr/>
-              </p:nvCxnSpPr>
-              <p:spPr>
-                <a:xfrm flipH="1">
-                  <a:off x="8128001" y="4076700"/>
-                  <a:ext cx="4114800" cy="0"/>
-                </a:xfrm>
-                <a:prstGeom prst="line">
-                  <a:avLst/>
-                </a:prstGeom>
-                <a:ln w="76200">
-                  <a:solidFill>
-                    <a:srgbClr val="000000">
-                      <a:alpha val="10196"/>
-                    </a:srgbClr>
-                  </a:solidFill>
-                </a:ln>
-              </p:spPr>
-              <p:style>
-                <a:lnRef idx="1">
-                  <a:schemeClr val="accent1"/>
-                </a:lnRef>
-                <a:fillRef idx="0">
-                  <a:schemeClr val="accent1"/>
-                </a:fillRef>
-                <a:effectRef idx="0">
-                  <a:schemeClr val="accent1"/>
-                </a:effectRef>
-                <a:fontRef idx="minor">
-                  <a:schemeClr val="tx1"/>
-                </a:fontRef>
-              </p:style>
-            </p:cxnSp>
-            <p:cxnSp>
-              <p:nvCxnSpPr>
-                <p:cNvPr id="198" name="Straight Connector 197"/>
-                <p:cNvCxnSpPr/>
-                <p:nvPr/>
-              </p:nvCxnSpPr>
-              <p:spPr>
-                <a:xfrm flipH="1">
-                  <a:off x="8128001" y="5506574"/>
-                  <a:ext cx="4114800" cy="0"/>
-                </a:xfrm>
-                <a:prstGeom prst="line">
-                  <a:avLst/>
-                </a:prstGeom>
-                <a:ln w="76200">
-                  <a:solidFill>
-                    <a:srgbClr val="000000">
-                      <a:alpha val="10196"/>
-                    </a:srgbClr>
-                  </a:solidFill>
-                </a:ln>
-              </p:spPr>
-              <p:style>
-                <a:lnRef idx="1">
-                  <a:schemeClr val="accent1"/>
-                </a:lnRef>
-                <a:fillRef idx="0">
-                  <a:schemeClr val="accent1"/>
-                </a:fillRef>
-                <a:effectRef idx="0">
-                  <a:schemeClr val="accent1"/>
-                </a:effectRef>
-                <a:fontRef idx="minor">
-                  <a:schemeClr val="tx1"/>
-                </a:fontRef>
-              </p:style>
-            </p:cxnSp>
-          </p:grpSp>
+              <a:prstGeom prst="line">
+                <a:avLst/>
+              </a:prstGeom>
+              <a:ln w="76200">
+                <a:solidFill>
+                  <a:srgbClr val="000000">
+                    <a:alpha val="10196"/>
+                  </a:srgbClr>
+                </a:solidFill>
+              </a:ln>
+            </p:spPr>
+            <p:style>
+              <a:lnRef idx="1">
+                <a:schemeClr val="accent1"/>
+              </a:lnRef>
+              <a:fillRef idx="0">
+                <a:schemeClr val="accent1"/>
+              </a:fillRef>
+              <a:effectRef idx="0">
+                <a:schemeClr val="accent1"/>
+              </a:effectRef>
+              <a:fontRef idx="minor">
+                <a:schemeClr val="tx1"/>
+              </a:fontRef>
+            </p:style>
+          </p:cxnSp>
+          <p:cxnSp>
+            <p:nvCxnSpPr>
+              <p:cNvPr id="197" name="Straight Connector 196"/>
+              <p:cNvCxnSpPr/>
+              <p:nvPr/>
+            </p:nvCxnSpPr>
+            <p:spPr>
+              <a:xfrm flipH="1">
+                <a:off x="8128001" y="4076700"/>
+                <a:ext cx="4114800" cy="0"/>
+              </a:xfrm>
+              <a:prstGeom prst="line">
+                <a:avLst/>
+              </a:prstGeom>
+              <a:ln w="76200">
+                <a:solidFill>
+                  <a:srgbClr val="000000">
+                    <a:alpha val="10196"/>
+                  </a:srgbClr>
+                </a:solidFill>
+              </a:ln>
+            </p:spPr>
+            <p:style>
+              <a:lnRef idx="1">
+                <a:schemeClr val="accent1"/>
+              </a:lnRef>
+              <a:fillRef idx="0">
+                <a:schemeClr val="accent1"/>
+              </a:fillRef>
+              <a:effectRef idx="0">
+                <a:schemeClr val="accent1"/>
+              </a:effectRef>
+              <a:fontRef idx="minor">
+                <a:schemeClr val="tx1"/>
+              </a:fontRef>
+            </p:style>
+          </p:cxnSp>
+          <p:cxnSp>
+            <p:nvCxnSpPr>
+              <p:cNvPr id="198" name="Straight Connector 197"/>
+              <p:cNvCxnSpPr/>
+              <p:nvPr/>
+            </p:nvCxnSpPr>
+            <p:spPr>
+              <a:xfrm flipH="1">
+                <a:off x="8128001" y="5506574"/>
+                <a:ext cx="4114800" cy="0"/>
+              </a:xfrm>
+              <a:prstGeom prst="line">
+                <a:avLst/>
+              </a:prstGeom>
+              <a:ln w="76200">
+                <a:solidFill>
+                  <a:srgbClr val="000000">
+                    <a:alpha val="10196"/>
+                  </a:srgbClr>
+                </a:solidFill>
+              </a:ln>
+            </p:spPr>
+            <p:style>
+              <a:lnRef idx="1">
+                <a:schemeClr val="accent1"/>
+              </a:lnRef>
+              <a:fillRef idx="0">
+                <a:schemeClr val="accent1"/>
+              </a:fillRef>
+              <a:effectRef idx="0">
+                <a:schemeClr val="accent1"/>
+              </a:effectRef>
+              <a:fontRef idx="minor">
+                <a:schemeClr val="tx1"/>
+              </a:fontRef>
+            </p:style>
+          </p:cxnSp>
         </p:grpSp>
-        <p:sp>
-          <p:nvSpPr>
-            <p:cNvPr id="208" name="Freeform 207"/>
-            <p:cNvSpPr/>
-            <p:nvPr/>
-          </p:nvSpPr>
-          <p:spPr>
-            <a:xfrm>
-              <a:off x="406400" y="4371975"/>
-              <a:ext cx="6042020" cy="999979"/>
-            </a:xfrm>
-            <a:custGeom>
-              <a:avLst/>
-              <a:gdLst>
-                <a:gd name="connsiteX0" fmla="*/ 7200900 w 22917150"/>
-                <a:gd name="connsiteY0" fmla="*/ 0 h 22688550"/>
-                <a:gd name="connsiteX1" fmla="*/ 3486150 w 22917150"/>
-                <a:gd name="connsiteY1" fmla="*/ 4057650 h 22688550"/>
-                <a:gd name="connsiteX2" fmla="*/ 0 w 22917150"/>
-                <a:gd name="connsiteY2" fmla="*/ 14058900 h 22688550"/>
-                <a:gd name="connsiteX3" fmla="*/ 800100 w 22917150"/>
-                <a:gd name="connsiteY3" fmla="*/ 19602450 h 22688550"/>
-                <a:gd name="connsiteX4" fmla="*/ 3028950 w 22917150"/>
-                <a:gd name="connsiteY4" fmla="*/ 22688550 h 22688550"/>
-                <a:gd name="connsiteX5" fmla="*/ 12115800 w 22917150"/>
-                <a:gd name="connsiteY5" fmla="*/ 19088100 h 22688550"/>
-                <a:gd name="connsiteX6" fmla="*/ 18230850 w 22917150"/>
-                <a:gd name="connsiteY6" fmla="*/ 22117050 h 22688550"/>
-                <a:gd name="connsiteX7" fmla="*/ 22917150 w 22917150"/>
-                <a:gd name="connsiteY7" fmla="*/ 15773400 h 22688550"/>
-                <a:gd name="connsiteX8" fmla="*/ 7258050 w 22917150"/>
-                <a:gd name="connsiteY8" fmla="*/ 0 h 22688550"/>
-                <a:gd name="connsiteX0" fmla="*/ 7200900 w 23331238"/>
-                <a:gd name="connsiteY0" fmla="*/ 0 h 22688550"/>
-                <a:gd name="connsiteX1" fmla="*/ 3486150 w 23331238"/>
-                <a:gd name="connsiteY1" fmla="*/ 4057650 h 22688550"/>
-                <a:gd name="connsiteX2" fmla="*/ 0 w 23331238"/>
-                <a:gd name="connsiteY2" fmla="*/ 14058900 h 22688550"/>
-                <a:gd name="connsiteX3" fmla="*/ 800100 w 23331238"/>
-                <a:gd name="connsiteY3" fmla="*/ 19602450 h 22688550"/>
-                <a:gd name="connsiteX4" fmla="*/ 3028950 w 23331238"/>
-                <a:gd name="connsiteY4" fmla="*/ 22688550 h 22688550"/>
-                <a:gd name="connsiteX5" fmla="*/ 12115800 w 23331238"/>
-                <a:gd name="connsiteY5" fmla="*/ 19088100 h 22688550"/>
-                <a:gd name="connsiteX6" fmla="*/ 18230850 w 23331238"/>
-                <a:gd name="connsiteY6" fmla="*/ 22117050 h 22688550"/>
-                <a:gd name="connsiteX7" fmla="*/ 22917150 w 23331238"/>
-                <a:gd name="connsiteY7" fmla="*/ 15773400 h 22688550"/>
-                <a:gd name="connsiteX8" fmla="*/ 7258050 w 23331238"/>
-                <a:gd name="connsiteY8" fmla="*/ 0 h 22688550"/>
-                <a:gd name="connsiteX0" fmla="*/ 7200900 w 23331238"/>
-                <a:gd name="connsiteY0" fmla="*/ 0 h 22688550"/>
-                <a:gd name="connsiteX1" fmla="*/ 3486150 w 23331238"/>
-                <a:gd name="connsiteY1" fmla="*/ 4057650 h 22688550"/>
-                <a:gd name="connsiteX2" fmla="*/ 0 w 23331238"/>
-                <a:gd name="connsiteY2" fmla="*/ 14058900 h 22688550"/>
-                <a:gd name="connsiteX3" fmla="*/ 800100 w 23331238"/>
-                <a:gd name="connsiteY3" fmla="*/ 19602450 h 22688550"/>
-                <a:gd name="connsiteX4" fmla="*/ 3028950 w 23331238"/>
-                <a:gd name="connsiteY4" fmla="*/ 22688550 h 22688550"/>
-                <a:gd name="connsiteX5" fmla="*/ 12115800 w 23331238"/>
-                <a:gd name="connsiteY5" fmla="*/ 19088100 h 22688550"/>
-                <a:gd name="connsiteX6" fmla="*/ 18230850 w 23331238"/>
-                <a:gd name="connsiteY6" fmla="*/ 22117050 h 22688550"/>
-                <a:gd name="connsiteX7" fmla="*/ 22917150 w 23331238"/>
-                <a:gd name="connsiteY7" fmla="*/ 15773400 h 22688550"/>
-                <a:gd name="connsiteX8" fmla="*/ 7258050 w 23331238"/>
-                <a:gd name="connsiteY8" fmla="*/ 0 h 22688550"/>
-                <a:gd name="connsiteX0" fmla="*/ 7200900 w 23331238"/>
-                <a:gd name="connsiteY0" fmla="*/ 0 h 22688550"/>
-                <a:gd name="connsiteX1" fmla="*/ 3486150 w 23331238"/>
-                <a:gd name="connsiteY1" fmla="*/ 4057650 h 22688550"/>
-                <a:gd name="connsiteX2" fmla="*/ 0 w 23331238"/>
-                <a:gd name="connsiteY2" fmla="*/ 14058900 h 22688550"/>
-                <a:gd name="connsiteX3" fmla="*/ 800100 w 23331238"/>
-                <a:gd name="connsiteY3" fmla="*/ 19602450 h 22688550"/>
-                <a:gd name="connsiteX4" fmla="*/ 3028950 w 23331238"/>
-                <a:gd name="connsiteY4" fmla="*/ 22688550 h 22688550"/>
-                <a:gd name="connsiteX5" fmla="*/ 12115800 w 23331238"/>
-                <a:gd name="connsiteY5" fmla="*/ 19088100 h 22688550"/>
-                <a:gd name="connsiteX6" fmla="*/ 18230850 w 23331238"/>
-                <a:gd name="connsiteY6" fmla="*/ 22117050 h 22688550"/>
-                <a:gd name="connsiteX7" fmla="*/ 22917150 w 23331238"/>
-                <a:gd name="connsiteY7" fmla="*/ 15773400 h 22688550"/>
-                <a:gd name="connsiteX8" fmla="*/ 7258050 w 23331238"/>
-                <a:gd name="connsiteY8" fmla="*/ 0 h 22688550"/>
-                <a:gd name="connsiteX0" fmla="*/ 7220286 w 23350624"/>
-                <a:gd name="connsiteY0" fmla="*/ 0 h 22688550"/>
-                <a:gd name="connsiteX1" fmla="*/ 3505536 w 23350624"/>
-                <a:gd name="connsiteY1" fmla="*/ 4057650 h 22688550"/>
-                <a:gd name="connsiteX2" fmla="*/ 19386 w 23350624"/>
-                <a:gd name="connsiteY2" fmla="*/ 14058900 h 22688550"/>
-                <a:gd name="connsiteX3" fmla="*/ 819486 w 23350624"/>
-                <a:gd name="connsiteY3" fmla="*/ 19602450 h 22688550"/>
-                <a:gd name="connsiteX4" fmla="*/ 3048336 w 23350624"/>
-                <a:gd name="connsiteY4" fmla="*/ 22688550 h 22688550"/>
-                <a:gd name="connsiteX5" fmla="*/ 12135186 w 23350624"/>
-                <a:gd name="connsiteY5" fmla="*/ 19088100 h 22688550"/>
-                <a:gd name="connsiteX6" fmla="*/ 18250236 w 23350624"/>
-                <a:gd name="connsiteY6" fmla="*/ 22117050 h 22688550"/>
-                <a:gd name="connsiteX7" fmla="*/ 22936536 w 23350624"/>
-                <a:gd name="connsiteY7" fmla="*/ 15773400 h 22688550"/>
-                <a:gd name="connsiteX8" fmla="*/ 7277436 w 23350624"/>
-                <a:gd name="connsiteY8" fmla="*/ 0 h 22688550"/>
-                <a:gd name="connsiteX0" fmla="*/ 7220286 w 23350624"/>
-                <a:gd name="connsiteY0" fmla="*/ 0 h 22692482"/>
-                <a:gd name="connsiteX1" fmla="*/ 3505536 w 23350624"/>
-                <a:gd name="connsiteY1" fmla="*/ 4057650 h 22692482"/>
-                <a:gd name="connsiteX2" fmla="*/ 19386 w 23350624"/>
-                <a:gd name="connsiteY2" fmla="*/ 14058900 h 22692482"/>
-                <a:gd name="connsiteX3" fmla="*/ 819486 w 23350624"/>
-                <a:gd name="connsiteY3" fmla="*/ 19602450 h 22692482"/>
-                <a:gd name="connsiteX4" fmla="*/ 3048336 w 23350624"/>
-                <a:gd name="connsiteY4" fmla="*/ 22688550 h 22692482"/>
-                <a:gd name="connsiteX5" fmla="*/ 12135186 w 23350624"/>
-                <a:gd name="connsiteY5" fmla="*/ 19088100 h 22692482"/>
-                <a:gd name="connsiteX6" fmla="*/ 18250236 w 23350624"/>
-                <a:gd name="connsiteY6" fmla="*/ 22117050 h 22692482"/>
-                <a:gd name="connsiteX7" fmla="*/ 22936536 w 23350624"/>
-                <a:gd name="connsiteY7" fmla="*/ 15773400 h 22692482"/>
-                <a:gd name="connsiteX8" fmla="*/ 7277436 w 23350624"/>
-                <a:gd name="connsiteY8" fmla="*/ 0 h 22692482"/>
-                <a:gd name="connsiteX0" fmla="*/ 7220286 w 23350624"/>
-                <a:gd name="connsiteY0" fmla="*/ 0 h 22692482"/>
-                <a:gd name="connsiteX1" fmla="*/ 3505536 w 23350624"/>
-                <a:gd name="connsiteY1" fmla="*/ 4057650 h 22692482"/>
-                <a:gd name="connsiteX2" fmla="*/ 19386 w 23350624"/>
-                <a:gd name="connsiteY2" fmla="*/ 14058900 h 22692482"/>
-                <a:gd name="connsiteX3" fmla="*/ 819486 w 23350624"/>
-                <a:gd name="connsiteY3" fmla="*/ 19602450 h 22692482"/>
-                <a:gd name="connsiteX4" fmla="*/ 3048336 w 23350624"/>
-                <a:gd name="connsiteY4" fmla="*/ 22688550 h 22692482"/>
-                <a:gd name="connsiteX5" fmla="*/ 12135186 w 23350624"/>
-                <a:gd name="connsiteY5" fmla="*/ 19088100 h 22692482"/>
-                <a:gd name="connsiteX6" fmla="*/ 18250236 w 23350624"/>
-                <a:gd name="connsiteY6" fmla="*/ 22117050 h 22692482"/>
-                <a:gd name="connsiteX7" fmla="*/ 22936536 w 23350624"/>
-                <a:gd name="connsiteY7" fmla="*/ 15773400 h 22692482"/>
-                <a:gd name="connsiteX8" fmla="*/ 7277436 w 23350624"/>
-                <a:gd name="connsiteY8" fmla="*/ 0 h 22692482"/>
-                <a:gd name="connsiteX0" fmla="*/ 7220286 w 23350624"/>
-                <a:gd name="connsiteY0" fmla="*/ 0 h 22692482"/>
-                <a:gd name="connsiteX1" fmla="*/ 3505536 w 23350624"/>
-                <a:gd name="connsiteY1" fmla="*/ 4057650 h 22692482"/>
-                <a:gd name="connsiteX2" fmla="*/ 19386 w 23350624"/>
-                <a:gd name="connsiteY2" fmla="*/ 14058900 h 22692482"/>
-                <a:gd name="connsiteX3" fmla="*/ 819486 w 23350624"/>
-                <a:gd name="connsiteY3" fmla="*/ 19602450 h 22692482"/>
-                <a:gd name="connsiteX4" fmla="*/ 3048336 w 23350624"/>
-                <a:gd name="connsiteY4" fmla="*/ 22688550 h 22692482"/>
-                <a:gd name="connsiteX5" fmla="*/ 11623613 w 23350624"/>
-                <a:gd name="connsiteY5" fmla="*/ 19088098 h 22692482"/>
-                <a:gd name="connsiteX6" fmla="*/ 18250236 w 23350624"/>
-                <a:gd name="connsiteY6" fmla="*/ 22117050 h 22692482"/>
-                <a:gd name="connsiteX7" fmla="*/ 22936536 w 23350624"/>
-                <a:gd name="connsiteY7" fmla="*/ 15773400 h 22692482"/>
-                <a:gd name="connsiteX8" fmla="*/ 7277436 w 23350624"/>
-                <a:gd name="connsiteY8" fmla="*/ 0 h 22692482"/>
-                <a:gd name="connsiteX0" fmla="*/ 7450798 w 23581136"/>
-                <a:gd name="connsiteY0" fmla="*/ 0 h 22693040"/>
-                <a:gd name="connsiteX1" fmla="*/ 3736048 w 23581136"/>
-                <a:gd name="connsiteY1" fmla="*/ 4057650 h 22693040"/>
-                <a:gd name="connsiteX2" fmla="*/ 249898 w 23581136"/>
-                <a:gd name="connsiteY2" fmla="*/ 14058900 h 22693040"/>
-                <a:gd name="connsiteX3" fmla="*/ 282641 w 23581136"/>
-                <a:gd name="connsiteY3" fmla="*/ 19777501 h 22693040"/>
-                <a:gd name="connsiteX4" fmla="*/ 3278848 w 23581136"/>
-                <a:gd name="connsiteY4" fmla="*/ 22688550 h 22693040"/>
-                <a:gd name="connsiteX5" fmla="*/ 11854125 w 23581136"/>
-                <a:gd name="connsiteY5" fmla="*/ 19088098 h 22693040"/>
-                <a:gd name="connsiteX6" fmla="*/ 18480748 w 23581136"/>
-                <a:gd name="connsiteY6" fmla="*/ 22117050 h 22693040"/>
-                <a:gd name="connsiteX7" fmla="*/ 23167048 w 23581136"/>
-                <a:gd name="connsiteY7" fmla="*/ 15773400 h 22693040"/>
-                <a:gd name="connsiteX8" fmla="*/ 7507948 w 23581136"/>
-                <a:gd name="connsiteY8" fmla="*/ 0 h 22693040"/>
-                <a:gd name="connsiteX0" fmla="*/ 7450798 w 23581136"/>
-                <a:gd name="connsiteY0" fmla="*/ 0 h 22693040"/>
-                <a:gd name="connsiteX1" fmla="*/ 3736048 w 23581136"/>
-                <a:gd name="connsiteY1" fmla="*/ 4057650 h 22693040"/>
-                <a:gd name="connsiteX2" fmla="*/ 249898 w 23581136"/>
-                <a:gd name="connsiteY2" fmla="*/ 14058900 h 22693040"/>
-                <a:gd name="connsiteX3" fmla="*/ 282641 w 23581136"/>
-                <a:gd name="connsiteY3" fmla="*/ 19777501 h 22693040"/>
-                <a:gd name="connsiteX4" fmla="*/ 3278848 w 23581136"/>
-                <a:gd name="connsiteY4" fmla="*/ 22688550 h 22693040"/>
-                <a:gd name="connsiteX5" fmla="*/ 11854125 w 23581136"/>
-                <a:gd name="connsiteY5" fmla="*/ 19088098 h 22693040"/>
-                <a:gd name="connsiteX6" fmla="*/ 18480748 w 23581136"/>
-                <a:gd name="connsiteY6" fmla="*/ 22117050 h 22693040"/>
-                <a:gd name="connsiteX7" fmla="*/ 23167048 w 23581136"/>
-                <a:gd name="connsiteY7" fmla="*/ 15773400 h 22693040"/>
-                <a:gd name="connsiteX8" fmla="*/ 7507948 w 23581136"/>
-                <a:gd name="connsiteY8" fmla="*/ 0 h 22693040"/>
-                <a:gd name="connsiteX0" fmla="*/ 7450798 w 23581136"/>
-                <a:gd name="connsiteY0" fmla="*/ 0 h 22693040"/>
-                <a:gd name="connsiteX1" fmla="*/ 3736048 w 23581136"/>
-                <a:gd name="connsiteY1" fmla="*/ 4057650 h 22693040"/>
-                <a:gd name="connsiteX2" fmla="*/ 249898 w 23581136"/>
-                <a:gd name="connsiteY2" fmla="*/ 14058900 h 22693040"/>
-                <a:gd name="connsiteX3" fmla="*/ 282641 w 23581136"/>
-                <a:gd name="connsiteY3" fmla="*/ 19777501 h 22693040"/>
-                <a:gd name="connsiteX4" fmla="*/ 3278848 w 23581136"/>
-                <a:gd name="connsiteY4" fmla="*/ 22688550 h 22693040"/>
-                <a:gd name="connsiteX5" fmla="*/ 11854125 w 23581136"/>
-                <a:gd name="connsiteY5" fmla="*/ 19088098 h 22693040"/>
-                <a:gd name="connsiteX6" fmla="*/ 18480748 w 23581136"/>
-                <a:gd name="connsiteY6" fmla="*/ 22117050 h 22693040"/>
-                <a:gd name="connsiteX7" fmla="*/ 23167048 w 23581136"/>
-                <a:gd name="connsiteY7" fmla="*/ 15773400 h 22693040"/>
-                <a:gd name="connsiteX8" fmla="*/ 7507948 w 23581136"/>
-                <a:gd name="connsiteY8" fmla="*/ 0 h 22693040"/>
-                <a:gd name="connsiteX0" fmla="*/ 7450798 w 23581136"/>
-                <a:gd name="connsiteY0" fmla="*/ 0 h 22693040"/>
-                <a:gd name="connsiteX1" fmla="*/ 3736048 w 23581136"/>
-                <a:gd name="connsiteY1" fmla="*/ 4057650 h 22693040"/>
-                <a:gd name="connsiteX2" fmla="*/ 249898 w 23581136"/>
-                <a:gd name="connsiteY2" fmla="*/ 14058900 h 22693040"/>
-                <a:gd name="connsiteX3" fmla="*/ 282641 w 23581136"/>
-                <a:gd name="connsiteY3" fmla="*/ 19777501 h 22693040"/>
-                <a:gd name="connsiteX4" fmla="*/ 3278848 w 23581136"/>
-                <a:gd name="connsiteY4" fmla="*/ 22688550 h 22693040"/>
-                <a:gd name="connsiteX5" fmla="*/ 11854125 w 23581136"/>
-                <a:gd name="connsiteY5" fmla="*/ 19088098 h 22693040"/>
-                <a:gd name="connsiteX6" fmla="*/ 18480748 w 23581136"/>
-                <a:gd name="connsiteY6" fmla="*/ 22117050 h 22693040"/>
-                <a:gd name="connsiteX7" fmla="*/ 23167048 w 23581136"/>
-                <a:gd name="connsiteY7" fmla="*/ 15773400 h 22693040"/>
-                <a:gd name="connsiteX8" fmla="*/ 7507948 w 23581136"/>
-                <a:gd name="connsiteY8" fmla="*/ 0 h 22693040"/>
-                <a:gd name="connsiteX0" fmla="*/ 7450798 w 23581136"/>
-                <a:gd name="connsiteY0" fmla="*/ 78621 h 22771661"/>
-                <a:gd name="connsiteX1" fmla="*/ 3736048 w 23581136"/>
-                <a:gd name="connsiteY1" fmla="*/ 4136271 h 22771661"/>
-                <a:gd name="connsiteX2" fmla="*/ 249898 w 23581136"/>
-                <a:gd name="connsiteY2" fmla="*/ 14137521 h 22771661"/>
-                <a:gd name="connsiteX3" fmla="*/ 282641 w 23581136"/>
-                <a:gd name="connsiteY3" fmla="*/ 19856122 h 22771661"/>
-                <a:gd name="connsiteX4" fmla="*/ 3278848 w 23581136"/>
-                <a:gd name="connsiteY4" fmla="*/ 22767171 h 22771661"/>
-                <a:gd name="connsiteX5" fmla="*/ 11854125 w 23581136"/>
-                <a:gd name="connsiteY5" fmla="*/ 19166719 h 22771661"/>
-                <a:gd name="connsiteX6" fmla="*/ 18480748 w 23581136"/>
-                <a:gd name="connsiteY6" fmla="*/ 22195671 h 22771661"/>
-                <a:gd name="connsiteX7" fmla="*/ 23167048 w 23581136"/>
-                <a:gd name="connsiteY7" fmla="*/ 15852021 h 22771661"/>
-                <a:gd name="connsiteX8" fmla="*/ 7507948 w 23581136"/>
-                <a:gd name="connsiteY8" fmla="*/ 78621 h 22771661"/>
-                <a:gd name="connsiteX0" fmla="*/ 7252715 w 23383055"/>
-                <a:gd name="connsiteY0" fmla="*/ 78621 h 22772211"/>
-                <a:gd name="connsiteX1" fmla="*/ 3537965 w 23383055"/>
-                <a:gd name="connsiteY1" fmla="*/ 4136271 h 22772211"/>
-                <a:gd name="connsiteX2" fmla="*/ 51815 w 23383055"/>
-                <a:gd name="connsiteY2" fmla="*/ 14137521 h 22772211"/>
-                <a:gd name="connsiteX3" fmla="*/ 1361030 w 23383055"/>
-                <a:gd name="connsiteY3" fmla="*/ 19994053 h 22772211"/>
-                <a:gd name="connsiteX4" fmla="*/ 3080765 w 23383055"/>
-                <a:gd name="connsiteY4" fmla="*/ 22767171 h 22772211"/>
-                <a:gd name="connsiteX5" fmla="*/ 11656042 w 23383055"/>
-                <a:gd name="connsiteY5" fmla="*/ 19166719 h 22772211"/>
-                <a:gd name="connsiteX6" fmla="*/ 18282665 w 23383055"/>
-                <a:gd name="connsiteY6" fmla="*/ 22195671 h 22772211"/>
-                <a:gd name="connsiteX7" fmla="*/ 22968965 w 23383055"/>
-                <a:gd name="connsiteY7" fmla="*/ 15852021 h 22772211"/>
-                <a:gd name="connsiteX8" fmla="*/ 7309865 w 23383055"/>
-                <a:gd name="connsiteY8" fmla="*/ 78621 h 22772211"/>
-                <a:gd name="connsiteX0" fmla="*/ 5957966 w 22088306"/>
-                <a:gd name="connsiteY0" fmla="*/ 78621 h 22770882"/>
-                <a:gd name="connsiteX1" fmla="*/ 2243216 w 22088306"/>
-                <a:gd name="connsiteY1" fmla="*/ 4136271 h 22770882"/>
-                <a:gd name="connsiteX2" fmla="*/ 537409 w 22088306"/>
-                <a:gd name="connsiteY2" fmla="*/ 14091544 h 22770882"/>
-                <a:gd name="connsiteX3" fmla="*/ 66281 w 22088306"/>
-                <a:gd name="connsiteY3" fmla="*/ 19994053 h 22770882"/>
-                <a:gd name="connsiteX4" fmla="*/ 1786016 w 22088306"/>
-                <a:gd name="connsiteY4" fmla="*/ 22767171 h 22770882"/>
-                <a:gd name="connsiteX5" fmla="*/ 10361293 w 22088306"/>
-                <a:gd name="connsiteY5" fmla="*/ 19166719 h 22770882"/>
-                <a:gd name="connsiteX6" fmla="*/ 16987916 w 22088306"/>
-                <a:gd name="connsiteY6" fmla="*/ 22195671 h 22770882"/>
-                <a:gd name="connsiteX7" fmla="*/ 21674216 w 22088306"/>
-                <a:gd name="connsiteY7" fmla="*/ 15852021 h 22770882"/>
-                <a:gd name="connsiteX8" fmla="*/ 6015116 w 22088306"/>
-                <a:gd name="connsiteY8" fmla="*/ 78621 h 22770882"/>
-                <a:gd name="connsiteX0" fmla="*/ 5955964 w 22086304"/>
-                <a:gd name="connsiteY0" fmla="*/ 78621 h 22770882"/>
-                <a:gd name="connsiteX1" fmla="*/ 2241214 w 22086304"/>
-                <a:gd name="connsiteY1" fmla="*/ 4136271 h 22770882"/>
-                <a:gd name="connsiteX2" fmla="*/ 2133031 w 22086304"/>
-                <a:gd name="connsiteY2" fmla="*/ 10643870 h 22770882"/>
-                <a:gd name="connsiteX3" fmla="*/ 535407 w 22086304"/>
-                <a:gd name="connsiteY3" fmla="*/ 14091544 h 22770882"/>
-                <a:gd name="connsiteX4" fmla="*/ 64279 w 22086304"/>
-                <a:gd name="connsiteY4" fmla="*/ 19994053 h 22770882"/>
-                <a:gd name="connsiteX5" fmla="*/ 1784014 w 22086304"/>
-                <a:gd name="connsiteY5" fmla="*/ 22767171 h 22770882"/>
-                <a:gd name="connsiteX6" fmla="*/ 10359291 w 22086304"/>
-                <a:gd name="connsiteY6" fmla="*/ 19166719 h 22770882"/>
-                <a:gd name="connsiteX7" fmla="*/ 16985914 w 22086304"/>
-                <a:gd name="connsiteY7" fmla="*/ 22195671 h 22770882"/>
-                <a:gd name="connsiteX8" fmla="*/ 21672214 w 22086304"/>
-                <a:gd name="connsiteY8" fmla="*/ 15852021 h 22770882"/>
-                <a:gd name="connsiteX9" fmla="*/ 6013114 w 22086304"/>
-                <a:gd name="connsiteY9" fmla="*/ 78621 h 22770882"/>
-                <a:gd name="connsiteX0" fmla="*/ 5955964 w 22086304"/>
-                <a:gd name="connsiteY0" fmla="*/ 78621 h 22770882"/>
-                <a:gd name="connsiteX1" fmla="*/ 5633941 w 22086304"/>
-                <a:gd name="connsiteY1" fmla="*/ 8182298 h 22770882"/>
-                <a:gd name="connsiteX2" fmla="*/ 2133031 w 22086304"/>
-                <a:gd name="connsiteY2" fmla="*/ 10643870 h 22770882"/>
-                <a:gd name="connsiteX3" fmla="*/ 535407 w 22086304"/>
-                <a:gd name="connsiteY3" fmla="*/ 14091544 h 22770882"/>
-                <a:gd name="connsiteX4" fmla="*/ 64279 w 22086304"/>
-                <a:gd name="connsiteY4" fmla="*/ 19994053 h 22770882"/>
-                <a:gd name="connsiteX5" fmla="*/ 1784014 w 22086304"/>
-                <a:gd name="connsiteY5" fmla="*/ 22767171 h 22770882"/>
-                <a:gd name="connsiteX6" fmla="*/ 10359291 w 22086304"/>
-                <a:gd name="connsiteY6" fmla="*/ 19166719 h 22770882"/>
-                <a:gd name="connsiteX7" fmla="*/ 16985914 w 22086304"/>
-                <a:gd name="connsiteY7" fmla="*/ 22195671 h 22770882"/>
-                <a:gd name="connsiteX8" fmla="*/ 21672214 w 22086304"/>
-                <a:gd name="connsiteY8" fmla="*/ 15852021 h 22770882"/>
-                <a:gd name="connsiteX9" fmla="*/ 6013114 w 22086304"/>
-                <a:gd name="connsiteY9" fmla="*/ 78621 h 22770882"/>
-                <a:gd name="connsiteX0" fmla="*/ 5955964 w 22086304"/>
-                <a:gd name="connsiteY0" fmla="*/ 78621 h 22770882"/>
-                <a:gd name="connsiteX1" fmla="*/ 5633941 w 22086304"/>
-                <a:gd name="connsiteY1" fmla="*/ 8182298 h 22770882"/>
-                <a:gd name="connsiteX2" fmla="*/ 2133031 w 22086304"/>
-                <a:gd name="connsiteY2" fmla="*/ 10643870 h 22770882"/>
-                <a:gd name="connsiteX3" fmla="*/ 535407 w 22086304"/>
-                <a:gd name="connsiteY3" fmla="*/ 14091544 h 22770882"/>
-                <a:gd name="connsiteX4" fmla="*/ 64279 w 22086304"/>
-                <a:gd name="connsiteY4" fmla="*/ 19994053 h 22770882"/>
-                <a:gd name="connsiteX5" fmla="*/ 1784014 w 22086304"/>
-                <a:gd name="connsiteY5" fmla="*/ 22767171 h 22770882"/>
-                <a:gd name="connsiteX6" fmla="*/ 10359291 w 22086304"/>
-                <a:gd name="connsiteY6" fmla="*/ 19166719 h 22770882"/>
-                <a:gd name="connsiteX7" fmla="*/ 16985914 w 22086304"/>
-                <a:gd name="connsiteY7" fmla="*/ 22195671 h 22770882"/>
-                <a:gd name="connsiteX8" fmla="*/ 21672214 w 22086304"/>
-                <a:gd name="connsiteY8" fmla="*/ 15852021 h 22770882"/>
-                <a:gd name="connsiteX9" fmla="*/ 6013114 w 22086304"/>
-                <a:gd name="connsiteY9" fmla="*/ 78621 h 22770882"/>
-                <a:gd name="connsiteX0" fmla="*/ 5955964 w 22086304"/>
-                <a:gd name="connsiteY0" fmla="*/ 78621 h 22770882"/>
-                <a:gd name="connsiteX1" fmla="*/ 5633941 w 22086304"/>
-                <a:gd name="connsiteY1" fmla="*/ 8182298 h 22770882"/>
-                <a:gd name="connsiteX2" fmla="*/ 2133031 w 22086304"/>
-                <a:gd name="connsiteY2" fmla="*/ 10643870 h 22770882"/>
-                <a:gd name="connsiteX3" fmla="*/ 535407 w 22086304"/>
-                <a:gd name="connsiteY3" fmla="*/ 14091544 h 22770882"/>
-                <a:gd name="connsiteX4" fmla="*/ 64279 w 22086304"/>
-                <a:gd name="connsiteY4" fmla="*/ 19994053 h 22770882"/>
-                <a:gd name="connsiteX5" fmla="*/ 1784014 w 22086304"/>
-                <a:gd name="connsiteY5" fmla="*/ 22767171 h 22770882"/>
-                <a:gd name="connsiteX6" fmla="*/ 10359291 w 22086304"/>
-                <a:gd name="connsiteY6" fmla="*/ 19166719 h 22770882"/>
-                <a:gd name="connsiteX7" fmla="*/ 16985914 w 22086304"/>
-                <a:gd name="connsiteY7" fmla="*/ 22195671 h 22770882"/>
-                <a:gd name="connsiteX8" fmla="*/ 21672214 w 22086304"/>
-                <a:gd name="connsiteY8" fmla="*/ 15852021 h 22770882"/>
-                <a:gd name="connsiteX9" fmla="*/ 6013114 w 22086304"/>
-                <a:gd name="connsiteY9" fmla="*/ 78621 h 22770882"/>
-                <a:gd name="connsiteX0" fmla="*/ 5955964 w 21897790"/>
-                <a:gd name="connsiteY0" fmla="*/ -1 h 22692260"/>
-                <a:gd name="connsiteX1" fmla="*/ 5633941 w 21897790"/>
-                <a:gd name="connsiteY1" fmla="*/ 8103676 h 22692260"/>
-                <a:gd name="connsiteX2" fmla="*/ 2133031 w 21897790"/>
-                <a:gd name="connsiteY2" fmla="*/ 10565248 h 22692260"/>
-                <a:gd name="connsiteX3" fmla="*/ 535407 w 21897790"/>
-                <a:gd name="connsiteY3" fmla="*/ 14012922 h 22692260"/>
-                <a:gd name="connsiteX4" fmla="*/ 64279 w 21897790"/>
-                <a:gd name="connsiteY4" fmla="*/ 19915431 h 22692260"/>
-                <a:gd name="connsiteX5" fmla="*/ 1784014 w 21897790"/>
-                <a:gd name="connsiteY5" fmla="*/ 22688549 h 22692260"/>
-                <a:gd name="connsiteX6" fmla="*/ 10359291 w 21897790"/>
-                <a:gd name="connsiteY6" fmla="*/ 19088097 h 22692260"/>
-                <a:gd name="connsiteX7" fmla="*/ 16985914 w 21897790"/>
-                <a:gd name="connsiteY7" fmla="*/ 22117049 h 22692260"/>
-                <a:gd name="connsiteX8" fmla="*/ 21672214 w 21897790"/>
-                <a:gd name="connsiteY8" fmla="*/ 15773399 h 22692260"/>
-                <a:gd name="connsiteX9" fmla="*/ 9607390 w 21897790"/>
-                <a:gd name="connsiteY9" fmla="*/ 7724234 h 22692260"/>
-                <a:gd name="connsiteX0" fmla="*/ 5633941 w 21897790"/>
-                <a:gd name="connsiteY0" fmla="*/ 523156 h 15111740"/>
-                <a:gd name="connsiteX1" fmla="*/ 2133031 w 21897790"/>
-                <a:gd name="connsiteY1" fmla="*/ 2984728 h 15111740"/>
-                <a:gd name="connsiteX2" fmla="*/ 535407 w 21897790"/>
-                <a:gd name="connsiteY2" fmla="*/ 6432402 h 15111740"/>
-                <a:gd name="connsiteX3" fmla="*/ 64279 w 21897790"/>
-                <a:gd name="connsiteY3" fmla="*/ 12334911 h 15111740"/>
-                <a:gd name="connsiteX4" fmla="*/ 1784014 w 21897790"/>
-                <a:gd name="connsiteY4" fmla="*/ 15108029 h 15111740"/>
-                <a:gd name="connsiteX5" fmla="*/ 10359291 w 21897790"/>
-                <a:gd name="connsiteY5" fmla="*/ 11507577 h 15111740"/>
-                <a:gd name="connsiteX6" fmla="*/ 16985914 w 21897790"/>
-                <a:gd name="connsiteY6" fmla="*/ 14536529 h 15111740"/>
-                <a:gd name="connsiteX7" fmla="*/ 21672214 w 21897790"/>
-                <a:gd name="connsiteY7" fmla="*/ 8192879 h 15111740"/>
-                <a:gd name="connsiteX8" fmla="*/ 9607390 w 21897790"/>
-                <a:gd name="connsiteY8" fmla="*/ 143714 h 15111740"/>
-                <a:gd name="connsiteX0" fmla="*/ 2133031 w 21897790"/>
-                <a:gd name="connsiteY0" fmla="*/ 2984728 h 15111740"/>
-                <a:gd name="connsiteX1" fmla="*/ 535407 w 21897790"/>
-                <a:gd name="connsiteY1" fmla="*/ 6432402 h 15111740"/>
-                <a:gd name="connsiteX2" fmla="*/ 64279 w 21897790"/>
-                <a:gd name="connsiteY2" fmla="*/ 12334911 h 15111740"/>
-                <a:gd name="connsiteX3" fmla="*/ 1784014 w 21897790"/>
-                <a:gd name="connsiteY3" fmla="*/ 15108029 h 15111740"/>
-                <a:gd name="connsiteX4" fmla="*/ 10359291 w 21897790"/>
-                <a:gd name="connsiteY4" fmla="*/ 11507577 h 15111740"/>
-                <a:gd name="connsiteX5" fmla="*/ 16985914 w 21897790"/>
-                <a:gd name="connsiteY5" fmla="*/ 14536529 h 15111740"/>
-                <a:gd name="connsiteX6" fmla="*/ 21672214 w 21897790"/>
-                <a:gd name="connsiteY6" fmla="*/ 8192879 h 15111740"/>
-                <a:gd name="connsiteX7" fmla="*/ 9607390 w 21897790"/>
-                <a:gd name="connsiteY7" fmla="*/ 143714 h 15111740"/>
-                <a:gd name="connsiteX0" fmla="*/ 2127122 w 21891881"/>
-                <a:gd name="connsiteY0" fmla="*/ 2984728 h 15111631"/>
-                <a:gd name="connsiteX1" fmla="*/ 563089 w 21891881"/>
-                <a:gd name="connsiteY1" fmla="*/ 6708268 h 15111631"/>
-                <a:gd name="connsiteX2" fmla="*/ 58370 w 21891881"/>
-                <a:gd name="connsiteY2" fmla="*/ 12334911 h 15111631"/>
-                <a:gd name="connsiteX3" fmla="*/ 1778105 w 21891881"/>
-                <a:gd name="connsiteY3" fmla="*/ 15108029 h 15111631"/>
-                <a:gd name="connsiteX4" fmla="*/ 10353382 w 21891881"/>
-                <a:gd name="connsiteY4" fmla="*/ 11507577 h 15111631"/>
-                <a:gd name="connsiteX5" fmla="*/ 16980005 w 21891881"/>
-                <a:gd name="connsiteY5" fmla="*/ 14536529 h 15111631"/>
-                <a:gd name="connsiteX6" fmla="*/ 21666305 w 21891881"/>
-                <a:gd name="connsiteY6" fmla="*/ 8192879 h 15111631"/>
-                <a:gd name="connsiteX7" fmla="*/ 9601481 w 21891881"/>
-                <a:gd name="connsiteY7" fmla="*/ 143714 h 15111631"/>
-                <a:gd name="connsiteX0" fmla="*/ 2332042 w 21895253"/>
-                <a:gd name="connsiteY0" fmla="*/ 3122660 h 15111631"/>
-                <a:gd name="connsiteX1" fmla="*/ 566461 w 21895253"/>
-                <a:gd name="connsiteY1" fmla="*/ 6708268 h 15111631"/>
-                <a:gd name="connsiteX2" fmla="*/ 61742 w 21895253"/>
-                <a:gd name="connsiteY2" fmla="*/ 12334911 h 15111631"/>
-                <a:gd name="connsiteX3" fmla="*/ 1781477 w 21895253"/>
-                <a:gd name="connsiteY3" fmla="*/ 15108029 h 15111631"/>
-                <a:gd name="connsiteX4" fmla="*/ 10356754 w 21895253"/>
-                <a:gd name="connsiteY4" fmla="*/ 11507577 h 15111631"/>
-                <a:gd name="connsiteX5" fmla="*/ 16983377 w 21895253"/>
-                <a:gd name="connsiteY5" fmla="*/ 14536529 h 15111631"/>
-                <a:gd name="connsiteX6" fmla="*/ 21669677 w 21895253"/>
-                <a:gd name="connsiteY6" fmla="*/ 8192879 h 15111631"/>
-                <a:gd name="connsiteX7" fmla="*/ 9604853 w 21895253"/>
-                <a:gd name="connsiteY7" fmla="*/ 143714 h 15111631"/>
-                <a:gd name="connsiteX0" fmla="*/ 2332042 w 21759811"/>
-                <a:gd name="connsiteY0" fmla="*/ 1453409 h 13442380"/>
-                <a:gd name="connsiteX1" fmla="*/ 566461 w 21759811"/>
-                <a:gd name="connsiteY1" fmla="*/ 5039017 h 13442380"/>
-                <a:gd name="connsiteX2" fmla="*/ 61742 w 21759811"/>
-                <a:gd name="connsiteY2" fmla="*/ 10665660 h 13442380"/>
-                <a:gd name="connsiteX3" fmla="*/ 1781477 w 21759811"/>
-                <a:gd name="connsiteY3" fmla="*/ 13438778 h 13442380"/>
-                <a:gd name="connsiteX4" fmla="*/ 10356754 w 21759811"/>
-                <a:gd name="connsiteY4" fmla="*/ 9838326 h 13442380"/>
-                <a:gd name="connsiteX5" fmla="*/ 16983377 w 21759811"/>
-                <a:gd name="connsiteY5" fmla="*/ 12867278 h 13442380"/>
-                <a:gd name="connsiteX6" fmla="*/ 21669677 w 21759811"/>
-                <a:gd name="connsiteY6" fmla="*/ 6523628 h 13442380"/>
-                <a:gd name="connsiteX7" fmla="*/ 12762441 w 21759811"/>
-                <a:gd name="connsiteY7" fmla="*/ 175634 h 13442380"/>
-                <a:gd name="connsiteX0" fmla="*/ 566461 w 21759811"/>
-                <a:gd name="connsiteY0" fmla="*/ 5039017 h 13442380"/>
-                <a:gd name="connsiteX1" fmla="*/ 61742 w 21759811"/>
-                <a:gd name="connsiteY1" fmla="*/ 10665660 h 13442380"/>
-                <a:gd name="connsiteX2" fmla="*/ 1781477 w 21759811"/>
-                <a:gd name="connsiteY2" fmla="*/ 13438778 h 13442380"/>
-                <a:gd name="connsiteX3" fmla="*/ 10356754 w 21759811"/>
-                <a:gd name="connsiteY3" fmla="*/ 9838326 h 13442380"/>
-                <a:gd name="connsiteX4" fmla="*/ 16983377 w 21759811"/>
-                <a:gd name="connsiteY4" fmla="*/ 12867278 h 13442380"/>
-                <a:gd name="connsiteX5" fmla="*/ 21669677 w 21759811"/>
-                <a:gd name="connsiteY5" fmla="*/ 6523628 h 13442380"/>
-                <a:gd name="connsiteX6" fmla="*/ 12762441 w 21759811"/>
-                <a:gd name="connsiteY6" fmla="*/ 175634 h 13442380"/>
-                <a:gd name="connsiteX0" fmla="*/ 539863 w 21733213"/>
-                <a:gd name="connsiteY0" fmla="*/ 5039017 h 13442344"/>
-                <a:gd name="connsiteX1" fmla="*/ 592287 w 21733213"/>
-                <a:gd name="connsiteY1" fmla="*/ 5131613 h 13442344"/>
-                <a:gd name="connsiteX2" fmla="*/ 35144 w 21733213"/>
-                <a:gd name="connsiteY2" fmla="*/ 10665660 h 13442344"/>
-                <a:gd name="connsiteX3" fmla="*/ 1754879 w 21733213"/>
-                <a:gd name="connsiteY3" fmla="*/ 13438778 h 13442344"/>
-                <a:gd name="connsiteX4" fmla="*/ 10330156 w 21733213"/>
-                <a:gd name="connsiteY4" fmla="*/ 9838326 h 13442344"/>
-                <a:gd name="connsiteX5" fmla="*/ 16956779 w 21733213"/>
-                <a:gd name="connsiteY5" fmla="*/ 12867278 h 13442344"/>
-                <a:gd name="connsiteX6" fmla="*/ 21643079 w 21733213"/>
-                <a:gd name="connsiteY6" fmla="*/ 6523628 h 13442344"/>
-                <a:gd name="connsiteX7" fmla="*/ 12735843 w 21733213"/>
-                <a:gd name="connsiteY7" fmla="*/ 175634 h 13442344"/>
-                <a:gd name="connsiteX0" fmla="*/ 612185 w 21805535"/>
-                <a:gd name="connsiteY0" fmla="*/ 5039017 h 13441812"/>
-                <a:gd name="connsiteX1" fmla="*/ 227921 w 21805535"/>
-                <a:gd name="connsiteY1" fmla="*/ 6786806 h 13441812"/>
-                <a:gd name="connsiteX2" fmla="*/ 107466 w 21805535"/>
-                <a:gd name="connsiteY2" fmla="*/ 10665660 h 13441812"/>
-                <a:gd name="connsiteX3" fmla="*/ 1827201 w 21805535"/>
-                <a:gd name="connsiteY3" fmla="*/ 13438778 h 13441812"/>
-                <a:gd name="connsiteX4" fmla="*/ 10402478 w 21805535"/>
-                <a:gd name="connsiteY4" fmla="*/ 9838326 h 13441812"/>
-                <a:gd name="connsiteX5" fmla="*/ 17029101 w 21805535"/>
-                <a:gd name="connsiteY5" fmla="*/ 12867278 h 13441812"/>
-                <a:gd name="connsiteX6" fmla="*/ 21715401 w 21805535"/>
-                <a:gd name="connsiteY6" fmla="*/ 6523628 h 13441812"/>
-                <a:gd name="connsiteX7" fmla="*/ 12808165 w 21805535"/>
-                <a:gd name="connsiteY7" fmla="*/ 175634 h 13441812"/>
-                <a:gd name="connsiteX0" fmla="*/ 0 w 22268273"/>
-                <a:gd name="connsiteY0" fmla="*/ 7291919 h 13441812"/>
-                <a:gd name="connsiteX1" fmla="*/ 690659 w 22268273"/>
-                <a:gd name="connsiteY1" fmla="*/ 6786806 h 13441812"/>
-                <a:gd name="connsiteX2" fmla="*/ 570204 w 22268273"/>
-                <a:gd name="connsiteY2" fmla="*/ 10665660 h 13441812"/>
-                <a:gd name="connsiteX3" fmla="*/ 2289939 w 22268273"/>
-                <a:gd name="connsiteY3" fmla="*/ 13438778 h 13441812"/>
-                <a:gd name="connsiteX4" fmla="*/ 10865216 w 22268273"/>
-                <a:gd name="connsiteY4" fmla="*/ 9838326 h 13441812"/>
-                <a:gd name="connsiteX5" fmla="*/ 17491839 w 22268273"/>
-                <a:gd name="connsiteY5" fmla="*/ 12867278 h 13441812"/>
-                <a:gd name="connsiteX6" fmla="*/ 22178139 w 22268273"/>
-                <a:gd name="connsiteY6" fmla="*/ 6523628 h 13441812"/>
-                <a:gd name="connsiteX7" fmla="*/ 13270903 w 22268273"/>
-                <a:gd name="connsiteY7" fmla="*/ 175634 h 13441812"/>
-                <a:gd name="connsiteX0" fmla="*/ 5079837 w 21805535"/>
-                <a:gd name="connsiteY0" fmla="*/ 0 h 14149994"/>
-                <a:gd name="connsiteX1" fmla="*/ 227921 w 21805535"/>
-                <a:gd name="connsiteY1" fmla="*/ 7494988 h 14149994"/>
-                <a:gd name="connsiteX2" fmla="*/ 107466 w 21805535"/>
-                <a:gd name="connsiteY2" fmla="*/ 11373842 h 14149994"/>
-                <a:gd name="connsiteX3" fmla="*/ 1827201 w 21805535"/>
-                <a:gd name="connsiteY3" fmla="*/ 14146960 h 14149994"/>
-                <a:gd name="connsiteX4" fmla="*/ 10402478 w 21805535"/>
-                <a:gd name="connsiteY4" fmla="*/ 10546508 h 14149994"/>
-                <a:gd name="connsiteX5" fmla="*/ 17029101 w 21805535"/>
-                <a:gd name="connsiteY5" fmla="*/ 13575460 h 14149994"/>
-                <a:gd name="connsiteX6" fmla="*/ 21715401 w 21805535"/>
-                <a:gd name="connsiteY6" fmla="*/ 7231810 h 14149994"/>
-                <a:gd name="connsiteX7" fmla="*/ 12808165 w 21805535"/>
-                <a:gd name="connsiteY7" fmla="*/ 883816 h 14149994"/>
-                <a:gd name="connsiteX0" fmla="*/ 5247794 w 21805535"/>
-                <a:gd name="connsiteY0" fmla="*/ 0 h 14379882"/>
-                <a:gd name="connsiteX1" fmla="*/ 227921 w 21805535"/>
-                <a:gd name="connsiteY1" fmla="*/ 7724876 h 14379882"/>
-                <a:gd name="connsiteX2" fmla="*/ 107466 w 21805535"/>
-                <a:gd name="connsiteY2" fmla="*/ 11603730 h 14379882"/>
-                <a:gd name="connsiteX3" fmla="*/ 1827201 w 21805535"/>
-                <a:gd name="connsiteY3" fmla="*/ 14376848 h 14379882"/>
-                <a:gd name="connsiteX4" fmla="*/ 10402478 w 21805535"/>
-                <a:gd name="connsiteY4" fmla="*/ 10776396 h 14379882"/>
-                <a:gd name="connsiteX5" fmla="*/ 17029101 w 21805535"/>
-                <a:gd name="connsiteY5" fmla="*/ 13805348 h 14379882"/>
-                <a:gd name="connsiteX6" fmla="*/ 21715401 w 21805535"/>
-                <a:gd name="connsiteY6" fmla="*/ 7461698 h 14379882"/>
-                <a:gd name="connsiteX7" fmla="*/ 12808165 w 21805535"/>
-                <a:gd name="connsiteY7" fmla="*/ 1113704 h 14379882"/>
-                <a:gd name="connsiteX0" fmla="*/ 5247794 w 21805535"/>
-                <a:gd name="connsiteY0" fmla="*/ 0 h 14379882"/>
-                <a:gd name="connsiteX1" fmla="*/ 227921 w 21805535"/>
-                <a:gd name="connsiteY1" fmla="*/ 7724876 h 14379882"/>
-                <a:gd name="connsiteX2" fmla="*/ 107466 w 21805535"/>
-                <a:gd name="connsiteY2" fmla="*/ 11603730 h 14379882"/>
-                <a:gd name="connsiteX3" fmla="*/ 1827201 w 21805535"/>
-                <a:gd name="connsiteY3" fmla="*/ 14376848 h 14379882"/>
-                <a:gd name="connsiteX4" fmla="*/ 10402478 w 21805535"/>
-                <a:gd name="connsiteY4" fmla="*/ 10776396 h 14379882"/>
-                <a:gd name="connsiteX5" fmla="*/ 17029101 w 21805535"/>
-                <a:gd name="connsiteY5" fmla="*/ 13805348 h 14379882"/>
-                <a:gd name="connsiteX6" fmla="*/ 21715401 w 21805535"/>
-                <a:gd name="connsiteY6" fmla="*/ 7461698 h 14379882"/>
-                <a:gd name="connsiteX7" fmla="*/ 12808165 w 21805535"/>
-                <a:gd name="connsiteY7" fmla="*/ 1113704 h 14379882"/>
-                <a:gd name="connsiteX0" fmla="*/ 5247794 w 21805535"/>
-                <a:gd name="connsiteY0" fmla="*/ 0 h 14379882"/>
-                <a:gd name="connsiteX1" fmla="*/ 227921 w 21805535"/>
-                <a:gd name="connsiteY1" fmla="*/ 7724876 h 14379882"/>
-                <a:gd name="connsiteX2" fmla="*/ 107466 w 21805535"/>
-                <a:gd name="connsiteY2" fmla="*/ 11603730 h 14379882"/>
-                <a:gd name="connsiteX3" fmla="*/ 1827201 w 21805535"/>
-                <a:gd name="connsiteY3" fmla="*/ 14376848 h 14379882"/>
-                <a:gd name="connsiteX4" fmla="*/ 10402478 w 21805535"/>
-                <a:gd name="connsiteY4" fmla="*/ 10776396 h 14379882"/>
-                <a:gd name="connsiteX5" fmla="*/ 17029101 w 21805535"/>
-                <a:gd name="connsiteY5" fmla="*/ 13805348 h 14379882"/>
-                <a:gd name="connsiteX6" fmla="*/ 21715401 w 21805535"/>
-                <a:gd name="connsiteY6" fmla="*/ 7461698 h 14379882"/>
-                <a:gd name="connsiteX7" fmla="*/ 12808165 w 21805535"/>
-                <a:gd name="connsiteY7" fmla="*/ 1113704 h 14379882"/>
-                <a:gd name="connsiteX0" fmla="*/ 5318836 w 21876577"/>
-                <a:gd name="connsiteY0" fmla="*/ 0 h 14379882"/>
-                <a:gd name="connsiteX1" fmla="*/ 2348037 w 21876577"/>
-                <a:gd name="connsiteY1" fmla="*/ 4138627 h 14379882"/>
-                <a:gd name="connsiteX2" fmla="*/ 298963 w 21876577"/>
-                <a:gd name="connsiteY2" fmla="*/ 7724876 h 14379882"/>
-                <a:gd name="connsiteX3" fmla="*/ 178508 w 21876577"/>
-                <a:gd name="connsiteY3" fmla="*/ 11603730 h 14379882"/>
-                <a:gd name="connsiteX4" fmla="*/ 1898243 w 21876577"/>
-                <a:gd name="connsiteY4" fmla="*/ 14376848 h 14379882"/>
-                <a:gd name="connsiteX5" fmla="*/ 10473520 w 21876577"/>
-                <a:gd name="connsiteY5" fmla="*/ 10776396 h 14379882"/>
-                <a:gd name="connsiteX6" fmla="*/ 17100143 w 21876577"/>
-                <a:gd name="connsiteY6" fmla="*/ 13805348 h 14379882"/>
-                <a:gd name="connsiteX7" fmla="*/ 21786443 w 21876577"/>
-                <a:gd name="connsiteY7" fmla="*/ 7461698 h 14379882"/>
-                <a:gd name="connsiteX8" fmla="*/ 12879207 w 21876577"/>
-                <a:gd name="connsiteY8" fmla="*/ 1113704 h 14379882"/>
-                <a:gd name="connsiteX0" fmla="*/ 5318836 w 21876577"/>
-                <a:gd name="connsiteY0" fmla="*/ 0 h 14379882"/>
-                <a:gd name="connsiteX1" fmla="*/ 1944940 w 21876577"/>
-                <a:gd name="connsiteY1" fmla="*/ 3219076 h 14379882"/>
-                <a:gd name="connsiteX2" fmla="*/ 298963 w 21876577"/>
-                <a:gd name="connsiteY2" fmla="*/ 7724876 h 14379882"/>
-                <a:gd name="connsiteX3" fmla="*/ 178508 w 21876577"/>
-                <a:gd name="connsiteY3" fmla="*/ 11603730 h 14379882"/>
-                <a:gd name="connsiteX4" fmla="*/ 1898243 w 21876577"/>
-                <a:gd name="connsiteY4" fmla="*/ 14376848 h 14379882"/>
-                <a:gd name="connsiteX5" fmla="*/ 10473520 w 21876577"/>
-                <a:gd name="connsiteY5" fmla="*/ 10776396 h 14379882"/>
-                <a:gd name="connsiteX6" fmla="*/ 17100143 w 21876577"/>
-                <a:gd name="connsiteY6" fmla="*/ 13805348 h 14379882"/>
-                <a:gd name="connsiteX7" fmla="*/ 21786443 w 21876577"/>
-                <a:gd name="connsiteY7" fmla="*/ 7461698 h 14379882"/>
-                <a:gd name="connsiteX8" fmla="*/ 12879207 w 21876577"/>
-                <a:gd name="connsiteY8" fmla="*/ 1113704 h 14379882"/>
-                <a:gd name="connsiteX0" fmla="*/ 5318836 w 21879032"/>
-                <a:gd name="connsiteY0" fmla="*/ 7805 h 14387687"/>
-                <a:gd name="connsiteX1" fmla="*/ 1944940 w 21879032"/>
-                <a:gd name="connsiteY1" fmla="*/ 3226881 h 14387687"/>
-                <a:gd name="connsiteX2" fmla="*/ 298963 w 21879032"/>
-                <a:gd name="connsiteY2" fmla="*/ 7732681 h 14387687"/>
-                <a:gd name="connsiteX3" fmla="*/ 178508 w 21879032"/>
-                <a:gd name="connsiteY3" fmla="*/ 11611535 h 14387687"/>
-                <a:gd name="connsiteX4" fmla="*/ 1898243 w 21879032"/>
-                <a:gd name="connsiteY4" fmla="*/ 14384653 h 14387687"/>
-                <a:gd name="connsiteX5" fmla="*/ 10473520 w 21879032"/>
-                <a:gd name="connsiteY5" fmla="*/ 10784201 h 14387687"/>
-                <a:gd name="connsiteX6" fmla="*/ 17100143 w 21879032"/>
-                <a:gd name="connsiteY6" fmla="*/ 13813153 h 14387687"/>
-                <a:gd name="connsiteX7" fmla="*/ 21786443 w 21879032"/>
-                <a:gd name="connsiteY7" fmla="*/ 7469503 h 14387687"/>
-                <a:gd name="connsiteX8" fmla="*/ 12812024 w 21879032"/>
-                <a:gd name="connsiteY8" fmla="*/ 155980 h 14387687"/>
-                <a:gd name="connsiteX0" fmla="*/ 5318836 w 22150490"/>
-                <a:gd name="connsiteY0" fmla="*/ 776453 h 15156335"/>
-                <a:gd name="connsiteX1" fmla="*/ 1944940 w 22150490"/>
-                <a:gd name="connsiteY1" fmla="*/ 3995529 h 15156335"/>
-                <a:gd name="connsiteX2" fmla="*/ 298963 w 22150490"/>
-                <a:gd name="connsiteY2" fmla="*/ 8501329 h 15156335"/>
-                <a:gd name="connsiteX3" fmla="*/ 178508 w 22150490"/>
-                <a:gd name="connsiteY3" fmla="*/ 12380183 h 15156335"/>
-                <a:gd name="connsiteX4" fmla="*/ 1898243 w 22150490"/>
-                <a:gd name="connsiteY4" fmla="*/ 15153301 h 15156335"/>
-                <a:gd name="connsiteX5" fmla="*/ 10473520 w 22150490"/>
-                <a:gd name="connsiteY5" fmla="*/ 11552849 h 15156335"/>
-                <a:gd name="connsiteX6" fmla="*/ 17100143 w 22150490"/>
-                <a:gd name="connsiteY6" fmla="*/ 14581801 h 15156335"/>
-                <a:gd name="connsiteX7" fmla="*/ 21786443 w 22150490"/>
-                <a:gd name="connsiteY7" fmla="*/ 8238151 h 15156335"/>
-                <a:gd name="connsiteX8" fmla="*/ 7034310 w 22150490"/>
-                <a:gd name="connsiteY8" fmla="*/ 143009 h 15156335"/>
-                <a:gd name="connsiteX0" fmla="*/ 5318836 w 17736045"/>
-                <a:gd name="connsiteY0" fmla="*/ 911243 h 15291125"/>
-                <a:gd name="connsiteX1" fmla="*/ 1944940 w 17736045"/>
-                <a:gd name="connsiteY1" fmla="*/ 4130319 h 15291125"/>
-                <a:gd name="connsiteX2" fmla="*/ 298963 w 17736045"/>
-                <a:gd name="connsiteY2" fmla="*/ 8636119 h 15291125"/>
-                <a:gd name="connsiteX3" fmla="*/ 178508 w 17736045"/>
-                <a:gd name="connsiteY3" fmla="*/ 12514973 h 15291125"/>
-                <a:gd name="connsiteX4" fmla="*/ 1898243 w 17736045"/>
-                <a:gd name="connsiteY4" fmla="*/ 15288091 h 15291125"/>
-                <a:gd name="connsiteX5" fmla="*/ 10473520 w 17736045"/>
-                <a:gd name="connsiteY5" fmla="*/ 11687639 h 15291125"/>
-                <a:gd name="connsiteX6" fmla="*/ 17100143 w 17736045"/>
-                <a:gd name="connsiteY6" fmla="*/ 14716591 h 15291125"/>
-                <a:gd name="connsiteX7" fmla="*/ 14799440 w 17736045"/>
-                <a:gd name="connsiteY7" fmla="*/ 4510825 h 15291125"/>
-                <a:gd name="connsiteX8" fmla="*/ 7034310 w 17736045"/>
-                <a:gd name="connsiteY8" fmla="*/ 277799 h 15291125"/>
-                <a:gd name="connsiteX0" fmla="*/ 5318836 w 17572918"/>
-                <a:gd name="connsiteY0" fmla="*/ 878233 h 15258115"/>
-                <a:gd name="connsiteX1" fmla="*/ 1944940 w 17572918"/>
-                <a:gd name="connsiteY1" fmla="*/ 4097309 h 15258115"/>
-                <a:gd name="connsiteX2" fmla="*/ 298963 w 17572918"/>
-                <a:gd name="connsiteY2" fmla="*/ 8603109 h 15258115"/>
-                <a:gd name="connsiteX3" fmla="*/ 178508 w 17572918"/>
-                <a:gd name="connsiteY3" fmla="*/ 12481963 h 15258115"/>
-                <a:gd name="connsiteX4" fmla="*/ 1898243 w 17572918"/>
-                <a:gd name="connsiteY4" fmla="*/ 15255081 h 15258115"/>
-                <a:gd name="connsiteX5" fmla="*/ 10473520 w 17572918"/>
-                <a:gd name="connsiteY5" fmla="*/ 11654629 h 15258115"/>
-                <a:gd name="connsiteX6" fmla="*/ 17100143 w 17572918"/>
-                <a:gd name="connsiteY6" fmla="*/ 14683581 h 15258115"/>
-                <a:gd name="connsiteX7" fmla="*/ 16490001 w 17572918"/>
-                <a:gd name="connsiteY7" fmla="*/ 11131880 h 15258115"/>
-                <a:gd name="connsiteX8" fmla="*/ 14799440 w 17572918"/>
-                <a:gd name="connsiteY8" fmla="*/ 4477815 h 15258115"/>
-                <a:gd name="connsiteX9" fmla="*/ 7034310 w 17572918"/>
-                <a:gd name="connsiteY9" fmla="*/ 244789 h 15258115"/>
-                <a:gd name="connsiteX0" fmla="*/ 5318836 w 17572918"/>
-                <a:gd name="connsiteY0" fmla="*/ 633444 h 15013326"/>
-                <a:gd name="connsiteX1" fmla="*/ 1944940 w 17572918"/>
-                <a:gd name="connsiteY1" fmla="*/ 3852520 h 15013326"/>
-                <a:gd name="connsiteX2" fmla="*/ 298963 w 17572918"/>
-                <a:gd name="connsiteY2" fmla="*/ 8358320 h 15013326"/>
-                <a:gd name="connsiteX3" fmla="*/ 178508 w 17572918"/>
-                <a:gd name="connsiteY3" fmla="*/ 12237174 h 15013326"/>
-                <a:gd name="connsiteX4" fmla="*/ 1898243 w 17572918"/>
-                <a:gd name="connsiteY4" fmla="*/ 15010292 h 15013326"/>
-                <a:gd name="connsiteX5" fmla="*/ 10473520 w 17572918"/>
-                <a:gd name="connsiteY5" fmla="*/ 11409840 h 15013326"/>
-                <a:gd name="connsiteX6" fmla="*/ 17100143 w 17572918"/>
-                <a:gd name="connsiteY6" fmla="*/ 14438792 h 15013326"/>
-                <a:gd name="connsiteX7" fmla="*/ 16490001 w 17572918"/>
-                <a:gd name="connsiteY7" fmla="*/ 10887091 h 15013326"/>
-                <a:gd name="connsiteX8" fmla="*/ 14799440 w 17572918"/>
-                <a:gd name="connsiteY8" fmla="*/ 4233026 h 15013326"/>
-                <a:gd name="connsiteX9" fmla="*/ 11552070 w 17572918"/>
-                <a:gd name="connsiteY9" fmla="*/ 772022 h 15013326"/>
-                <a:gd name="connsiteX10" fmla="*/ 7034310 w 17572918"/>
-                <a:gd name="connsiteY10" fmla="*/ 0 h 15013326"/>
-                <a:gd name="connsiteX0" fmla="*/ 5318836 w 17572918"/>
-                <a:gd name="connsiteY0" fmla="*/ 691021 h 15070903"/>
-                <a:gd name="connsiteX1" fmla="*/ 1944940 w 17572918"/>
-                <a:gd name="connsiteY1" fmla="*/ 3910097 h 15070903"/>
-                <a:gd name="connsiteX2" fmla="*/ 298963 w 17572918"/>
-                <a:gd name="connsiteY2" fmla="*/ 8415897 h 15070903"/>
-                <a:gd name="connsiteX3" fmla="*/ 178508 w 17572918"/>
-                <a:gd name="connsiteY3" fmla="*/ 12294751 h 15070903"/>
-                <a:gd name="connsiteX4" fmla="*/ 1898243 w 17572918"/>
-                <a:gd name="connsiteY4" fmla="*/ 15067869 h 15070903"/>
-                <a:gd name="connsiteX5" fmla="*/ 10473520 w 17572918"/>
-                <a:gd name="connsiteY5" fmla="*/ 11467417 h 15070903"/>
-                <a:gd name="connsiteX6" fmla="*/ 17100143 w 17572918"/>
-                <a:gd name="connsiteY6" fmla="*/ 14496369 h 15070903"/>
-                <a:gd name="connsiteX7" fmla="*/ 16490001 w 17572918"/>
-                <a:gd name="connsiteY7" fmla="*/ 10944668 h 15070903"/>
-                <a:gd name="connsiteX8" fmla="*/ 14799440 w 17572918"/>
-                <a:gd name="connsiteY8" fmla="*/ 4290603 h 15070903"/>
-                <a:gd name="connsiteX9" fmla="*/ 11552070 w 17572918"/>
-                <a:gd name="connsiteY9" fmla="*/ 829599 h 15070903"/>
-                <a:gd name="connsiteX10" fmla="*/ 8797579 w 17572918"/>
-                <a:gd name="connsiteY10" fmla="*/ 47980 h 15070903"/>
-                <a:gd name="connsiteX11" fmla="*/ 7034310 w 17572918"/>
-                <a:gd name="connsiteY11" fmla="*/ 57577 h 15070903"/>
-                <a:gd name="connsiteX0" fmla="*/ 5318836 w 17572918"/>
-                <a:gd name="connsiteY0" fmla="*/ 691021 h 15070903"/>
-                <a:gd name="connsiteX1" fmla="*/ 3893239 w 17572918"/>
-                <a:gd name="connsiteY1" fmla="*/ 1749150 h 15070903"/>
-                <a:gd name="connsiteX2" fmla="*/ 1944940 w 17572918"/>
-                <a:gd name="connsiteY2" fmla="*/ 3910097 h 15070903"/>
-                <a:gd name="connsiteX3" fmla="*/ 298963 w 17572918"/>
-                <a:gd name="connsiteY3" fmla="*/ 8415897 h 15070903"/>
-                <a:gd name="connsiteX4" fmla="*/ 178508 w 17572918"/>
-                <a:gd name="connsiteY4" fmla="*/ 12294751 h 15070903"/>
-                <a:gd name="connsiteX5" fmla="*/ 1898243 w 17572918"/>
-                <a:gd name="connsiteY5" fmla="*/ 15067869 h 15070903"/>
-                <a:gd name="connsiteX6" fmla="*/ 10473520 w 17572918"/>
-                <a:gd name="connsiteY6" fmla="*/ 11467417 h 15070903"/>
-                <a:gd name="connsiteX7" fmla="*/ 17100143 w 17572918"/>
-                <a:gd name="connsiteY7" fmla="*/ 14496369 h 15070903"/>
-                <a:gd name="connsiteX8" fmla="*/ 16490001 w 17572918"/>
-                <a:gd name="connsiteY8" fmla="*/ 10944668 h 15070903"/>
-                <a:gd name="connsiteX9" fmla="*/ 14799440 w 17572918"/>
-                <a:gd name="connsiteY9" fmla="*/ 4290603 h 15070903"/>
-                <a:gd name="connsiteX10" fmla="*/ 11552070 w 17572918"/>
-                <a:gd name="connsiteY10" fmla="*/ 829599 h 15070903"/>
-                <a:gd name="connsiteX11" fmla="*/ 8797579 w 17572918"/>
-                <a:gd name="connsiteY11" fmla="*/ 47980 h 15070903"/>
-                <a:gd name="connsiteX12" fmla="*/ 7034310 w 17572918"/>
-                <a:gd name="connsiteY12" fmla="*/ 57577 h 15070903"/>
-                <a:gd name="connsiteX0" fmla="*/ 5318836 w 17102324"/>
-                <a:gd name="connsiteY0" fmla="*/ 691021 h 15070903"/>
-                <a:gd name="connsiteX1" fmla="*/ 3893239 w 17102324"/>
-                <a:gd name="connsiteY1" fmla="*/ 1749150 h 15070903"/>
-                <a:gd name="connsiteX2" fmla="*/ 1944940 w 17102324"/>
-                <a:gd name="connsiteY2" fmla="*/ 3910097 h 15070903"/>
-                <a:gd name="connsiteX3" fmla="*/ 298963 w 17102324"/>
-                <a:gd name="connsiteY3" fmla="*/ 8415897 h 15070903"/>
-                <a:gd name="connsiteX4" fmla="*/ 178508 w 17102324"/>
-                <a:gd name="connsiteY4" fmla="*/ 12294751 h 15070903"/>
-                <a:gd name="connsiteX5" fmla="*/ 1898243 w 17102324"/>
-                <a:gd name="connsiteY5" fmla="*/ 15067869 h 15070903"/>
-                <a:gd name="connsiteX6" fmla="*/ 10473520 w 17102324"/>
-                <a:gd name="connsiteY6" fmla="*/ 11467417 h 15070903"/>
-                <a:gd name="connsiteX7" fmla="*/ 17100143 w 17102324"/>
-                <a:gd name="connsiteY7" fmla="*/ 14496369 h 15070903"/>
-                <a:gd name="connsiteX8" fmla="*/ 16490001 w 17102324"/>
-                <a:gd name="connsiteY8" fmla="*/ 10944668 h 15070903"/>
-                <a:gd name="connsiteX9" fmla="*/ 14799440 w 17102324"/>
-                <a:gd name="connsiteY9" fmla="*/ 4290603 h 15070903"/>
-                <a:gd name="connsiteX10" fmla="*/ 11552070 w 17102324"/>
-                <a:gd name="connsiteY10" fmla="*/ 829599 h 15070903"/>
-                <a:gd name="connsiteX11" fmla="*/ 8797579 w 17102324"/>
-                <a:gd name="connsiteY11" fmla="*/ 47980 h 15070903"/>
-                <a:gd name="connsiteX12" fmla="*/ 7034310 w 17102324"/>
-                <a:gd name="connsiteY12" fmla="*/ 57577 h 15070903"/>
-                <a:gd name="connsiteX0" fmla="*/ 5318836 w 16610512"/>
-                <a:gd name="connsiteY0" fmla="*/ 691021 h 15070903"/>
-                <a:gd name="connsiteX1" fmla="*/ 3893239 w 16610512"/>
-                <a:gd name="connsiteY1" fmla="*/ 1749150 h 15070903"/>
-                <a:gd name="connsiteX2" fmla="*/ 1944940 w 16610512"/>
-                <a:gd name="connsiteY2" fmla="*/ 3910097 h 15070903"/>
-                <a:gd name="connsiteX3" fmla="*/ 298963 w 16610512"/>
-                <a:gd name="connsiteY3" fmla="*/ 8415897 h 15070903"/>
-                <a:gd name="connsiteX4" fmla="*/ 178508 w 16610512"/>
-                <a:gd name="connsiteY4" fmla="*/ 12294751 h 15070903"/>
-                <a:gd name="connsiteX5" fmla="*/ 1898243 w 16610512"/>
-                <a:gd name="connsiteY5" fmla="*/ 15067869 h 15070903"/>
-                <a:gd name="connsiteX6" fmla="*/ 10473520 w 16610512"/>
-                <a:gd name="connsiteY6" fmla="*/ 11467417 h 15070903"/>
-                <a:gd name="connsiteX7" fmla="*/ 16193178 w 16610512"/>
-                <a:gd name="connsiteY7" fmla="*/ 13668775 h 15070903"/>
-                <a:gd name="connsiteX8" fmla="*/ 16490001 w 16610512"/>
-                <a:gd name="connsiteY8" fmla="*/ 10944668 h 15070903"/>
-                <a:gd name="connsiteX9" fmla="*/ 14799440 w 16610512"/>
-                <a:gd name="connsiteY9" fmla="*/ 4290603 h 15070903"/>
-                <a:gd name="connsiteX10" fmla="*/ 11552070 w 16610512"/>
-                <a:gd name="connsiteY10" fmla="*/ 829599 h 15070903"/>
-                <a:gd name="connsiteX11" fmla="*/ 8797579 w 16610512"/>
-                <a:gd name="connsiteY11" fmla="*/ 47980 h 15070903"/>
-                <a:gd name="connsiteX12" fmla="*/ 7034310 w 16610512"/>
-                <a:gd name="connsiteY12" fmla="*/ 57577 h 15070903"/>
-                <a:gd name="connsiteX0" fmla="*/ 5318836 w 16496587"/>
-                <a:gd name="connsiteY0" fmla="*/ 691021 h 15070903"/>
-                <a:gd name="connsiteX1" fmla="*/ 3893239 w 16496587"/>
-                <a:gd name="connsiteY1" fmla="*/ 1749150 h 15070903"/>
-                <a:gd name="connsiteX2" fmla="*/ 1944940 w 16496587"/>
-                <a:gd name="connsiteY2" fmla="*/ 3910097 h 15070903"/>
-                <a:gd name="connsiteX3" fmla="*/ 298963 w 16496587"/>
-                <a:gd name="connsiteY3" fmla="*/ 8415897 h 15070903"/>
-                <a:gd name="connsiteX4" fmla="*/ 178508 w 16496587"/>
-                <a:gd name="connsiteY4" fmla="*/ 12294751 h 15070903"/>
-                <a:gd name="connsiteX5" fmla="*/ 1898243 w 16496587"/>
-                <a:gd name="connsiteY5" fmla="*/ 15067869 h 15070903"/>
-                <a:gd name="connsiteX6" fmla="*/ 10473520 w 16496587"/>
-                <a:gd name="connsiteY6" fmla="*/ 11467417 h 15070903"/>
-                <a:gd name="connsiteX7" fmla="*/ 16193178 w 16496587"/>
-                <a:gd name="connsiteY7" fmla="*/ 13668775 h 15070903"/>
-                <a:gd name="connsiteX8" fmla="*/ 16355636 w 16496587"/>
-                <a:gd name="connsiteY8" fmla="*/ 8231990 h 15070903"/>
-                <a:gd name="connsiteX9" fmla="*/ 14799440 w 16496587"/>
-                <a:gd name="connsiteY9" fmla="*/ 4290603 h 15070903"/>
-                <a:gd name="connsiteX10" fmla="*/ 11552070 w 16496587"/>
-                <a:gd name="connsiteY10" fmla="*/ 829599 h 15070903"/>
-                <a:gd name="connsiteX11" fmla="*/ 8797579 w 16496587"/>
-                <a:gd name="connsiteY11" fmla="*/ 47980 h 15070903"/>
-                <a:gd name="connsiteX12" fmla="*/ 7034310 w 16496587"/>
-                <a:gd name="connsiteY12" fmla="*/ 57577 h 15070903"/>
-                <a:gd name="connsiteX0" fmla="*/ 5318836 w 16399347"/>
-                <a:gd name="connsiteY0" fmla="*/ 691021 h 15070903"/>
-                <a:gd name="connsiteX1" fmla="*/ 3893239 w 16399347"/>
-                <a:gd name="connsiteY1" fmla="*/ 1749150 h 15070903"/>
-                <a:gd name="connsiteX2" fmla="*/ 1944940 w 16399347"/>
-                <a:gd name="connsiteY2" fmla="*/ 3910097 h 15070903"/>
-                <a:gd name="connsiteX3" fmla="*/ 298963 w 16399347"/>
-                <a:gd name="connsiteY3" fmla="*/ 8415897 h 15070903"/>
-                <a:gd name="connsiteX4" fmla="*/ 178508 w 16399347"/>
-                <a:gd name="connsiteY4" fmla="*/ 12294751 h 15070903"/>
-                <a:gd name="connsiteX5" fmla="*/ 1898243 w 16399347"/>
-                <a:gd name="connsiteY5" fmla="*/ 15067869 h 15070903"/>
-                <a:gd name="connsiteX6" fmla="*/ 10473520 w 16399347"/>
-                <a:gd name="connsiteY6" fmla="*/ 11467417 h 15070903"/>
-                <a:gd name="connsiteX7" fmla="*/ 16193178 w 16399347"/>
-                <a:gd name="connsiteY7" fmla="*/ 13668775 h 15070903"/>
-                <a:gd name="connsiteX8" fmla="*/ 14799440 w 16399347"/>
-                <a:gd name="connsiteY8" fmla="*/ 4290603 h 15070903"/>
-                <a:gd name="connsiteX9" fmla="*/ 11552070 w 16399347"/>
-                <a:gd name="connsiteY9" fmla="*/ 829599 h 15070903"/>
-                <a:gd name="connsiteX10" fmla="*/ 8797579 w 16399347"/>
-                <a:gd name="connsiteY10" fmla="*/ 47980 h 15070903"/>
-                <a:gd name="connsiteX11" fmla="*/ 7034310 w 16399347"/>
-                <a:gd name="connsiteY11" fmla="*/ 57577 h 15070903"/>
-                <a:gd name="connsiteX0" fmla="*/ 5318836 w 16199695"/>
-                <a:gd name="connsiteY0" fmla="*/ 691021 h 15070903"/>
-                <a:gd name="connsiteX1" fmla="*/ 3893239 w 16199695"/>
-                <a:gd name="connsiteY1" fmla="*/ 1749150 h 15070903"/>
-                <a:gd name="connsiteX2" fmla="*/ 1944940 w 16199695"/>
-                <a:gd name="connsiteY2" fmla="*/ 3910097 h 15070903"/>
-                <a:gd name="connsiteX3" fmla="*/ 298963 w 16199695"/>
-                <a:gd name="connsiteY3" fmla="*/ 8415897 h 15070903"/>
-                <a:gd name="connsiteX4" fmla="*/ 178508 w 16199695"/>
-                <a:gd name="connsiteY4" fmla="*/ 12294751 h 15070903"/>
-                <a:gd name="connsiteX5" fmla="*/ 1898243 w 16199695"/>
-                <a:gd name="connsiteY5" fmla="*/ 15067869 h 15070903"/>
-                <a:gd name="connsiteX6" fmla="*/ 10473520 w 16199695"/>
-                <a:gd name="connsiteY6" fmla="*/ 11467417 h 15070903"/>
-                <a:gd name="connsiteX7" fmla="*/ 16193178 w 16199695"/>
-                <a:gd name="connsiteY7" fmla="*/ 13668775 h 15070903"/>
-                <a:gd name="connsiteX8" fmla="*/ 11552070 w 16199695"/>
-                <a:gd name="connsiteY8" fmla="*/ 829599 h 15070903"/>
-                <a:gd name="connsiteX9" fmla="*/ 8797579 w 16199695"/>
-                <a:gd name="connsiteY9" fmla="*/ 47980 h 15070903"/>
-                <a:gd name="connsiteX10" fmla="*/ 7034310 w 16199695"/>
-                <a:gd name="connsiteY10" fmla="*/ 57577 h 15070903"/>
-                <a:gd name="connsiteX0" fmla="*/ 5318836 w 16193178"/>
-                <a:gd name="connsiteY0" fmla="*/ 691021 h 15070903"/>
-                <a:gd name="connsiteX1" fmla="*/ 3893239 w 16193178"/>
-                <a:gd name="connsiteY1" fmla="*/ 1749150 h 15070903"/>
-                <a:gd name="connsiteX2" fmla="*/ 1944940 w 16193178"/>
-                <a:gd name="connsiteY2" fmla="*/ 3910097 h 15070903"/>
-                <a:gd name="connsiteX3" fmla="*/ 298963 w 16193178"/>
-                <a:gd name="connsiteY3" fmla="*/ 8415897 h 15070903"/>
-                <a:gd name="connsiteX4" fmla="*/ 178508 w 16193178"/>
-                <a:gd name="connsiteY4" fmla="*/ 12294751 h 15070903"/>
-                <a:gd name="connsiteX5" fmla="*/ 1898243 w 16193178"/>
-                <a:gd name="connsiteY5" fmla="*/ 15067869 h 15070903"/>
-                <a:gd name="connsiteX6" fmla="*/ 10473520 w 16193178"/>
-                <a:gd name="connsiteY6" fmla="*/ 11467417 h 15070903"/>
-                <a:gd name="connsiteX7" fmla="*/ 16193178 w 16193178"/>
-                <a:gd name="connsiteY7" fmla="*/ 13668775 h 15070903"/>
-                <a:gd name="connsiteX8" fmla="*/ 8797579 w 16193178"/>
-                <a:gd name="connsiteY8" fmla="*/ 47980 h 15070903"/>
-                <a:gd name="connsiteX9" fmla="*/ 7034310 w 16193178"/>
-                <a:gd name="connsiteY9" fmla="*/ 57577 h 15070903"/>
-                <a:gd name="connsiteX0" fmla="*/ 5318836 w 16193178"/>
-                <a:gd name="connsiteY0" fmla="*/ 633444 h 15013326"/>
-                <a:gd name="connsiteX1" fmla="*/ 3893239 w 16193178"/>
-                <a:gd name="connsiteY1" fmla="*/ 1691573 h 15013326"/>
-                <a:gd name="connsiteX2" fmla="*/ 1944940 w 16193178"/>
-                <a:gd name="connsiteY2" fmla="*/ 3852520 h 15013326"/>
-                <a:gd name="connsiteX3" fmla="*/ 298963 w 16193178"/>
-                <a:gd name="connsiteY3" fmla="*/ 8358320 h 15013326"/>
-                <a:gd name="connsiteX4" fmla="*/ 178508 w 16193178"/>
-                <a:gd name="connsiteY4" fmla="*/ 12237174 h 15013326"/>
-                <a:gd name="connsiteX5" fmla="*/ 1898243 w 16193178"/>
-                <a:gd name="connsiteY5" fmla="*/ 15010292 h 15013326"/>
-                <a:gd name="connsiteX6" fmla="*/ 10473520 w 16193178"/>
-                <a:gd name="connsiteY6" fmla="*/ 11409840 h 15013326"/>
-                <a:gd name="connsiteX7" fmla="*/ 16193178 w 16193178"/>
-                <a:gd name="connsiteY7" fmla="*/ 13611198 h 15013326"/>
-                <a:gd name="connsiteX8" fmla="*/ 7034310 w 16193178"/>
-                <a:gd name="connsiteY8" fmla="*/ 0 h 15013326"/>
-                <a:gd name="connsiteX0" fmla="*/ 5318836 w 16193178"/>
-                <a:gd name="connsiteY0" fmla="*/ 0 h 14379882"/>
-                <a:gd name="connsiteX1" fmla="*/ 3893239 w 16193178"/>
-                <a:gd name="connsiteY1" fmla="*/ 1058129 h 14379882"/>
-                <a:gd name="connsiteX2" fmla="*/ 1944940 w 16193178"/>
-                <a:gd name="connsiteY2" fmla="*/ 3219076 h 14379882"/>
-                <a:gd name="connsiteX3" fmla="*/ 298963 w 16193178"/>
-                <a:gd name="connsiteY3" fmla="*/ 7724876 h 14379882"/>
-                <a:gd name="connsiteX4" fmla="*/ 178508 w 16193178"/>
-                <a:gd name="connsiteY4" fmla="*/ 11603730 h 14379882"/>
-                <a:gd name="connsiteX5" fmla="*/ 1898243 w 16193178"/>
-                <a:gd name="connsiteY5" fmla="*/ 14376848 h 14379882"/>
-                <a:gd name="connsiteX6" fmla="*/ 10473520 w 16193178"/>
-                <a:gd name="connsiteY6" fmla="*/ 10776396 h 14379882"/>
-                <a:gd name="connsiteX7" fmla="*/ 16193178 w 16193178"/>
-                <a:gd name="connsiteY7" fmla="*/ 12977754 h 14379882"/>
-                <a:gd name="connsiteX0" fmla="*/ 3893239 w 16193178"/>
-                <a:gd name="connsiteY0" fmla="*/ 0 h 13321753"/>
-                <a:gd name="connsiteX1" fmla="*/ 1944940 w 16193178"/>
-                <a:gd name="connsiteY1" fmla="*/ 2160947 h 13321753"/>
-                <a:gd name="connsiteX2" fmla="*/ 298963 w 16193178"/>
-                <a:gd name="connsiteY2" fmla="*/ 6666747 h 13321753"/>
-                <a:gd name="connsiteX3" fmla="*/ 178508 w 16193178"/>
-                <a:gd name="connsiteY3" fmla="*/ 10545601 h 13321753"/>
-                <a:gd name="connsiteX4" fmla="*/ 1898243 w 16193178"/>
-                <a:gd name="connsiteY4" fmla="*/ 13318719 h 13321753"/>
-                <a:gd name="connsiteX5" fmla="*/ 10473520 w 16193178"/>
-                <a:gd name="connsiteY5" fmla="*/ 9718267 h 13321753"/>
-                <a:gd name="connsiteX6" fmla="*/ 16193178 w 16193178"/>
-                <a:gd name="connsiteY6" fmla="*/ 11919625 h 13321753"/>
-                <a:gd name="connsiteX0" fmla="*/ 1944940 w 16193178"/>
-                <a:gd name="connsiteY0" fmla="*/ 0 h 11160806"/>
-                <a:gd name="connsiteX1" fmla="*/ 298963 w 16193178"/>
-                <a:gd name="connsiteY1" fmla="*/ 4505800 h 11160806"/>
-                <a:gd name="connsiteX2" fmla="*/ 178508 w 16193178"/>
-                <a:gd name="connsiteY2" fmla="*/ 8384654 h 11160806"/>
-                <a:gd name="connsiteX3" fmla="*/ 1898243 w 16193178"/>
-                <a:gd name="connsiteY3" fmla="*/ 11157772 h 11160806"/>
-                <a:gd name="connsiteX4" fmla="*/ 10473520 w 16193178"/>
-                <a:gd name="connsiteY4" fmla="*/ 7557320 h 11160806"/>
-                <a:gd name="connsiteX5" fmla="*/ 16193178 w 16193178"/>
-                <a:gd name="connsiteY5" fmla="*/ 9758678 h 11160806"/>
-                <a:gd name="connsiteX0" fmla="*/ 298963 w 16193178"/>
-                <a:gd name="connsiteY0" fmla="*/ 0 h 6655006"/>
-                <a:gd name="connsiteX1" fmla="*/ 178508 w 16193178"/>
-                <a:gd name="connsiteY1" fmla="*/ 3878854 h 6655006"/>
-                <a:gd name="connsiteX2" fmla="*/ 1898243 w 16193178"/>
-                <a:gd name="connsiteY2" fmla="*/ 6651972 h 6655006"/>
-                <a:gd name="connsiteX3" fmla="*/ 10473520 w 16193178"/>
-                <a:gd name="connsiteY3" fmla="*/ 3051520 h 6655006"/>
-                <a:gd name="connsiteX4" fmla="*/ 16193178 w 16193178"/>
-                <a:gd name="connsiteY4" fmla="*/ 5252878 h 6655006"/>
-                <a:gd name="connsiteX0" fmla="*/ 0 w 16014670"/>
-                <a:gd name="connsiteY0" fmla="*/ 840340 h 3616492"/>
-                <a:gd name="connsiteX1" fmla="*/ 1719735 w 16014670"/>
-                <a:gd name="connsiteY1" fmla="*/ 3613458 h 3616492"/>
-                <a:gd name="connsiteX2" fmla="*/ 10295012 w 16014670"/>
-                <a:gd name="connsiteY2" fmla="*/ 13006 h 3616492"/>
-                <a:gd name="connsiteX3" fmla="*/ 16014670 w 16014670"/>
-                <a:gd name="connsiteY3" fmla="*/ 2214364 h 3616492"/>
-                <a:gd name="connsiteX0" fmla="*/ 0 w 15981079"/>
-                <a:gd name="connsiteY0" fmla="*/ 1851847 h 3620206"/>
-                <a:gd name="connsiteX1" fmla="*/ 1686144 w 15981079"/>
-                <a:gd name="connsiteY1" fmla="*/ 3613458 h 3620206"/>
-                <a:gd name="connsiteX2" fmla="*/ 10261421 w 15981079"/>
-                <a:gd name="connsiteY2" fmla="*/ 13006 h 3620206"/>
-                <a:gd name="connsiteX3" fmla="*/ 15981079 w 15981079"/>
-                <a:gd name="connsiteY3" fmla="*/ 2214364 h 3620206"/>
-              </a:gdLst>
-              <a:ahLst/>
-              <a:cxnLst>
-                <a:cxn ang="0">
-                  <a:pos x="connsiteX0" y="connsiteY0"/>
-                </a:cxn>
-                <a:cxn ang="0">
-                  <a:pos x="connsiteX1" y="connsiteY1"/>
-                </a:cxn>
-                <a:cxn ang="0">
-                  <a:pos x="connsiteX2" y="connsiteY2"/>
-                </a:cxn>
-                <a:cxn ang="0">
-                  <a:pos x="connsiteX3" y="connsiteY3"/>
-                </a:cxn>
-              </a:cxnLst>
-              <a:rect l="l" t="t" r="r" b="b"/>
-              <a:pathLst>
-                <a:path w="15981079" h="3620206">
-                  <a:moveTo>
-                    <a:pt x="0" y="1851847"/>
-                  </a:moveTo>
-                  <a:cubicBezTo>
-                    <a:pt x="266547" y="2960509"/>
-                    <a:pt x="-199806" y="3699183"/>
-                    <a:pt x="1686144" y="3613458"/>
-                  </a:cubicBezTo>
-                  <a:cubicBezTo>
-                    <a:pt x="4544570" y="2413307"/>
-                    <a:pt x="7878932" y="246188"/>
-                    <a:pt x="10261421" y="13006"/>
-                  </a:cubicBezTo>
-                  <a:cubicBezTo>
-                    <a:pt x="12643910" y="-220176"/>
-                    <a:pt x="14180854" y="2766814"/>
-                    <a:pt x="15981079" y="2214364"/>
-                  </a:cubicBezTo>
-                </a:path>
-              </a:pathLst>
-            </a:custGeom>
+      </p:grpSp>
+      <p:sp>
+        <p:nvSpPr>
+          <p:cNvPr id="208" name="Freeform 207"/>
+          <p:cNvSpPr/>
+          <p:nvPr/>
+        </p:nvSpPr>
+        <p:spPr>
+          <a:xfrm>
+            <a:off x="1754663" y="4369432"/>
+            <a:ext cx="5856291" cy="969240"/>
+          </a:xfrm>
+          <a:custGeom>
+            <a:avLst/>
+            <a:gdLst>
+              <a:gd name="connsiteX0" fmla="*/ 7200900 w 22917150"/>
+              <a:gd name="connsiteY0" fmla="*/ 0 h 22688550"/>
+              <a:gd name="connsiteX1" fmla="*/ 3486150 w 22917150"/>
+              <a:gd name="connsiteY1" fmla="*/ 4057650 h 22688550"/>
+              <a:gd name="connsiteX2" fmla="*/ 0 w 22917150"/>
+              <a:gd name="connsiteY2" fmla="*/ 14058900 h 22688550"/>
+              <a:gd name="connsiteX3" fmla="*/ 800100 w 22917150"/>
+              <a:gd name="connsiteY3" fmla="*/ 19602450 h 22688550"/>
+              <a:gd name="connsiteX4" fmla="*/ 3028950 w 22917150"/>
+              <a:gd name="connsiteY4" fmla="*/ 22688550 h 22688550"/>
+              <a:gd name="connsiteX5" fmla="*/ 12115800 w 22917150"/>
+              <a:gd name="connsiteY5" fmla="*/ 19088100 h 22688550"/>
+              <a:gd name="connsiteX6" fmla="*/ 18230850 w 22917150"/>
+              <a:gd name="connsiteY6" fmla="*/ 22117050 h 22688550"/>
+              <a:gd name="connsiteX7" fmla="*/ 22917150 w 22917150"/>
+              <a:gd name="connsiteY7" fmla="*/ 15773400 h 22688550"/>
+              <a:gd name="connsiteX8" fmla="*/ 7258050 w 22917150"/>
+              <a:gd name="connsiteY8" fmla="*/ 0 h 22688550"/>
+              <a:gd name="connsiteX0" fmla="*/ 7200900 w 23331238"/>
+              <a:gd name="connsiteY0" fmla="*/ 0 h 22688550"/>
+              <a:gd name="connsiteX1" fmla="*/ 3486150 w 23331238"/>
+              <a:gd name="connsiteY1" fmla="*/ 4057650 h 22688550"/>
+              <a:gd name="connsiteX2" fmla="*/ 0 w 23331238"/>
+              <a:gd name="connsiteY2" fmla="*/ 14058900 h 22688550"/>
+              <a:gd name="connsiteX3" fmla="*/ 800100 w 23331238"/>
+              <a:gd name="connsiteY3" fmla="*/ 19602450 h 22688550"/>
+              <a:gd name="connsiteX4" fmla="*/ 3028950 w 23331238"/>
+              <a:gd name="connsiteY4" fmla="*/ 22688550 h 22688550"/>
+              <a:gd name="connsiteX5" fmla="*/ 12115800 w 23331238"/>
+              <a:gd name="connsiteY5" fmla="*/ 19088100 h 22688550"/>
+              <a:gd name="connsiteX6" fmla="*/ 18230850 w 23331238"/>
+              <a:gd name="connsiteY6" fmla="*/ 22117050 h 22688550"/>
+              <a:gd name="connsiteX7" fmla="*/ 22917150 w 23331238"/>
+              <a:gd name="connsiteY7" fmla="*/ 15773400 h 22688550"/>
+              <a:gd name="connsiteX8" fmla="*/ 7258050 w 23331238"/>
+              <a:gd name="connsiteY8" fmla="*/ 0 h 22688550"/>
+              <a:gd name="connsiteX0" fmla="*/ 7200900 w 23331238"/>
+              <a:gd name="connsiteY0" fmla="*/ 0 h 22688550"/>
+              <a:gd name="connsiteX1" fmla="*/ 3486150 w 23331238"/>
+              <a:gd name="connsiteY1" fmla="*/ 4057650 h 22688550"/>
+              <a:gd name="connsiteX2" fmla="*/ 0 w 23331238"/>
+              <a:gd name="connsiteY2" fmla="*/ 14058900 h 22688550"/>
+              <a:gd name="connsiteX3" fmla="*/ 800100 w 23331238"/>
+              <a:gd name="connsiteY3" fmla="*/ 19602450 h 22688550"/>
+              <a:gd name="connsiteX4" fmla="*/ 3028950 w 23331238"/>
+              <a:gd name="connsiteY4" fmla="*/ 22688550 h 22688550"/>
+              <a:gd name="connsiteX5" fmla="*/ 12115800 w 23331238"/>
+              <a:gd name="connsiteY5" fmla="*/ 19088100 h 22688550"/>
+              <a:gd name="connsiteX6" fmla="*/ 18230850 w 23331238"/>
+              <a:gd name="connsiteY6" fmla="*/ 22117050 h 22688550"/>
+              <a:gd name="connsiteX7" fmla="*/ 22917150 w 23331238"/>
+              <a:gd name="connsiteY7" fmla="*/ 15773400 h 22688550"/>
+              <a:gd name="connsiteX8" fmla="*/ 7258050 w 23331238"/>
+              <a:gd name="connsiteY8" fmla="*/ 0 h 22688550"/>
+              <a:gd name="connsiteX0" fmla="*/ 7200900 w 23331238"/>
+              <a:gd name="connsiteY0" fmla="*/ 0 h 22688550"/>
+              <a:gd name="connsiteX1" fmla="*/ 3486150 w 23331238"/>
+              <a:gd name="connsiteY1" fmla="*/ 4057650 h 22688550"/>
+              <a:gd name="connsiteX2" fmla="*/ 0 w 23331238"/>
+              <a:gd name="connsiteY2" fmla="*/ 14058900 h 22688550"/>
+              <a:gd name="connsiteX3" fmla="*/ 800100 w 23331238"/>
+              <a:gd name="connsiteY3" fmla="*/ 19602450 h 22688550"/>
+              <a:gd name="connsiteX4" fmla="*/ 3028950 w 23331238"/>
+              <a:gd name="connsiteY4" fmla="*/ 22688550 h 22688550"/>
+              <a:gd name="connsiteX5" fmla="*/ 12115800 w 23331238"/>
+              <a:gd name="connsiteY5" fmla="*/ 19088100 h 22688550"/>
+              <a:gd name="connsiteX6" fmla="*/ 18230850 w 23331238"/>
+              <a:gd name="connsiteY6" fmla="*/ 22117050 h 22688550"/>
+              <a:gd name="connsiteX7" fmla="*/ 22917150 w 23331238"/>
+              <a:gd name="connsiteY7" fmla="*/ 15773400 h 22688550"/>
+              <a:gd name="connsiteX8" fmla="*/ 7258050 w 23331238"/>
+              <a:gd name="connsiteY8" fmla="*/ 0 h 22688550"/>
+              <a:gd name="connsiteX0" fmla="*/ 7220286 w 23350624"/>
+              <a:gd name="connsiteY0" fmla="*/ 0 h 22688550"/>
+              <a:gd name="connsiteX1" fmla="*/ 3505536 w 23350624"/>
+              <a:gd name="connsiteY1" fmla="*/ 4057650 h 22688550"/>
+              <a:gd name="connsiteX2" fmla="*/ 19386 w 23350624"/>
+              <a:gd name="connsiteY2" fmla="*/ 14058900 h 22688550"/>
+              <a:gd name="connsiteX3" fmla="*/ 819486 w 23350624"/>
+              <a:gd name="connsiteY3" fmla="*/ 19602450 h 22688550"/>
+              <a:gd name="connsiteX4" fmla="*/ 3048336 w 23350624"/>
+              <a:gd name="connsiteY4" fmla="*/ 22688550 h 22688550"/>
+              <a:gd name="connsiteX5" fmla="*/ 12135186 w 23350624"/>
+              <a:gd name="connsiteY5" fmla="*/ 19088100 h 22688550"/>
+              <a:gd name="connsiteX6" fmla="*/ 18250236 w 23350624"/>
+              <a:gd name="connsiteY6" fmla="*/ 22117050 h 22688550"/>
+              <a:gd name="connsiteX7" fmla="*/ 22936536 w 23350624"/>
+              <a:gd name="connsiteY7" fmla="*/ 15773400 h 22688550"/>
+              <a:gd name="connsiteX8" fmla="*/ 7277436 w 23350624"/>
+              <a:gd name="connsiteY8" fmla="*/ 0 h 22688550"/>
+              <a:gd name="connsiteX0" fmla="*/ 7220286 w 23350624"/>
+              <a:gd name="connsiteY0" fmla="*/ 0 h 22692482"/>
+              <a:gd name="connsiteX1" fmla="*/ 3505536 w 23350624"/>
+              <a:gd name="connsiteY1" fmla="*/ 4057650 h 22692482"/>
+              <a:gd name="connsiteX2" fmla="*/ 19386 w 23350624"/>
+              <a:gd name="connsiteY2" fmla="*/ 14058900 h 22692482"/>
+              <a:gd name="connsiteX3" fmla="*/ 819486 w 23350624"/>
+              <a:gd name="connsiteY3" fmla="*/ 19602450 h 22692482"/>
+              <a:gd name="connsiteX4" fmla="*/ 3048336 w 23350624"/>
+              <a:gd name="connsiteY4" fmla="*/ 22688550 h 22692482"/>
+              <a:gd name="connsiteX5" fmla="*/ 12135186 w 23350624"/>
+              <a:gd name="connsiteY5" fmla="*/ 19088100 h 22692482"/>
+              <a:gd name="connsiteX6" fmla="*/ 18250236 w 23350624"/>
+              <a:gd name="connsiteY6" fmla="*/ 22117050 h 22692482"/>
+              <a:gd name="connsiteX7" fmla="*/ 22936536 w 23350624"/>
+              <a:gd name="connsiteY7" fmla="*/ 15773400 h 22692482"/>
+              <a:gd name="connsiteX8" fmla="*/ 7277436 w 23350624"/>
+              <a:gd name="connsiteY8" fmla="*/ 0 h 22692482"/>
+              <a:gd name="connsiteX0" fmla="*/ 7220286 w 23350624"/>
+              <a:gd name="connsiteY0" fmla="*/ 0 h 22692482"/>
+              <a:gd name="connsiteX1" fmla="*/ 3505536 w 23350624"/>
+              <a:gd name="connsiteY1" fmla="*/ 4057650 h 22692482"/>
+              <a:gd name="connsiteX2" fmla="*/ 19386 w 23350624"/>
+              <a:gd name="connsiteY2" fmla="*/ 14058900 h 22692482"/>
+              <a:gd name="connsiteX3" fmla="*/ 819486 w 23350624"/>
+              <a:gd name="connsiteY3" fmla="*/ 19602450 h 22692482"/>
+              <a:gd name="connsiteX4" fmla="*/ 3048336 w 23350624"/>
+              <a:gd name="connsiteY4" fmla="*/ 22688550 h 22692482"/>
+              <a:gd name="connsiteX5" fmla="*/ 12135186 w 23350624"/>
+              <a:gd name="connsiteY5" fmla="*/ 19088100 h 22692482"/>
+              <a:gd name="connsiteX6" fmla="*/ 18250236 w 23350624"/>
+              <a:gd name="connsiteY6" fmla="*/ 22117050 h 22692482"/>
+              <a:gd name="connsiteX7" fmla="*/ 22936536 w 23350624"/>
+              <a:gd name="connsiteY7" fmla="*/ 15773400 h 22692482"/>
+              <a:gd name="connsiteX8" fmla="*/ 7277436 w 23350624"/>
+              <a:gd name="connsiteY8" fmla="*/ 0 h 22692482"/>
+              <a:gd name="connsiteX0" fmla="*/ 7220286 w 23350624"/>
+              <a:gd name="connsiteY0" fmla="*/ 0 h 22692482"/>
+              <a:gd name="connsiteX1" fmla="*/ 3505536 w 23350624"/>
+              <a:gd name="connsiteY1" fmla="*/ 4057650 h 22692482"/>
+              <a:gd name="connsiteX2" fmla="*/ 19386 w 23350624"/>
+              <a:gd name="connsiteY2" fmla="*/ 14058900 h 22692482"/>
+              <a:gd name="connsiteX3" fmla="*/ 819486 w 23350624"/>
+              <a:gd name="connsiteY3" fmla="*/ 19602450 h 22692482"/>
+              <a:gd name="connsiteX4" fmla="*/ 3048336 w 23350624"/>
+              <a:gd name="connsiteY4" fmla="*/ 22688550 h 22692482"/>
+              <a:gd name="connsiteX5" fmla="*/ 11623613 w 23350624"/>
+              <a:gd name="connsiteY5" fmla="*/ 19088098 h 22692482"/>
+              <a:gd name="connsiteX6" fmla="*/ 18250236 w 23350624"/>
+              <a:gd name="connsiteY6" fmla="*/ 22117050 h 22692482"/>
+              <a:gd name="connsiteX7" fmla="*/ 22936536 w 23350624"/>
+              <a:gd name="connsiteY7" fmla="*/ 15773400 h 22692482"/>
+              <a:gd name="connsiteX8" fmla="*/ 7277436 w 23350624"/>
+              <a:gd name="connsiteY8" fmla="*/ 0 h 22692482"/>
+              <a:gd name="connsiteX0" fmla="*/ 7450798 w 23581136"/>
+              <a:gd name="connsiteY0" fmla="*/ 0 h 22693040"/>
+              <a:gd name="connsiteX1" fmla="*/ 3736048 w 23581136"/>
+              <a:gd name="connsiteY1" fmla="*/ 4057650 h 22693040"/>
+              <a:gd name="connsiteX2" fmla="*/ 249898 w 23581136"/>
+              <a:gd name="connsiteY2" fmla="*/ 14058900 h 22693040"/>
+              <a:gd name="connsiteX3" fmla="*/ 282641 w 23581136"/>
+              <a:gd name="connsiteY3" fmla="*/ 19777501 h 22693040"/>
+              <a:gd name="connsiteX4" fmla="*/ 3278848 w 23581136"/>
+              <a:gd name="connsiteY4" fmla="*/ 22688550 h 22693040"/>
+              <a:gd name="connsiteX5" fmla="*/ 11854125 w 23581136"/>
+              <a:gd name="connsiteY5" fmla="*/ 19088098 h 22693040"/>
+              <a:gd name="connsiteX6" fmla="*/ 18480748 w 23581136"/>
+              <a:gd name="connsiteY6" fmla="*/ 22117050 h 22693040"/>
+              <a:gd name="connsiteX7" fmla="*/ 23167048 w 23581136"/>
+              <a:gd name="connsiteY7" fmla="*/ 15773400 h 22693040"/>
+              <a:gd name="connsiteX8" fmla="*/ 7507948 w 23581136"/>
+              <a:gd name="connsiteY8" fmla="*/ 0 h 22693040"/>
+              <a:gd name="connsiteX0" fmla="*/ 7450798 w 23581136"/>
+              <a:gd name="connsiteY0" fmla="*/ 0 h 22693040"/>
+              <a:gd name="connsiteX1" fmla="*/ 3736048 w 23581136"/>
+              <a:gd name="connsiteY1" fmla="*/ 4057650 h 22693040"/>
+              <a:gd name="connsiteX2" fmla="*/ 249898 w 23581136"/>
+              <a:gd name="connsiteY2" fmla="*/ 14058900 h 22693040"/>
+              <a:gd name="connsiteX3" fmla="*/ 282641 w 23581136"/>
+              <a:gd name="connsiteY3" fmla="*/ 19777501 h 22693040"/>
+              <a:gd name="connsiteX4" fmla="*/ 3278848 w 23581136"/>
+              <a:gd name="connsiteY4" fmla="*/ 22688550 h 22693040"/>
+              <a:gd name="connsiteX5" fmla="*/ 11854125 w 23581136"/>
+              <a:gd name="connsiteY5" fmla="*/ 19088098 h 22693040"/>
+              <a:gd name="connsiteX6" fmla="*/ 18480748 w 23581136"/>
+              <a:gd name="connsiteY6" fmla="*/ 22117050 h 22693040"/>
+              <a:gd name="connsiteX7" fmla="*/ 23167048 w 23581136"/>
+              <a:gd name="connsiteY7" fmla="*/ 15773400 h 22693040"/>
+              <a:gd name="connsiteX8" fmla="*/ 7507948 w 23581136"/>
+              <a:gd name="connsiteY8" fmla="*/ 0 h 22693040"/>
+              <a:gd name="connsiteX0" fmla="*/ 7450798 w 23581136"/>
+              <a:gd name="connsiteY0" fmla="*/ 0 h 22693040"/>
+              <a:gd name="connsiteX1" fmla="*/ 3736048 w 23581136"/>
+              <a:gd name="connsiteY1" fmla="*/ 4057650 h 22693040"/>
+              <a:gd name="connsiteX2" fmla="*/ 249898 w 23581136"/>
+              <a:gd name="connsiteY2" fmla="*/ 14058900 h 22693040"/>
+              <a:gd name="connsiteX3" fmla="*/ 282641 w 23581136"/>
+              <a:gd name="connsiteY3" fmla="*/ 19777501 h 22693040"/>
+              <a:gd name="connsiteX4" fmla="*/ 3278848 w 23581136"/>
+              <a:gd name="connsiteY4" fmla="*/ 22688550 h 22693040"/>
+              <a:gd name="connsiteX5" fmla="*/ 11854125 w 23581136"/>
+              <a:gd name="connsiteY5" fmla="*/ 19088098 h 22693040"/>
+              <a:gd name="connsiteX6" fmla="*/ 18480748 w 23581136"/>
+              <a:gd name="connsiteY6" fmla="*/ 22117050 h 22693040"/>
+              <a:gd name="connsiteX7" fmla="*/ 23167048 w 23581136"/>
+              <a:gd name="connsiteY7" fmla="*/ 15773400 h 22693040"/>
+              <a:gd name="connsiteX8" fmla="*/ 7507948 w 23581136"/>
+              <a:gd name="connsiteY8" fmla="*/ 0 h 22693040"/>
+              <a:gd name="connsiteX0" fmla="*/ 7450798 w 23581136"/>
+              <a:gd name="connsiteY0" fmla="*/ 0 h 22693040"/>
+              <a:gd name="connsiteX1" fmla="*/ 3736048 w 23581136"/>
+              <a:gd name="connsiteY1" fmla="*/ 4057650 h 22693040"/>
+              <a:gd name="connsiteX2" fmla="*/ 249898 w 23581136"/>
+              <a:gd name="connsiteY2" fmla="*/ 14058900 h 22693040"/>
+              <a:gd name="connsiteX3" fmla="*/ 282641 w 23581136"/>
+              <a:gd name="connsiteY3" fmla="*/ 19777501 h 22693040"/>
+              <a:gd name="connsiteX4" fmla="*/ 3278848 w 23581136"/>
+              <a:gd name="connsiteY4" fmla="*/ 22688550 h 22693040"/>
+              <a:gd name="connsiteX5" fmla="*/ 11854125 w 23581136"/>
+              <a:gd name="connsiteY5" fmla="*/ 19088098 h 22693040"/>
+              <a:gd name="connsiteX6" fmla="*/ 18480748 w 23581136"/>
+              <a:gd name="connsiteY6" fmla="*/ 22117050 h 22693040"/>
+              <a:gd name="connsiteX7" fmla="*/ 23167048 w 23581136"/>
+              <a:gd name="connsiteY7" fmla="*/ 15773400 h 22693040"/>
+              <a:gd name="connsiteX8" fmla="*/ 7507948 w 23581136"/>
+              <a:gd name="connsiteY8" fmla="*/ 0 h 22693040"/>
+              <a:gd name="connsiteX0" fmla="*/ 7450798 w 23581136"/>
+              <a:gd name="connsiteY0" fmla="*/ 78621 h 22771661"/>
+              <a:gd name="connsiteX1" fmla="*/ 3736048 w 23581136"/>
+              <a:gd name="connsiteY1" fmla="*/ 4136271 h 22771661"/>
+              <a:gd name="connsiteX2" fmla="*/ 249898 w 23581136"/>
+              <a:gd name="connsiteY2" fmla="*/ 14137521 h 22771661"/>
+              <a:gd name="connsiteX3" fmla="*/ 282641 w 23581136"/>
+              <a:gd name="connsiteY3" fmla="*/ 19856122 h 22771661"/>
+              <a:gd name="connsiteX4" fmla="*/ 3278848 w 23581136"/>
+              <a:gd name="connsiteY4" fmla="*/ 22767171 h 22771661"/>
+              <a:gd name="connsiteX5" fmla="*/ 11854125 w 23581136"/>
+              <a:gd name="connsiteY5" fmla="*/ 19166719 h 22771661"/>
+              <a:gd name="connsiteX6" fmla="*/ 18480748 w 23581136"/>
+              <a:gd name="connsiteY6" fmla="*/ 22195671 h 22771661"/>
+              <a:gd name="connsiteX7" fmla="*/ 23167048 w 23581136"/>
+              <a:gd name="connsiteY7" fmla="*/ 15852021 h 22771661"/>
+              <a:gd name="connsiteX8" fmla="*/ 7507948 w 23581136"/>
+              <a:gd name="connsiteY8" fmla="*/ 78621 h 22771661"/>
+              <a:gd name="connsiteX0" fmla="*/ 7252715 w 23383055"/>
+              <a:gd name="connsiteY0" fmla="*/ 78621 h 22772211"/>
+              <a:gd name="connsiteX1" fmla="*/ 3537965 w 23383055"/>
+              <a:gd name="connsiteY1" fmla="*/ 4136271 h 22772211"/>
+              <a:gd name="connsiteX2" fmla="*/ 51815 w 23383055"/>
+              <a:gd name="connsiteY2" fmla="*/ 14137521 h 22772211"/>
+              <a:gd name="connsiteX3" fmla="*/ 1361030 w 23383055"/>
+              <a:gd name="connsiteY3" fmla="*/ 19994053 h 22772211"/>
+              <a:gd name="connsiteX4" fmla="*/ 3080765 w 23383055"/>
+              <a:gd name="connsiteY4" fmla="*/ 22767171 h 22772211"/>
+              <a:gd name="connsiteX5" fmla="*/ 11656042 w 23383055"/>
+              <a:gd name="connsiteY5" fmla="*/ 19166719 h 22772211"/>
+              <a:gd name="connsiteX6" fmla="*/ 18282665 w 23383055"/>
+              <a:gd name="connsiteY6" fmla="*/ 22195671 h 22772211"/>
+              <a:gd name="connsiteX7" fmla="*/ 22968965 w 23383055"/>
+              <a:gd name="connsiteY7" fmla="*/ 15852021 h 22772211"/>
+              <a:gd name="connsiteX8" fmla="*/ 7309865 w 23383055"/>
+              <a:gd name="connsiteY8" fmla="*/ 78621 h 22772211"/>
+              <a:gd name="connsiteX0" fmla="*/ 5957966 w 22088306"/>
+              <a:gd name="connsiteY0" fmla="*/ 78621 h 22770882"/>
+              <a:gd name="connsiteX1" fmla="*/ 2243216 w 22088306"/>
+              <a:gd name="connsiteY1" fmla="*/ 4136271 h 22770882"/>
+              <a:gd name="connsiteX2" fmla="*/ 537409 w 22088306"/>
+              <a:gd name="connsiteY2" fmla="*/ 14091544 h 22770882"/>
+              <a:gd name="connsiteX3" fmla="*/ 66281 w 22088306"/>
+              <a:gd name="connsiteY3" fmla="*/ 19994053 h 22770882"/>
+              <a:gd name="connsiteX4" fmla="*/ 1786016 w 22088306"/>
+              <a:gd name="connsiteY4" fmla="*/ 22767171 h 22770882"/>
+              <a:gd name="connsiteX5" fmla="*/ 10361293 w 22088306"/>
+              <a:gd name="connsiteY5" fmla="*/ 19166719 h 22770882"/>
+              <a:gd name="connsiteX6" fmla="*/ 16987916 w 22088306"/>
+              <a:gd name="connsiteY6" fmla="*/ 22195671 h 22770882"/>
+              <a:gd name="connsiteX7" fmla="*/ 21674216 w 22088306"/>
+              <a:gd name="connsiteY7" fmla="*/ 15852021 h 22770882"/>
+              <a:gd name="connsiteX8" fmla="*/ 6015116 w 22088306"/>
+              <a:gd name="connsiteY8" fmla="*/ 78621 h 22770882"/>
+              <a:gd name="connsiteX0" fmla="*/ 5955964 w 22086304"/>
+              <a:gd name="connsiteY0" fmla="*/ 78621 h 22770882"/>
+              <a:gd name="connsiteX1" fmla="*/ 2241214 w 22086304"/>
+              <a:gd name="connsiteY1" fmla="*/ 4136271 h 22770882"/>
+              <a:gd name="connsiteX2" fmla="*/ 2133031 w 22086304"/>
+              <a:gd name="connsiteY2" fmla="*/ 10643870 h 22770882"/>
+              <a:gd name="connsiteX3" fmla="*/ 535407 w 22086304"/>
+              <a:gd name="connsiteY3" fmla="*/ 14091544 h 22770882"/>
+              <a:gd name="connsiteX4" fmla="*/ 64279 w 22086304"/>
+              <a:gd name="connsiteY4" fmla="*/ 19994053 h 22770882"/>
+              <a:gd name="connsiteX5" fmla="*/ 1784014 w 22086304"/>
+              <a:gd name="connsiteY5" fmla="*/ 22767171 h 22770882"/>
+              <a:gd name="connsiteX6" fmla="*/ 10359291 w 22086304"/>
+              <a:gd name="connsiteY6" fmla="*/ 19166719 h 22770882"/>
+              <a:gd name="connsiteX7" fmla="*/ 16985914 w 22086304"/>
+              <a:gd name="connsiteY7" fmla="*/ 22195671 h 22770882"/>
+              <a:gd name="connsiteX8" fmla="*/ 21672214 w 22086304"/>
+              <a:gd name="connsiteY8" fmla="*/ 15852021 h 22770882"/>
+              <a:gd name="connsiteX9" fmla="*/ 6013114 w 22086304"/>
+              <a:gd name="connsiteY9" fmla="*/ 78621 h 22770882"/>
+              <a:gd name="connsiteX0" fmla="*/ 5955964 w 22086304"/>
+              <a:gd name="connsiteY0" fmla="*/ 78621 h 22770882"/>
+              <a:gd name="connsiteX1" fmla="*/ 5633941 w 22086304"/>
+              <a:gd name="connsiteY1" fmla="*/ 8182298 h 22770882"/>
+              <a:gd name="connsiteX2" fmla="*/ 2133031 w 22086304"/>
+              <a:gd name="connsiteY2" fmla="*/ 10643870 h 22770882"/>
+              <a:gd name="connsiteX3" fmla="*/ 535407 w 22086304"/>
+              <a:gd name="connsiteY3" fmla="*/ 14091544 h 22770882"/>
+              <a:gd name="connsiteX4" fmla="*/ 64279 w 22086304"/>
+              <a:gd name="connsiteY4" fmla="*/ 19994053 h 22770882"/>
+              <a:gd name="connsiteX5" fmla="*/ 1784014 w 22086304"/>
+              <a:gd name="connsiteY5" fmla="*/ 22767171 h 22770882"/>
+              <a:gd name="connsiteX6" fmla="*/ 10359291 w 22086304"/>
+              <a:gd name="connsiteY6" fmla="*/ 19166719 h 22770882"/>
+              <a:gd name="connsiteX7" fmla="*/ 16985914 w 22086304"/>
+              <a:gd name="connsiteY7" fmla="*/ 22195671 h 22770882"/>
+              <a:gd name="connsiteX8" fmla="*/ 21672214 w 22086304"/>
+              <a:gd name="connsiteY8" fmla="*/ 15852021 h 22770882"/>
+              <a:gd name="connsiteX9" fmla="*/ 6013114 w 22086304"/>
+              <a:gd name="connsiteY9" fmla="*/ 78621 h 22770882"/>
+              <a:gd name="connsiteX0" fmla="*/ 5955964 w 22086304"/>
+              <a:gd name="connsiteY0" fmla="*/ 78621 h 22770882"/>
+              <a:gd name="connsiteX1" fmla="*/ 5633941 w 22086304"/>
+              <a:gd name="connsiteY1" fmla="*/ 8182298 h 22770882"/>
+              <a:gd name="connsiteX2" fmla="*/ 2133031 w 22086304"/>
+              <a:gd name="connsiteY2" fmla="*/ 10643870 h 22770882"/>
+              <a:gd name="connsiteX3" fmla="*/ 535407 w 22086304"/>
+              <a:gd name="connsiteY3" fmla="*/ 14091544 h 22770882"/>
+              <a:gd name="connsiteX4" fmla="*/ 64279 w 22086304"/>
+              <a:gd name="connsiteY4" fmla="*/ 19994053 h 22770882"/>
+              <a:gd name="connsiteX5" fmla="*/ 1784014 w 22086304"/>
+              <a:gd name="connsiteY5" fmla="*/ 22767171 h 22770882"/>
+              <a:gd name="connsiteX6" fmla="*/ 10359291 w 22086304"/>
+              <a:gd name="connsiteY6" fmla="*/ 19166719 h 22770882"/>
+              <a:gd name="connsiteX7" fmla="*/ 16985914 w 22086304"/>
+              <a:gd name="connsiteY7" fmla="*/ 22195671 h 22770882"/>
+              <a:gd name="connsiteX8" fmla="*/ 21672214 w 22086304"/>
+              <a:gd name="connsiteY8" fmla="*/ 15852021 h 22770882"/>
+              <a:gd name="connsiteX9" fmla="*/ 6013114 w 22086304"/>
+              <a:gd name="connsiteY9" fmla="*/ 78621 h 22770882"/>
+              <a:gd name="connsiteX0" fmla="*/ 5955964 w 22086304"/>
+              <a:gd name="connsiteY0" fmla="*/ 78621 h 22770882"/>
+              <a:gd name="connsiteX1" fmla="*/ 5633941 w 22086304"/>
+              <a:gd name="connsiteY1" fmla="*/ 8182298 h 22770882"/>
+              <a:gd name="connsiteX2" fmla="*/ 2133031 w 22086304"/>
+              <a:gd name="connsiteY2" fmla="*/ 10643870 h 22770882"/>
+              <a:gd name="connsiteX3" fmla="*/ 535407 w 22086304"/>
+              <a:gd name="connsiteY3" fmla="*/ 14091544 h 22770882"/>
+              <a:gd name="connsiteX4" fmla="*/ 64279 w 22086304"/>
+              <a:gd name="connsiteY4" fmla="*/ 19994053 h 22770882"/>
+              <a:gd name="connsiteX5" fmla="*/ 1784014 w 22086304"/>
+              <a:gd name="connsiteY5" fmla="*/ 22767171 h 22770882"/>
+              <a:gd name="connsiteX6" fmla="*/ 10359291 w 22086304"/>
+              <a:gd name="connsiteY6" fmla="*/ 19166719 h 22770882"/>
+              <a:gd name="connsiteX7" fmla="*/ 16985914 w 22086304"/>
+              <a:gd name="connsiteY7" fmla="*/ 22195671 h 22770882"/>
+              <a:gd name="connsiteX8" fmla="*/ 21672214 w 22086304"/>
+              <a:gd name="connsiteY8" fmla="*/ 15852021 h 22770882"/>
+              <a:gd name="connsiteX9" fmla="*/ 6013114 w 22086304"/>
+              <a:gd name="connsiteY9" fmla="*/ 78621 h 22770882"/>
+              <a:gd name="connsiteX0" fmla="*/ 5955964 w 21897790"/>
+              <a:gd name="connsiteY0" fmla="*/ -1 h 22692260"/>
+              <a:gd name="connsiteX1" fmla="*/ 5633941 w 21897790"/>
+              <a:gd name="connsiteY1" fmla="*/ 8103676 h 22692260"/>
+              <a:gd name="connsiteX2" fmla="*/ 2133031 w 21897790"/>
+              <a:gd name="connsiteY2" fmla="*/ 10565248 h 22692260"/>
+              <a:gd name="connsiteX3" fmla="*/ 535407 w 21897790"/>
+              <a:gd name="connsiteY3" fmla="*/ 14012922 h 22692260"/>
+              <a:gd name="connsiteX4" fmla="*/ 64279 w 21897790"/>
+              <a:gd name="connsiteY4" fmla="*/ 19915431 h 22692260"/>
+              <a:gd name="connsiteX5" fmla="*/ 1784014 w 21897790"/>
+              <a:gd name="connsiteY5" fmla="*/ 22688549 h 22692260"/>
+              <a:gd name="connsiteX6" fmla="*/ 10359291 w 21897790"/>
+              <a:gd name="connsiteY6" fmla="*/ 19088097 h 22692260"/>
+              <a:gd name="connsiteX7" fmla="*/ 16985914 w 21897790"/>
+              <a:gd name="connsiteY7" fmla="*/ 22117049 h 22692260"/>
+              <a:gd name="connsiteX8" fmla="*/ 21672214 w 21897790"/>
+              <a:gd name="connsiteY8" fmla="*/ 15773399 h 22692260"/>
+              <a:gd name="connsiteX9" fmla="*/ 9607390 w 21897790"/>
+              <a:gd name="connsiteY9" fmla="*/ 7724234 h 22692260"/>
+              <a:gd name="connsiteX0" fmla="*/ 5633941 w 21897790"/>
+              <a:gd name="connsiteY0" fmla="*/ 523156 h 15111740"/>
+              <a:gd name="connsiteX1" fmla="*/ 2133031 w 21897790"/>
+              <a:gd name="connsiteY1" fmla="*/ 2984728 h 15111740"/>
+              <a:gd name="connsiteX2" fmla="*/ 535407 w 21897790"/>
+              <a:gd name="connsiteY2" fmla="*/ 6432402 h 15111740"/>
+              <a:gd name="connsiteX3" fmla="*/ 64279 w 21897790"/>
+              <a:gd name="connsiteY3" fmla="*/ 12334911 h 15111740"/>
+              <a:gd name="connsiteX4" fmla="*/ 1784014 w 21897790"/>
+              <a:gd name="connsiteY4" fmla="*/ 15108029 h 15111740"/>
+              <a:gd name="connsiteX5" fmla="*/ 10359291 w 21897790"/>
+              <a:gd name="connsiteY5" fmla="*/ 11507577 h 15111740"/>
+              <a:gd name="connsiteX6" fmla="*/ 16985914 w 21897790"/>
+              <a:gd name="connsiteY6" fmla="*/ 14536529 h 15111740"/>
+              <a:gd name="connsiteX7" fmla="*/ 21672214 w 21897790"/>
+              <a:gd name="connsiteY7" fmla="*/ 8192879 h 15111740"/>
+              <a:gd name="connsiteX8" fmla="*/ 9607390 w 21897790"/>
+              <a:gd name="connsiteY8" fmla="*/ 143714 h 15111740"/>
+              <a:gd name="connsiteX0" fmla="*/ 2133031 w 21897790"/>
+              <a:gd name="connsiteY0" fmla="*/ 2984728 h 15111740"/>
+              <a:gd name="connsiteX1" fmla="*/ 535407 w 21897790"/>
+              <a:gd name="connsiteY1" fmla="*/ 6432402 h 15111740"/>
+              <a:gd name="connsiteX2" fmla="*/ 64279 w 21897790"/>
+              <a:gd name="connsiteY2" fmla="*/ 12334911 h 15111740"/>
+              <a:gd name="connsiteX3" fmla="*/ 1784014 w 21897790"/>
+              <a:gd name="connsiteY3" fmla="*/ 15108029 h 15111740"/>
+              <a:gd name="connsiteX4" fmla="*/ 10359291 w 21897790"/>
+              <a:gd name="connsiteY4" fmla="*/ 11507577 h 15111740"/>
+              <a:gd name="connsiteX5" fmla="*/ 16985914 w 21897790"/>
+              <a:gd name="connsiteY5" fmla="*/ 14536529 h 15111740"/>
+              <a:gd name="connsiteX6" fmla="*/ 21672214 w 21897790"/>
+              <a:gd name="connsiteY6" fmla="*/ 8192879 h 15111740"/>
+              <a:gd name="connsiteX7" fmla="*/ 9607390 w 21897790"/>
+              <a:gd name="connsiteY7" fmla="*/ 143714 h 15111740"/>
+              <a:gd name="connsiteX0" fmla="*/ 2127122 w 21891881"/>
+              <a:gd name="connsiteY0" fmla="*/ 2984728 h 15111631"/>
+              <a:gd name="connsiteX1" fmla="*/ 563089 w 21891881"/>
+              <a:gd name="connsiteY1" fmla="*/ 6708268 h 15111631"/>
+              <a:gd name="connsiteX2" fmla="*/ 58370 w 21891881"/>
+              <a:gd name="connsiteY2" fmla="*/ 12334911 h 15111631"/>
+              <a:gd name="connsiteX3" fmla="*/ 1778105 w 21891881"/>
+              <a:gd name="connsiteY3" fmla="*/ 15108029 h 15111631"/>
+              <a:gd name="connsiteX4" fmla="*/ 10353382 w 21891881"/>
+              <a:gd name="connsiteY4" fmla="*/ 11507577 h 15111631"/>
+              <a:gd name="connsiteX5" fmla="*/ 16980005 w 21891881"/>
+              <a:gd name="connsiteY5" fmla="*/ 14536529 h 15111631"/>
+              <a:gd name="connsiteX6" fmla="*/ 21666305 w 21891881"/>
+              <a:gd name="connsiteY6" fmla="*/ 8192879 h 15111631"/>
+              <a:gd name="connsiteX7" fmla="*/ 9601481 w 21891881"/>
+              <a:gd name="connsiteY7" fmla="*/ 143714 h 15111631"/>
+              <a:gd name="connsiteX0" fmla="*/ 2332042 w 21895253"/>
+              <a:gd name="connsiteY0" fmla="*/ 3122660 h 15111631"/>
+              <a:gd name="connsiteX1" fmla="*/ 566461 w 21895253"/>
+              <a:gd name="connsiteY1" fmla="*/ 6708268 h 15111631"/>
+              <a:gd name="connsiteX2" fmla="*/ 61742 w 21895253"/>
+              <a:gd name="connsiteY2" fmla="*/ 12334911 h 15111631"/>
+              <a:gd name="connsiteX3" fmla="*/ 1781477 w 21895253"/>
+              <a:gd name="connsiteY3" fmla="*/ 15108029 h 15111631"/>
+              <a:gd name="connsiteX4" fmla="*/ 10356754 w 21895253"/>
+              <a:gd name="connsiteY4" fmla="*/ 11507577 h 15111631"/>
+              <a:gd name="connsiteX5" fmla="*/ 16983377 w 21895253"/>
+              <a:gd name="connsiteY5" fmla="*/ 14536529 h 15111631"/>
+              <a:gd name="connsiteX6" fmla="*/ 21669677 w 21895253"/>
+              <a:gd name="connsiteY6" fmla="*/ 8192879 h 15111631"/>
+              <a:gd name="connsiteX7" fmla="*/ 9604853 w 21895253"/>
+              <a:gd name="connsiteY7" fmla="*/ 143714 h 15111631"/>
+              <a:gd name="connsiteX0" fmla="*/ 2332042 w 21759811"/>
+              <a:gd name="connsiteY0" fmla="*/ 1453409 h 13442380"/>
+              <a:gd name="connsiteX1" fmla="*/ 566461 w 21759811"/>
+              <a:gd name="connsiteY1" fmla="*/ 5039017 h 13442380"/>
+              <a:gd name="connsiteX2" fmla="*/ 61742 w 21759811"/>
+              <a:gd name="connsiteY2" fmla="*/ 10665660 h 13442380"/>
+              <a:gd name="connsiteX3" fmla="*/ 1781477 w 21759811"/>
+              <a:gd name="connsiteY3" fmla="*/ 13438778 h 13442380"/>
+              <a:gd name="connsiteX4" fmla="*/ 10356754 w 21759811"/>
+              <a:gd name="connsiteY4" fmla="*/ 9838326 h 13442380"/>
+              <a:gd name="connsiteX5" fmla="*/ 16983377 w 21759811"/>
+              <a:gd name="connsiteY5" fmla="*/ 12867278 h 13442380"/>
+              <a:gd name="connsiteX6" fmla="*/ 21669677 w 21759811"/>
+              <a:gd name="connsiteY6" fmla="*/ 6523628 h 13442380"/>
+              <a:gd name="connsiteX7" fmla="*/ 12762441 w 21759811"/>
+              <a:gd name="connsiteY7" fmla="*/ 175634 h 13442380"/>
+              <a:gd name="connsiteX0" fmla="*/ 566461 w 21759811"/>
+              <a:gd name="connsiteY0" fmla="*/ 5039017 h 13442380"/>
+              <a:gd name="connsiteX1" fmla="*/ 61742 w 21759811"/>
+              <a:gd name="connsiteY1" fmla="*/ 10665660 h 13442380"/>
+              <a:gd name="connsiteX2" fmla="*/ 1781477 w 21759811"/>
+              <a:gd name="connsiteY2" fmla="*/ 13438778 h 13442380"/>
+              <a:gd name="connsiteX3" fmla="*/ 10356754 w 21759811"/>
+              <a:gd name="connsiteY3" fmla="*/ 9838326 h 13442380"/>
+              <a:gd name="connsiteX4" fmla="*/ 16983377 w 21759811"/>
+              <a:gd name="connsiteY4" fmla="*/ 12867278 h 13442380"/>
+              <a:gd name="connsiteX5" fmla="*/ 21669677 w 21759811"/>
+              <a:gd name="connsiteY5" fmla="*/ 6523628 h 13442380"/>
+              <a:gd name="connsiteX6" fmla="*/ 12762441 w 21759811"/>
+              <a:gd name="connsiteY6" fmla="*/ 175634 h 13442380"/>
+              <a:gd name="connsiteX0" fmla="*/ 539863 w 21733213"/>
+              <a:gd name="connsiteY0" fmla="*/ 5039017 h 13442344"/>
+              <a:gd name="connsiteX1" fmla="*/ 592287 w 21733213"/>
+              <a:gd name="connsiteY1" fmla="*/ 5131613 h 13442344"/>
+              <a:gd name="connsiteX2" fmla="*/ 35144 w 21733213"/>
+              <a:gd name="connsiteY2" fmla="*/ 10665660 h 13442344"/>
+              <a:gd name="connsiteX3" fmla="*/ 1754879 w 21733213"/>
+              <a:gd name="connsiteY3" fmla="*/ 13438778 h 13442344"/>
+              <a:gd name="connsiteX4" fmla="*/ 10330156 w 21733213"/>
+              <a:gd name="connsiteY4" fmla="*/ 9838326 h 13442344"/>
+              <a:gd name="connsiteX5" fmla="*/ 16956779 w 21733213"/>
+              <a:gd name="connsiteY5" fmla="*/ 12867278 h 13442344"/>
+              <a:gd name="connsiteX6" fmla="*/ 21643079 w 21733213"/>
+              <a:gd name="connsiteY6" fmla="*/ 6523628 h 13442344"/>
+              <a:gd name="connsiteX7" fmla="*/ 12735843 w 21733213"/>
+              <a:gd name="connsiteY7" fmla="*/ 175634 h 13442344"/>
+              <a:gd name="connsiteX0" fmla="*/ 612185 w 21805535"/>
+              <a:gd name="connsiteY0" fmla="*/ 5039017 h 13441812"/>
+              <a:gd name="connsiteX1" fmla="*/ 227921 w 21805535"/>
+              <a:gd name="connsiteY1" fmla="*/ 6786806 h 13441812"/>
+              <a:gd name="connsiteX2" fmla="*/ 107466 w 21805535"/>
+              <a:gd name="connsiteY2" fmla="*/ 10665660 h 13441812"/>
+              <a:gd name="connsiteX3" fmla="*/ 1827201 w 21805535"/>
+              <a:gd name="connsiteY3" fmla="*/ 13438778 h 13441812"/>
+              <a:gd name="connsiteX4" fmla="*/ 10402478 w 21805535"/>
+              <a:gd name="connsiteY4" fmla="*/ 9838326 h 13441812"/>
+              <a:gd name="connsiteX5" fmla="*/ 17029101 w 21805535"/>
+              <a:gd name="connsiteY5" fmla="*/ 12867278 h 13441812"/>
+              <a:gd name="connsiteX6" fmla="*/ 21715401 w 21805535"/>
+              <a:gd name="connsiteY6" fmla="*/ 6523628 h 13441812"/>
+              <a:gd name="connsiteX7" fmla="*/ 12808165 w 21805535"/>
+              <a:gd name="connsiteY7" fmla="*/ 175634 h 13441812"/>
+              <a:gd name="connsiteX0" fmla="*/ 0 w 22268273"/>
+              <a:gd name="connsiteY0" fmla="*/ 7291919 h 13441812"/>
+              <a:gd name="connsiteX1" fmla="*/ 690659 w 22268273"/>
+              <a:gd name="connsiteY1" fmla="*/ 6786806 h 13441812"/>
+              <a:gd name="connsiteX2" fmla="*/ 570204 w 22268273"/>
+              <a:gd name="connsiteY2" fmla="*/ 10665660 h 13441812"/>
+              <a:gd name="connsiteX3" fmla="*/ 2289939 w 22268273"/>
+              <a:gd name="connsiteY3" fmla="*/ 13438778 h 13441812"/>
+              <a:gd name="connsiteX4" fmla="*/ 10865216 w 22268273"/>
+              <a:gd name="connsiteY4" fmla="*/ 9838326 h 13441812"/>
+              <a:gd name="connsiteX5" fmla="*/ 17491839 w 22268273"/>
+              <a:gd name="connsiteY5" fmla="*/ 12867278 h 13441812"/>
+              <a:gd name="connsiteX6" fmla="*/ 22178139 w 22268273"/>
+              <a:gd name="connsiteY6" fmla="*/ 6523628 h 13441812"/>
+              <a:gd name="connsiteX7" fmla="*/ 13270903 w 22268273"/>
+              <a:gd name="connsiteY7" fmla="*/ 175634 h 13441812"/>
+              <a:gd name="connsiteX0" fmla="*/ 5079837 w 21805535"/>
+              <a:gd name="connsiteY0" fmla="*/ 0 h 14149994"/>
+              <a:gd name="connsiteX1" fmla="*/ 227921 w 21805535"/>
+              <a:gd name="connsiteY1" fmla="*/ 7494988 h 14149994"/>
+              <a:gd name="connsiteX2" fmla="*/ 107466 w 21805535"/>
+              <a:gd name="connsiteY2" fmla="*/ 11373842 h 14149994"/>
+              <a:gd name="connsiteX3" fmla="*/ 1827201 w 21805535"/>
+              <a:gd name="connsiteY3" fmla="*/ 14146960 h 14149994"/>
+              <a:gd name="connsiteX4" fmla="*/ 10402478 w 21805535"/>
+              <a:gd name="connsiteY4" fmla="*/ 10546508 h 14149994"/>
+              <a:gd name="connsiteX5" fmla="*/ 17029101 w 21805535"/>
+              <a:gd name="connsiteY5" fmla="*/ 13575460 h 14149994"/>
+              <a:gd name="connsiteX6" fmla="*/ 21715401 w 21805535"/>
+              <a:gd name="connsiteY6" fmla="*/ 7231810 h 14149994"/>
+              <a:gd name="connsiteX7" fmla="*/ 12808165 w 21805535"/>
+              <a:gd name="connsiteY7" fmla="*/ 883816 h 14149994"/>
+              <a:gd name="connsiteX0" fmla="*/ 5247794 w 21805535"/>
+              <a:gd name="connsiteY0" fmla="*/ 0 h 14379882"/>
+              <a:gd name="connsiteX1" fmla="*/ 227921 w 21805535"/>
+              <a:gd name="connsiteY1" fmla="*/ 7724876 h 14379882"/>
+              <a:gd name="connsiteX2" fmla="*/ 107466 w 21805535"/>
+              <a:gd name="connsiteY2" fmla="*/ 11603730 h 14379882"/>
+              <a:gd name="connsiteX3" fmla="*/ 1827201 w 21805535"/>
+              <a:gd name="connsiteY3" fmla="*/ 14376848 h 14379882"/>
+              <a:gd name="connsiteX4" fmla="*/ 10402478 w 21805535"/>
+              <a:gd name="connsiteY4" fmla="*/ 10776396 h 14379882"/>
+              <a:gd name="connsiteX5" fmla="*/ 17029101 w 21805535"/>
+              <a:gd name="connsiteY5" fmla="*/ 13805348 h 14379882"/>
+              <a:gd name="connsiteX6" fmla="*/ 21715401 w 21805535"/>
+              <a:gd name="connsiteY6" fmla="*/ 7461698 h 14379882"/>
+              <a:gd name="connsiteX7" fmla="*/ 12808165 w 21805535"/>
+              <a:gd name="connsiteY7" fmla="*/ 1113704 h 14379882"/>
+              <a:gd name="connsiteX0" fmla="*/ 5247794 w 21805535"/>
+              <a:gd name="connsiteY0" fmla="*/ 0 h 14379882"/>
+              <a:gd name="connsiteX1" fmla="*/ 227921 w 21805535"/>
+              <a:gd name="connsiteY1" fmla="*/ 7724876 h 14379882"/>
+              <a:gd name="connsiteX2" fmla="*/ 107466 w 21805535"/>
+              <a:gd name="connsiteY2" fmla="*/ 11603730 h 14379882"/>
+              <a:gd name="connsiteX3" fmla="*/ 1827201 w 21805535"/>
+              <a:gd name="connsiteY3" fmla="*/ 14376848 h 14379882"/>
+              <a:gd name="connsiteX4" fmla="*/ 10402478 w 21805535"/>
+              <a:gd name="connsiteY4" fmla="*/ 10776396 h 14379882"/>
+              <a:gd name="connsiteX5" fmla="*/ 17029101 w 21805535"/>
+              <a:gd name="connsiteY5" fmla="*/ 13805348 h 14379882"/>
+              <a:gd name="connsiteX6" fmla="*/ 21715401 w 21805535"/>
+              <a:gd name="connsiteY6" fmla="*/ 7461698 h 14379882"/>
+              <a:gd name="connsiteX7" fmla="*/ 12808165 w 21805535"/>
+              <a:gd name="connsiteY7" fmla="*/ 1113704 h 14379882"/>
+              <a:gd name="connsiteX0" fmla="*/ 5247794 w 21805535"/>
+              <a:gd name="connsiteY0" fmla="*/ 0 h 14379882"/>
+              <a:gd name="connsiteX1" fmla="*/ 227921 w 21805535"/>
+              <a:gd name="connsiteY1" fmla="*/ 7724876 h 14379882"/>
+              <a:gd name="connsiteX2" fmla="*/ 107466 w 21805535"/>
+              <a:gd name="connsiteY2" fmla="*/ 11603730 h 14379882"/>
+              <a:gd name="connsiteX3" fmla="*/ 1827201 w 21805535"/>
+              <a:gd name="connsiteY3" fmla="*/ 14376848 h 14379882"/>
+              <a:gd name="connsiteX4" fmla="*/ 10402478 w 21805535"/>
+              <a:gd name="connsiteY4" fmla="*/ 10776396 h 14379882"/>
+              <a:gd name="connsiteX5" fmla="*/ 17029101 w 21805535"/>
+              <a:gd name="connsiteY5" fmla="*/ 13805348 h 14379882"/>
+              <a:gd name="connsiteX6" fmla="*/ 21715401 w 21805535"/>
+              <a:gd name="connsiteY6" fmla="*/ 7461698 h 14379882"/>
+              <a:gd name="connsiteX7" fmla="*/ 12808165 w 21805535"/>
+              <a:gd name="connsiteY7" fmla="*/ 1113704 h 14379882"/>
+              <a:gd name="connsiteX0" fmla="*/ 5318836 w 21876577"/>
+              <a:gd name="connsiteY0" fmla="*/ 0 h 14379882"/>
+              <a:gd name="connsiteX1" fmla="*/ 2348037 w 21876577"/>
+              <a:gd name="connsiteY1" fmla="*/ 4138627 h 14379882"/>
+              <a:gd name="connsiteX2" fmla="*/ 298963 w 21876577"/>
+              <a:gd name="connsiteY2" fmla="*/ 7724876 h 14379882"/>
+              <a:gd name="connsiteX3" fmla="*/ 178508 w 21876577"/>
+              <a:gd name="connsiteY3" fmla="*/ 11603730 h 14379882"/>
+              <a:gd name="connsiteX4" fmla="*/ 1898243 w 21876577"/>
+              <a:gd name="connsiteY4" fmla="*/ 14376848 h 14379882"/>
+              <a:gd name="connsiteX5" fmla="*/ 10473520 w 21876577"/>
+              <a:gd name="connsiteY5" fmla="*/ 10776396 h 14379882"/>
+              <a:gd name="connsiteX6" fmla="*/ 17100143 w 21876577"/>
+              <a:gd name="connsiteY6" fmla="*/ 13805348 h 14379882"/>
+              <a:gd name="connsiteX7" fmla="*/ 21786443 w 21876577"/>
+              <a:gd name="connsiteY7" fmla="*/ 7461698 h 14379882"/>
+              <a:gd name="connsiteX8" fmla="*/ 12879207 w 21876577"/>
+              <a:gd name="connsiteY8" fmla="*/ 1113704 h 14379882"/>
+              <a:gd name="connsiteX0" fmla="*/ 5318836 w 21876577"/>
+              <a:gd name="connsiteY0" fmla="*/ 0 h 14379882"/>
+              <a:gd name="connsiteX1" fmla="*/ 1944940 w 21876577"/>
+              <a:gd name="connsiteY1" fmla="*/ 3219076 h 14379882"/>
+              <a:gd name="connsiteX2" fmla="*/ 298963 w 21876577"/>
+              <a:gd name="connsiteY2" fmla="*/ 7724876 h 14379882"/>
+              <a:gd name="connsiteX3" fmla="*/ 178508 w 21876577"/>
+              <a:gd name="connsiteY3" fmla="*/ 11603730 h 14379882"/>
+              <a:gd name="connsiteX4" fmla="*/ 1898243 w 21876577"/>
+              <a:gd name="connsiteY4" fmla="*/ 14376848 h 14379882"/>
+              <a:gd name="connsiteX5" fmla="*/ 10473520 w 21876577"/>
+              <a:gd name="connsiteY5" fmla="*/ 10776396 h 14379882"/>
+              <a:gd name="connsiteX6" fmla="*/ 17100143 w 21876577"/>
+              <a:gd name="connsiteY6" fmla="*/ 13805348 h 14379882"/>
+              <a:gd name="connsiteX7" fmla="*/ 21786443 w 21876577"/>
+              <a:gd name="connsiteY7" fmla="*/ 7461698 h 14379882"/>
+              <a:gd name="connsiteX8" fmla="*/ 12879207 w 21876577"/>
+              <a:gd name="connsiteY8" fmla="*/ 1113704 h 14379882"/>
+              <a:gd name="connsiteX0" fmla="*/ 5318836 w 21879032"/>
+              <a:gd name="connsiteY0" fmla="*/ 7805 h 14387687"/>
+              <a:gd name="connsiteX1" fmla="*/ 1944940 w 21879032"/>
+              <a:gd name="connsiteY1" fmla="*/ 3226881 h 14387687"/>
+              <a:gd name="connsiteX2" fmla="*/ 298963 w 21879032"/>
+              <a:gd name="connsiteY2" fmla="*/ 7732681 h 14387687"/>
+              <a:gd name="connsiteX3" fmla="*/ 178508 w 21879032"/>
+              <a:gd name="connsiteY3" fmla="*/ 11611535 h 14387687"/>
+              <a:gd name="connsiteX4" fmla="*/ 1898243 w 21879032"/>
+              <a:gd name="connsiteY4" fmla="*/ 14384653 h 14387687"/>
+              <a:gd name="connsiteX5" fmla="*/ 10473520 w 21879032"/>
+              <a:gd name="connsiteY5" fmla="*/ 10784201 h 14387687"/>
+              <a:gd name="connsiteX6" fmla="*/ 17100143 w 21879032"/>
+              <a:gd name="connsiteY6" fmla="*/ 13813153 h 14387687"/>
+              <a:gd name="connsiteX7" fmla="*/ 21786443 w 21879032"/>
+              <a:gd name="connsiteY7" fmla="*/ 7469503 h 14387687"/>
+              <a:gd name="connsiteX8" fmla="*/ 12812024 w 21879032"/>
+              <a:gd name="connsiteY8" fmla="*/ 155980 h 14387687"/>
+              <a:gd name="connsiteX0" fmla="*/ 5318836 w 22150490"/>
+              <a:gd name="connsiteY0" fmla="*/ 776453 h 15156335"/>
+              <a:gd name="connsiteX1" fmla="*/ 1944940 w 22150490"/>
+              <a:gd name="connsiteY1" fmla="*/ 3995529 h 15156335"/>
+              <a:gd name="connsiteX2" fmla="*/ 298963 w 22150490"/>
+              <a:gd name="connsiteY2" fmla="*/ 8501329 h 15156335"/>
+              <a:gd name="connsiteX3" fmla="*/ 178508 w 22150490"/>
+              <a:gd name="connsiteY3" fmla="*/ 12380183 h 15156335"/>
+              <a:gd name="connsiteX4" fmla="*/ 1898243 w 22150490"/>
+              <a:gd name="connsiteY4" fmla="*/ 15153301 h 15156335"/>
+              <a:gd name="connsiteX5" fmla="*/ 10473520 w 22150490"/>
+              <a:gd name="connsiteY5" fmla="*/ 11552849 h 15156335"/>
+              <a:gd name="connsiteX6" fmla="*/ 17100143 w 22150490"/>
+              <a:gd name="connsiteY6" fmla="*/ 14581801 h 15156335"/>
+              <a:gd name="connsiteX7" fmla="*/ 21786443 w 22150490"/>
+              <a:gd name="connsiteY7" fmla="*/ 8238151 h 15156335"/>
+              <a:gd name="connsiteX8" fmla="*/ 7034310 w 22150490"/>
+              <a:gd name="connsiteY8" fmla="*/ 143009 h 15156335"/>
+              <a:gd name="connsiteX0" fmla="*/ 5318836 w 17736045"/>
+              <a:gd name="connsiteY0" fmla="*/ 911243 h 15291125"/>
+              <a:gd name="connsiteX1" fmla="*/ 1944940 w 17736045"/>
+              <a:gd name="connsiteY1" fmla="*/ 4130319 h 15291125"/>
+              <a:gd name="connsiteX2" fmla="*/ 298963 w 17736045"/>
+              <a:gd name="connsiteY2" fmla="*/ 8636119 h 15291125"/>
+              <a:gd name="connsiteX3" fmla="*/ 178508 w 17736045"/>
+              <a:gd name="connsiteY3" fmla="*/ 12514973 h 15291125"/>
+              <a:gd name="connsiteX4" fmla="*/ 1898243 w 17736045"/>
+              <a:gd name="connsiteY4" fmla="*/ 15288091 h 15291125"/>
+              <a:gd name="connsiteX5" fmla="*/ 10473520 w 17736045"/>
+              <a:gd name="connsiteY5" fmla="*/ 11687639 h 15291125"/>
+              <a:gd name="connsiteX6" fmla="*/ 17100143 w 17736045"/>
+              <a:gd name="connsiteY6" fmla="*/ 14716591 h 15291125"/>
+              <a:gd name="connsiteX7" fmla="*/ 14799440 w 17736045"/>
+              <a:gd name="connsiteY7" fmla="*/ 4510825 h 15291125"/>
+              <a:gd name="connsiteX8" fmla="*/ 7034310 w 17736045"/>
+              <a:gd name="connsiteY8" fmla="*/ 277799 h 15291125"/>
+              <a:gd name="connsiteX0" fmla="*/ 5318836 w 17572918"/>
+              <a:gd name="connsiteY0" fmla="*/ 878233 h 15258115"/>
+              <a:gd name="connsiteX1" fmla="*/ 1944940 w 17572918"/>
+              <a:gd name="connsiteY1" fmla="*/ 4097309 h 15258115"/>
+              <a:gd name="connsiteX2" fmla="*/ 298963 w 17572918"/>
+              <a:gd name="connsiteY2" fmla="*/ 8603109 h 15258115"/>
+              <a:gd name="connsiteX3" fmla="*/ 178508 w 17572918"/>
+              <a:gd name="connsiteY3" fmla="*/ 12481963 h 15258115"/>
+              <a:gd name="connsiteX4" fmla="*/ 1898243 w 17572918"/>
+              <a:gd name="connsiteY4" fmla="*/ 15255081 h 15258115"/>
+              <a:gd name="connsiteX5" fmla="*/ 10473520 w 17572918"/>
+              <a:gd name="connsiteY5" fmla="*/ 11654629 h 15258115"/>
+              <a:gd name="connsiteX6" fmla="*/ 17100143 w 17572918"/>
+              <a:gd name="connsiteY6" fmla="*/ 14683581 h 15258115"/>
+              <a:gd name="connsiteX7" fmla="*/ 16490001 w 17572918"/>
+              <a:gd name="connsiteY7" fmla="*/ 11131880 h 15258115"/>
+              <a:gd name="connsiteX8" fmla="*/ 14799440 w 17572918"/>
+              <a:gd name="connsiteY8" fmla="*/ 4477815 h 15258115"/>
+              <a:gd name="connsiteX9" fmla="*/ 7034310 w 17572918"/>
+              <a:gd name="connsiteY9" fmla="*/ 244789 h 15258115"/>
+              <a:gd name="connsiteX0" fmla="*/ 5318836 w 17572918"/>
+              <a:gd name="connsiteY0" fmla="*/ 633444 h 15013326"/>
+              <a:gd name="connsiteX1" fmla="*/ 1944940 w 17572918"/>
+              <a:gd name="connsiteY1" fmla="*/ 3852520 h 15013326"/>
+              <a:gd name="connsiteX2" fmla="*/ 298963 w 17572918"/>
+              <a:gd name="connsiteY2" fmla="*/ 8358320 h 15013326"/>
+              <a:gd name="connsiteX3" fmla="*/ 178508 w 17572918"/>
+              <a:gd name="connsiteY3" fmla="*/ 12237174 h 15013326"/>
+              <a:gd name="connsiteX4" fmla="*/ 1898243 w 17572918"/>
+              <a:gd name="connsiteY4" fmla="*/ 15010292 h 15013326"/>
+              <a:gd name="connsiteX5" fmla="*/ 10473520 w 17572918"/>
+              <a:gd name="connsiteY5" fmla="*/ 11409840 h 15013326"/>
+              <a:gd name="connsiteX6" fmla="*/ 17100143 w 17572918"/>
+              <a:gd name="connsiteY6" fmla="*/ 14438792 h 15013326"/>
+              <a:gd name="connsiteX7" fmla="*/ 16490001 w 17572918"/>
+              <a:gd name="connsiteY7" fmla="*/ 10887091 h 15013326"/>
+              <a:gd name="connsiteX8" fmla="*/ 14799440 w 17572918"/>
+              <a:gd name="connsiteY8" fmla="*/ 4233026 h 15013326"/>
+              <a:gd name="connsiteX9" fmla="*/ 11552070 w 17572918"/>
+              <a:gd name="connsiteY9" fmla="*/ 772022 h 15013326"/>
+              <a:gd name="connsiteX10" fmla="*/ 7034310 w 17572918"/>
+              <a:gd name="connsiteY10" fmla="*/ 0 h 15013326"/>
+              <a:gd name="connsiteX0" fmla="*/ 5318836 w 17572918"/>
+              <a:gd name="connsiteY0" fmla="*/ 691021 h 15070903"/>
+              <a:gd name="connsiteX1" fmla="*/ 1944940 w 17572918"/>
+              <a:gd name="connsiteY1" fmla="*/ 3910097 h 15070903"/>
+              <a:gd name="connsiteX2" fmla="*/ 298963 w 17572918"/>
+              <a:gd name="connsiteY2" fmla="*/ 8415897 h 15070903"/>
+              <a:gd name="connsiteX3" fmla="*/ 178508 w 17572918"/>
+              <a:gd name="connsiteY3" fmla="*/ 12294751 h 15070903"/>
+              <a:gd name="connsiteX4" fmla="*/ 1898243 w 17572918"/>
+              <a:gd name="connsiteY4" fmla="*/ 15067869 h 15070903"/>
+              <a:gd name="connsiteX5" fmla="*/ 10473520 w 17572918"/>
+              <a:gd name="connsiteY5" fmla="*/ 11467417 h 15070903"/>
+              <a:gd name="connsiteX6" fmla="*/ 17100143 w 17572918"/>
+              <a:gd name="connsiteY6" fmla="*/ 14496369 h 15070903"/>
+              <a:gd name="connsiteX7" fmla="*/ 16490001 w 17572918"/>
+              <a:gd name="connsiteY7" fmla="*/ 10944668 h 15070903"/>
+              <a:gd name="connsiteX8" fmla="*/ 14799440 w 17572918"/>
+              <a:gd name="connsiteY8" fmla="*/ 4290603 h 15070903"/>
+              <a:gd name="connsiteX9" fmla="*/ 11552070 w 17572918"/>
+              <a:gd name="connsiteY9" fmla="*/ 829599 h 15070903"/>
+              <a:gd name="connsiteX10" fmla="*/ 8797579 w 17572918"/>
+              <a:gd name="connsiteY10" fmla="*/ 47980 h 15070903"/>
+              <a:gd name="connsiteX11" fmla="*/ 7034310 w 17572918"/>
+              <a:gd name="connsiteY11" fmla="*/ 57577 h 15070903"/>
+              <a:gd name="connsiteX0" fmla="*/ 5318836 w 17572918"/>
+              <a:gd name="connsiteY0" fmla="*/ 691021 h 15070903"/>
+              <a:gd name="connsiteX1" fmla="*/ 3893239 w 17572918"/>
+              <a:gd name="connsiteY1" fmla="*/ 1749150 h 15070903"/>
+              <a:gd name="connsiteX2" fmla="*/ 1944940 w 17572918"/>
+              <a:gd name="connsiteY2" fmla="*/ 3910097 h 15070903"/>
+              <a:gd name="connsiteX3" fmla="*/ 298963 w 17572918"/>
+              <a:gd name="connsiteY3" fmla="*/ 8415897 h 15070903"/>
+              <a:gd name="connsiteX4" fmla="*/ 178508 w 17572918"/>
+              <a:gd name="connsiteY4" fmla="*/ 12294751 h 15070903"/>
+              <a:gd name="connsiteX5" fmla="*/ 1898243 w 17572918"/>
+              <a:gd name="connsiteY5" fmla="*/ 15067869 h 15070903"/>
+              <a:gd name="connsiteX6" fmla="*/ 10473520 w 17572918"/>
+              <a:gd name="connsiteY6" fmla="*/ 11467417 h 15070903"/>
+              <a:gd name="connsiteX7" fmla="*/ 17100143 w 17572918"/>
+              <a:gd name="connsiteY7" fmla="*/ 14496369 h 15070903"/>
+              <a:gd name="connsiteX8" fmla="*/ 16490001 w 17572918"/>
+              <a:gd name="connsiteY8" fmla="*/ 10944668 h 15070903"/>
+              <a:gd name="connsiteX9" fmla="*/ 14799440 w 17572918"/>
+              <a:gd name="connsiteY9" fmla="*/ 4290603 h 15070903"/>
+              <a:gd name="connsiteX10" fmla="*/ 11552070 w 17572918"/>
+              <a:gd name="connsiteY10" fmla="*/ 829599 h 15070903"/>
+              <a:gd name="connsiteX11" fmla="*/ 8797579 w 17572918"/>
+              <a:gd name="connsiteY11" fmla="*/ 47980 h 15070903"/>
+              <a:gd name="connsiteX12" fmla="*/ 7034310 w 17572918"/>
+              <a:gd name="connsiteY12" fmla="*/ 57577 h 15070903"/>
+              <a:gd name="connsiteX0" fmla="*/ 5318836 w 17102324"/>
+              <a:gd name="connsiteY0" fmla="*/ 691021 h 15070903"/>
+              <a:gd name="connsiteX1" fmla="*/ 3893239 w 17102324"/>
+              <a:gd name="connsiteY1" fmla="*/ 1749150 h 15070903"/>
+              <a:gd name="connsiteX2" fmla="*/ 1944940 w 17102324"/>
+              <a:gd name="connsiteY2" fmla="*/ 3910097 h 15070903"/>
+              <a:gd name="connsiteX3" fmla="*/ 298963 w 17102324"/>
+              <a:gd name="connsiteY3" fmla="*/ 8415897 h 15070903"/>
+              <a:gd name="connsiteX4" fmla="*/ 178508 w 17102324"/>
+              <a:gd name="connsiteY4" fmla="*/ 12294751 h 15070903"/>
+              <a:gd name="connsiteX5" fmla="*/ 1898243 w 17102324"/>
+              <a:gd name="connsiteY5" fmla="*/ 15067869 h 15070903"/>
+              <a:gd name="connsiteX6" fmla="*/ 10473520 w 17102324"/>
+              <a:gd name="connsiteY6" fmla="*/ 11467417 h 15070903"/>
+              <a:gd name="connsiteX7" fmla="*/ 17100143 w 17102324"/>
+              <a:gd name="connsiteY7" fmla="*/ 14496369 h 15070903"/>
+              <a:gd name="connsiteX8" fmla="*/ 16490001 w 17102324"/>
+              <a:gd name="connsiteY8" fmla="*/ 10944668 h 15070903"/>
+              <a:gd name="connsiteX9" fmla="*/ 14799440 w 17102324"/>
+              <a:gd name="connsiteY9" fmla="*/ 4290603 h 15070903"/>
+              <a:gd name="connsiteX10" fmla="*/ 11552070 w 17102324"/>
+              <a:gd name="connsiteY10" fmla="*/ 829599 h 15070903"/>
+              <a:gd name="connsiteX11" fmla="*/ 8797579 w 17102324"/>
+              <a:gd name="connsiteY11" fmla="*/ 47980 h 15070903"/>
+              <a:gd name="connsiteX12" fmla="*/ 7034310 w 17102324"/>
+              <a:gd name="connsiteY12" fmla="*/ 57577 h 15070903"/>
+              <a:gd name="connsiteX0" fmla="*/ 5318836 w 16610512"/>
+              <a:gd name="connsiteY0" fmla="*/ 691021 h 15070903"/>
+              <a:gd name="connsiteX1" fmla="*/ 3893239 w 16610512"/>
+              <a:gd name="connsiteY1" fmla="*/ 1749150 h 15070903"/>
+              <a:gd name="connsiteX2" fmla="*/ 1944940 w 16610512"/>
+              <a:gd name="connsiteY2" fmla="*/ 3910097 h 15070903"/>
+              <a:gd name="connsiteX3" fmla="*/ 298963 w 16610512"/>
+              <a:gd name="connsiteY3" fmla="*/ 8415897 h 15070903"/>
+              <a:gd name="connsiteX4" fmla="*/ 178508 w 16610512"/>
+              <a:gd name="connsiteY4" fmla="*/ 12294751 h 15070903"/>
+              <a:gd name="connsiteX5" fmla="*/ 1898243 w 16610512"/>
+              <a:gd name="connsiteY5" fmla="*/ 15067869 h 15070903"/>
+              <a:gd name="connsiteX6" fmla="*/ 10473520 w 16610512"/>
+              <a:gd name="connsiteY6" fmla="*/ 11467417 h 15070903"/>
+              <a:gd name="connsiteX7" fmla="*/ 16193178 w 16610512"/>
+              <a:gd name="connsiteY7" fmla="*/ 13668775 h 15070903"/>
+              <a:gd name="connsiteX8" fmla="*/ 16490001 w 16610512"/>
+              <a:gd name="connsiteY8" fmla="*/ 10944668 h 15070903"/>
+              <a:gd name="connsiteX9" fmla="*/ 14799440 w 16610512"/>
+              <a:gd name="connsiteY9" fmla="*/ 4290603 h 15070903"/>
+              <a:gd name="connsiteX10" fmla="*/ 11552070 w 16610512"/>
+              <a:gd name="connsiteY10" fmla="*/ 829599 h 15070903"/>
+              <a:gd name="connsiteX11" fmla="*/ 8797579 w 16610512"/>
+              <a:gd name="connsiteY11" fmla="*/ 47980 h 15070903"/>
+              <a:gd name="connsiteX12" fmla="*/ 7034310 w 16610512"/>
+              <a:gd name="connsiteY12" fmla="*/ 57577 h 15070903"/>
+              <a:gd name="connsiteX0" fmla="*/ 5318836 w 16496587"/>
+              <a:gd name="connsiteY0" fmla="*/ 691021 h 15070903"/>
+              <a:gd name="connsiteX1" fmla="*/ 3893239 w 16496587"/>
+              <a:gd name="connsiteY1" fmla="*/ 1749150 h 15070903"/>
+              <a:gd name="connsiteX2" fmla="*/ 1944940 w 16496587"/>
+              <a:gd name="connsiteY2" fmla="*/ 3910097 h 15070903"/>
+              <a:gd name="connsiteX3" fmla="*/ 298963 w 16496587"/>
+              <a:gd name="connsiteY3" fmla="*/ 8415897 h 15070903"/>
+              <a:gd name="connsiteX4" fmla="*/ 178508 w 16496587"/>
+              <a:gd name="connsiteY4" fmla="*/ 12294751 h 15070903"/>
+              <a:gd name="connsiteX5" fmla="*/ 1898243 w 16496587"/>
+              <a:gd name="connsiteY5" fmla="*/ 15067869 h 15070903"/>
+              <a:gd name="connsiteX6" fmla="*/ 10473520 w 16496587"/>
+              <a:gd name="connsiteY6" fmla="*/ 11467417 h 15070903"/>
+              <a:gd name="connsiteX7" fmla="*/ 16193178 w 16496587"/>
+              <a:gd name="connsiteY7" fmla="*/ 13668775 h 15070903"/>
+              <a:gd name="connsiteX8" fmla="*/ 16355636 w 16496587"/>
+              <a:gd name="connsiteY8" fmla="*/ 8231990 h 15070903"/>
+              <a:gd name="connsiteX9" fmla="*/ 14799440 w 16496587"/>
+              <a:gd name="connsiteY9" fmla="*/ 4290603 h 15070903"/>
+              <a:gd name="connsiteX10" fmla="*/ 11552070 w 16496587"/>
+              <a:gd name="connsiteY10" fmla="*/ 829599 h 15070903"/>
+              <a:gd name="connsiteX11" fmla="*/ 8797579 w 16496587"/>
+              <a:gd name="connsiteY11" fmla="*/ 47980 h 15070903"/>
+              <a:gd name="connsiteX12" fmla="*/ 7034310 w 16496587"/>
+              <a:gd name="connsiteY12" fmla="*/ 57577 h 15070903"/>
+              <a:gd name="connsiteX0" fmla="*/ 5318836 w 16399347"/>
+              <a:gd name="connsiteY0" fmla="*/ 691021 h 15070903"/>
+              <a:gd name="connsiteX1" fmla="*/ 3893239 w 16399347"/>
+              <a:gd name="connsiteY1" fmla="*/ 1749150 h 15070903"/>
+              <a:gd name="connsiteX2" fmla="*/ 1944940 w 16399347"/>
+              <a:gd name="connsiteY2" fmla="*/ 3910097 h 15070903"/>
+              <a:gd name="connsiteX3" fmla="*/ 298963 w 16399347"/>
+              <a:gd name="connsiteY3" fmla="*/ 8415897 h 15070903"/>
+              <a:gd name="connsiteX4" fmla="*/ 178508 w 16399347"/>
+              <a:gd name="connsiteY4" fmla="*/ 12294751 h 15070903"/>
+              <a:gd name="connsiteX5" fmla="*/ 1898243 w 16399347"/>
+              <a:gd name="connsiteY5" fmla="*/ 15067869 h 15070903"/>
+              <a:gd name="connsiteX6" fmla="*/ 10473520 w 16399347"/>
+              <a:gd name="connsiteY6" fmla="*/ 11467417 h 15070903"/>
+              <a:gd name="connsiteX7" fmla="*/ 16193178 w 16399347"/>
+              <a:gd name="connsiteY7" fmla="*/ 13668775 h 15070903"/>
+              <a:gd name="connsiteX8" fmla="*/ 14799440 w 16399347"/>
+              <a:gd name="connsiteY8" fmla="*/ 4290603 h 15070903"/>
+              <a:gd name="connsiteX9" fmla="*/ 11552070 w 16399347"/>
+              <a:gd name="connsiteY9" fmla="*/ 829599 h 15070903"/>
+              <a:gd name="connsiteX10" fmla="*/ 8797579 w 16399347"/>
+              <a:gd name="connsiteY10" fmla="*/ 47980 h 15070903"/>
+              <a:gd name="connsiteX11" fmla="*/ 7034310 w 16399347"/>
+              <a:gd name="connsiteY11" fmla="*/ 57577 h 15070903"/>
+              <a:gd name="connsiteX0" fmla="*/ 5318836 w 16199695"/>
+              <a:gd name="connsiteY0" fmla="*/ 691021 h 15070903"/>
+              <a:gd name="connsiteX1" fmla="*/ 3893239 w 16199695"/>
+              <a:gd name="connsiteY1" fmla="*/ 1749150 h 15070903"/>
+              <a:gd name="connsiteX2" fmla="*/ 1944940 w 16199695"/>
+              <a:gd name="connsiteY2" fmla="*/ 3910097 h 15070903"/>
+              <a:gd name="connsiteX3" fmla="*/ 298963 w 16199695"/>
+              <a:gd name="connsiteY3" fmla="*/ 8415897 h 15070903"/>
+              <a:gd name="connsiteX4" fmla="*/ 178508 w 16199695"/>
+              <a:gd name="connsiteY4" fmla="*/ 12294751 h 15070903"/>
+              <a:gd name="connsiteX5" fmla="*/ 1898243 w 16199695"/>
+              <a:gd name="connsiteY5" fmla="*/ 15067869 h 15070903"/>
+              <a:gd name="connsiteX6" fmla="*/ 10473520 w 16199695"/>
+              <a:gd name="connsiteY6" fmla="*/ 11467417 h 15070903"/>
+              <a:gd name="connsiteX7" fmla="*/ 16193178 w 16199695"/>
+              <a:gd name="connsiteY7" fmla="*/ 13668775 h 15070903"/>
+              <a:gd name="connsiteX8" fmla="*/ 11552070 w 16199695"/>
+              <a:gd name="connsiteY8" fmla="*/ 829599 h 15070903"/>
+              <a:gd name="connsiteX9" fmla="*/ 8797579 w 16199695"/>
+              <a:gd name="connsiteY9" fmla="*/ 47980 h 15070903"/>
+              <a:gd name="connsiteX10" fmla="*/ 7034310 w 16199695"/>
+              <a:gd name="connsiteY10" fmla="*/ 57577 h 15070903"/>
+              <a:gd name="connsiteX0" fmla="*/ 5318836 w 16193178"/>
+              <a:gd name="connsiteY0" fmla="*/ 691021 h 15070903"/>
+              <a:gd name="connsiteX1" fmla="*/ 3893239 w 16193178"/>
+              <a:gd name="connsiteY1" fmla="*/ 1749150 h 15070903"/>
+              <a:gd name="connsiteX2" fmla="*/ 1944940 w 16193178"/>
+              <a:gd name="connsiteY2" fmla="*/ 3910097 h 15070903"/>
+              <a:gd name="connsiteX3" fmla="*/ 298963 w 16193178"/>
+              <a:gd name="connsiteY3" fmla="*/ 8415897 h 15070903"/>
+              <a:gd name="connsiteX4" fmla="*/ 178508 w 16193178"/>
+              <a:gd name="connsiteY4" fmla="*/ 12294751 h 15070903"/>
+              <a:gd name="connsiteX5" fmla="*/ 1898243 w 16193178"/>
+              <a:gd name="connsiteY5" fmla="*/ 15067869 h 15070903"/>
+              <a:gd name="connsiteX6" fmla="*/ 10473520 w 16193178"/>
+              <a:gd name="connsiteY6" fmla="*/ 11467417 h 15070903"/>
+              <a:gd name="connsiteX7" fmla="*/ 16193178 w 16193178"/>
+              <a:gd name="connsiteY7" fmla="*/ 13668775 h 15070903"/>
+              <a:gd name="connsiteX8" fmla="*/ 8797579 w 16193178"/>
+              <a:gd name="connsiteY8" fmla="*/ 47980 h 15070903"/>
+              <a:gd name="connsiteX9" fmla="*/ 7034310 w 16193178"/>
+              <a:gd name="connsiteY9" fmla="*/ 57577 h 15070903"/>
+              <a:gd name="connsiteX0" fmla="*/ 5318836 w 16193178"/>
+              <a:gd name="connsiteY0" fmla="*/ 633444 h 15013326"/>
+              <a:gd name="connsiteX1" fmla="*/ 3893239 w 16193178"/>
+              <a:gd name="connsiteY1" fmla="*/ 1691573 h 15013326"/>
+              <a:gd name="connsiteX2" fmla="*/ 1944940 w 16193178"/>
+              <a:gd name="connsiteY2" fmla="*/ 3852520 h 15013326"/>
+              <a:gd name="connsiteX3" fmla="*/ 298963 w 16193178"/>
+              <a:gd name="connsiteY3" fmla="*/ 8358320 h 15013326"/>
+              <a:gd name="connsiteX4" fmla="*/ 178508 w 16193178"/>
+              <a:gd name="connsiteY4" fmla="*/ 12237174 h 15013326"/>
+              <a:gd name="connsiteX5" fmla="*/ 1898243 w 16193178"/>
+              <a:gd name="connsiteY5" fmla="*/ 15010292 h 15013326"/>
+              <a:gd name="connsiteX6" fmla="*/ 10473520 w 16193178"/>
+              <a:gd name="connsiteY6" fmla="*/ 11409840 h 15013326"/>
+              <a:gd name="connsiteX7" fmla="*/ 16193178 w 16193178"/>
+              <a:gd name="connsiteY7" fmla="*/ 13611198 h 15013326"/>
+              <a:gd name="connsiteX8" fmla="*/ 7034310 w 16193178"/>
+              <a:gd name="connsiteY8" fmla="*/ 0 h 15013326"/>
+              <a:gd name="connsiteX0" fmla="*/ 5318836 w 16193178"/>
+              <a:gd name="connsiteY0" fmla="*/ 0 h 14379882"/>
+              <a:gd name="connsiteX1" fmla="*/ 3893239 w 16193178"/>
+              <a:gd name="connsiteY1" fmla="*/ 1058129 h 14379882"/>
+              <a:gd name="connsiteX2" fmla="*/ 1944940 w 16193178"/>
+              <a:gd name="connsiteY2" fmla="*/ 3219076 h 14379882"/>
+              <a:gd name="connsiteX3" fmla="*/ 298963 w 16193178"/>
+              <a:gd name="connsiteY3" fmla="*/ 7724876 h 14379882"/>
+              <a:gd name="connsiteX4" fmla="*/ 178508 w 16193178"/>
+              <a:gd name="connsiteY4" fmla="*/ 11603730 h 14379882"/>
+              <a:gd name="connsiteX5" fmla="*/ 1898243 w 16193178"/>
+              <a:gd name="connsiteY5" fmla="*/ 14376848 h 14379882"/>
+              <a:gd name="connsiteX6" fmla="*/ 10473520 w 16193178"/>
+              <a:gd name="connsiteY6" fmla="*/ 10776396 h 14379882"/>
+              <a:gd name="connsiteX7" fmla="*/ 16193178 w 16193178"/>
+              <a:gd name="connsiteY7" fmla="*/ 12977754 h 14379882"/>
+              <a:gd name="connsiteX0" fmla="*/ 3893239 w 16193178"/>
+              <a:gd name="connsiteY0" fmla="*/ 0 h 13321753"/>
+              <a:gd name="connsiteX1" fmla="*/ 1944940 w 16193178"/>
+              <a:gd name="connsiteY1" fmla="*/ 2160947 h 13321753"/>
+              <a:gd name="connsiteX2" fmla="*/ 298963 w 16193178"/>
+              <a:gd name="connsiteY2" fmla="*/ 6666747 h 13321753"/>
+              <a:gd name="connsiteX3" fmla="*/ 178508 w 16193178"/>
+              <a:gd name="connsiteY3" fmla="*/ 10545601 h 13321753"/>
+              <a:gd name="connsiteX4" fmla="*/ 1898243 w 16193178"/>
+              <a:gd name="connsiteY4" fmla="*/ 13318719 h 13321753"/>
+              <a:gd name="connsiteX5" fmla="*/ 10473520 w 16193178"/>
+              <a:gd name="connsiteY5" fmla="*/ 9718267 h 13321753"/>
+              <a:gd name="connsiteX6" fmla="*/ 16193178 w 16193178"/>
+              <a:gd name="connsiteY6" fmla="*/ 11919625 h 13321753"/>
+              <a:gd name="connsiteX0" fmla="*/ 1944940 w 16193178"/>
+              <a:gd name="connsiteY0" fmla="*/ 0 h 11160806"/>
+              <a:gd name="connsiteX1" fmla="*/ 298963 w 16193178"/>
+              <a:gd name="connsiteY1" fmla="*/ 4505800 h 11160806"/>
+              <a:gd name="connsiteX2" fmla="*/ 178508 w 16193178"/>
+              <a:gd name="connsiteY2" fmla="*/ 8384654 h 11160806"/>
+              <a:gd name="connsiteX3" fmla="*/ 1898243 w 16193178"/>
+              <a:gd name="connsiteY3" fmla="*/ 11157772 h 11160806"/>
+              <a:gd name="connsiteX4" fmla="*/ 10473520 w 16193178"/>
+              <a:gd name="connsiteY4" fmla="*/ 7557320 h 11160806"/>
+              <a:gd name="connsiteX5" fmla="*/ 16193178 w 16193178"/>
+              <a:gd name="connsiteY5" fmla="*/ 9758678 h 11160806"/>
+              <a:gd name="connsiteX0" fmla="*/ 298963 w 16193178"/>
+              <a:gd name="connsiteY0" fmla="*/ 0 h 6655006"/>
+              <a:gd name="connsiteX1" fmla="*/ 178508 w 16193178"/>
+              <a:gd name="connsiteY1" fmla="*/ 3878854 h 6655006"/>
+              <a:gd name="connsiteX2" fmla="*/ 1898243 w 16193178"/>
+              <a:gd name="connsiteY2" fmla="*/ 6651972 h 6655006"/>
+              <a:gd name="connsiteX3" fmla="*/ 10473520 w 16193178"/>
+              <a:gd name="connsiteY3" fmla="*/ 3051520 h 6655006"/>
+              <a:gd name="connsiteX4" fmla="*/ 16193178 w 16193178"/>
+              <a:gd name="connsiteY4" fmla="*/ 5252878 h 6655006"/>
+              <a:gd name="connsiteX0" fmla="*/ 0 w 16014670"/>
+              <a:gd name="connsiteY0" fmla="*/ 840340 h 3616492"/>
+              <a:gd name="connsiteX1" fmla="*/ 1719735 w 16014670"/>
+              <a:gd name="connsiteY1" fmla="*/ 3613458 h 3616492"/>
+              <a:gd name="connsiteX2" fmla="*/ 10295012 w 16014670"/>
+              <a:gd name="connsiteY2" fmla="*/ 13006 h 3616492"/>
+              <a:gd name="connsiteX3" fmla="*/ 16014670 w 16014670"/>
+              <a:gd name="connsiteY3" fmla="*/ 2214364 h 3616492"/>
+              <a:gd name="connsiteX0" fmla="*/ 0 w 15981079"/>
+              <a:gd name="connsiteY0" fmla="*/ 1851847 h 3620206"/>
+              <a:gd name="connsiteX1" fmla="*/ 1686144 w 15981079"/>
+              <a:gd name="connsiteY1" fmla="*/ 3613458 h 3620206"/>
+              <a:gd name="connsiteX2" fmla="*/ 10261421 w 15981079"/>
+              <a:gd name="connsiteY2" fmla="*/ 13006 h 3620206"/>
+              <a:gd name="connsiteX3" fmla="*/ 15981079 w 15981079"/>
+              <a:gd name="connsiteY3" fmla="*/ 2214364 h 3620206"/>
+            </a:gdLst>
+            <a:ahLst/>
+            <a:cxnLst>
+              <a:cxn ang="0">
+                <a:pos x="connsiteX0" y="connsiteY0"/>
+              </a:cxn>
+              <a:cxn ang="0">
+                <a:pos x="connsiteX1" y="connsiteY1"/>
+              </a:cxn>
+              <a:cxn ang="0">
+                <a:pos x="connsiteX2" y="connsiteY2"/>
+              </a:cxn>
+              <a:cxn ang="0">
+                <a:pos x="connsiteX3" y="connsiteY3"/>
+              </a:cxn>
+            </a:cxnLst>
+            <a:rect l="l" t="t" r="r" b="b"/>
+            <a:pathLst>
+              <a:path w="15981079" h="3620206">
+                <a:moveTo>
+                  <a:pt x="0" y="1851847"/>
+                </a:moveTo>
+                <a:cubicBezTo>
+                  <a:pt x="266547" y="2960509"/>
+                  <a:pt x="-199806" y="3699183"/>
+                  <a:pt x="1686144" y="3613458"/>
+                </a:cubicBezTo>
+                <a:cubicBezTo>
+                  <a:pt x="4544570" y="2413307"/>
+                  <a:pt x="7878932" y="246188"/>
+                  <a:pt x="10261421" y="13006"/>
+                </a:cubicBezTo>
+                <a:cubicBezTo>
+                  <a:pt x="12643910" y="-220176"/>
+                  <a:pt x="14180854" y="2766814"/>
+                  <a:pt x="15981079" y="2214364"/>
+                </a:cubicBezTo>
+              </a:path>
+            </a:pathLst>
+          </a:custGeom>
+          <a:noFill/>
+          <a:ln w="88900" cap="flat">
+            <a:solidFill>
+              <a:srgbClr val="FFFF00"/>
+            </a:solidFill>
+            <a:prstDash val="sysDot"/>
+          </a:ln>
+        </p:spPr>
+        <p:style>
+          <a:lnRef idx="2">
+            <a:schemeClr val="accent1">
+              <a:shade val="50000"/>
+            </a:schemeClr>
+          </a:lnRef>
+          <a:fillRef idx="1">
+            <a:schemeClr val="accent1"/>
+          </a:fillRef>
+          <a:effectRef idx="0">
+            <a:schemeClr val="accent1"/>
+          </a:effectRef>
+          <a:fontRef idx="minor">
+            <a:schemeClr val="lt1"/>
+          </a:fontRef>
+        </p:style>
+        <p:txBody>
+          <a:bodyPr rtlCol="0" anchor="ctr"/>
+          <a:lstStyle/>
+          <a:p>
+            <a:pPr algn="ctr"/>
+            <a:endParaRPr lang="en-US"/>
+          </a:p>
+        </p:txBody>
+      </p:sp>
+      <p:sp>
+        <p:nvSpPr>
+          <p:cNvPr id="52" name="Oval 51"/>
+          <p:cNvSpPr/>
+          <p:nvPr/>
+        </p:nvSpPr>
+        <p:spPr>
+          <a:xfrm>
+            <a:off x="1693447" y="1301325"/>
+            <a:ext cx="5954724" cy="5791052"/>
+          </a:xfrm>
+          <a:prstGeom prst="ellipse">
+            <a:avLst/>
+          </a:prstGeom>
+          <a:noFill/>
+          <a:ln w="76200">
+            <a:solidFill>
+              <a:schemeClr val="accent1">
+                <a:lumMod val="50000"/>
+              </a:schemeClr>
+            </a:solidFill>
+            <a:prstDash val="sysDash"/>
+          </a:ln>
+        </p:spPr>
+        <p:style>
+          <a:lnRef idx="2">
+            <a:schemeClr val="accent1">
+              <a:shade val="50000"/>
+            </a:schemeClr>
+          </a:lnRef>
+          <a:fillRef idx="1">
+            <a:schemeClr val="accent1"/>
+          </a:fillRef>
+          <a:effectRef idx="0">
+            <a:schemeClr val="accent1"/>
+          </a:effectRef>
+          <a:fontRef idx="minor">
+            <a:schemeClr val="lt1"/>
+          </a:fontRef>
+        </p:style>
+        <p:txBody>
+          <a:bodyPr rtlCol="0" anchor="ctr"/>
+          <a:lstStyle/>
+          <a:p>
+            <a:pPr algn="ctr"/>
+            <a:endParaRPr lang="en-US"/>
+          </a:p>
+        </p:txBody>
+      </p:sp>
+      <p:sp>
+        <p:nvSpPr>
+          <p:cNvPr id="2" name="Down Arrow 1"/>
+          <p:cNvSpPr/>
+          <p:nvPr/>
+        </p:nvSpPr>
+        <p:spPr>
+          <a:xfrm>
+            <a:off x="2121320" y="1173956"/>
+            <a:ext cx="635372" cy="915121"/>
+          </a:xfrm>
+          <a:prstGeom prst="downArrow">
+            <a:avLst>
+              <a:gd name="adj1" fmla="val 50000"/>
+              <a:gd name="adj2" fmla="val 72844"/>
+            </a:avLst>
+          </a:prstGeom>
+          <a:solidFill>
+            <a:srgbClr val="BFD1E7"/>
+          </a:solidFill>
+          <a:ln>
             <a:noFill/>
-            <a:ln w="88900" cap="flat">
-              <a:solidFill>
-                <a:srgbClr val="FFFF00"/>
-              </a:solidFill>
-              <a:prstDash val="sysDot"/>
-            </a:ln>
-          </p:spPr>
-          <p:style>
-            <a:lnRef idx="2">
-              <a:schemeClr val="accent1">
-                <a:shade val="50000"/>
-              </a:schemeClr>
-            </a:lnRef>
-            <a:fillRef idx="1">
-              <a:schemeClr val="accent1"/>
-            </a:fillRef>
-            <a:effectRef idx="0">
-              <a:schemeClr val="accent1"/>
-            </a:effectRef>
-            <a:fontRef idx="minor">
-              <a:schemeClr val="lt1"/>
-            </a:fontRef>
-          </p:style>
-          <p:txBody>
-            <a:bodyPr rtlCol="0" anchor="ctr"/>
-            <a:lstStyle/>
-            <a:p>
-              <a:pPr algn="ctr"/>
-              <a:endParaRPr lang="en-US"/>
-            </a:p>
-          </p:txBody>
-        </p:sp>
-      </p:grpSp>
+          </a:ln>
+        </p:spPr>
+        <p:style>
+          <a:lnRef idx="2">
+            <a:schemeClr val="accent1">
+              <a:shade val="50000"/>
+            </a:schemeClr>
+          </a:lnRef>
+          <a:fillRef idx="1">
+            <a:schemeClr val="accent1"/>
+          </a:fillRef>
+          <a:effectRef idx="0">
+            <a:schemeClr val="accent1"/>
+          </a:effectRef>
+          <a:fontRef idx="minor">
+            <a:schemeClr val="lt1"/>
+          </a:fontRef>
+        </p:style>
+        <p:txBody>
+          <a:bodyPr rtlCol="0" anchor="ctr"/>
+          <a:lstStyle/>
+          <a:p>
+            <a:pPr algn="ctr"/>
+            <a:endParaRPr lang="en-US"/>
+          </a:p>
+        </p:txBody>
+      </p:sp>
+      <p:sp>
+        <p:nvSpPr>
+          <p:cNvPr id="54" name="Down Arrow 53"/>
+          <p:cNvSpPr/>
+          <p:nvPr/>
+        </p:nvSpPr>
+        <p:spPr>
+          <a:xfrm rot="10800000">
+            <a:off x="2121320" y="6324689"/>
+            <a:ext cx="635372" cy="915121"/>
+          </a:xfrm>
+          <a:prstGeom prst="downArrow">
+            <a:avLst>
+              <a:gd name="adj1" fmla="val 50000"/>
+              <a:gd name="adj2" fmla="val 81981"/>
+            </a:avLst>
+          </a:prstGeom>
+          <a:solidFill>
+            <a:srgbClr val="7FCCB3"/>
+          </a:solidFill>
+          <a:ln>
+            <a:noFill/>
+          </a:ln>
+        </p:spPr>
+        <p:style>
+          <a:lnRef idx="2">
+            <a:schemeClr val="accent1">
+              <a:shade val="50000"/>
+            </a:schemeClr>
+          </a:lnRef>
+          <a:fillRef idx="1">
+            <a:schemeClr val="accent1"/>
+          </a:fillRef>
+          <a:effectRef idx="0">
+            <a:schemeClr val="accent1"/>
+          </a:effectRef>
+          <a:fontRef idx="minor">
+            <a:schemeClr val="lt1"/>
+          </a:fontRef>
+        </p:style>
+        <p:txBody>
+          <a:bodyPr rtlCol="0" anchor="ctr"/>
+          <a:lstStyle/>
+          <a:p>
+            <a:pPr algn="ctr"/>
+            <a:endParaRPr lang="en-US"/>
+          </a:p>
+        </p:txBody>
+      </p:sp>
     </p:spTree>
     <p:extLst>
       <p:ext uri="{BB962C8B-B14F-4D97-AF65-F5344CB8AC3E}">

--- a/images_pvis/mt_gen.pptx
+++ b/images_pvis/mt_gen.pptx
@@ -192,7 +192,7 @@
           <a:p>
             <a:fld id="{1DC76BE9-ED94-4F02-A8F6-3B0D26FC924E}" type="datetimeFigureOut">
               <a:rPr lang="en-US" smtClean="0"/>
-              <a:t>9/25/2014</a:t>
+              <a:t>12/10/2014</a:t>
             </a:fld>
             <a:endParaRPr lang="en-US"/>
           </a:p>
@@ -725,7 +725,7 @@
           <a:p>
             <a:fld id="{0F712C90-6D67-4812-8C3C-842B0CBDEA41}" type="datetimeFigureOut">
               <a:rPr lang="en-US" smtClean="0"/>
-              <a:t>9/25/2014</a:t>
+              <a:t>12/10/2014</a:t>
             </a:fld>
             <a:endParaRPr lang="en-US"/>
           </a:p>
@@ -895,7 +895,7 @@
           <a:p>
             <a:fld id="{0F712C90-6D67-4812-8C3C-842B0CBDEA41}" type="datetimeFigureOut">
               <a:rPr lang="en-US" smtClean="0"/>
-              <a:t>9/25/2014</a:t>
+              <a:t>12/10/2014</a:t>
             </a:fld>
             <a:endParaRPr lang="en-US"/>
           </a:p>
@@ -1075,7 +1075,7 @@
           <a:p>
             <a:fld id="{0F712C90-6D67-4812-8C3C-842B0CBDEA41}" type="datetimeFigureOut">
               <a:rPr lang="en-US" smtClean="0"/>
-              <a:t>9/25/2014</a:t>
+              <a:t>12/10/2014</a:t>
             </a:fld>
             <a:endParaRPr lang="en-US"/>
           </a:p>
@@ -1245,7 +1245,7 @@
           <a:p>
             <a:fld id="{0F712C90-6D67-4812-8C3C-842B0CBDEA41}" type="datetimeFigureOut">
               <a:rPr lang="en-US" smtClean="0"/>
-              <a:t>9/25/2014</a:t>
+              <a:t>12/10/2014</a:t>
             </a:fld>
             <a:endParaRPr lang="en-US"/>
           </a:p>
@@ -1491,7 +1491,7 @@
           <a:p>
             <a:fld id="{0F712C90-6D67-4812-8C3C-842B0CBDEA41}" type="datetimeFigureOut">
               <a:rPr lang="en-US" smtClean="0"/>
-              <a:t>9/25/2014</a:t>
+              <a:t>12/10/2014</a:t>
             </a:fld>
             <a:endParaRPr lang="en-US"/>
           </a:p>
@@ -1779,7 +1779,7 @@
           <a:p>
             <a:fld id="{0F712C90-6D67-4812-8C3C-842B0CBDEA41}" type="datetimeFigureOut">
               <a:rPr lang="en-US" smtClean="0"/>
-              <a:t>9/25/2014</a:t>
+              <a:t>12/10/2014</a:t>
             </a:fld>
             <a:endParaRPr lang="en-US"/>
           </a:p>
@@ -2206,7 +2206,7 @@
           <a:p>
             <a:fld id="{0F712C90-6D67-4812-8C3C-842B0CBDEA41}" type="datetimeFigureOut">
               <a:rPr lang="en-US" smtClean="0"/>
-              <a:t>9/25/2014</a:t>
+              <a:t>12/10/2014</a:t>
             </a:fld>
             <a:endParaRPr lang="en-US"/>
           </a:p>
@@ -2324,7 +2324,7 @@
           <a:p>
             <a:fld id="{0F712C90-6D67-4812-8C3C-842B0CBDEA41}" type="datetimeFigureOut">
               <a:rPr lang="en-US" smtClean="0"/>
-              <a:t>9/25/2014</a:t>
+              <a:t>12/10/2014</a:t>
             </a:fld>
             <a:endParaRPr lang="en-US"/>
           </a:p>
@@ -2419,7 +2419,7 @@
           <a:p>
             <a:fld id="{0F712C90-6D67-4812-8C3C-842B0CBDEA41}" type="datetimeFigureOut">
               <a:rPr lang="en-US" smtClean="0"/>
-              <a:t>9/25/2014</a:t>
+              <a:t>12/10/2014</a:t>
             </a:fld>
             <a:endParaRPr lang="en-US"/>
           </a:p>
@@ -2696,7 +2696,7 @@
           <a:p>
             <a:fld id="{0F712C90-6D67-4812-8C3C-842B0CBDEA41}" type="datetimeFigureOut">
               <a:rPr lang="en-US" smtClean="0"/>
-              <a:t>9/25/2014</a:t>
+              <a:t>12/10/2014</a:t>
             </a:fld>
             <a:endParaRPr lang="en-US"/>
           </a:p>
@@ -2949,7 +2949,7 @@
           <a:p>
             <a:fld id="{0F712C90-6D67-4812-8C3C-842B0CBDEA41}" type="datetimeFigureOut">
               <a:rPr lang="en-US" smtClean="0"/>
-              <a:t>9/25/2014</a:t>
+              <a:t>12/10/2014</a:t>
             </a:fld>
             <a:endParaRPr lang="en-US"/>
           </a:p>
@@ -3162,7 +3162,7 @@
           <a:p>
             <a:fld id="{0F712C90-6D67-4812-8C3C-842B0CBDEA41}" type="datetimeFigureOut">
               <a:rPr lang="en-US" smtClean="0"/>
-              <a:t>9/25/2014</a:t>
+              <a:t>12/10/2014</a:t>
             </a:fld>
             <a:endParaRPr lang="en-US"/>
           </a:p>
@@ -3537,93 +3537,6 @@
           <a:chExt cx="0" cy="0"/>
         </a:xfrm>
       </p:grpSpPr>
-      <p:pic>
-        <p:nvPicPr>
-          <p:cNvPr id="85" name="Picture 84"/>
-          <p:cNvPicPr>
-            <a:picLocks noChangeAspect="1"/>
-          </p:cNvPicPr>
-          <p:nvPr/>
-        </p:nvPicPr>
-        <p:blipFill rotWithShape="1">
-          <a:blip r:embed="rId3">
-            <a:extLst>
-              <a:ext uri="{28A0092B-C50C-407E-A947-70E740481C1C}">
-                <a14:useLocalDpi xmlns:a14="http://schemas.microsoft.com/office/drawing/2010/main" val="0"/>
-              </a:ext>
-            </a:extLst>
-          </a:blip>
-          <a:srcRect r="26306"/>
-          <a:stretch/>
-        </p:blipFill>
-        <p:spPr>
-          <a:xfrm>
-            <a:off x="10453672" y="53274"/>
-            <a:ext cx="3613682" cy="5034984"/>
-          </a:xfrm>
-          <a:prstGeom prst="rect">
-            <a:avLst/>
-          </a:prstGeom>
-        </p:spPr>
-      </p:pic>
-      <p:pic>
-        <p:nvPicPr>
-          <p:cNvPr id="86" name="Picture 85"/>
-          <p:cNvPicPr>
-            <a:picLocks noChangeAspect="1"/>
-          </p:cNvPicPr>
-          <p:nvPr/>
-        </p:nvPicPr>
-        <p:blipFill rotWithShape="1">
-          <a:blip r:embed="rId3">
-            <a:extLst>
-              <a:ext uri="{28A0092B-C50C-407E-A947-70E740481C1C}">
-                <a14:useLocalDpi xmlns:a14="http://schemas.microsoft.com/office/drawing/2010/main" val="0"/>
-              </a:ext>
-            </a:extLst>
-          </a:blip>
-          <a:srcRect l="15360" t="14814" r="26306"/>
-          <a:stretch/>
-        </p:blipFill>
-        <p:spPr>
-          <a:xfrm>
-            <a:off x="8929504" y="3711892"/>
-            <a:ext cx="2860461" cy="4289108"/>
-          </a:xfrm>
-          <a:prstGeom prst="rect">
-            <a:avLst/>
-          </a:prstGeom>
-        </p:spPr>
-      </p:pic>
-      <p:pic>
-        <p:nvPicPr>
-          <p:cNvPr id="87" name="Picture 86"/>
-          <p:cNvPicPr>
-            <a:picLocks noChangeAspect="1"/>
-          </p:cNvPicPr>
-          <p:nvPr/>
-        </p:nvPicPr>
-        <p:blipFill rotWithShape="1">
-          <a:blip r:embed="rId3">
-            <a:extLst>
-              <a:ext uri="{28A0092B-C50C-407E-A947-70E740481C1C}">
-                <a14:useLocalDpi xmlns:a14="http://schemas.microsoft.com/office/drawing/2010/main" val="0"/>
-              </a:ext>
-            </a:extLst>
-          </a:blip>
-          <a:srcRect t="26213" r="26306"/>
-          <a:stretch/>
-        </p:blipFill>
-        <p:spPr>
-          <a:xfrm>
-            <a:off x="9317690" y="2538037"/>
-            <a:ext cx="3613682" cy="3715162"/>
-          </a:xfrm>
-          <a:prstGeom prst="rect">
-            <a:avLst/>
-          </a:prstGeom>
-        </p:spPr>
-      </p:pic>
       <p:sp>
         <p:nvSpPr>
           <p:cNvPr id="90" name="Rectangle 89"/>
@@ -4614,153 +4527,6 @@
           </a:p>
         </p:txBody>
       </p:sp>
-      <p:sp>
-        <p:nvSpPr>
-          <p:cNvPr id="94" name="Left Brace 93"/>
-          <p:cNvSpPr/>
-          <p:nvPr/>
-        </p:nvSpPr>
-        <p:spPr>
-          <a:xfrm rot="13514772">
-            <a:off x="11063856" y="4436036"/>
-            <a:ext cx="461482" cy="3253171"/>
-          </a:xfrm>
-          <a:prstGeom prst="leftBrace">
-            <a:avLst>
-              <a:gd name="adj1" fmla="val 42195"/>
-              <a:gd name="adj2" fmla="val 52127"/>
-            </a:avLst>
-          </a:prstGeom>
-          <a:ln w="76200" cap="sq">
-            <a:solidFill>
-              <a:schemeClr val="accent1">
-                <a:lumMod val="50000"/>
-              </a:schemeClr>
-            </a:solidFill>
-            <a:round/>
-            <a:headEnd w="lg" len="lg"/>
-          </a:ln>
-        </p:spPr>
-        <p:style>
-          <a:lnRef idx="1">
-            <a:schemeClr val="accent1"/>
-          </a:lnRef>
-          <a:fillRef idx="0">
-            <a:schemeClr val="accent1"/>
-          </a:fillRef>
-          <a:effectRef idx="0">
-            <a:schemeClr val="accent1"/>
-          </a:effectRef>
-          <a:fontRef idx="minor">
-            <a:schemeClr val="tx1"/>
-          </a:fontRef>
-        </p:style>
-        <p:txBody>
-          <a:bodyPr rtlCol="0" anchor="ctr"/>
-          <a:lstStyle/>
-          <a:p>
-            <a:pPr algn="ctr"/>
-            <a:endParaRPr lang="en-US">
-              <a:solidFill>
-                <a:srgbClr val="238B45"/>
-              </a:solidFill>
-            </a:endParaRPr>
-          </a:p>
-        </p:txBody>
-      </p:sp>
-      <p:sp>
-        <p:nvSpPr>
-          <p:cNvPr id="95" name="TextBox 94"/>
-          <p:cNvSpPr txBox="1"/>
-          <p:nvPr/>
-        </p:nvSpPr>
-        <p:spPr>
-          <a:xfrm>
-            <a:off x="11396208" y="6121303"/>
-            <a:ext cx="1535164" cy="935242"/>
-          </a:xfrm>
-          <a:prstGeom prst="rect">
-            <a:avLst/>
-          </a:prstGeom>
-          <a:noFill/>
-        </p:spPr>
-        <p:txBody>
-          <a:bodyPr wrap="square" rtlCol="0">
-            <a:spAutoFit/>
-          </a:bodyPr>
-          <a:lstStyle/>
-          <a:p>
-            <a:r>
-              <a:rPr lang="en-US" sz="6000" b="1" dirty="0" smtClean="0">
-                <a:solidFill>
-                  <a:schemeClr val="accent1">
-                    <a:lumMod val="50000"/>
-                  </a:schemeClr>
-                </a:solidFill>
-              </a:rPr>
-              <a:t>Dist</a:t>
-            </a:r>
-            <a:endParaRPr lang="en-US" sz="6000" b="1" dirty="0">
-              <a:solidFill>
-                <a:schemeClr val="accent1">
-                  <a:lumMod val="50000"/>
-                </a:schemeClr>
-              </a:solidFill>
-            </a:endParaRPr>
-          </a:p>
-        </p:txBody>
-      </p:sp>
-      <p:sp>
-        <p:nvSpPr>
-          <p:cNvPr id="96" name="Oval 95"/>
-          <p:cNvSpPr>
-            <a:spLocks noChangeAspect="1"/>
-          </p:cNvSpPr>
-          <p:nvPr/>
-        </p:nvSpPr>
-        <p:spPr>
-          <a:xfrm>
-            <a:off x="11023600" y="2925804"/>
-            <a:ext cx="1850633" cy="1900196"/>
-          </a:xfrm>
-          <a:prstGeom prst="ellipse">
-            <a:avLst/>
-          </a:prstGeom>
-          <a:noFill/>
-          <a:ln w="76200">
-            <a:solidFill>
-              <a:schemeClr val="accent1">
-                <a:lumMod val="50000"/>
-              </a:schemeClr>
-            </a:solidFill>
-            <a:prstDash val="sysDash"/>
-          </a:ln>
-        </p:spPr>
-        <p:style>
-          <a:lnRef idx="2">
-            <a:schemeClr val="accent1">
-              <a:shade val="50000"/>
-            </a:schemeClr>
-          </a:lnRef>
-          <a:fillRef idx="1">
-            <a:schemeClr val="accent1"/>
-          </a:fillRef>
-          <a:effectRef idx="0">
-            <a:schemeClr val="accent1"/>
-          </a:effectRef>
-          <a:fontRef idx="minor">
-            <a:schemeClr val="lt1"/>
-          </a:fontRef>
-        </p:style>
-        <p:txBody>
-          <a:bodyPr rtlCol="0" anchor="ctr"/>
-          <a:lstStyle/>
-          <a:p>
-            <a:pPr algn="ctr"/>
-            <a:endParaRPr lang="en-US"/>
-          </a:p>
-        </p:txBody>
-      </p:sp>
       <p:cxnSp>
         <p:nvCxnSpPr>
           <p:cNvPr id="97" name="Straight Connector 96"/>
@@ -4775,86 +4541,6 @@
           <a:prstGeom prst="line">
             <a:avLst/>
           </a:prstGeom>
-        </p:spPr>
-        <p:style>
-          <a:lnRef idx="1">
-            <a:schemeClr val="accent1"/>
-          </a:lnRef>
-          <a:fillRef idx="0">
-            <a:schemeClr val="accent1"/>
-          </a:fillRef>
-          <a:effectRef idx="0">
-            <a:schemeClr val="accent1"/>
-          </a:effectRef>
-          <a:fontRef idx="minor">
-            <a:schemeClr val="tx1"/>
-          </a:fontRef>
-        </p:style>
-      </p:cxnSp>
-      <p:cxnSp>
-        <p:nvCxnSpPr>
-          <p:cNvPr id="98" name="Straight Connector 97"/>
-          <p:cNvCxnSpPr>
-            <a:stCxn id="96" idx="0"/>
-          </p:cNvCxnSpPr>
-          <p:nvPr/>
-        </p:nvCxnSpPr>
-        <p:spPr>
-          <a:xfrm flipH="1" flipV="1">
-            <a:off x="6776122" y="2149405"/>
-            <a:ext cx="5172795" cy="776399"/>
-          </a:xfrm>
-          <a:prstGeom prst="line">
-            <a:avLst/>
-          </a:prstGeom>
-          <a:ln w="76200">
-            <a:solidFill>
-              <a:schemeClr val="accent1">
-                <a:lumMod val="50000"/>
-              </a:schemeClr>
-            </a:solidFill>
-            <a:prstDash val="sysDash"/>
-          </a:ln>
-        </p:spPr>
-        <p:style>
-          <a:lnRef idx="1">
-            <a:schemeClr val="accent1"/>
-          </a:lnRef>
-          <a:fillRef idx="0">
-            <a:schemeClr val="accent1"/>
-          </a:fillRef>
-          <a:effectRef idx="0">
-            <a:schemeClr val="accent1"/>
-          </a:effectRef>
-          <a:fontRef idx="minor">
-            <a:schemeClr val="tx1"/>
-          </a:fontRef>
-        </p:style>
-      </p:cxnSp>
-      <p:cxnSp>
-        <p:nvCxnSpPr>
-          <p:cNvPr id="99" name="Straight Connector 98"/>
-          <p:cNvCxnSpPr>
-            <a:stCxn id="96" idx="4"/>
-          </p:cNvCxnSpPr>
-          <p:nvPr/>
-        </p:nvCxnSpPr>
-        <p:spPr>
-          <a:xfrm flipH="1">
-            <a:off x="6776122" y="4826000"/>
-            <a:ext cx="5172795" cy="1418297"/>
-          </a:xfrm>
-          <a:prstGeom prst="line">
-            <a:avLst/>
-          </a:prstGeom>
-          <a:ln w="76200">
-            <a:solidFill>
-              <a:schemeClr val="accent1">
-                <a:lumMod val="50000"/>
-              </a:schemeClr>
-            </a:solidFill>
-            <a:prstDash val="sysDash"/>
-          </a:ln>
         </p:spPr>
         <p:style>
           <a:lnRef idx="1">
@@ -4923,62 +4609,6 @@
             <a:r>
               <a:rPr lang="en-US" sz="9600" dirty="0"/>
               <a:t>C</a:t>
-            </a:r>
-          </a:p>
-        </p:txBody>
-      </p:sp>
-      <p:sp>
-        <p:nvSpPr>
-          <p:cNvPr id="101" name="Teardrop 100"/>
-          <p:cNvSpPr>
-            <a:spLocks noChangeAspect="1"/>
-          </p:cNvSpPr>
-          <p:nvPr/>
-        </p:nvSpPr>
-        <p:spPr>
-          <a:xfrm rot="5400000">
-            <a:off x="8231207" y="0"/>
-            <a:ext cx="1179576" cy="1179576"/>
-          </a:xfrm>
-          <a:prstGeom prst="teardrop">
-            <a:avLst/>
-          </a:prstGeom>
-          <a:solidFill>
-            <a:srgbClr val="238B45"/>
-          </a:solidFill>
-          <a:ln>
-            <a:solidFill>
-              <a:schemeClr val="accent1">
-                <a:shade val="50000"/>
-                <a:alpha val="19000"/>
-              </a:schemeClr>
-            </a:solidFill>
-          </a:ln>
-        </p:spPr>
-        <p:style>
-          <a:lnRef idx="2">
-            <a:schemeClr val="accent1">
-              <a:shade val="50000"/>
-            </a:schemeClr>
-          </a:lnRef>
-          <a:fillRef idx="1">
-            <a:schemeClr val="accent1"/>
-          </a:fillRef>
-          <a:effectRef idx="0">
-            <a:schemeClr val="accent1"/>
-          </a:effectRef>
-          <a:fontRef idx="minor">
-            <a:schemeClr val="lt1"/>
-          </a:fontRef>
-        </p:style>
-        <p:txBody>
-          <a:bodyPr vert="vert270" rtlCol="0" anchor="ctr"/>
-          <a:lstStyle/>
-          <a:p>
-            <a:pPr algn="ctr"/>
-            <a:r>
-              <a:rPr lang="en-US" sz="9600" dirty="0"/>
-              <a:t>B</a:t>
             </a:r>
           </a:p>
         </p:txBody>
@@ -6507,7 +6137,7 @@
               <a:prstGeom prst="line">
                 <a:avLst/>
               </a:prstGeom>
-              <a:ln w="76200">
+              <a:ln w="76200" cap="rnd">
                 <a:solidFill>
                   <a:srgbClr val="000000">
                     <a:alpha val="10196"/>
@@ -6544,7 +6174,7 @@
               <a:prstGeom prst="line">
                 <a:avLst/>
               </a:prstGeom>
-              <a:ln w="76200">
+              <a:ln w="76200" cap="rnd">
                 <a:solidFill>
                   <a:srgbClr val="000000">
                     <a:alpha val="10196"/>
@@ -6581,7 +6211,7 @@
               <a:prstGeom prst="line">
                 <a:avLst/>
               </a:prstGeom>
-              <a:ln w="76200">
+              <a:ln w="76200" cap="rnd">
                 <a:solidFill>
                   <a:srgbClr val="000000">
                     <a:alpha val="10196"/>
@@ -6633,7 +6263,7 @@
               <a:prstGeom prst="line">
                 <a:avLst/>
               </a:prstGeom>
-              <a:ln w="76200">
+              <a:ln w="76200" cap="rnd">
                 <a:solidFill>
                   <a:srgbClr val="000000">
                     <a:alpha val="10196"/>
@@ -6670,7 +6300,7 @@
               <a:prstGeom prst="line">
                 <a:avLst/>
               </a:prstGeom>
-              <a:ln w="76200">
+              <a:ln w="76200" cap="rnd">
                 <a:solidFill>
                   <a:srgbClr val="000000">
                     <a:alpha val="10196"/>
@@ -6707,7 +6337,7 @@
               <a:prstGeom prst="line">
                 <a:avLst/>
               </a:prstGeom>
-              <a:ln w="76200">
+              <a:ln w="76200" cap="rnd">
                 <a:solidFill>
                   <a:srgbClr val="000000">
                     <a:alpha val="10196"/>
@@ -7956,6 +7586,1259 @@
           </a:p>
         </p:txBody>
       </p:sp>
+      <p:sp>
+        <p:nvSpPr>
+          <p:cNvPr id="94" name="Left Brace 93"/>
+          <p:cNvSpPr/>
+          <p:nvPr/>
+        </p:nvSpPr>
+        <p:spPr>
+          <a:xfrm rot="13514772">
+            <a:off x="11063856" y="4436036"/>
+            <a:ext cx="461482" cy="3253171"/>
+          </a:xfrm>
+          <a:prstGeom prst="leftBrace">
+            <a:avLst>
+              <a:gd name="adj1" fmla="val 42195"/>
+              <a:gd name="adj2" fmla="val 52127"/>
+            </a:avLst>
+          </a:prstGeom>
+          <a:ln w="76200" cap="sq">
+            <a:solidFill>
+              <a:schemeClr val="accent1">
+                <a:lumMod val="50000"/>
+              </a:schemeClr>
+            </a:solidFill>
+            <a:round/>
+            <a:headEnd w="lg" len="lg"/>
+          </a:ln>
+        </p:spPr>
+        <p:style>
+          <a:lnRef idx="1">
+            <a:schemeClr val="accent1"/>
+          </a:lnRef>
+          <a:fillRef idx="0">
+            <a:schemeClr val="accent1"/>
+          </a:fillRef>
+          <a:effectRef idx="0">
+            <a:schemeClr val="accent1"/>
+          </a:effectRef>
+          <a:fontRef idx="minor">
+            <a:schemeClr val="tx1"/>
+          </a:fontRef>
+        </p:style>
+        <p:txBody>
+          <a:bodyPr rtlCol="0" anchor="ctr"/>
+          <a:lstStyle/>
+          <a:p>
+            <a:pPr algn="ctr"/>
+            <a:endParaRPr lang="en-US">
+              <a:solidFill>
+                <a:srgbClr val="238B45"/>
+              </a:solidFill>
+            </a:endParaRPr>
+          </a:p>
+        </p:txBody>
+      </p:sp>
+      <p:sp>
+        <p:nvSpPr>
+          <p:cNvPr id="96" name="Oval 95"/>
+          <p:cNvSpPr>
+            <a:spLocks noChangeAspect="1"/>
+          </p:cNvSpPr>
+          <p:nvPr/>
+        </p:nvSpPr>
+        <p:spPr>
+          <a:xfrm>
+            <a:off x="11023600" y="2925804"/>
+            <a:ext cx="1850633" cy="1900196"/>
+          </a:xfrm>
+          <a:prstGeom prst="ellipse">
+            <a:avLst/>
+          </a:prstGeom>
+          <a:noFill/>
+          <a:ln w="76200">
+            <a:solidFill>
+              <a:schemeClr val="accent1">
+                <a:lumMod val="50000"/>
+              </a:schemeClr>
+            </a:solidFill>
+            <a:prstDash val="sysDash"/>
+          </a:ln>
+        </p:spPr>
+        <p:style>
+          <a:lnRef idx="2">
+            <a:schemeClr val="accent1">
+              <a:shade val="50000"/>
+            </a:schemeClr>
+          </a:lnRef>
+          <a:fillRef idx="1">
+            <a:schemeClr val="accent1"/>
+          </a:fillRef>
+          <a:effectRef idx="0">
+            <a:schemeClr val="accent1"/>
+          </a:effectRef>
+          <a:fontRef idx="minor">
+            <a:schemeClr val="lt1"/>
+          </a:fontRef>
+        </p:style>
+        <p:txBody>
+          <a:bodyPr rtlCol="0" anchor="ctr"/>
+          <a:lstStyle/>
+          <a:p>
+            <a:pPr algn="ctr"/>
+            <a:endParaRPr lang="en-US"/>
+          </a:p>
+        </p:txBody>
+      </p:sp>
+      <p:cxnSp>
+        <p:nvCxnSpPr>
+          <p:cNvPr id="98" name="Straight Connector 97"/>
+          <p:cNvCxnSpPr>
+            <a:stCxn id="96" idx="0"/>
+          </p:cNvCxnSpPr>
+          <p:nvPr/>
+        </p:nvCxnSpPr>
+        <p:spPr>
+          <a:xfrm flipH="1" flipV="1">
+            <a:off x="6776122" y="2149405"/>
+            <a:ext cx="5172795" cy="776399"/>
+          </a:xfrm>
+          <a:prstGeom prst="line">
+            <a:avLst/>
+          </a:prstGeom>
+          <a:ln w="76200">
+            <a:solidFill>
+              <a:schemeClr val="accent1">
+                <a:lumMod val="50000"/>
+              </a:schemeClr>
+            </a:solidFill>
+            <a:prstDash val="sysDash"/>
+          </a:ln>
+        </p:spPr>
+        <p:style>
+          <a:lnRef idx="1">
+            <a:schemeClr val="accent1"/>
+          </a:lnRef>
+          <a:fillRef idx="0">
+            <a:schemeClr val="accent1"/>
+          </a:fillRef>
+          <a:effectRef idx="0">
+            <a:schemeClr val="accent1"/>
+          </a:effectRef>
+          <a:fontRef idx="minor">
+            <a:schemeClr val="tx1"/>
+          </a:fontRef>
+        </p:style>
+      </p:cxnSp>
+      <p:cxnSp>
+        <p:nvCxnSpPr>
+          <p:cNvPr id="99" name="Straight Connector 98"/>
+          <p:cNvCxnSpPr>
+            <a:stCxn id="96" idx="4"/>
+          </p:cNvCxnSpPr>
+          <p:nvPr/>
+        </p:nvCxnSpPr>
+        <p:spPr>
+          <a:xfrm flipH="1">
+            <a:off x="6776122" y="4826000"/>
+            <a:ext cx="5172795" cy="1418297"/>
+          </a:xfrm>
+          <a:prstGeom prst="line">
+            <a:avLst/>
+          </a:prstGeom>
+          <a:ln w="76200">
+            <a:solidFill>
+              <a:schemeClr val="accent1">
+                <a:lumMod val="50000"/>
+              </a:schemeClr>
+            </a:solidFill>
+            <a:prstDash val="sysDash"/>
+          </a:ln>
+        </p:spPr>
+        <p:style>
+          <a:lnRef idx="1">
+            <a:schemeClr val="accent1"/>
+          </a:lnRef>
+          <a:fillRef idx="0">
+            <a:schemeClr val="accent1"/>
+          </a:fillRef>
+          <a:effectRef idx="0">
+            <a:schemeClr val="accent1"/>
+          </a:effectRef>
+          <a:fontRef idx="minor">
+            <a:schemeClr val="tx1"/>
+          </a:fontRef>
+        </p:style>
+      </p:cxnSp>
+      <p:sp>
+        <p:nvSpPr>
+          <p:cNvPr id="101" name="Teardrop 100"/>
+          <p:cNvSpPr>
+            <a:spLocks noChangeAspect="1"/>
+          </p:cNvSpPr>
+          <p:nvPr/>
+        </p:nvSpPr>
+        <p:spPr>
+          <a:xfrm rot="5400000">
+            <a:off x="8231207" y="0"/>
+            <a:ext cx="1179576" cy="1179576"/>
+          </a:xfrm>
+          <a:prstGeom prst="teardrop">
+            <a:avLst/>
+          </a:prstGeom>
+          <a:solidFill>
+            <a:srgbClr val="238B45"/>
+          </a:solidFill>
+          <a:ln>
+            <a:solidFill>
+              <a:schemeClr val="accent1">
+                <a:shade val="50000"/>
+                <a:alpha val="19000"/>
+              </a:schemeClr>
+            </a:solidFill>
+          </a:ln>
+        </p:spPr>
+        <p:style>
+          <a:lnRef idx="2">
+            <a:schemeClr val="accent1">
+              <a:shade val="50000"/>
+            </a:schemeClr>
+          </a:lnRef>
+          <a:fillRef idx="1">
+            <a:schemeClr val="accent1"/>
+          </a:fillRef>
+          <a:effectRef idx="0">
+            <a:schemeClr val="accent1"/>
+          </a:effectRef>
+          <a:fontRef idx="minor">
+            <a:schemeClr val="lt1"/>
+          </a:fontRef>
+        </p:style>
+        <p:txBody>
+          <a:bodyPr vert="vert270" rtlCol="0" anchor="ctr"/>
+          <a:lstStyle/>
+          <a:p>
+            <a:pPr algn="ctr"/>
+            <a:r>
+              <a:rPr lang="en-US" sz="9600" dirty="0"/>
+              <a:t>B</a:t>
+            </a:r>
+          </a:p>
+        </p:txBody>
+      </p:sp>
+      <p:sp>
+        <p:nvSpPr>
+          <p:cNvPr id="95" name="TextBox 94"/>
+          <p:cNvSpPr txBox="1"/>
+          <p:nvPr/>
+        </p:nvSpPr>
+        <p:spPr>
+          <a:xfrm>
+            <a:off x="11396208" y="6121303"/>
+            <a:ext cx="1535164" cy="935242"/>
+          </a:xfrm>
+          <a:prstGeom prst="rect">
+            <a:avLst/>
+          </a:prstGeom>
+          <a:noFill/>
+        </p:spPr>
+        <p:txBody>
+          <a:bodyPr wrap="square" rtlCol="0">
+            <a:spAutoFit/>
+          </a:bodyPr>
+          <a:lstStyle/>
+          <a:p>
+            <a:r>
+              <a:rPr lang="en-US" sz="6000" b="1" dirty="0" smtClean="0">
+                <a:solidFill>
+                  <a:schemeClr val="accent1">
+                    <a:lumMod val="50000"/>
+                  </a:schemeClr>
+                </a:solidFill>
+              </a:rPr>
+              <a:t>Dist</a:t>
+            </a:r>
+            <a:endParaRPr lang="en-US" sz="6000" b="1" dirty="0">
+              <a:solidFill>
+                <a:schemeClr val="accent1">
+                  <a:lumMod val="50000"/>
+                </a:schemeClr>
+              </a:solidFill>
+            </a:endParaRPr>
+          </a:p>
+        </p:txBody>
+      </p:sp>
+      <p:grpSp>
+        <p:nvGrpSpPr>
+          <p:cNvPr id="20" name="Group 19"/>
+          <p:cNvGrpSpPr/>
+          <p:nvPr/>
+        </p:nvGrpSpPr>
+        <p:grpSpPr>
+          <a:xfrm>
+            <a:off x="8932679" y="184435"/>
+            <a:ext cx="5697721" cy="7624360"/>
+            <a:chOff x="8932679" y="184435"/>
+            <a:chExt cx="5697721" cy="7624360"/>
+          </a:xfrm>
+        </p:grpSpPr>
+        <p:grpSp>
+          <p:nvGrpSpPr>
+            <p:cNvPr id="154" name="Group 153"/>
+            <p:cNvGrpSpPr/>
+            <p:nvPr/>
+          </p:nvGrpSpPr>
+          <p:grpSpPr>
+            <a:xfrm>
+              <a:off x="8932679" y="184436"/>
+              <a:ext cx="5697721" cy="7624359"/>
+              <a:chOff x="8958079" y="235236"/>
+              <a:chExt cx="3733803" cy="7624359"/>
+            </a:xfrm>
+          </p:grpSpPr>
+          <p:cxnSp>
+            <p:nvCxnSpPr>
+              <p:cNvPr id="155" name="Straight Connector 154"/>
+              <p:cNvCxnSpPr/>
+              <p:nvPr/>
+            </p:nvCxnSpPr>
+            <p:spPr>
+              <a:xfrm>
+                <a:off x="9330100" y="235236"/>
+                <a:ext cx="3361782" cy="0"/>
+              </a:xfrm>
+              <a:prstGeom prst="line">
+                <a:avLst/>
+              </a:prstGeom>
+              <a:ln w="57150" cap="rnd">
+                <a:solidFill>
+                  <a:srgbClr val="000000">
+                    <a:alpha val="10196"/>
+                  </a:srgbClr>
+                </a:solidFill>
+              </a:ln>
+            </p:spPr>
+            <p:style>
+              <a:lnRef idx="1">
+                <a:schemeClr val="accent1"/>
+              </a:lnRef>
+              <a:fillRef idx="0">
+                <a:schemeClr val="accent1"/>
+              </a:fillRef>
+              <a:effectRef idx="0">
+                <a:schemeClr val="accent1"/>
+              </a:effectRef>
+              <a:fontRef idx="minor">
+                <a:schemeClr val="tx1"/>
+              </a:fontRef>
+            </p:style>
+          </p:cxnSp>
+          <p:cxnSp>
+            <p:nvCxnSpPr>
+              <p:cNvPr id="156" name="Straight Connector 155"/>
+              <p:cNvCxnSpPr/>
+              <p:nvPr/>
+            </p:nvCxnSpPr>
+            <p:spPr>
+              <a:xfrm rot="16200000">
+                <a:off x="10824981" y="3060246"/>
+                <a:ext cx="0" cy="3733803"/>
+              </a:xfrm>
+              <a:prstGeom prst="line">
+                <a:avLst/>
+              </a:prstGeom>
+              <a:ln w="57150" cap="rnd">
+                <a:solidFill>
+                  <a:srgbClr val="000000">
+                    <a:alpha val="10196"/>
+                  </a:srgbClr>
+                </a:solidFill>
+              </a:ln>
+            </p:spPr>
+            <p:style>
+              <a:lnRef idx="1">
+                <a:schemeClr val="accent1"/>
+              </a:lnRef>
+              <a:fillRef idx="0">
+                <a:schemeClr val="accent1"/>
+              </a:fillRef>
+              <a:effectRef idx="0">
+                <a:schemeClr val="accent1"/>
+              </a:effectRef>
+              <a:fontRef idx="minor">
+                <a:schemeClr val="tx1"/>
+              </a:fontRef>
+            </p:style>
+          </p:cxnSp>
+          <p:cxnSp>
+            <p:nvCxnSpPr>
+              <p:cNvPr id="157" name="Straight Connector 156"/>
+              <p:cNvCxnSpPr/>
+              <p:nvPr/>
+            </p:nvCxnSpPr>
+            <p:spPr>
+              <a:xfrm rot="16200000">
+                <a:off x="10824981" y="2473757"/>
+                <a:ext cx="0" cy="3733803"/>
+              </a:xfrm>
+              <a:prstGeom prst="line">
+                <a:avLst/>
+              </a:prstGeom>
+              <a:ln w="57150" cap="rnd">
+                <a:solidFill>
+                  <a:srgbClr val="000000">
+                    <a:alpha val="10196"/>
+                  </a:srgbClr>
+                </a:solidFill>
+              </a:ln>
+            </p:spPr>
+            <p:style>
+              <a:lnRef idx="1">
+                <a:schemeClr val="accent1"/>
+              </a:lnRef>
+              <a:fillRef idx="0">
+                <a:schemeClr val="accent1"/>
+              </a:fillRef>
+              <a:effectRef idx="0">
+                <a:schemeClr val="accent1"/>
+              </a:effectRef>
+              <a:fontRef idx="minor">
+                <a:schemeClr val="tx1"/>
+              </a:fontRef>
+            </p:style>
+          </p:cxnSp>
+          <p:cxnSp>
+            <p:nvCxnSpPr>
+              <p:cNvPr id="158" name="Straight Connector 157"/>
+              <p:cNvCxnSpPr/>
+              <p:nvPr/>
+            </p:nvCxnSpPr>
+            <p:spPr>
+              <a:xfrm rot="16200000">
+                <a:off x="10824981" y="1887268"/>
+                <a:ext cx="0" cy="3733803"/>
+              </a:xfrm>
+              <a:prstGeom prst="line">
+                <a:avLst/>
+              </a:prstGeom>
+              <a:ln w="57150" cap="rnd">
+                <a:solidFill>
+                  <a:srgbClr val="000000">
+                    <a:alpha val="10196"/>
+                  </a:srgbClr>
+                </a:solidFill>
+              </a:ln>
+            </p:spPr>
+            <p:style>
+              <a:lnRef idx="1">
+                <a:schemeClr val="accent1"/>
+              </a:lnRef>
+              <a:fillRef idx="0">
+                <a:schemeClr val="accent1"/>
+              </a:fillRef>
+              <a:effectRef idx="0">
+                <a:schemeClr val="accent1"/>
+              </a:effectRef>
+              <a:fontRef idx="minor">
+                <a:schemeClr val="tx1"/>
+              </a:fontRef>
+            </p:style>
+          </p:cxnSp>
+          <p:cxnSp>
+            <p:nvCxnSpPr>
+              <p:cNvPr id="159" name="Straight Connector 158"/>
+              <p:cNvCxnSpPr/>
+              <p:nvPr/>
+            </p:nvCxnSpPr>
+            <p:spPr>
+              <a:xfrm rot="16200000">
+                <a:off x="10824981" y="1300779"/>
+                <a:ext cx="0" cy="3733803"/>
+              </a:xfrm>
+              <a:prstGeom prst="line">
+                <a:avLst/>
+              </a:prstGeom>
+              <a:ln w="57150" cap="rnd">
+                <a:solidFill>
+                  <a:srgbClr val="000000">
+                    <a:alpha val="10196"/>
+                  </a:srgbClr>
+                </a:solidFill>
+              </a:ln>
+            </p:spPr>
+            <p:style>
+              <a:lnRef idx="1">
+                <a:schemeClr val="accent1"/>
+              </a:lnRef>
+              <a:fillRef idx="0">
+                <a:schemeClr val="accent1"/>
+              </a:fillRef>
+              <a:effectRef idx="0">
+                <a:schemeClr val="accent1"/>
+              </a:effectRef>
+              <a:fontRef idx="minor">
+                <a:schemeClr val="tx1"/>
+              </a:fontRef>
+            </p:style>
+          </p:cxnSp>
+          <p:cxnSp>
+            <p:nvCxnSpPr>
+              <p:cNvPr id="160" name="Straight Connector 159"/>
+              <p:cNvCxnSpPr/>
+              <p:nvPr/>
+            </p:nvCxnSpPr>
+            <p:spPr>
+              <a:xfrm rot="16200000">
+                <a:off x="10824981" y="714290"/>
+                <a:ext cx="0" cy="3733803"/>
+              </a:xfrm>
+              <a:prstGeom prst="line">
+                <a:avLst/>
+              </a:prstGeom>
+              <a:ln w="57150" cap="rnd">
+                <a:solidFill>
+                  <a:srgbClr val="000000">
+                    <a:alpha val="10196"/>
+                  </a:srgbClr>
+                </a:solidFill>
+              </a:ln>
+            </p:spPr>
+            <p:style>
+              <a:lnRef idx="1">
+                <a:schemeClr val="accent1"/>
+              </a:lnRef>
+              <a:fillRef idx="0">
+                <a:schemeClr val="accent1"/>
+              </a:fillRef>
+              <a:effectRef idx="0">
+                <a:schemeClr val="accent1"/>
+              </a:effectRef>
+              <a:fontRef idx="minor">
+                <a:schemeClr val="tx1"/>
+              </a:fontRef>
+            </p:style>
+          </p:cxnSp>
+          <p:cxnSp>
+            <p:nvCxnSpPr>
+              <p:cNvPr id="161" name="Straight Connector 160"/>
+              <p:cNvCxnSpPr/>
+              <p:nvPr/>
+            </p:nvCxnSpPr>
+            <p:spPr>
+              <a:xfrm rot="16200000">
+                <a:off x="10824981" y="127801"/>
+                <a:ext cx="0" cy="3733803"/>
+              </a:xfrm>
+              <a:prstGeom prst="line">
+                <a:avLst/>
+              </a:prstGeom>
+              <a:ln w="57150" cap="rnd">
+                <a:solidFill>
+                  <a:srgbClr val="000000">
+                    <a:alpha val="10196"/>
+                  </a:srgbClr>
+                </a:solidFill>
+              </a:ln>
+            </p:spPr>
+            <p:style>
+              <a:lnRef idx="1">
+                <a:schemeClr val="accent1"/>
+              </a:lnRef>
+              <a:fillRef idx="0">
+                <a:schemeClr val="accent1"/>
+              </a:fillRef>
+              <a:effectRef idx="0">
+                <a:schemeClr val="accent1"/>
+              </a:effectRef>
+              <a:fontRef idx="minor">
+                <a:schemeClr val="tx1"/>
+              </a:fontRef>
+            </p:style>
+          </p:cxnSp>
+          <p:cxnSp>
+            <p:nvCxnSpPr>
+              <p:cNvPr id="162" name="Straight Connector 161"/>
+              <p:cNvCxnSpPr/>
+              <p:nvPr/>
+            </p:nvCxnSpPr>
+            <p:spPr>
+              <a:xfrm>
+                <a:off x="9330100" y="821725"/>
+                <a:ext cx="3361782" cy="0"/>
+              </a:xfrm>
+              <a:prstGeom prst="line">
+                <a:avLst/>
+              </a:prstGeom>
+              <a:ln w="57150" cap="rnd">
+                <a:solidFill>
+                  <a:srgbClr val="000000">
+                    <a:alpha val="10196"/>
+                  </a:srgbClr>
+                </a:solidFill>
+              </a:ln>
+            </p:spPr>
+            <p:style>
+              <a:lnRef idx="1">
+                <a:schemeClr val="accent1"/>
+              </a:lnRef>
+              <a:fillRef idx="0">
+                <a:schemeClr val="accent1"/>
+              </a:fillRef>
+              <a:effectRef idx="0">
+                <a:schemeClr val="accent1"/>
+              </a:effectRef>
+              <a:fontRef idx="minor">
+                <a:schemeClr val="tx1"/>
+              </a:fontRef>
+            </p:style>
+          </p:cxnSp>
+          <p:cxnSp>
+            <p:nvCxnSpPr>
+              <p:cNvPr id="163" name="Straight Connector 162"/>
+              <p:cNvCxnSpPr/>
+              <p:nvPr/>
+            </p:nvCxnSpPr>
+            <p:spPr>
+              <a:xfrm rot="16200000">
+                <a:off x="10824981" y="-458688"/>
+                <a:ext cx="0" cy="3733803"/>
+              </a:xfrm>
+              <a:prstGeom prst="line">
+                <a:avLst/>
+              </a:prstGeom>
+              <a:ln w="57150" cap="rnd">
+                <a:solidFill>
+                  <a:srgbClr val="000000">
+                    <a:alpha val="10196"/>
+                  </a:srgbClr>
+                </a:solidFill>
+              </a:ln>
+            </p:spPr>
+            <p:style>
+              <a:lnRef idx="1">
+                <a:schemeClr val="accent1"/>
+              </a:lnRef>
+              <a:fillRef idx="0">
+                <a:schemeClr val="accent1"/>
+              </a:fillRef>
+              <a:effectRef idx="0">
+                <a:schemeClr val="accent1"/>
+              </a:effectRef>
+              <a:fontRef idx="minor">
+                <a:schemeClr val="tx1"/>
+              </a:fontRef>
+            </p:style>
+          </p:cxnSp>
+          <p:cxnSp>
+            <p:nvCxnSpPr>
+              <p:cNvPr id="164" name="Straight Connector 163"/>
+              <p:cNvCxnSpPr/>
+              <p:nvPr/>
+            </p:nvCxnSpPr>
+            <p:spPr>
+              <a:xfrm rot="16200000">
+                <a:off x="10824981" y="3646735"/>
+                <a:ext cx="0" cy="3733803"/>
+              </a:xfrm>
+              <a:prstGeom prst="line">
+                <a:avLst/>
+              </a:prstGeom>
+              <a:ln w="57150" cap="rnd">
+                <a:solidFill>
+                  <a:srgbClr val="000000">
+                    <a:alpha val="10196"/>
+                  </a:srgbClr>
+                </a:solidFill>
+              </a:ln>
+            </p:spPr>
+            <p:style>
+              <a:lnRef idx="1">
+                <a:schemeClr val="accent1"/>
+              </a:lnRef>
+              <a:fillRef idx="0">
+                <a:schemeClr val="accent1"/>
+              </a:fillRef>
+              <a:effectRef idx="0">
+                <a:schemeClr val="accent1"/>
+              </a:effectRef>
+              <a:fontRef idx="minor">
+                <a:schemeClr val="tx1"/>
+              </a:fontRef>
+            </p:style>
+          </p:cxnSp>
+          <p:cxnSp>
+            <p:nvCxnSpPr>
+              <p:cNvPr id="165" name="Straight Connector 164"/>
+              <p:cNvCxnSpPr/>
+              <p:nvPr/>
+            </p:nvCxnSpPr>
+            <p:spPr>
+              <a:xfrm rot="16200000">
+                <a:off x="10824981" y="4233224"/>
+                <a:ext cx="0" cy="3733803"/>
+              </a:xfrm>
+              <a:prstGeom prst="line">
+                <a:avLst/>
+              </a:prstGeom>
+              <a:ln w="57150" cap="rnd">
+                <a:solidFill>
+                  <a:srgbClr val="000000">
+                    <a:alpha val="10196"/>
+                  </a:srgbClr>
+                </a:solidFill>
+              </a:ln>
+            </p:spPr>
+            <p:style>
+              <a:lnRef idx="1">
+                <a:schemeClr val="accent1"/>
+              </a:lnRef>
+              <a:fillRef idx="0">
+                <a:schemeClr val="accent1"/>
+              </a:fillRef>
+              <a:effectRef idx="0">
+                <a:schemeClr val="accent1"/>
+              </a:effectRef>
+              <a:fontRef idx="minor">
+                <a:schemeClr val="tx1"/>
+              </a:fontRef>
+            </p:style>
+          </p:cxnSp>
+          <p:cxnSp>
+            <p:nvCxnSpPr>
+              <p:cNvPr id="166" name="Straight Connector 165"/>
+              <p:cNvCxnSpPr/>
+              <p:nvPr/>
+            </p:nvCxnSpPr>
+            <p:spPr>
+              <a:xfrm rot="16200000">
+                <a:off x="10824981" y="4819713"/>
+                <a:ext cx="0" cy="3733803"/>
+              </a:xfrm>
+              <a:prstGeom prst="line">
+                <a:avLst/>
+              </a:prstGeom>
+              <a:ln w="57150" cap="rnd">
+                <a:solidFill>
+                  <a:srgbClr val="000000">
+                    <a:alpha val="10196"/>
+                  </a:srgbClr>
+                </a:solidFill>
+              </a:ln>
+            </p:spPr>
+            <p:style>
+              <a:lnRef idx="1">
+                <a:schemeClr val="accent1"/>
+              </a:lnRef>
+              <a:fillRef idx="0">
+                <a:schemeClr val="accent1"/>
+              </a:fillRef>
+              <a:effectRef idx="0">
+                <a:schemeClr val="accent1"/>
+              </a:effectRef>
+              <a:fontRef idx="minor">
+                <a:schemeClr val="tx1"/>
+              </a:fontRef>
+            </p:style>
+          </p:cxnSp>
+          <p:cxnSp>
+            <p:nvCxnSpPr>
+              <p:cNvPr id="167" name="Straight Connector 166"/>
+              <p:cNvCxnSpPr/>
+              <p:nvPr/>
+            </p:nvCxnSpPr>
+            <p:spPr>
+              <a:xfrm rot="16200000">
+                <a:off x="10824981" y="5406202"/>
+                <a:ext cx="0" cy="3733803"/>
+              </a:xfrm>
+              <a:prstGeom prst="line">
+                <a:avLst/>
+              </a:prstGeom>
+              <a:ln w="57150" cap="rnd">
+                <a:solidFill>
+                  <a:srgbClr val="000000">
+                    <a:alpha val="10196"/>
+                  </a:srgbClr>
+                </a:solidFill>
+              </a:ln>
+            </p:spPr>
+            <p:style>
+              <a:lnRef idx="1">
+                <a:schemeClr val="accent1"/>
+              </a:lnRef>
+              <a:fillRef idx="0">
+                <a:schemeClr val="accent1"/>
+              </a:fillRef>
+              <a:effectRef idx="0">
+                <a:schemeClr val="accent1"/>
+              </a:effectRef>
+              <a:fontRef idx="minor">
+                <a:schemeClr val="tx1"/>
+              </a:fontRef>
+            </p:style>
+          </p:cxnSp>
+          <p:cxnSp>
+            <p:nvCxnSpPr>
+              <p:cNvPr id="168" name="Straight Connector 167"/>
+              <p:cNvCxnSpPr/>
+              <p:nvPr/>
+            </p:nvCxnSpPr>
+            <p:spPr>
+              <a:xfrm rot="16200000">
+                <a:off x="10824981" y="5992693"/>
+                <a:ext cx="0" cy="3733803"/>
+              </a:xfrm>
+              <a:prstGeom prst="line">
+                <a:avLst/>
+              </a:prstGeom>
+              <a:ln w="57150" cap="rnd">
+                <a:solidFill>
+                  <a:srgbClr val="000000">
+                    <a:alpha val="10196"/>
+                  </a:srgbClr>
+                </a:solidFill>
+              </a:ln>
+            </p:spPr>
+            <p:style>
+              <a:lnRef idx="1">
+                <a:schemeClr val="accent1"/>
+              </a:lnRef>
+              <a:fillRef idx="0">
+                <a:schemeClr val="accent1"/>
+              </a:fillRef>
+              <a:effectRef idx="0">
+                <a:schemeClr val="accent1"/>
+              </a:effectRef>
+              <a:fontRef idx="minor">
+                <a:schemeClr val="tx1"/>
+              </a:fontRef>
+            </p:style>
+          </p:cxnSp>
+        </p:grpSp>
+        <p:grpSp>
+          <p:nvGrpSpPr>
+            <p:cNvPr id="19" name="Group 18"/>
+            <p:cNvGrpSpPr/>
+            <p:nvPr/>
+          </p:nvGrpSpPr>
+          <p:grpSpPr>
+            <a:xfrm>
+              <a:off x="8932679" y="184435"/>
+              <a:ext cx="5697721" cy="7624360"/>
+              <a:chOff x="8932679" y="184435"/>
+              <a:chExt cx="5697721" cy="7624360"/>
+            </a:xfrm>
+          </p:grpSpPr>
+          <p:cxnSp>
+            <p:nvCxnSpPr>
+              <p:cNvPr id="169" name="Straight Connector 168"/>
+              <p:cNvCxnSpPr/>
+              <p:nvPr/>
+            </p:nvCxnSpPr>
+            <p:spPr>
+              <a:xfrm>
+                <a:off x="14041956" y="184436"/>
+                <a:ext cx="0" cy="7624359"/>
+              </a:xfrm>
+              <a:prstGeom prst="line">
+                <a:avLst/>
+              </a:prstGeom>
+              <a:ln w="57150" cap="rnd">
+                <a:solidFill>
+                  <a:srgbClr val="000000">
+                    <a:alpha val="10196"/>
+                  </a:srgbClr>
+                </a:solidFill>
+              </a:ln>
+            </p:spPr>
+            <p:style>
+              <a:lnRef idx="1">
+                <a:schemeClr val="accent1"/>
+              </a:lnRef>
+              <a:fillRef idx="0">
+                <a:schemeClr val="accent1"/>
+              </a:fillRef>
+              <a:effectRef idx="0">
+                <a:schemeClr val="accent1"/>
+              </a:effectRef>
+              <a:fontRef idx="minor">
+                <a:schemeClr val="tx1"/>
+              </a:fontRef>
+            </p:style>
+          </p:cxnSp>
+          <p:cxnSp>
+            <p:nvCxnSpPr>
+              <p:cNvPr id="170" name="Straight Connector 169"/>
+              <p:cNvCxnSpPr/>
+              <p:nvPr/>
+            </p:nvCxnSpPr>
+            <p:spPr>
+              <a:xfrm>
+                <a:off x="10635772" y="184436"/>
+                <a:ext cx="0" cy="7624359"/>
+              </a:xfrm>
+              <a:prstGeom prst="line">
+                <a:avLst/>
+              </a:prstGeom>
+              <a:ln w="57150" cap="rnd">
+                <a:solidFill>
+                  <a:srgbClr val="000000">
+                    <a:alpha val="10196"/>
+                  </a:srgbClr>
+                </a:solidFill>
+              </a:ln>
+            </p:spPr>
+            <p:style>
+              <a:lnRef idx="1">
+                <a:schemeClr val="accent1"/>
+              </a:lnRef>
+              <a:fillRef idx="0">
+                <a:schemeClr val="accent1"/>
+              </a:fillRef>
+              <a:effectRef idx="0">
+                <a:schemeClr val="accent1"/>
+              </a:effectRef>
+              <a:fontRef idx="minor">
+                <a:schemeClr val="tx1"/>
+              </a:fontRef>
+            </p:style>
+          </p:cxnSp>
+          <p:cxnSp>
+            <p:nvCxnSpPr>
+              <p:cNvPr id="171" name="Straight Connector 170"/>
+              <p:cNvCxnSpPr/>
+              <p:nvPr/>
+            </p:nvCxnSpPr>
+            <p:spPr>
+              <a:xfrm>
+                <a:off x="11203469" y="184436"/>
+                <a:ext cx="0" cy="7624359"/>
+              </a:xfrm>
+              <a:prstGeom prst="line">
+                <a:avLst/>
+              </a:prstGeom>
+              <a:ln w="57150" cap="rnd">
+                <a:solidFill>
+                  <a:srgbClr val="000000">
+                    <a:alpha val="10196"/>
+                  </a:srgbClr>
+                </a:solidFill>
+              </a:ln>
+            </p:spPr>
+            <p:style>
+              <a:lnRef idx="1">
+                <a:schemeClr val="accent1"/>
+              </a:lnRef>
+              <a:fillRef idx="0">
+                <a:schemeClr val="accent1"/>
+              </a:fillRef>
+              <a:effectRef idx="0">
+                <a:schemeClr val="accent1"/>
+              </a:effectRef>
+              <a:fontRef idx="minor">
+                <a:schemeClr val="tx1"/>
+              </a:fontRef>
+            </p:style>
+          </p:cxnSp>
+          <p:cxnSp>
+            <p:nvCxnSpPr>
+              <p:cNvPr id="172" name="Straight Connector 171"/>
+              <p:cNvCxnSpPr/>
+              <p:nvPr/>
+            </p:nvCxnSpPr>
+            <p:spPr>
+              <a:xfrm>
+                <a:off x="11771167" y="184436"/>
+                <a:ext cx="0" cy="7624359"/>
+              </a:xfrm>
+              <a:prstGeom prst="line">
+                <a:avLst/>
+              </a:prstGeom>
+              <a:ln w="57150" cap="rnd">
+                <a:solidFill>
+                  <a:srgbClr val="000000">
+                    <a:alpha val="10196"/>
+                  </a:srgbClr>
+                </a:solidFill>
+              </a:ln>
+            </p:spPr>
+            <p:style>
+              <a:lnRef idx="1">
+                <a:schemeClr val="accent1"/>
+              </a:lnRef>
+              <a:fillRef idx="0">
+                <a:schemeClr val="accent1"/>
+              </a:fillRef>
+              <a:effectRef idx="0">
+                <a:schemeClr val="accent1"/>
+              </a:effectRef>
+              <a:fontRef idx="minor">
+                <a:schemeClr val="tx1"/>
+              </a:fontRef>
+            </p:style>
+          </p:cxnSp>
+          <p:cxnSp>
+            <p:nvCxnSpPr>
+              <p:cNvPr id="173" name="Straight Connector 172"/>
+              <p:cNvCxnSpPr/>
+              <p:nvPr/>
+            </p:nvCxnSpPr>
+            <p:spPr>
+              <a:xfrm>
+                <a:off x="12338864" y="184436"/>
+                <a:ext cx="0" cy="7624359"/>
+              </a:xfrm>
+              <a:prstGeom prst="line">
+                <a:avLst/>
+              </a:prstGeom>
+              <a:ln w="57150" cap="rnd">
+                <a:solidFill>
+                  <a:srgbClr val="000000">
+                    <a:alpha val="10196"/>
+                  </a:srgbClr>
+                </a:solidFill>
+              </a:ln>
+            </p:spPr>
+            <p:style>
+              <a:lnRef idx="1">
+                <a:schemeClr val="accent1"/>
+              </a:lnRef>
+              <a:fillRef idx="0">
+                <a:schemeClr val="accent1"/>
+              </a:fillRef>
+              <a:effectRef idx="0">
+                <a:schemeClr val="accent1"/>
+              </a:effectRef>
+              <a:fontRef idx="minor">
+                <a:schemeClr val="tx1"/>
+              </a:fontRef>
+            </p:style>
+          </p:cxnSp>
+          <p:cxnSp>
+            <p:nvCxnSpPr>
+              <p:cNvPr id="174" name="Straight Connector 173"/>
+              <p:cNvCxnSpPr/>
+              <p:nvPr/>
+            </p:nvCxnSpPr>
+            <p:spPr>
+              <a:xfrm>
+                <a:off x="12906562" y="184436"/>
+                <a:ext cx="0" cy="7624359"/>
+              </a:xfrm>
+              <a:prstGeom prst="line">
+                <a:avLst/>
+              </a:prstGeom>
+              <a:ln w="57150" cap="rnd">
+                <a:solidFill>
+                  <a:srgbClr val="000000">
+                    <a:alpha val="10196"/>
+                  </a:srgbClr>
+                </a:solidFill>
+              </a:ln>
+            </p:spPr>
+            <p:style>
+              <a:lnRef idx="1">
+                <a:schemeClr val="accent1"/>
+              </a:lnRef>
+              <a:fillRef idx="0">
+                <a:schemeClr val="accent1"/>
+              </a:fillRef>
+              <a:effectRef idx="0">
+                <a:schemeClr val="accent1"/>
+              </a:effectRef>
+              <a:fontRef idx="minor">
+                <a:schemeClr val="tx1"/>
+              </a:fontRef>
+            </p:style>
+          </p:cxnSp>
+          <p:cxnSp>
+            <p:nvCxnSpPr>
+              <p:cNvPr id="175" name="Straight Connector 174"/>
+              <p:cNvCxnSpPr/>
+              <p:nvPr/>
+            </p:nvCxnSpPr>
+            <p:spPr>
+              <a:xfrm>
+                <a:off x="13474259" y="184436"/>
+                <a:ext cx="0" cy="7624359"/>
+              </a:xfrm>
+              <a:prstGeom prst="line">
+                <a:avLst/>
+              </a:prstGeom>
+              <a:ln w="57150" cap="rnd">
+                <a:solidFill>
+                  <a:srgbClr val="000000">
+                    <a:alpha val="10196"/>
+                  </a:srgbClr>
+                </a:solidFill>
+              </a:ln>
+            </p:spPr>
+            <p:style>
+              <a:lnRef idx="1">
+                <a:schemeClr val="accent1"/>
+              </a:lnRef>
+              <a:fillRef idx="0">
+                <a:schemeClr val="accent1"/>
+              </a:fillRef>
+              <a:effectRef idx="0">
+                <a:schemeClr val="accent1"/>
+              </a:effectRef>
+              <a:fontRef idx="minor">
+                <a:schemeClr val="tx1"/>
+              </a:fontRef>
+            </p:style>
+          </p:cxnSp>
+          <p:cxnSp>
+            <p:nvCxnSpPr>
+              <p:cNvPr id="176" name="Straight Connector 175"/>
+              <p:cNvCxnSpPr/>
+              <p:nvPr/>
+            </p:nvCxnSpPr>
+            <p:spPr>
+              <a:xfrm>
+                <a:off x="10068074" y="184436"/>
+                <a:ext cx="0" cy="7624359"/>
+              </a:xfrm>
+              <a:prstGeom prst="line">
+                <a:avLst/>
+              </a:prstGeom>
+              <a:ln w="57150" cap="rnd">
+                <a:solidFill>
+                  <a:srgbClr val="000000">
+                    <a:alpha val="10196"/>
+                  </a:srgbClr>
+                </a:solidFill>
+              </a:ln>
+            </p:spPr>
+            <p:style>
+              <a:lnRef idx="1">
+                <a:schemeClr val="accent1"/>
+              </a:lnRef>
+              <a:fillRef idx="0">
+                <a:schemeClr val="accent1"/>
+              </a:fillRef>
+              <a:effectRef idx="0">
+                <a:schemeClr val="accent1"/>
+              </a:effectRef>
+              <a:fontRef idx="minor">
+                <a:schemeClr val="tx1"/>
+              </a:fontRef>
+            </p:style>
+          </p:cxnSp>
+          <p:cxnSp>
+            <p:nvCxnSpPr>
+              <p:cNvPr id="177" name="Straight Connector 176"/>
+              <p:cNvCxnSpPr/>
+              <p:nvPr/>
+            </p:nvCxnSpPr>
+            <p:spPr>
+              <a:xfrm>
+                <a:off x="9500377" y="184436"/>
+                <a:ext cx="0" cy="7624359"/>
+              </a:xfrm>
+              <a:prstGeom prst="line">
+                <a:avLst/>
+              </a:prstGeom>
+              <a:ln w="57150" cap="rnd">
+                <a:solidFill>
+                  <a:srgbClr val="000000">
+                    <a:alpha val="10196"/>
+                  </a:srgbClr>
+                </a:solidFill>
+              </a:ln>
+            </p:spPr>
+            <p:style>
+              <a:lnRef idx="1">
+                <a:schemeClr val="accent1"/>
+              </a:lnRef>
+              <a:fillRef idx="0">
+                <a:schemeClr val="accent1"/>
+              </a:fillRef>
+              <a:effectRef idx="0">
+                <a:schemeClr val="accent1"/>
+              </a:effectRef>
+              <a:fontRef idx="minor">
+                <a:schemeClr val="tx1"/>
+              </a:fontRef>
+            </p:style>
+          </p:cxnSp>
+          <p:cxnSp>
+            <p:nvCxnSpPr>
+              <p:cNvPr id="178" name="Straight Connector 177"/>
+              <p:cNvCxnSpPr/>
+              <p:nvPr/>
+            </p:nvCxnSpPr>
+            <p:spPr>
+              <a:xfrm>
+                <a:off x="8932679" y="1357414"/>
+                <a:ext cx="0" cy="6451381"/>
+              </a:xfrm>
+              <a:prstGeom prst="line">
+                <a:avLst/>
+              </a:prstGeom>
+              <a:ln w="57150" cap="rnd">
+                <a:solidFill>
+                  <a:srgbClr val="000000">
+                    <a:alpha val="10196"/>
+                  </a:srgbClr>
+                </a:solidFill>
+              </a:ln>
+            </p:spPr>
+            <p:style>
+              <a:lnRef idx="1">
+                <a:schemeClr val="accent1"/>
+              </a:lnRef>
+              <a:fillRef idx="0">
+                <a:schemeClr val="accent1"/>
+              </a:fillRef>
+              <a:effectRef idx="0">
+                <a:schemeClr val="accent1"/>
+              </a:effectRef>
+              <a:fontRef idx="minor">
+                <a:schemeClr val="tx1"/>
+              </a:fontRef>
+            </p:style>
+          </p:cxnSp>
+          <p:cxnSp>
+            <p:nvCxnSpPr>
+              <p:cNvPr id="179" name="Straight Connector 178"/>
+              <p:cNvCxnSpPr/>
+              <p:nvPr/>
+            </p:nvCxnSpPr>
+            <p:spPr>
+              <a:xfrm>
+                <a:off x="14630400" y="184435"/>
+                <a:ext cx="0" cy="7624359"/>
+              </a:xfrm>
+              <a:prstGeom prst="line">
+                <a:avLst/>
+              </a:prstGeom>
+              <a:ln w="57150" cap="rnd">
+                <a:solidFill>
+                  <a:srgbClr val="000000">
+                    <a:alpha val="10196"/>
+                  </a:srgbClr>
+                </a:solidFill>
+              </a:ln>
+            </p:spPr>
+            <p:style>
+              <a:lnRef idx="1">
+                <a:schemeClr val="accent1"/>
+              </a:lnRef>
+              <a:fillRef idx="0">
+                <a:schemeClr val="accent1"/>
+              </a:fillRef>
+              <a:effectRef idx="0">
+                <a:schemeClr val="accent1"/>
+              </a:effectRef>
+              <a:fontRef idx="minor">
+                <a:schemeClr val="tx1"/>
+              </a:fontRef>
+            </p:style>
+          </p:cxnSp>
+        </p:grpSp>
+      </p:grpSp>
     </p:spTree>
     <p:extLst>
       <p:ext uri="{BB962C8B-B14F-4D97-AF65-F5344CB8AC3E}">
